--- a/presentazione/ProjectLeafWIP.pptx
+++ b/presentazione/ProjectLeafWIP.pptx
@@ -5,7 +5,7 @@
     <p:sldMasterId id="2147483648" r:id="rId1"/>
   </p:sldMasterIdLst>
   <p:notesMasterIdLst>
-    <p:notesMasterId r:id="rId20"/>
+    <p:notesMasterId r:id="rId23"/>
   </p:notesMasterIdLst>
   <p:sldIdLst>
     <p:sldId id="419" r:id="rId2"/>
@@ -22,10 +22,13 @@
     <p:sldId id="425" r:id="rId13"/>
     <p:sldId id="445" r:id="rId14"/>
     <p:sldId id="395" r:id="rId15"/>
-    <p:sldId id="440" r:id="rId16"/>
-    <p:sldId id="446" r:id="rId17"/>
-    <p:sldId id="448" r:id="rId18"/>
-    <p:sldId id="441" r:id="rId19"/>
+    <p:sldId id="449" r:id="rId16"/>
+    <p:sldId id="450" r:id="rId17"/>
+    <p:sldId id="451" r:id="rId18"/>
+    <p:sldId id="440" r:id="rId19"/>
+    <p:sldId id="446" r:id="rId20"/>
+    <p:sldId id="448" r:id="rId21"/>
+    <p:sldId id="441" r:id="rId22"/>
   </p:sldIdLst>
   <p:sldSz cx="12192000" cy="6858000"/>
   <p:notesSz cx="6858000" cy="9144000"/>
@@ -151,6 +154,9 @@
             <p14:sldId id="425"/>
             <p14:sldId id="445"/>
             <p14:sldId id="395"/>
+            <p14:sldId id="449"/>
+            <p14:sldId id="450"/>
+            <p14:sldId id="451"/>
             <p14:sldId id="440"/>
             <p14:sldId id="446"/>
             <p14:sldId id="448"/>
@@ -2665,7 +2671,7 @@
           <a:p>
             <a:fld id="{15B85411-92C6-4CA9-9909-BCA054C93C79}" type="slidenum">
               <a:rPr lang="it-IT" smtClean="0"/>
-              <a:t>16</a:t>
+              <a:t>19</a:t>
             </a:fld>
             <a:endParaRPr lang="it-IT"/>
           </a:p>
@@ -2773,7 +2779,7 @@
           <a:p>
             <a:fld id="{15B85411-92C6-4CA9-9909-BCA054C93C79}" type="slidenum">
               <a:rPr lang="it-IT" smtClean="0"/>
-              <a:t>17</a:t>
+              <a:t>20</a:t>
             </a:fld>
             <a:endParaRPr lang="it-IT"/>
           </a:p>
@@ -10619,6 +10625,45 @@
           </a:p>
         </p:txBody>
       </p:sp>
+      <p:sp>
+        <p:nvSpPr>
+          <p:cNvPr id="7" name="CasellaDiTesto 6">
+            <a:extLst>
+              <a:ext uri="{FF2B5EF4-FFF2-40B4-BE49-F238E27FC236}">
+                <a16:creationId xmlns:a16="http://schemas.microsoft.com/office/drawing/2014/main" id="{F6789A58-B679-56BC-568D-9D687CDAC233}"/>
+              </a:ext>
+            </a:extLst>
+          </p:cNvPr>
+          <p:cNvSpPr txBox="1"/>
+          <p:nvPr/>
+        </p:nvSpPr>
+        <p:spPr>
+          <a:xfrm>
+            <a:off x="4958308" y="3223115"/>
+            <a:ext cx="2468605" cy="1754326"/>
+          </a:xfrm>
+          <a:prstGeom prst="rect">
+            <a:avLst/>
+          </a:prstGeom>
+          <a:noFill/>
+        </p:spPr>
+        <p:txBody>
+          <a:bodyPr wrap="square" rtlCol="0">
+            <a:spAutoFit/>
+          </a:bodyPr>
+          <a:lstStyle/>
+          <a:p>
+            <a:r>
+              <a:rPr lang="it-IT" dirty="0">
+                <a:solidFill>
+                  <a:schemeClr val="bg1"/>
+                </a:solidFill>
+              </a:rPr>
+              <a:t>Per poter riconoscere gli oggetti appena segmentati è necessario estrapolare le caratteristiche di quest’ultimi</a:t>
+            </a:r>
+          </a:p>
+        </p:txBody>
+      </p:sp>
     </p:spTree>
     <p:extLst>
       <p:ext uri="{BB962C8B-B14F-4D97-AF65-F5344CB8AC3E}">
@@ -10815,17 +10860,9 @@
               </a:path>
             </a:pathLst>
           </a:custGeom>
-          <a:gradFill>
-            <a:gsLst>
-              <a:gs pos="30000">
-                <a:srgbClr val="EEEEEE"/>
-              </a:gs>
-              <a:gs pos="100000">
-                <a:schemeClr val="bg1"/>
-              </a:gs>
-            </a:gsLst>
-            <a:lin ang="2700000" scaled="0"/>
-          </a:gradFill>
+          <a:solidFill>
+            <a:schemeClr val="accent3"/>
+          </a:solidFill>
           <a:ln>
             <a:noFill/>
           </a:ln>
@@ -11122,8 +11159,8 @@
         </p:nvSpPr>
         <p:spPr>
           <a:xfrm>
-            <a:off x="1078884" y="3339130"/>
-            <a:ext cx="1646974" cy="705498"/>
+            <a:off x="4791403" y="2234322"/>
+            <a:ext cx="2609193" cy="705498"/>
           </a:xfrm>
           <a:prstGeom prst="rect">
             <a:avLst/>
@@ -11148,7 +11185,7 @@
               </a:spcAft>
             </a:pPr>
             <a:r>
-              <a:rPr lang="zh-CN" altLang="en-US" sz="1200" dirty="0">
+              <a:rPr lang="it-IT" altLang="zh-CN" sz="1200" dirty="0">
                 <a:solidFill>
                   <a:schemeClr val="tx1">
                     <a:lumMod val="85000"/>
@@ -11159,8 +11196,157 @@
                 <a:cs typeface="+mn-ea"/>
                 <a:sym typeface="+mn-lt"/>
               </a:rPr>
-              <a:t>Design at uneasy me season of branch on praise esteem.</a:t>
-            </a:r>
+              <a:t>-RILBP</a:t>
+            </a:r>
+          </a:p>
+          <a:p>
+            <a:pPr algn="ctr">
+              <a:lnSpc>
+                <a:spcPct val="150000"/>
+              </a:lnSpc>
+              <a:spcBef>
+                <a:spcPct val="0"/>
+              </a:spcBef>
+              <a:spcAft>
+                <a:spcPct val="0"/>
+              </a:spcAft>
+            </a:pPr>
+            <a:r>
+              <a:rPr lang="it-IT" altLang="zh-CN" sz="1200" dirty="0">
+                <a:solidFill>
+                  <a:schemeClr val="tx1">
+                    <a:lumMod val="85000"/>
+                    <a:lumOff val="15000"/>
+                  </a:schemeClr>
+                </a:solidFill>
+                <a:ea typeface="微软雅黑" panose="020B0503020204020204" pitchFamily="34" charset="-122"/>
+                <a:cs typeface="+mn-ea"/>
+                <a:sym typeface="+mn-lt"/>
+              </a:rPr>
+              <a:t>-Edge </a:t>
+            </a:r>
+            <a:r>
+              <a:rPr lang="it-IT" altLang="zh-CN" sz="1200" dirty="0" err="1">
+                <a:solidFill>
+                  <a:schemeClr val="tx1">
+                    <a:lumMod val="85000"/>
+                    <a:lumOff val="15000"/>
+                  </a:schemeClr>
+                </a:solidFill>
+                <a:ea typeface="微软雅黑" panose="020B0503020204020204" pitchFamily="34" charset="-122"/>
+                <a:cs typeface="+mn-ea"/>
+                <a:sym typeface="+mn-lt"/>
+              </a:rPr>
+              <a:t>Histogram</a:t>
+            </a:r>
+            <a:r>
+              <a:rPr lang="it-IT" altLang="zh-CN" sz="1200" dirty="0">
+                <a:solidFill>
+                  <a:schemeClr val="tx1">
+                    <a:lumMod val="85000"/>
+                    <a:lumOff val="15000"/>
+                  </a:schemeClr>
+                </a:solidFill>
+                <a:ea typeface="微软雅黑" panose="020B0503020204020204" pitchFamily="34" charset="-122"/>
+                <a:cs typeface="+mn-ea"/>
+                <a:sym typeface="+mn-lt"/>
+              </a:rPr>
+              <a:t> </a:t>
+            </a:r>
+            <a:r>
+              <a:rPr lang="it-IT" altLang="zh-CN" sz="1200" dirty="0" err="1">
+                <a:solidFill>
+                  <a:schemeClr val="tx1">
+                    <a:lumMod val="85000"/>
+                    <a:lumOff val="15000"/>
+                  </a:schemeClr>
+                </a:solidFill>
+                <a:ea typeface="微软雅黑" panose="020B0503020204020204" pitchFamily="34" charset="-122"/>
+                <a:cs typeface="+mn-ea"/>
+                <a:sym typeface="+mn-lt"/>
+              </a:rPr>
+              <a:t>Static</a:t>
+            </a:r>
+            <a:r>
+              <a:rPr lang="it-IT" altLang="zh-CN" sz="1200" dirty="0">
+                <a:solidFill>
+                  <a:schemeClr val="tx1">
+                    <a:lumMod val="85000"/>
+                    <a:lumOff val="15000"/>
+                  </a:schemeClr>
+                </a:solidFill>
+                <a:ea typeface="微软雅黑" panose="020B0503020204020204" pitchFamily="34" charset="-122"/>
+                <a:cs typeface="+mn-ea"/>
+                <a:sym typeface="+mn-lt"/>
+              </a:rPr>
+              <a:t> Features</a:t>
+            </a:r>
+          </a:p>
+          <a:p>
+            <a:pPr algn="ctr">
+              <a:lnSpc>
+                <a:spcPct val="150000"/>
+              </a:lnSpc>
+              <a:spcBef>
+                <a:spcPct val="0"/>
+              </a:spcBef>
+              <a:spcAft>
+                <a:spcPct val="0"/>
+              </a:spcAft>
+            </a:pPr>
+            <a:r>
+              <a:rPr lang="it-IT" altLang="zh-CN" sz="1200" dirty="0">
+                <a:solidFill>
+                  <a:schemeClr val="tx1">
+                    <a:lumMod val="85000"/>
+                    <a:lumOff val="15000"/>
+                  </a:schemeClr>
+                </a:solidFill>
+                <a:ea typeface="微软雅黑" panose="020B0503020204020204" pitchFamily="34" charset="-122"/>
+                <a:cs typeface="+mn-ea"/>
+                <a:sym typeface="+mn-lt"/>
+              </a:rPr>
+              <a:t>-</a:t>
+            </a:r>
+            <a:r>
+              <a:rPr lang="it-IT" altLang="zh-CN" sz="1200" dirty="0" err="1">
+                <a:solidFill>
+                  <a:schemeClr val="tx1">
+                    <a:lumMod val="85000"/>
+                    <a:lumOff val="15000"/>
+                  </a:schemeClr>
+                </a:solidFill>
+                <a:ea typeface="微软雅黑" panose="020B0503020204020204" pitchFamily="34" charset="-122"/>
+                <a:cs typeface="+mn-ea"/>
+                <a:sym typeface="+mn-lt"/>
+              </a:rPr>
+              <a:t>Zernike</a:t>
+            </a:r>
+            <a:r>
+              <a:rPr lang="it-IT" altLang="zh-CN" sz="1200" dirty="0">
+                <a:solidFill>
+                  <a:schemeClr val="tx1">
+                    <a:lumMod val="85000"/>
+                    <a:lumOff val="15000"/>
+                  </a:schemeClr>
+                </a:solidFill>
+                <a:ea typeface="微软雅黑" panose="020B0503020204020204" pitchFamily="34" charset="-122"/>
+                <a:cs typeface="+mn-ea"/>
+                <a:sym typeface="+mn-lt"/>
+              </a:rPr>
+              <a:t> Moments</a:t>
+            </a:r>
+            <a:endParaRPr lang="zh-CN" altLang="en-US" sz="1200" dirty="0">
+              <a:solidFill>
+                <a:schemeClr val="tx1">
+                  <a:lumMod val="85000"/>
+                  <a:lumOff val="15000"/>
+                </a:schemeClr>
+              </a:solidFill>
+              <a:ea typeface="微软雅黑" panose="020B0503020204020204" pitchFamily="34" charset="-122"/>
+              <a:cs typeface="+mn-ea"/>
+              <a:sym typeface="+mn-lt"/>
+            </a:endParaRPr>
           </a:p>
           <a:p>
             <a:pPr algn="ctr">
@@ -11206,7 +11392,7 @@
         </p:nvSpPr>
         <p:spPr>
           <a:xfrm>
-            <a:off x="1203796" y="2850517"/>
+            <a:off x="5348800" y="1762185"/>
             <a:ext cx="1397152" cy="368247"/>
           </a:xfrm>
           <a:prstGeom prst="rect">
@@ -11233,13 +11419,18 @@
               <a:buSzPct val="100000"/>
             </a:pPr>
             <a:r>
-              <a:rPr lang="zh-CN" altLang="en-US" b="1" dirty="0">
+              <a:rPr lang="it-IT" altLang="zh-CN" b="1" dirty="0">
                 <a:ea typeface="微软雅黑" panose="020B0503020204020204" pitchFamily="34" charset="-122"/>
                 <a:cs typeface="+mn-ea"/>
                 <a:sym typeface="+mn-lt"/>
               </a:rPr>
-              <a:t>Goal 01</a:t>
-            </a:r>
+              <a:t>Texture</a:t>
+            </a:r>
+            <a:endParaRPr lang="zh-CN" altLang="en-US" b="1" dirty="0">
+              <a:ea typeface="微软雅黑" panose="020B0503020204020204" pitchFamily="34" charset="-122"/>
+              <a:cs typeface="+mn-ea"/>
+              <a:sym typeface="+mn-lt"/>
+            </a:endParaRPr>
           </a:p>
         </p:txBody>
       </p:sp>
@@ -11433,7 +11624,7 @@
         </p:nvSpPr>
         <p:spPr>
           <a:xfrm>
-            <a:off x="9467411" y="3339130"/>
+            <a:off x="9510313" y="2610756"/>
             <a:ext cx="1646976" cy="705498"/>
           </a:xfrm>
           <a:prstGeom prst="rect">
@@ -11459,7 +11650,7 @@
               </a:spcAft>
             </a:pPr>
             <a:r>
-              <a:rPr lang="zh-CN" altLang="en-US" sz="1200" dirty="0">
+              <a:rPr lang="it-IT" altLang="zh-CN" sz="1200" dirty="0">
                 <a:solidFill>
                   <a:schemeClr val="tx1">
                     <a:lumMod val="85000"/>
@@ -11470,7 +11661,7 @@
                 <a:cs typeface="+mn-ea"/>
                 <a:sym typeface="+mn-lt"/>
               </a:rPr>
-              <a:t>Design at uneasy me season of branch on praise esteem.</a:t>
+              <a:t>-Media</a:t>
             </a:r>
           </a:p>
           <a:p>
@@ -11485,6 +11676,102 @@
                 <a:spcPct val="0"/>
               </a:spcAft>
             </a:pPr>
+            <a:r>
+              <a:rPr lang="it-IT" altLang="zh-CN" sz="1200" dirty="0">
+                <a:solidFill>
+                  <a:schemeClr val="tx1">
+                    <a:lumMod val="85000"/>
+                    <a:lumOff val="15000"/>
+                  </a:schemeClr>
+                </a:solidFill>
+                <a:ea typeface="微软雅黑" panose="020B0503020204020204" pitchFamily="34" charset="-122"/>
+                <a:cs typeface="+mn-ea"/>
+                <a:sym typeface="+mn-lt"/>
+              </a:rPr>
+              <a:t>-STD</a:t>
+            </a:r>
+          </a:p>
+          <a:p>
+            <a:pPr algn="ctr">
+              <a:lnSpc>
+                <a:spcPct val="150000"/>
+              </a:lnSpc>
+              <a:spcBef>
+                <a:spcPct val="0"/>
+              </a:spcBef>
+              <a:spcAft>
+                <a:spcPct val="0"/>
+              </a:spcAft>
+            </a:pPr>
+            <a:r>
+              <a:rPr lang="it-IT" altLang="zh-CN" sz="1200" dirty="0">
+                <a:solidFill>
+                  <a:schemeClr val="tx1">
+                    <a:lumMod val="85000"/>
+                    <a:lumOff val="15000"/>
+                  </a:schemeClr>
+                </a:solidFill>
+                <a:ea typeface="微软雅黑" panose="020B0503020204020204" pitchFamily="34" charset="-122"/>
+                <a:cs typeface="+mn-ea"/>
+                <a:sym typeface="+mn-lt"/>
+              </a:rPr>
+              <a:t>-</a:t>
+            </a:r>
+          </a:p>
+          <a:p>
+            <a:pPr algn="ctr">
+              <a:lnSpc>
+                <a:spcPct val="150000"/>
+              </a:lnSpc>
+              <a:spcBef>
+                <a:spcPct val="0"/>
+              </a:spcBef>
+              <a:spcAft>
+                <a:spcPct val="0"/>
+              </a:spcAft>
+            </a:pPr>
+            <a:r>
+              <a:rPr lang="it-IT" altLang="zh-CN" sz="1200" dirty="0">
+                <a:solidFill>
+                  <a:schemeClr val="tx1">
+                    <a:lumMod val="85000"/>
+                    <a:lumOff val="15000"/>
+                  </a:schemeClr>
+                </a:solidFill>
+                <a:ea typeface="微软雅黑" panose="020B0503020204020204" pitchFamily="34" charset="-122"/>
+                <a:cs typeface="+mn-ea"/>
+                <a:sym typeface="+mn-lt"/>
+              </a:rPr>
+              <a:t>-</a:t>
+            </a:r>
+            <a:r>
+              <a:rPr lang="it-IT" altLang="zh-CN" sz="1200" dirty="0" err="1">
+                <a:solidFill>
+                  <a:schemeClr val="tx1">
+                    <a:lumMod val="85000"/>
+                    <a:lumOff val="15000"/>
+                  </a:schemeClr>
+                </a:solidFill>
+                <a:ea typeface="微软雅黑" panose="020B0503020204020204" pitchFamily="34" charset="-122"/>
+                <a:cs typeface="+mn-ea"/>
+                <a:sym typeface="+mn-lt"/>
+              </a:rPr>
+              <a:t>Assimetria</a:t>
+            </a:r>
+            <a:r>
+              <a:rPr lang="it-IT" altLang="zh-CN" sz="1200" dirty="0">
+                <a:solidFill>
+                  <a:schemeClr val="tx1">
+                    <a:lumMod val="85000"/>
+                    <a:lumOff val="15000"/>
+                  </a:schemeClr>
+                </a:solidFill>
+                <a:ea typeface="微软雅黑" panose="020B0503020204020204" pitchFamily="34" charset="-122"/>
+                <a:cs typeface="+mn-ea"/>
+                <a:sym typeface="+mn-lt"/>
+              </a:rPr>
+              <a:t> Canali</a:t>
+            </a:r>
             <a:endParaRPr lang="zh-CN" altLang="en-US" sz="1200" dirty="0">
               <a:solidFill>
                 <a:schemeClr val="tx1">
@@ -11517,7 +11804,7 @@
         </p:nvSpPr>
         <p:spPr>
           <a:xfrm>
-            <a:off x="9592323" y="2850517"/>
+            <a:off x="9592323" y="2021437"/>
             <a:ext cx="1397152" cy="368247"/>
           </a:xfrm>
           <a:prstGeom prst="rect">
@@ -11544,13 +11831,12 @@
               <a:buSzPct val="100000"/>
             </a:pPr>
             <a:r>
-              <a:rPr lang="en-US" altLang="zh-CN" b="1" dirty="0">
-                <a:uFillTx/>
+              <a:rPr lang="en-US" altLang="zh-CN" b="1" dirty="0" err="1">
                 <a:ea typeface="微软雅黑" panose="020B0503020204020204" pitchFamily="34" charset="-122"/>
                 <a:cs typeface="+mn-ea"/>
                 <a:sym typeface="+mn-lt"/>
               </a:rPr>
-              <a:t>Goal 05</a:t>
+              <a:t>Colore</a:t>
             </a:r>
             <a:endParaRPr lang="en-US" altLang="zh-CN" b="1" dirty="0">
               <a:ea typeface="微软雅黑" panose="020B0503020204020204" pitchFamily="34" charset="-122"/>
@@ -11613,636 +11899,6 @@
       </p:cxnSp>
       <p:sp>
         <p:nvSpPr>
-          <p:cNvPr id="16" name="椭圆 57">
-            <a:extLst>
-              <a:ext uri="{FF2B5EF4-FFF2-40B4-BE49-F238E27FC236}">
-                <a16:creationId xmlns:a16="http://schemas.microsoft.com/office/drawing/2014/main" id="{C557E39D-6A33-6743-D66A-7FBA50796839}"/>
-              </a:ext>
-            </a:extLst>
-          </p:cNvPr>
-          <p:cNvSpPr/>
-          <p:nvPr>
-            <p:custDataLst>
-              <p:tags r:id="rId13"/>
-            </p:custDataLst>
-          </p:nvPr>
-        </p:nvSpPr>
-        <p:spPr>
-          <a:xfrm>
-            <a:off x="3926322" y="3992115"/>
-            <a:ext cx="146364" cy="146364"/>
-          </a:xfrm>
-          <a:prstGeom prst="ellipse">
-            <a:avLst/>
-          </a:prstGeom>
-          <a:solidFill>
-            <a:schemeClr val="tx2"/>
-          </a:solidFill>
-          <a:ln w="3175">
-            <a:noFill/>
-          </a:ln>
-          <a:effectLst/>
-        </p:spPr>
-        <p:style>
-          <a:lnRef idx="2">
-            <a:schemeClr val="accent1">
-              <a:shade val="15000"/>
-            </a:schemeClr>
-          </a:lnRef>
-          <a:fillRef idx="1">
-            <a:schemeClr val="accent1"/>
-          </a:fillRef>
-          <a:effectRef idx="0">
-            <a:schemeClr val="accent1"/>
-          </a:effectRef>
-          <a:fontRef idx="minor">
-            <a:schemeClr val="lt1"/>
-          </a:fontRef>
-        </p:style>
-        <p:txBody>
-          <a:bodyPr rtlCol="0" anchor="ctr"/>
-          <a:lstStyle/>
-          <a:p>
-            <a:pPr algn="ctr"/>
-            <a:endParaRPr lang="zh-CN" altLang="en-US">
-              <a:ea typeface="微软雅黑" panose="020B0503020204020204" pitchFamily="34" charset="-122"/>
-              <a:cs typeface="+mn-ea"/>
-              <a:sym typeface="+mn-lt"/>
-            </a:endParaRPr>
-          </a:p>
-        </p:txBody>
-      </p:sp>
-      <p:sp>
-        <p:nvSpPr>
-          <p:cNvPr id="17" name="椭圆 58">
-            <a:extLst>
-              <a:ext uri="{FF2B5EF4-FFF2-40B4-BE49-F238E27FC236}">
-                <a16:creationId xmlns:a16="http://schemas.microsoft.com/office/drawing/2014/main" id="{9F1548D5-21C9-EFF7-6EBC-D002AAD85464}"/>
-              </a:ext>
-            </a:extLst>
-          </p:cNvPr>
-          <p:cNvSpPr/>
-          <p:nvPr>
-            <p:custDataLst>
-              <p:tags r:id="rId14"/>
-            </p:custDataLst>
-          </p:nvPr>
-        </p:nvSpPr>
-        <p:spPr>
-          <a:xfrm>
-            <a:off x="3954288" y="4020081"/>
-            <a:ext cx="90432" cy="90432"/>
-          </a:xfrm>
-          <a:prstGeom prst="ellipse">
-            <a:avLst/>
-          </a:prstGeom>
-          <a:solidFill>
-            <a:schemeClr val="tx2"/>
-          </a:solidFill>
-          <a:ln>
-            <a:noFill/>
-          </a:ln>
-        </p:spPr>
-        <p:style>
-          <a:lnRef idx="2">
-            <a:schemeClr val="accent1">
-              <a:shade val="15000"/>
-            </a:schemeClr>
-          </a:lnRef>
-          <a:fillRef idx="1">
-            <a:schemeClr val="accent1"/>
-          </a:fillRef>
-          <a:effectRef idx="0">
-            <a:schemeClr val="accent1"/>
-          </a:effectRef>
-          <a:fontRef idx="minor">
-            <a:schemeClr val="lt1"/>
-          </a:fontRef>
-        </p:style>
-        <p:txBody>
-          <a:bodyPr rtlCol="0" anchor="ctr"/>
-          <a:lstStyle/>
-          <a:p>
-            <a:pPr algn="ctr"/>
-            <a:endParaRPr lang="zh-CN" altLang="en-US">
-              <a:ea typeface="微软雅黑" panose="020B0503020204020204" pitchFamily="34" charset="-122"/>
-              <a:cs typeface="+mn-ea"/>
-              <a:sym typeface="+mn-lt"/>
-            </a:endParaRPr>
-          </a:p>
-        </p:txBody>
-      </p:sp>
-      <p:sp>
-        <p:nvSpPr>
-          <p:cNvPr id="18" name="矩形 59">
-            <a:extLst>
-              <a:ext uri="{FF2B5EF4-FFF2-40B4-BE49-F238E27FC236}">
-                <a16:creationId xmlns:a16="http://schemas.microsoft.com/office/drawing/2014/main" id="{4D17B0BE-8EC2-3EB1-2C64-C47E9A6DE57E}"/>
-              </a:ext>
-            </a:extLst>
-          </p:cNvPr>
-          <p:cNvSpPr/>
-          <p:nvPr>
-            <p:custDataLst>
-              <p:tags r:id="rId15"/>
-            </p:custDataLst>
-          </p:nvPr>
-        </p:nvSpPr>
-        <p:spPr>
-          <a:xfrm>
-            <a:off x="3176016" y="2510074"/>
-            <a:ext cx="1646974" cy="705498"/>
-          </a:xfrm>
-          <a:prstGeom prst="rect">
-            <a:avLst/>
-          </a:prstGeom>
-          <a:noFill/>
-        </p:spPr>
-        <p:txBody>
-          <a:bodyPr wrap="square" lIns="0" tIns="0" rIns="0" bIns="0" rtlCol="0" anchor="t" anchorCtr="0">
-            <a:noAutofit/>
-          </a:bodyPr>
-          <a:lstStyle/>
-          <a:p>
-            <a:pPr algn="ctr">
-              <a:lnSpc>
-                <a:spcPct val="150000"/>
-              </a:lnSpc>
-              <a:spcBef>
-                <a:spcPct val="0"/>
-              </a:spcBef>
-              <a:spcAft>
-                <a:spcPct val="0"/>
-              </a:spcAft>
-            </a:pPr>
-            <a:r>
-              <a:rPr lang="zh-CN" altLang="en-US" sz="1200">
-                <a:solidFill>
-                  <a:schemeClr val="tx1">
-                    <a:lumMod val="85000"/>
-                    <a:lumOff val="15000"/>
-                  </a:schemeClr>
-                </a:solidFill>
-                <a:ea typeface="微软雅黑" panose="020B0503020204020204" pitchFamily="34" charset="-122"/>
-                <a:cs typeface="+mn-ea"/>
-                <a:sym typeface="+mn-lt"/>
-              </a:rPr>
-              <a:t>Design at uneasy me season of branch on praise esteem.</a:t>
-            </a:r>
-          </a:p>
-          <a:p>
-            <a:pPr algn="ctr">
-              <a:lnSpc>
-                <a:spcPct val="150000"/>
-              </a:lnSpc>
-              <a:spcBef>
-                <a:spcPct val="0"/>
-              </a:spcBef>
-              <a:spcAft>
-                <a:spcPct val="0"/>
-              </a:spcAft>
-            </a:pPr>
-            <a:endParaRPr lang="zh-CN" altLang="en-US" sz="1200">
-              <a:solidFill>
-                <a:schemeClr val="tx1">
-                  <a:lumMod val="85000"/>
-                  <a:lumOff val="15000"/>
-                </a:schemeClr>
-              </a:solidFill>
-              <a:ea typeface="微软雅黑" panose="020B0503020204020204" pitchFamily="34" charset="-122"/>
-              <a:cs typeface="+mn-ea"/>
-              <a:sym typeface="+mn-lt"/>
-            </a:endParaRPr>
-          </a:p>
-        </p:txBody>
-      </p:sp>
-      <p:sp>
-        <p:nvSpPr>
-          <p:cNvPr id="19" name="矩形 61">
-            <a:extLst>
-              <a:ext uri="{FF2B5EF4-FFF2-40B4-BE49-F238E27FC236}">
-                <a16:creationId xmlns:a16="http://schemas.microsoft.com/office/drawing/2014/main" id="{71A6BEC9-6970-AEA2-5660-7C4B9C90ED21}"/>
-              </a:ext>
-            </a:extLst>
-          </p:cNvPr>
-          <p:cNvSpPr/>
-          <p:nvPr>
-            <p:custDataLst>
-              <p:tags r:id="rId16"/>
-            </p:custDataLst>
-          </p:nvPr>
-        </p:nvSpPr>
-        <p:spPr>
-          <a:xfrm>
-            <a:off x="3300928" y="2021461"/>
-            <a:ext cx="1397152" cy="368247"/>
-          </a:xfrm>
-          <a:prstGeom prst="rect">
-            <a:avLst/>
-          </a:prstGeom>
-          <a:noFill/>
-        </p:spPr>
-        <p:txBody>
-          <a:bodyPr wrap="square" lIns="0" tIns="0" rIns="0" bIns="0" rtlCol="0" anchor="b">
-            <a:noAutofit/>
-          </a:bodyPr>
-          <a:lstStyle/>
-          <a:p>
-            <a:pPr marL="0" indent="0" algn="ctr">
-              <a:lnSpc>
-                <a:spcPct val="100000"/>
-              </a:lnSpc>
-              <a:spcBef>
-                <a:spcPts val="0"/>
-              </a:spcBef>
-              <a:spcAft>
-                <a:spcPts val="0"/>
-              </a:spcAft>
-              <a:buSzPct val="100000"/>
-            </a:pPr>
-            <a:r>
-              <a:rPr lang="zh-CN" altLang="en-US" b="1">
-                <a:ea typeface="微软雅黑" panose="020B0503020204020204" pitchFamily="34" charset="-122"/>
-                <a:cs typeface="+mn-ea"/>
-                <a:sym typeface="+mn-lt"/>
-              </a:rPr>
-              <a:t>Goal 0</a:t>
-            </a:r>
-            <a:r>
-              <a:rPr lang="en-US" altLang="zh-CN" b="1">
-                <a:ea typeface="微软雅黑" panose="020B0503020204020204" pitchFamily="34" charset="-122"/>
-                <a:cs typeface="+mn-ea"/>
-                <a:sym typeface="+mn-lt"/>
-              </a:rPr>
-              <a:t>2</a:t>
-            </a:r>
-          </a:p>
-        </p:txBody>
-      </p:sp>
-      <p:cxnSp>
-        <p:nvCxnSpPr>
-          <p:cNvPr id="20" name="直接连接符 62">
-            <a:extLst>
-              <a:ext uri="{FF2B5EF4-FFF2-40B4-BE49-F238E27FC236}">
-                <a16:creationId xmlns:a16="http://schemas.microsoft.com/office/drawing/2014/main" id="{30590639-8EF1-DD54-E375-475A529B111D}"/>
-              </a:ext>
-            </a:extLst>
-          </p:cNvPr>
-          <p:cNvCxnSpPr/>
-          <p:nvPr>
-            <p:custDataLst>
-              <p:tags r:id="rId17"/>
-            </p:custDataLst>
-          </p:nvPr>
-        </p:nvCxnSpPr>
-        <p:spPr>
-          <a:xfrm flipV="1">
-            <a:off x="4000809" y="3342955"/>
-            <a:ext cx="0" cy="649160"/>
-          </a:xfrm>
-          <a:prstGeom prst="line">
-            <a:avLst/>
-          </a:prstGeom>
-          <a:noFill/>
-          <a:ln>
-            <a:solidFill>
-              <a:schemeClr val="tx1">
-                <a:lumMod val="50000"/>
-                <a:lumOff val="50000"/>
-              </a:schemeClr>
-            </a:solidFill>
-          </a:ln>
-        </p:spPr>
-        <p:style>
-          <a:lnRef idx="2">
-            <a:schemeClr val="accent1">
-              <a:shade val="15000"/>
-            </a:schemeClr>
-          </a:lnRef>
-          <a:fillRef idx="1">
-            <a:schemeClr val="accent1"/>
-          </a:fillRef>
-          <a:effectRef idx="0">
-            <a:schemeClr val="accent1"/>
-          </a:effectRef>
-          <a:fontRef idx="minor">
-            <a:schemeClr val="lt1"/>
-          </a:fontRef>
-        </p:style>
-      </p:cxnSp>
-      <p:sp>
-        <p:nvSpPr>
-          <p:cNvPr id="21" name="椭圆 63">
-            <a:extLst>
-              <a:ext uri="{FF2B5EF4-FFF2-40B4-BE49-F238E27FC236}">
-                <a16:creationId xmlns:a16="http://schemas.microsoft.com/office/drawing/2014/main" id="{65BD51D3-7983-F9AF-348C-06C0412399DC}"/>
-              </a:ext>
-            </a:extLst>
-          </p:cNvPr>
-          <p:cNvSpPr/>
-          <p:nvPr>
-            <p:custDataLst>
-              <p:tags r:id="rId18"/>
-            </p:custDataLst>
-          </p:nvPr>
-        </p:nvSpPr>
-        <p:spPr>
-          <a:xfrm>
-            <a:off x="8120587" y="3992115"/>
-            <a:ext cx="146364" cy="146364"/>
-          </a:xfrm>
-          <a:prstGeom prst="ellipse">
-            <a:avLst/>
-          </a:prstGeom>
-          <a:solidFill>
-            <a:schemeClr val="tx2"/>
-          </a:solidFill>
-          <a:ln w="3175">
-            <a:noFill/>
-          </a:ln>
-          <a:effectLst/>
-        </p:spPr>
-        <p:style>
-          <a:lnRef idx="2">
-            <a:schemeClr val="accent1">
-              <a:shade val="15000"/>
-            </a:schemeClr>
-          </a:lnRef>
-          <a:fillRef idx="1">
-            <a:schemeClr val="accent1"/>
-          </a:fillRef>
-          <a:effectRef idx="0">
-            <a:schemeClr val="accent1"/>
-          </a:effectRef>
-          <a:fontRef idx="minor">
-            <a:schemeClr val="lt1"/>
-          </a:fontRef>
-        </p:style>
-        <p:txBody>
-          <a:bodyPr rtlCol="0" anchor="ctr"/>
-          <a:lstStyle/>
-          <a:p>
-            <a:pPr algn="ctr"/>
-            <a:endParaRPr lang="zh-CN" altLang="en-US">
-              <a:ea typeface="微软雅黑" panose="020B0503020204020204" pitchFamily="34" charset="-122"/>
-              <a:cs typeface="+mn-ea"/>
-              <a:sym typeface="+mn-lt"/>
-            </a:endParaRPr>
-          </a:p>
-        </p:txBody>
-      </p:sp>
-      <p:sp>
-        <p:nvSpPr>
-          <p:cNvPr id="22" name="椭圆 64">
-            <a:extLst>
-              <a:ext uri="{FF2B5EF4-FFF2-40B4-BE49-F238E27FC236}">
-                <a16:creationId xmlns:a16="http://schemas.microsoft.com/office/drawing/2014/main" id="{E16DDF41-920B-5B47-096F-CC36F05807D0}"/>
-              </a:ext>
-            </a:extLst>
-          </p:cNvPr>
-          <p:cNvSpPr/>
-          <p:nvPr>
-            <p:custDataLst>
-              <p:tags r:id="rId19"/>
-            </p:custDataLst>
-          </p:nvPr>
-        </p:nvSpPr>
-        <p:spPr>
-          <a:xfrm>
-            <a:off x="8148553" y="4020081"/>
-            <a:ext cx="90432" cy="90432"/>
-          </a:xfrm>
-          <a:prstGeom prst="ellipse">
-            <a:avLst/>
-          </a:prstGeom>
-          <a:solidFill>
-            <a:schemeClr val="tx2"/>
-          </a:solidFill>
-          <a:ln>
-            <a:noFill/>
-          </a:ln>
-        </p:spPr>
-        <p:style>
-          <a:lnRef idx="2">
-            <a:schemeClr val="accent1">
-              <a:shade val="15000"/>
-            </a:schemeClr>
-          </a:lnRef>
-          <a:fillRef idx="1">
-            <a:schemeClr val="accent1"/>
-          </a:fillRef>
-          <a:effectRef idx="0">
-            <a:schemeClr val="accent1"/>
-          </a:effectRef>
-          <a:fontRef idx="minor">
-            <a:schemeClr val="lt1"/>
-          </a:fontRef>
-        </p:style>
-        <p:txBody>
-          <a:bodyPr rtlCol="0" anchor="ctr"/>
-          <a:lstStyle/>
-          <a:p>
-            <a:pPr algn="ctr"/>
-            <a:endParaRPr lang="zh-CN" altLang="en-US">
-              <a:ea typeface="微软雅黑" panose="020B0503020204020204" pitchFamily="34" charset="-122"/>
-              <a:cs typeface="+mn-ea"/>
-              <a:sym typeface="+mn-lt"/>
-            </a:endParaRPr>
-          </a:p>
-        </p:txBody>
-      </p:sp>
-      <p:sp>
-        <p:nvSpPr>
-          <p:cNvPr id="23" name="矩形 65">
-            <a:extLst>
-              <a:ext uri="{FF2B5EF4-FFF2-40B4-BE49-F238E27FC236}">
-                <a16:creationId xmlns:a16="http://schemas.microsoft.com/office/drawing/2014/main" id="{0933C3C2-63BC-4068-12A5-7292DF9782B7}"/>
-              </a:ext>
-            </a:extLst>
-          </p:cNvPr>
-          <p:cNvSpPr/>
-          <p:nvPr>
-            <p:custDataLst>
-              <p:tags r:id="rId20"/>
-            </p:custDataLst>
-          </p:nvPr>
-        </p:nvSpPr>
-        <p:spPr>
-          <a:xfrm>
-            <a:off x="7370280" y="2510074"/>
-            <a:ext cx="1646974" cy="705498"/>
-          </a:xfrm>
-          <a:prstGeom prst="rect">
-            <a:avLst/>
-          </a:prstGeom>
-          <a:noFill/>
-        </p:spPr>
-        <p:txBody>
-          <a:bodyPr wrap="square" lIns="0" tIns="0" rIns="0" bIns="0" rtlCol="0" anchor="t" anchorCtr="0">
-            <a:noAutofit/>
-          </a:bodyPr>
-          <a:lstStyle/>
-          <a:p>
-            <a:pPr algn="ctr">
-              <a:lnSpc>
-                <a:spcPct val="150000"/>
-              </a:lnSpc>
-              <a:spcBef>
-                <a:spcPct val="0"/>
-              </a:spcBef>
-              <a:spcAft>
-                <a:spcPct val="0"/>
-              </a:spcAft>
-            </a:pPr>
-            <a:r>
-              <a:rPr lang="zh-CN" altLang="en-US" sz="1200">
-                <a:solidFill>
-                  <a:schemeClr val="tx1">
-                    <a:lumMod val="85000"/>
-                    <a:lumOff val="15000"/>
-                  </a:schemeClr>
-                </a:solidFill>
-                <a:ea typeface="微软雅黑" panose="020B0503020204020204" pitchFamily="34" charset="-122"/>
-                <a:cs typeface="+mn-ea"/>
-                <a:sym typeface="+mn-lt"/>
-              </a:rPr>
-              <a:t>Design at uneasy me season of branch on praise esteem.</a:t>
-            </a:r>
-          </a:p>
-          <a:p>
-            <a:pPr algn="ctr">
-              <a:lnSpc>
-                <a:spcPct val="150000"/>
-              </a:lnSpc>
-              <a:spcBef>
-                <a:spcPct val="0"/>
-              </a:spcBef>
-              <a:spcAft>
-                <a:spcPct val="0"/>
-              </a:spcAft>
-            </a:pPr>
-            <a:endParaRPr lang="zh-CN" altLang="en-US" sz="1200">
-              <a:solidFill>
-                <a:schemeClr val="tx1">
-                  <a:lumMod val="85000"/>
-                  <a:lumOff val="15000"/>
-                </a:schemeClr>
-              </a:solidFill>
-              <a:ea typeface="微软雅黑" panose="020B0503020204020204" pitchFamily="34" charset="-122"/>
-              <a:cs typeface="+mn-ea"/>
-              <a:sym typeface="+mn-lt"/>
-            </a:endParaRPr>
-          </a:p>
-        </p:txBody>
-      </p:sp>
-      <p:sp>
-        <p:nvSpPr>
-          <p:cNvPr id="24" name="矩形 66">
-            <a:extLst>
-              <a:ext uri="{FF2B5EF4-FFF2-40B4-BE49-F238E27FC236}">
-                <a16:creationId xmlns:a16="http://schemas.microsoft.com/office/drawing/2014/main" id="{421323D2-A09E-F3A2-3589-88B96D35963A}"/>
-              </a:ext>
-            </a:extLst>
-          </p:cNvPr>
-          <p:cNvSpPr/>
-          <p:nvPr>
-            <p:custDataLst>
-              <p:tags r:id="rId21"/>
-            </p:custDataLst>
-          </p:nvPr>
-        </p:nvSpPr>
-        <p:spPr>
-          <a:xfrm>
-            <a:off x="7495192" y="2021461"/>
-            <a:ext cx="1397153" cy="368247"/>
-          </a:xfrm>
-          <a:prstGeom prst="rect">
-            <a:avLst/>
-          </a:prstGeom>
-          <a:noFill/>
-        </p:spPr>
-        <p:txBody>
-          <a:bodyPr wrap="square" lIns="0" tIns="0" rIns="0" bIns="0" rtlCol="0" anchor="b">
-            <a:noAutofit/>
-          </a:bodyPr>
-          <a:lstStyle/>
-          <a:p>
-            <a:pPr marL="0" indent="0" algn="ctr">
-              <a:lnSpc>
-                <a:spcPct val="100000"/>
-              </a:lnSpc>
-              <a:spcBef>
-                <a:spcPts val="0"/>
-              </a:spcBef>
-              <a:spcAft>
-                <a:spcPts val="0"/>
-              </a:spcAft>
-              <a:buSzPct val="100000"/>
-            </a:pPr>
-            <a:r>
-              <a:rPr lang="en-US" altLang="zh-CN" b="1" dirty="0">
-                <a:ea typeface="微软雅黑" panose="020B0503020204020204" pitchFamily="34" charset="-122"/>
-                <a:cs typeface="+mn-ea"/>
-                <a:sym typeface="+mn-lt"/>
-              </a:rPr>
-              <a:t>Goal 04</a:t>
-            </a:r>
-          </a:p>
-        </p:txBody>
-      </p:sp>
-      <p:cxnSp>
-        <p:nvCxnSpPr>
-          <p:cNvPr id="25" name="直接连接符 67">
-            <a:extLst>
-              <a:ext uri="{FF2B5EF4-FFF2-40B4-BE49-F238E27FC236}">
-                <a16:creationId xmlns:a16="http://schemas.microsoft.com/office/drawing/2014/main" id="{40A8C670-76D4-15A0-74FD-205FC0922B45}"/>
-              </a:ext>
-            </a:extLst>
-          </p:cNvPr>
-          <p:cNvCxnSpPr/>
-          <p:nvPr>
-            <p:custDataLst>
-              <p:tags r:id="rId22"/>
-            </p:custDataLst>
-          </p:nvPr>
-        </p:nvCxnSpPr>
-        <p:spPr>
-          <a:xfrm flipV="1">
-            <a:off x="8195073" y="3342955"/>
-            <a:ext cx="0" cy="649160"/>
-          </a:xfrm>
-          <a:prstGeom prst="line">
-            <a:avLst/>
-          </a:prstGeom>
-          <a:noFill/>
-          <a:ln>
-            <a:solidFill>
-              <a:schemeClr val="tx1">
-                <a:lumMod val="50000"/>
-                <a:lumOff val="50000"/>
-              </a:schemeClr>
-            </a:solidFill>
-          </a:ln>
-        </p:spPr>
-        <p:style>
-          <a:lnRef idx="2">
-            <a:schemeClr val="accent1">
-              <a:shade val="15000"/>
-            </a:schemeClr>
-          </a:lnRef>
-          <a:fillRef idx="1">
-            <a:schemeClr val="accent1"/>
-          </a:fillRef>
-          <a:effectRef idx="0">
-            <a:schemeClr val="accent1"/>
-          </a:effectRef>
-          <a:fontRef idx="minor">
-            <a:schemeClr val="lt1"/>
-          </a:fontRef>
-        </p:style>
-      </p:cxnSp>
-      <p:sp>
-        <p:nvSpPr>
           <p:cNvPr id="26" name="椭圆 70">
             <a:extLst>
               <a:ext uri="{FF2B5EF4-FFF2-40B4-BE49-F238E27FC236}">
@@ -12253,7 +11909,7 @@
           <p:cNvSpPr/>
           <p:nvPr>
             <p:custDataLst>
-              <p:tags r:id="rId23"/>
+              <p:tags r:id="rId13"/>
             </p:custDataLst>
           </p:nvPr>
         </p:nvSpPr>
@@ -12314,7 +11970,7 @@
           <p:cNvSpPr/>
           <p:nvPr>
             <p:custDataLst>
-              <p:tags r:id="rId24"/>
+              <p:tags r:id="rId14"/>
             </p:custDataLst>
           </p:nvPr>
         </p:nvSpPr>
@@ -12374,13 +12030,13 @@
           <p:cNvSpPr/>
           <p:nvPr>
             <p:custDataLst>
-              <p:tags r:id="rId25"/>
+              <p:tags r:id="rId15"/>
             </p:custDataLst>
           </p:nvPr>
         </p:nvSpPr>
         <p:spPr>
           <a:xfrm>
-            <a:off x="5273148" y="2258940"/>
+            <a:off x="1173105" y="2961458"/>
             <a:ext cx="1646974" cy="705498"/>
           </a:xfrm>
           <a:prstGeom prst="rect">
@@ -12406,7 +12062,7 @@
               </a:spcAft>
             </a:pPr>
             <a:r>
-              <a:rPr lang="zh-CN" altLang="en-US" sz="1200">
+              <a:rPr lang="it-IT" altLang="zh-CN" sz="1200" dirty="0">
                 <a:solidFill>
                   <a:schemeClr val="tx1">
                     <a:lumMod val="85000"/>
@@ -12417,7 +12073,7 @@
                 <a:cs typeface="+mn-ea"/>
                 <a:sym typeface="+mn-lt"/>
               </a:rPr>
-              <a:t>Design at uneasy me season of branch on praise esteem.</a:t>
+              <a:t>-Signature Polare</a:t>
             </a:r>
           </a:p>
           <a:p>
@@ -12432,7 +12088,75 @@
                 <a:spcPct val="0"/>
               </a:spcAft>
             </a:pPr>
-            <a:endParaRPr lang="zh-CN" altLang="en-US" sz="1200">
+            <a:r>
+              <a:rPr lang="it-IT" altLang="zh-CN" sz="1200" dirty="0">
+                <a:solidFill>
+                  <a:schemeClr val="tx1">
+                    <a:lumMod val="85000"/>
+                    <a:lumOff val="15000"/>
+                  </a:schemeClr>
+                </a:solidFill>
+                <a:ea typeface="微软雅黑" panose="020B0503020204020204" pitchFamily="34" charset="-122"/>
+                <a:cs typeface="+mn-ea"/>
+                <a:sym typeface="+mn-lt"/>
+              </a:rPr>
+              <a:t>-Feature Statistiche</a:t>
+            </a:r>
+          </a:p>
+          <a:p>
+            <a:pPr algn="ctr">
+              <a:lnSpc>
+                <a:spcPct val="150000"/>
+              </a:lnSpc>
+              <a:spcBef>
+                <a:spcPct val="0"/>
+              </a:spcBef>
+              <a:spcAft>
+                <a:spcPct val="0"/>
+              </a:spcAft>
+            </a:pPr>
+            <a:r>
+              <a:rPr lang="it-IT" altLang="zh-CN" sz="1200" dirty="0">
+                <a:solidFill>
+                  <a:schemeClr val="tx1">
+                    <a:lumMod val="85000"/>
+                    <a:lumOff val="15000"/>
+                  </a:schemeClr>
+                </a:solidFill>
+                <a:ea typeface="微软雅黑" panose="020B0503020204020204" pitchFamily="34" charset="-122"/>
+                <a:cs typeface="+mn-ea"/>
+                <a:sym typeface="+mn-lt"/>
+              </a:rPr>
+              <a:t>-Momenti di Hu</a:t>
+            </a:r>
+          </a:p>
+          <a:p>
+            <a:pPr algn="ctr">
+              <a:lnSpc>
+                <a:spcPct val="150000"/>
+              </a:lnSpc>
+              <a:spcBef>
+                <a:spcPct val="0"/>
+              </a:spcBef>
+              <a:spcAft>
+                <a:spcPct val="0"/>
+              </a:spcAft>
+            </a:pPr>
+            <a:r>
+              <a:rPr lang="it-IT" altLang="zh-CN" sz="1200" dirty="0">
+                <a:solidFill>
+                  <a:schemeClr val="tx1">
+                    <a:lumMod val="85000"/>
+                    <a:lumOff val="15000"/>
+                  </a:schemeClr>
+                </a:solidFill>
+                <a:ea typeface="微软雅黑" panose="020B0503020204020204" pitchFamily="34" charset="-122"/>
+                <a:cs typeface="+mn-ea"/>
+                <a:sym typeface="+mn-lt"/>
+              </a:rPr>
+              <a:t>-Descrittori di Fourier</a:t>
+            </a:r>
+            <a:endParaRPr lang="zh-CN" altLang="en-US" sz="1200" dirty="0">
               <a:solidFill>
                 <a:schemeClr val="tx1">
                   <a:lumMod val="85000"/>
@@ -12458,13 +12182,13 @@
           <p:cNvSpPr/>
           <p:nvPr>
             <p:custDataLst>
-              <p:tags r:id="rId26"/>
+              <p:tags r:id="rId16"/>
             </p:custDataLst>
           </p:nvPr>
         </p:nvSpPr>
         <p:spPr>
           <a:xfrm>
-            <a:off x="5398060" y="1770326"/>
+            <a:off x="1298016" y="2482270"/>
             <a:ext cx="1397152" cy="368247"/>
           </a:xfrm>
           <a:prstGeom prst="rect">
@@ -12496,7 +12220,7 @@
                 <a:cs typeface="+mn-ea"/>
                 <a:sym typeface="+mn-lt"/>
               </a:rPr>
-              <a:t>Goal 03</a:t>
+              <a:t>Forma/Edge</a:t>
             </a:r>
           </a:p>
         </p:txBody>
@@ -12513,7 +12237,7 @@
           <p:cNvCxnSpPr/>
           <p:nvPr>
             <p:custDataLst>
-              <p:tags r:id="rId27"/>
+              <p:tags r:id="rId17"/>
             </p:custDataLst>
           </p:nvPr>
         </p:nvCxnSpPr>
@@ -12554,10 +12278,10 @@
       </p:cxnSp>
       <p:pic>
         <p:nvPicPr>
-          <p:cNvPr id="31" name="Graphic 30" descr="Target with solid fill">
+          <p:cNvPr id="34" name="Elemento grafico 33" descr="Mela con riempimento a tinta unita">
             <a:extLst>
               <a:ext uri="{FF2B5EF4-FFF2-40B4-BE49-F238E27FC236}">
-                <a16:creationId xmlns:a16="http://schemas.microsoft.com/office/drawing/2014/main" id="{0DAF36FF-FC9E-E9A9-1FBC-294FCD9C42CD}"/>
+                <a16:creationId xmlns:a16="http://schemas.microsoft.com/office/drawing/2014/main" id="{E6BCD32A-7345-197D-9F5B-CE200782DAFB}"/>
               </a:ext>
             </a:extLst>
           </p:cNvPr>
@@ -12567,13 +12291,46 @@
           <p:nvPr/>
         </p:nvPicPr>
         <p:blipFill>
-          <a:blip r:embed="rId29">
+          <a:blip r:embed="rId19">
             <a:extLst>
-              <a:ext uri="{28A0092B-C50C-407E-A947-70E740481C1C}">
-                <a14:useLocalDpi xmlns:a14="http://schemas.microsoft.com/office/drawing/2010/main" val="0"/>
+              <a:ext uri="{96DAC541-7B7A-43D3-8B79-37D633B846F1}">
+                <asvg:svgBlip xmlns:asvg="http://schemas.microsoft.com/office/drawing/2016/SVG/main" r:embed="rId20"/>
               </a:ext>
+            </a:extLst>
+          </a:blip>
+          <a:stretch>
+            <a:fillRect/>
+          </a:stretch>
+        </p:blipFill>
+        <p:spPr>
+          <a:xfrm rot="1098620">
+            <a:off x="6583357" y="4171362"/>
+            <a:ext cx="914400" cy="914400"/>
+          </a:xfrm>
+          <a:prstGeom prst="rect">
+            <a:avLst/>
+          </a:prstGeom>
+        </p:spPr>
+      </p:pic>
+      <p:pic>
+        <p:nvPicPr>
+          <p:cNvPr id="36" name="Elemento grafico 35" descr="Foglia d\'acero con riempimento a tinta unita">
+            <a:extLst>
+              <a:ext uri="{FF2B5EF4-FFF2-40B4-BE49-F238E27FC236}">
+                <a16:creationId xmlns:a16="http://schemas.microsoft.com/office/drawing/2014/main" id="{9336AC11-19D4-5391-B5E9-5C7C8AF7C116}"/>
+              </a:ext>
+            </a:extLst>
+          </p:cNvPr>
+          <p:cNvPicPr>
+            <a:picLocks noChangeAspect="1"/>
+          </p:cNvPicPr>
+          <p:nvPr/>
+        </p:nvPicPr>
+        <p:blipFill>
+          <a:blip r:embed="rId21">
+            <a:extLst>
               <a:ext uri="{96DAC541-7B7A-43D3-8B79-37D633B846F1}">
-                <asvg:svgBlip xmlns:asvg="http://schemas.microsoft.com/office/drawing/2016/SVG/main" r:embed="rId30"/>
+                <asvg:svgBlip xmlns:asvg="http://schemas.microsoft.com/office/drawing/2016/SVG/main" r:embed="rId22"/>
               </a:ext>
             </a:extLst>
           </a:blip>
@@ -12583,7 +12340,43 @@
         </p:blipFill>
         <p:spPr>
           <a:xfrm>
-            <a:off x="5645472" y="4631179"/>
+            <a:off x="4713788" y="4275065"/>
+            <a:ext cx="774746" cy="774746"/>
+          </a:xfrm>
+          <a:prstGeom prst="rect">
+            <a:avLst/>
+          </a:prstGeom>
+        </p:spPr>
+      </p:pic>
+      <p:pic>
+        <p:nvPicPr>
+          <p:cNvPr id="38" name="Elemento grafico 37" descr="Foglia con riempimento a tinta unita">
+            <a:extLst>
+              <a:ext uri="{FF2B5EF4-FFF2-40B4-BE49-F238E27FC236}">
+                <a16:creationId xmlns:a16="http://schemas.microsoft.com/office/drawing/2014/main" id="{674517E4-DD37-1BFE-2CF0-1AB49AFF0809}"/>
+              </a:ext>
+            </a:extLst>
+          </p:cNvPr>
+          <p:cNvPicPr>
+            <a:picLocks noChangeAspect="1"/>
+          </p:cNvPicPr>
+          <p:nvPr/>
+        </p:nvPicPr>
+        <p:blipFill>
+          <a:blip r:embed="rId23">
+            <a:extLst>
+              <a:ext uri="{96DAC541-7B7A-43D3-8B79-37D633B846F1}">
+                <asvg:svgBlip xmlns:asvg="http://schemas.microsoft.com/office/drawing/2016/SVG/main" r:embed="rId24"/>
+              </a:ext>
+            </a:extLst>
+          </a:blip>
+          <a:stretch>
+            <a:fillRect/>
+          </a:stretch>
+        </p:blipFill>
+        <p:spPr>
+          <a:xfrm>
+            <a:off x="8129393" y="4849137"/>
             <a:ext cx="914400" cy="914400"/>
           </a:xfrm>
           <a:prstGeom prst="rect">
@@ -12591,90 +12384,42 @@
           </a:prstGeom>
         </p:spPr>
       </p:pic>
-      <p:sp>
-        <p:nvSpPr>
-          <p:cNvPr id="32" name="TextBox 31">
+      <p:pic>
+        <p:nvPicPr>
+          <p:cNvPr id="39" name="Graphic 34">
             <a:extLst>
               <a:ext uri="{FF2B5EF4-FFF2-40B4-BE49-F238E27FC236}">
-                <a16:creationId xmlns:a16="http://schemas.microsoft.com/office/drawing/2014/main" id="{C94475F1-6616-6658-F20A-EE6CF9976D82}"/>
+                <a16:creationId xmlns:a16="http://schemas.microsoft.com/office/drawing/2014/main" id="{338E9B00-8233-9E2F-ED66-EB3D09CC1E6C}"/>
               </a:ext>
             </a:extLst>
           </p:cNvPr>
-          <p:cNvSpPr txBox="1"/>
+          <p:cNvPicPr>
+            <a:picLocks noChangeAspect="1"/>
+          </p:cNvPicPr>
           <p:nvPr/>
-        </p:nvSpPr>
+        </p:nvPicPr>
+        <p:blipFill>
+          <a:blip r:embed="rId25">
+            <a:extLst>
+              <a:ext uri="{96DAC541-7B7A-43D3-8B79-37D633B846F1}">
+                <asvg:svgBlip xmlns:asvg="http://schemas.microsoft.com/office/drawing/2016/SVG/main" r:embed="rId26"/>
+              </a:ext>
+            </a:extLst>
+          </a:blip>
+          <a:stretch>
+            <a:fillRect/>
+          </a:stretch>
+        </p:blipFill>
         <p:spPr>
-          <a:xfrm>
-            <a:off x="591153" y="395843"/>
-            <a:ext cx="2997200" cy="307777"/>
+          <a:xfrm rot="20557966">
+            <a:off x="3083190" y="4803305"/>
+            <a:ext cx="774619" cy="774619"/>
           </a:xfrm>
           <a:prstGeom prst="rect">
             <a:avLst/>
           </a:prstGeom>
-          <a:noFill/>
         </p:spPr>
-        <p:txBody>
-          <a:bodyPr wrap="square" rtlCol="0">
-            <a:spAutoFit/>
-          </a:bodyPr>
-          <a:lstStyle/>
-          <a:p>
-            <a:r>
-              <a:rPr lang="en-US" sz="1400" dirty="0" err="1">
-                <a:ea typeface="微软雅黑" panose="020B0503020204020204" pitchFamily="34" charset="-122"/>
-                <a:cs typeface="+mn-ea"/>
-                <a:sym typeface="+mn-lt"/>
-              </a:rPr>
-              <a:t>JustFreeSlide</a:t>
-            </a:r>
-            <a:endParaRPr lang="en-US" sz="1400" dirty="0">
-              <a:ea typeface="微软雅黑" panose="020B0503020204020204" pitchFamily="34" charset="-122"/>
-              <a:cs typeface="+mn-ea"/>
-              <a:sym typeface="+mn-lt"/>
-            </a:endParaRPr>
-          </a:p>
-        </p:txBody>
-      </p:sp>
-      <p:sp>
-        <p:nvSpPr>
-          <p:cNvPr id="33" name="TextBox 32">
-            <a:extLst>
-              <a:ext uri="{FF2B5EF4-FFF2-40B4-BE49-F238E27FC236}">
-                <a16:creationId xmlns:a16="http://schemas.microsoft.com/office/drawing/2014/main" id="{1FC74151-489E-9292-9415-AB2A7A45ABA2}"/>
-              </a:ext>
-            </a:extLst>
-          </p:cNvPr>
-          <p:cNvSpPr txBox="1"/>
-          <p:nvPr/>
-        </p:nvSpPr>
-        <p:spPr>
-          <a:xfrm>
-            <a:off x="8603649" y="395843"/>
-            <a:ext cx="2997200" cy="307777"/>
-          </a:xfrm>
-          <a:prstGeom prst="rect">
-            <a:avLst/>
-          </a:prstGeom>
-          <a:noFill/>
-        </p:spPr>
-        <p:txBody>
-          <a:bodyPr wrap="square" rtlCol="0">
-            <a:spAutoFit/>
-          </a:bodyPr>
-          <a:lstStyle/>
-          <a:p>
-            <a:pPr algn="r"/>
-            <a:r>
-              <a:rPr lang="en-US" sz="1400" dirty="0">
-                <a:ea typeface="微软雅黑" panose="020B0503020204020204" pitchFamily="34" charset="-122"/>
-                <a:cs typeface="+mn-ea"/>
-                <a:sym typeface="+mn-lt"/>
-              </a:rPr>
-              <a:t>Minimal Presentation</a:t>
-            </a:r>
-          </a:p>
-        </p:txBody>
-      </p:sp>
+      </p:pic>
     </p:spTree>
     <p:extLst>
       <p:ext uri="{BB962C8B-B14F-4D97-AF65-F5344CB8AC3E}">
@@ -12689,6 +12434,1847 @@
 </file>
 
 <file path=ppt/slides/slide15.xml><?xml version="1.0" encoding="utf-8"?>
+<p:sld xmlns:a="http://schemas.openxmlformats.org/drawingml/2006/main" xmlns:r="http://schemas.openxmlformats.org/officeDocument/2006/relationships" xmlns:p="http://schemas.openxmlformats.org/presentationml/2006/main">
+  <p:cSld>
+    <p:spTree>
+      <p:nvGrpSpPr>
+        <p:cNvPr id="1" name="">
+          <a:extLst>
+            <a:ext uri="{FF2B5EF4-FFF2-40B4-BE49-F238E27FC236}">
+              <a16:creationId xmlns:a16="http://schemas.microsoft.com/office/drawing/2014/main" id="{8628BD0A-A4E0-C8B6-BB0A-2F91F5F1B980}"/>
+            </a:ext>
+          </a:extLst>
+        </p:cNvPr>
+        <p:cNvGrpSpPr/>
+        <p:nvPr/>
+      </p:nvGrpSpPr>
+      <p:grpSpPr>
+        <a:xfrm>
+          <a:off x="0" y="0"/>
+          <a:ext cx="0" cy="0"/>
+          <a:chOff x="0" y="0"/>
+          <a:chExt cx="0" cy="0"/>
+        </a:xfrm>
+      </p:grpSpPr>
+      <p:sp>
+        <p:nvSpPr>
+          <p:cNvPr id="3" name="Title 2">
+            <a:extLst>
+              <a:ext uri="{FF2B5EF4-FFF2-40B4-BE49-F238E27FC236}">
+                <a16:creationId xmlns:a16="http://schemas.microsoft.com/office/drawing/2014/main" id="{F2212F29-56BA-7AC4-D357-CA846190BFF2}"/>
+              </a:ext>
+            </a:extLst>
+          </p:cNvPr>
+          <p:cNvSpPr>
+            <a:spLocks noGrp="1"/>
+          </p:cNvSpPr>
+          <p:nvPr>
+            <p:ph type="title"/>
+          </p:nvPr>
+        </p:nvSpPr>
+        <p:spPr>
+          <a:xfrm>
+            <a:off x="234135" y="373911"/>
+            <a:ext cx="2752905" cy="368247"/>
+          </a:xfrm>
+        </p:spPr>
+        <p:txBody>
+          <a:bodyPr anchor="ctr">
+            <a:normAutofit fontScale="90000"/>
+          </a:bodyPr>
+          <a:lstStyle/>
+          <a:p>
+            <a:r>
+              <a:rPr lang="en-US" sz="4400" dirty="0">
+                <a:solidFill>
+                  <a:schemeClr val="tx2"/>
+                </a:solidFill>
+                <a:latin typeface="+mn-lt"/>
+                <a:ea typeface="微软雅黑" panose="020B0503020204020204" pitchFamily="34" charset="-122"/>
+                <a:cs typeface="+mn-ea"/>
+                <a:sym typeface="+mn-lt"/>
+              </a:rPr>
+              <a:t>Texture</a:t>
+            </a:r>
+          </a:p>
+        </p:txBody>
+      </p:sp>
+      <p:sp>
+        <p:nvSpPr>
+          <p:cNvPr id="4" name="任意多边形: 形状 17">
+            <a:extLst>
+              <a:ext uri="{FF2B5EF4-FFF2-40B4-BE49-F238E27FC236}">
+                <a16:creationId xmlns:a16="http://schemas.microsoft.com/office/drawing/2014/main" id="{A6E3EAB5-91C9-B6C8-57DE-7DF94D225B43}"/>
+              </a:ext>
+            </a:extLst>
+          </p:cNvPr>
+          <p:cNvSpPr/>
+          <p:nvPr>
+            <p:custDataLst>
+              <p:tags r:id="rId1"/>
+            </p:custDataLst>
+          </p:nvPr>
+        </p:nvSpPr>
+        <p:spPr>
+          <a:xfrm rot="16200000">
+            <a:off x="6269697" y="3920492"/>
+            <a:ext cx="9847061" cy="2006077"/>
+          </a:xfrm>
+          <a:custGeom>
+            <a:avLst/>
+            <a:gdLst>
+              <a:gd name="connsiteX0" fmla="*/ 4924244 w 9848488"/>
+              <a:gd name="connsiteY0" fmla="*/ 0 h 2006368"/>
+              <a:gd name="connsiteX1" fmla="*/ 9775437 w 9848488"/>
+              <a:gd name="connsiteY1" fmla="*/ 1858432 h 2006368"/>
+              <a:gd name="connsiteX2" fmla="*/ 9848488 w 9848488"/>
+              <a:gd name="connsiteY2" fmla="*/ 2006368 h 2006368"/>
+              <a:gd name="connsiteX3" fmla="*/ 0 w 9848488"/>
+              <a:gd name="connsiteY3" fmla="*/ 2006368 h 2006368"/>
+              <a:gd name="connsiteX4" fmla="*/ 73051 w 9848488"/>
+              <a:gd name="connsiteY4" fmla="*/ 1858432 h 2006368"/>
+              <a:gd name="connsiteX5" fmla="*/ 4924244 w 9848488"/>
+              <a:gd name="connsiteY5" fmla="*/ 0 h 2006368"/>
+            </a:gdLst>
+            <a:ahLst/>
+            <a:cxnLst>
+              <a:cxn ang="0">
+                <a:pos x="connsiteX0" y="connsiteY0"/>
+              </a:cxn>
+              <a:cxn ang="0">
+                <a:pos x="connsiteX1" y="connsiteY1"/>
+              </a:cxn>
+              <a:cxn ang="0">
+                <a:pos x="connsiteX2" y="connsiteY2"/>
+              </a:cxn>
+              <a:cxn ang="0">
+                <a:pos x="connsiteX3" y="connsiteY3"/>
+              </a:cxn>
+              <a:cxn ang="0">
+                <a:pos x="connsiteX4" y="connsiteY4"/>
+              </a:cxn>
+              <a:cxn ang="0">
+                <a:pos x="connsiteX5" y="connsiteY5"/>
+              </a:cxn>
+            </a:cxnLst>
+            <a:rect l="l" t="t" r="r" b="b"/>
+            <a:pathLst>
+              <a:path w="9848488" h="2006368">
+                <a:moveTo>
+                  <a:pt x="4924244" y="0"/>
+                </a:moveTo>
+                <a:cubicBezTo>
+                  <a:pt x="7203603" y="0"/>
+                  <a:pt x="9132307" y="781751"/>
+                  <a:pt x="9775437" y="1858432"/>
+                </a:cubicBezTo>
+                <a:lnTo>
+                  <a:pt x="9848488" y="2006368"/>
+                </a:lnTo>
+                <a:lnTo>
+                  <a:pt x="0" y="2006368"/>
+                </a:lnTo>
+                <a:lnTo>
+                  <a:pt x="73051" y="1858432"/>
+                </a:lnTo>
+                <a:cubicBezTo>
+                  <a:pt x="716182" y="781751"/>
+                  <a:pt x="2644886" y="0"/>
+                  <a:pt x="4924244" y="0"/>
+                </a:cubicBezTo>
+                <a:close/>
+              </a:path>
+            </a:pathLst>
+          </a:custGeom>
+          <a:solidFill>
+            <a:schemeClr val="accent3"/>
+          </a:solidFill>
+          <a:ln>
+            <a:noFill/>
+          </a:ln>
+        </p:spPr>
+        <p:style>
+          <a:lnRef idx="2">
+            <a:schemeClr val="accent1">
+              <a:shade val="15000"/>
+            </a:schemeClr>
+          </a:lnRef>
+          <a:fillRef idx="1">
+            <a:schemeClr val="accent1"/>
+          </a:fillRef>
+          <a:effectRef idx="0">
+            <a:schemeClr val="accent1"/>
+          </a:effectRef>
+          <a:fontRef idx="minor">
+            <a:schemeClr val="lt1"/>
+          </a:fontRef>
+        </p:style>
+        <p:txBody>
+          <a:bodyPr rtlCol="0" anchor="ctr"/>
+          <a:lstStyle/>
+          <a:p>
+            <a:pPr algn="ctr"/>
+            <a:endParaRPr lang="zh-CN" altLang="en-US" dirty="0">
+              <a:ea typeface="微软雅黑" panose="020B0503020204020204" pitchFamily="34" charset="-122"/>
+              <a:cs typeface="+mn-ea"/>
+              <a:sym typeface="+mn-lt"/>
+            </a:endParaRPr>
+          </a:p>
+        </p:txBody>
+      </p:sp>
+      <p:sp>
+        <p:nvSpPr>
+          <p:cNvPr id="2" name="任意多边形: 形状 17">
+            <a:extLst>
+              <a:ext uri="{FF2B5EF4-FFF2-40B4-BE49-F238E27FC236}">
+                <a16:creationId xmlns:a16="http://schemas.microsoft.com/office/drawing/2014/main" id="{259DE394-82D8-2DAF-4F8C-D8A2607F31EF}"/>
+              </a:ext>
+            </a:extLst>
+          </p:cNvPr>
+          <p:cNvSpPr/>
+          <p:nvPr>
+            <p:custDataLst>
+              <p:tags r:id="rId2"/>
+            </p:custDataLst>
+          </p:nvPr>
+        </p:nvSpPr>
+        <p:spPr>
+          <a:xfrm rot="16200000">
+            <a:off x="6273805" y="3944392"/>
+            <a:ext cx="9847061" cy="2006077"/>
+          </a:xfrm>
+          <a:custGeom>
+            <a:avLst/>
+            <a:gdLst>
+              <a:gd name="connsiteX0" fmla="*/ 4924244 w 9848488"/>
+              <a:gd name="connsiteY0" fmla="*/ 0 h 2006368"/>
+              <a:gd name="connsiteX1" fmla="*/ 9775437 w 9848488"/>
+              <a:gd name="connsiteY1" fmla="*/ 1858432 h 2006368"/>
+              <a:gd name="connsiteX2" fmla="*/ 9848488 w 9848488"/>
+              <a:gd name="connsiteY2" fmla="*/ 2006368 h 2006368"/>
+              <a:gd name="connsiteX3" fmla="*/ 0 w 9848488"/>
+              <a:gd name="connsiteY3" fmla="*/ 2006368 h 2006368"/>
+              <a:gd name="connsiteX4" fmla="*/ 73051 w 9848488"/>
+              <a:gd name="connsiteY4" fmla="*/ 1858432 h 2006368"/>
+              <a:gd name="connsiteX5" fmla="*/ 4924244 w 9848488"/>
+              <a:gd name="connsiteY5" fmla="*/ 0 h 2006368"/>
+            </a:gdLst>
+            <a:ahLst/>
+            <a:cxnLst>
+              <a:cxn ang="0">
+                <a:pos x="connsiteX0" y="connsiteY0"/>
+              </a:cxn>
+              <a:cxn ang="0">
+                <a:pos x="connsiteX1" y="connsiteY1"/>
+              </a:cxn>
+              <a:cxn ang="0">
+                <a:pos x="connsiteX2" y="connsiteY2"/>
+              </a:cxn>
+              <a:cxn ang="0">
+                <a:pos x="connsiteX3" y="connsiteY3"/>
+              </a:cxn>
+              <a:cxn ang="0">
+                <a:pos x="connsiteX4" y="connsiteY4"/>
+              </a:cxn>
+              <a:cxn ang="0">
+                <a:pos x="connsiteX5" y="connsiteY5"/>
+              </a:cxn>
+            </a:cxnLst>
+            <a:rect l="l" t="t" r="r" b="b"/>
+            <a:pathLst>
+              <a:path w="9848488" h="2006368">
+                <a:moveTo>
+                  <a:pt x="4924244" y="0"/>
+                </a:moveTo>
+                <a:cubicBezTo>
+                  <a:pt x="7203603" y="0"/>
+                  <a:pt x="9132307" y="781751"/>
+                  <a:pt x="9775437" y="1858432"/>
+                </a:cubicBezTo>
+                <a:lnTo>
+                  <a:pt x="9848488" y="2006368"/>
+                </a:lnTo>
+                <a:lnTo>
+                  <a:pt x="0" y="2006368"/>
+                </a:lnTo>
+                <a:lnTo>
+                  <a:pt x="73051" y="1858432"/>
+                </a:lnTo>
+                <a:cubicBezTo>
+                  <a:pt x="716182" y="781751"/>
+                  <a:pt x="2644886" y="0"/>
+                  <a:pt x="4924244" y="0"/>
+                </a:cubicBezTo>
+                <a:close/>
+              </a:path>
+            </a:pathLst>
+          </a:custGeom>
+          <a:solidFill>
+            <a:schemeClr val="accent3"/>
+          </a:solidFill>
+          <a:ln>
+            <a:noFill/>
+          </a:ln>
+        </p:spPr>
+        <p:style>
+          <a:lnRef idx="2">
+            <a:schemeClr val="accent1">
+              <a:shade val="15000"/>
+            </a:schemeClr>
+          </a:lnRef>
+          <a:fillRef idx="1">
+            <a:schemeClr val="accent1"/>
+          </a:fillRef>
+          <a:effectRef idx="0">
+            <a:schemeClr val="accent1"/>
+          </a:effectRef>
+          <a:fontRef idx="minor">
+            <a:schemeClr val="lt1"/>
+          </a:fontRef>
+        </p:style>
+        <p:txBody>
+          <a:bodyPr rtlCol="0" anchor="ctr"/>
+          <a:lstStyle/>
+          <a:p>
+            <a:pPr algn="ctr"/>
+            <a:endParaRPr lang="zh-CN" altLang="en-US" dirty="0">
+              <a:ea typeface="微软雅黑" panose="020B0503020204020204" pitchFamily="34" charset="-122"/>
+              <a:cs typeface="+mn-ea"/>
+              <a:sym typeface="+mn-lt"/>
+            </a:endParaRPr>
+          </a:p>
+        </p:txBody>
+      </p:sp>
+      <p:sp>
+        <p:nvSpPr>
+          <p:cNvPr id="16" name="CasellaDiTesto 15">
+            <a:extLst>
+              <a:ext uri="{FF2B5EF4-FFF2-40B4-BE49-F238E27FC236}">
+                <a16:creationId xmlns:a16="http://schemas.microsoft.com/office/drawing/2014/main" id="{ADCA0159-B4AE-8660-9B88-A4D7B522A6E8}"/>
+              </a:ext>
+            </a:extLst>
+          </p:cNvPr>
+          <p:cNvSpPr txBox="1"/>
+          <p:nvPr/>
+        </p:nvSpPr>
+        <p:spPr>
+          <a:xfrm>
+            <a:off x="299719" y="1228052"/>
+            <a:ext cx="3098800" cy="1200329"/>
+          </a:xfrm>
+          <a:prstGeom prst="rect">
+            <a:avLst/>
+          </a:prstGeom>
+          <a:noFill/>
+        </p:spPr>
+        <p:txBody>
+          <a:bodyPr wrap="square" rtlCol="0">
+            <a:spAutoFit/>
+          </a:bodyPr>
+          <a:lstStyle/>
+          <a:p>
+            <a:r>
+              <a:rPr lang="it-IT" b="1" dirty="0"/>
+              <a:t>RILBP</a:t>
+            </a:r>
+          </a:p>
+          <a:p>
+            <a:r>
+              <a:rPr lang="it-IT" dirty="0"/>
+              <a:t>Potente descrittore di texture dal costo computazionale contenuto</a:t>
+            </a:r>
+          </a:p>
+        </p:txBody>
+      </p:sp>
+      <p:pic>
+        <p:nvPicPr>
+          <p:cNvPr id="18" name="Immagine 17" descr="Immagine che contiene schermata, testo, diagramma, linea&#10;&#10;Il contenuto generato dall'IA potrebbe non essere corretto.">
+            <a:extLst>
+              <a:ext uri="{FF2B5EF4-FFF2-40B4-BE49-F238E27FC236}">
+                <a16:creationId xmlns:a16="http://schemas.microsoft.com/office/drawing/2014/main" id="{5BB2E7A2-72C2-3D7F-388A-DE1A2E051730}"/>
+              </a:ext>
+            </a:extLst>
+          </p:cNvPr>
+          <p:cNvPicPr>
+            <a:picLocks noChangeAspect="1"/>
+          </p:cNvPicPr>
+          <p:nvPr/>
+        </p:nvPicPr>
+        <p:blipFill>
+          <a:blip r:embed="rId5">
+            <a:extLst>
+              <a:ext uri="{28A0092B-C50C-407E-A947-70E740481C1C}">
+                <a14:useLocalDpi xmlns:a14="http://schemas.microsoft.com/office/drawing/2010/main" val="0"/>
+              </a:ext>
+            </a:extLst>
+          </a:blip>
+          <a:stretch>
+            <a:fillRect/>
+          </a:stretch>
+        </p:blipFill>
+        <p:spPr>
+          <a:xfrm>
+            <a:off x="3738099" y="1036460"/>
+            <a:ext cx="6112509" cy="2962769"/>
+          </a:xfrm>
+          <a:prstGeom prst="rect">
+            <a:avLst/>
+          </a:prstGeom>
+        </p:spPr>
+      </p:pic>
+      <p:sp>
+        <p:nvSpPr>
+          <p:cNvPr id="19" name="CasellaDiTesto 18">
+            <a:extLst>
+              <a:ext uri="{FF2B5EF4-FFF2-40B4-BE49-F238E27FC236}">
+                <a16:creationId xmlns:a16="http://schemas.microsoft.com/office/drawing/2014/main" id="{E4E1C397-EA07-48D2-BBC9-46EAC8CBBEBA}"/>
+              </a:ext>
+            </a:extLst>
+          </p:cNvPr>
+          <p:cNvSpPr txBox="1"/>
+          <p:nvPr/>
+        </p:nvSpPr>
+        <p:spPr>
+          <a:xfrm>
+            <a:off x="234135" y="3999229"/>
+            <a:ext cx="3769360" cy="2308324"/>
+          </a:xfrm>
+          <a:prstGeom prst="rect">
+            <a:avLst/>
+          </a:prstGeom>
+          <a:noFill/>
+        </p:spPr>
+        <p:txBody>
+          <a:bodyPr wrap="square" rtlCol="0">
+            <a:spAutoFit/>
+          </a:bodyPr>
+          <a:lstStyle/>
+          <a:p>
+            <a:r>
+              <a:rPr lang="it-IT" dirty="0"/>
+              <a:t>È progettato per essere invariante alla rotazione.</a:t>
+            </a:r>
+          </a:p>
+          <a:p>
+            <a:r>
+              <a:rPr lang="it-IT" dirty="0"/>
+              <a:t>Ogni pixel viene confrontato con quelli attorno e aggiunto a una stringa binaria che viene traslata in modo da partire dal valore più basso.</a:t>
+            </a:r>
+          </a:p>
+          <a:p>
+            <a:endParaRPr lang="it-IT" dirty="0"/>
+          </a:p>
+        </p:txBody>
+      </p:sp>
+      <p:sp>
+        <p:nvSpPr>
+          <p:cNvPr id="20" name="任意多边形: 形状 17">
+            <a:extLst>
+              <a:ext uri="{FF2B5EF4-FFF2-40B4-BE49-F238E27FC236}">
+                <a16:creationId xmlns:a16="http://schemas.microsoft.com/office/drawing/2014/main" id="{926B255C-30B5-7E68-206D-EE81D3429B21}"/>
+              </a:ext>
+            </a:extLst>
+          </p:cNvPr>
+          <p:cNvSpPr/>
+          <p:nvPr>
+            <p:custDataLst>
+              <p:tags r:id="rId3"/>
+            </p:custDataLst>
+          </p:nvPr>
+        </p:nvSpPr>
+        <p:spPr>
+          <a:xfrm>
+            <a:off x="5266658" y="4094480"/>
+            <a:ext cx="9847061" cy="2859027"/>
+          </a:xfrm>
+          <a:custGeom>
+            <a:avLst/>
+            <a:gdLst>
+              <a:gd name="connsiteX0" fmla="*/ 4924244 w 9848488"/>
+              <a:gd name="connsiteY0" fmla="*/ 0 h 2006368"/>
+              <a:gd name="connsiteX1" fmla="*/ 9775437 w 9848488"/>
+              <a:gd name="connsiteY1" fmla="*/ 1858432 h 2006368"/>
+              <a:gd name="connsiteX2" fmla="*/ 9848488 w 9848488"/>
+              <a:gd name="connsiteY2" fmla="*/ 2006368 h 2006368"/>
+              <a:gd name="connsiteX3" fmla="*/ 0 w 9848488"/>
+              <a:gd name="connsiteY3" fmla="*/ 2006368 h 2006368"/>
+              <a:gd name="connsiteX4" fmla="*/ 73051 w 9848488"/>
+              <a:gd name="connsiteY4" fmla="*/ 1858432 h 2006368"/>
+              <a:gd name="connsiteX5" fmla="*/ 4924244 w 9848488"/>
+              <a:gd name="connsiteY5" fmla="*/ 0 h 2006368"/>
+            </a:gdLst>
+            <a:ahLst/>
+            <a:cxnLst>
+              <a:cxn ang="0">
+                <a:pos x="connsiteX0" y="connsiteY0"/>
+              </a:cxn>
+              <a:cxn ang="0">
+                <a:pos x="connsiteX1" y="connsiteY1"/>
+              </a:cxn>
+              <a:cxn ang="0">
+                <a:pos x="connsiteX2" y="connsiteY2"/>
+              </a:cxn>
+              <a:cxn ang="0">
+                <a:pos x="connsiteX3" y="connsiteY3"/>
+              </a:cxn>
+              <a:cxn ang="0">
+                <a:pos x="connsiteX4" y="connsiteY4"/>
+              </a:cxn>
+              <a:cxn ang="0">
+                <a:pos x="connsiteX5" y="connsiteY5"/>
+              </a:cxn>
+            </a:cxnLst>
+            <a:rect l="l" t="t" r="r" b="b"/>
+            <a:pathLst>
+              <a:path w="9848488" h="2006368">
+                <a:moveTo>
+                  <a:pt x="4924244" y="0"/>
+                </a:moveTo>
+                <a:cubicBezTo>
+                  <a:pt x="7203603" y="0"/>
+                  <a:pt x="9132307" y="781751"/>
+                  <a:pt x="9775437" y="1858432"/>
+                </a:cubicBezTo>
+                <a:lnTo>
+                  <a:pt x="9848488" y="2006368"/>
+                </a:lnTo>
+                <a:lnTo>
+                  <a:pt x="0" y="2006368"/>
+                </a:lnTo>
+                <a:lnTo>
+                  <a:pt x="73051" y="1858432"/>
+                </a:lnTo>
+                <a:cubicBezTo>
+                  <a:pt x="716182" y="781751"/>
+                  <a:pt x="2644886" y="0"/>
+                  <a:pt x="4924244" y="0"/>
+                </a:cubicBezTo>
+                <a:close/>
+              </a:path>
+            </a:pathLst>
+          </a:custGeom>
+          <a:solidFill>
+            <a:schemeClr val="accent3"/>
+          </a:solidFill>
+          <a:ln>
+            <a:noFill/>
+          </a:ln>
+        </p:spPr>
+        <p:style>
+          <a:lnRef idx="2">
+            <a:schemeClr val="accent1">
+              <a:shade val="15000"/>
+            </a:schemeClr>
+          </a:lnRef>
+          <a:fillRef idx="1">
+            <a:schemeClr val="accent1"/>
+          </a:fillRef>
+          <a:effectRef idx="0">
+            <a:schemeClr val="accent1"/>
+          </a:effectRef>
+          <a:fontRef idx="minor">
+            <a:schemeClr val="lt1"/>
+          </a:fontRef>
+        </p:style>
+        <p:txBody>
+          <a:bodyPr rtlCol="0" anchor="ctr"/>
+          <a:lstStyle/>
+          <a:p>
+            <a:pPr algn="ctr"/>
+            <a:endParaRPr lang="zh-CN" altLang="en-US" dirty="0">
+              <a:ea typeface="微软雅黑" panose="020B0503020204020204" pitchFamily="34" charset="-122"/>
+              <a:cs typeface="+mn-ea"/>
+              <a:sym typeface="+mn-lt"/>
+            </a:endParaRPr>
+          </a:p>
+        </p:txBody>
+      </p:sp>
+      <p:sp>
+        <p:nvSpPr>
+          <p:cNvPr id="21" name="CasellaDiTesto 20">
+            <a:extLst>
+              <a:ext uri="{FF2B5EF4-FFF2-40B4-BE49-F238E27FC236}">
+                <a16:creationId xmlns:a16="http://schemas.microsoft.com/office/drawing/2014/main" id="{FAF1BD1D-72A9-13BB-DA38-13321AE04E39}"/>
+              </a:ext>
+            </a:extLst>
+          </p:cNvPr>
+          <p:cNvSpPr txBox="1"/>
+          <p:nvPr/>
+        </p:nvSpPr>
+        <p:spPr>
+          <a:xfrm>
+            <a:off x="6990603" y="4968240"/>
+            <a:ext cx="4622800" cy="1477328"/>
+          </a:xfrm>
+          <a:prstGeom prst="rect">
+            <a:avLst/>
+          </a:prstGeom>
+          <a:noFill/>
+        </p:spPr>
+        <p:txBody>
+          <a:bodyPr wrap="square" rtlCol="0">
+            <a:spAutoFit/>
+          </a:bodyPr>
+          <a:lstStyle/>
+          <a:p>
+            <a:r>
+              <a:rPr lang="it-IT" dirty="0">
+                <a:solidFill>
+                  <a:schemeClr val="bg1"/>
+                </a:solidFill>
+              </a:rPr>
+              <a:t>In questo modo la stessa texture produrrà lo stesso risultato indipendentemente dalla rotazione dell’oggetto.</a:t>
+            </a:r>
+          </a:p>
+          <a:p>
+            <a:r>
+              <a:rPr lang="it-IT" dirty="0">
+                <a:solidFill>
+                  <a:schemeClr val="bg1"/>
+                </a:solidFill>
+              </a:rPr>
+              <a:t>Andando così a risolvere il problema della rotazione.</a:t>
+            </a:r>
+          </a:p>
+        </p:txBody>
+      </p:sp>
+    </p:spTree>
+    <p:extLst>
+      <p:ext uri="{BB962C8B-B14F-4D97-AF65-F5344CB8AC3E}">
+        <p14:creationId xmlns:p14="http://schemas.microsoft.com/office/powerpoint/2010/main" val="1908516787"/>
+      </p:ext>
+    </p:extLst>
+  </p:cSld>
+  <p:clrMapOvr>
+    <a:masterClrMapping/>
+  </p:clrMapOvr>
+</p:sld>
+</file>
+
+<file path=ppt/slides/slide16.xml><?xml version="1.0" encoding="utf-8"?>
+<p:sld xmlns:a="http://schemas.openxmlformats.org/drawingml/2006/main" xmlns:r="http://schemas.openxmlformats.org/officeDocument/2006/relationships" xmlns:p="http://schemas.openxmlformats.org/presentationml/2006/main">
+  <p:cSld>
+    <p:spTree>
+      <p:nvGrpSpPr>
+        <p:cNvPr id="1" name="">
+          <a:extLst>
+            <a:ext uri="{FF2B5EF4-FFF2-40B4-BE49-F238E27FC236}">
+              <a16:creationId xmlns:a16="http://schemas.microsoft.com/office/drawing/2014/main" id="{14CA183A-2A52-277D-9244-4C593A632220}"/>
+            </a:ext>
+          </a:extLst>
+        </p:cNvPr>
+        <p:cNvGrpSpPr/>
+        <p:nvPr/>
+      </p:nvGrpSpPr>
+      <p:grpSpPr>
+        <a:xfrm>
+          <a:off x="0" y="0"/>
+          <a:ext cx="0" cy="0"/>
+          <a:chOff x="0" y="0"/>
+          <a:chExt cx="0" cy="0"/>
+        </a:xfrm>
+      </p:grpSpPr>
+      <p:sp>
+        <p:nvSpPr>
+          <p:cNvPr id="3" name="Title 2">
+            <a:extLst>
+              <a:ext uri="{FF2B5EF4-FFF2-40B4-BE49-F238E27FC236}">
+                <a16:creationId xmlns:a16="http://schemas.microsoft.com/office/drawing/2014/main" id="{BFD0B479-64B0-2409-8F23-3A0C2E0DBFD9}"/>
+              </a:ext>
+            </a:extLst>
+          </p:cNvPr>
+          <p:cNvSpPr>
+            <a:spLocks noGrp="1"/>
+          </p:cNvSpPr>
+          <p:nvPr>
+            <p:ph type="title"/>
+          </p:nvPr>
+        </p:nvSpPr>
+        <p:spPr>
+          <a:xfrm>
+            <a:off x="234135" y="373911"/>
+            <a:ext cx="2752905" cy="368247"/>
+          </a:xfrm>
+        </p:spPr>
+        <p:txBody>
+          <a:bodyPr anchor="ctr">
+            <a:normAutofit fontScale="90000"/>
+          </a:bodyPr>
+          <a:lstStyle/>
+          <a:p>
+            <a:r>
+              <a:rPr lang="en-US" sz="4400" dirty="0">
+                <a:solidFill>
+                  <a:schemeClr val="tx2"/>
+                </a:solidFill>
+                <a:latin typeface="+mn-lt"/>
+                <a:ea typeface="微软雅黑" panose="020B0503020204020204" pitchFamily="34" charset="-122"/>
+                <a:cs typeface="+mn-ea"/>
+                <a:sym typeface="+mn-lt"/>
+              </a:rPr>
+              <a:t>Texture</a:t>
+            </a:r>
+          </a:p>
+        </p:txBody>
+      </p:sp>
+      <p:sp>
+        <p:nvSpPr>
+          <p:cNvPr id="4" name="任意多边形: 形状 17">
+            <a:extLst>
+              <a:ext uri="{FF2B5EF4-FFF2-40B4-BE49-F238E27FC236}">
+                <a16:creationId xmlns:a16="http://schemas.microsoft.com/office/drawing/2014/main" id="{17DE9DDE-9727-7C4F-BEA1-BC4C7E05F3BD}"/>
+              </a:ext>
+            </a:extLst>
+          </p:cNvPr>
+          <p:cNvSpPr/>
+          <p:nvPr>
+            <p:custDataLst>
+              <p:tags r:id="rId1"/>
+            </p:custDataLst>
+          </p:nvPr>
+        </p:nvSpPr>
+        <p:spPr>
+          <a:xfrm rot="16200000">
+            <a:off x="6269697" y="3920492"/>
+            <a:ext cx="9847061" cy="2006077"/>
+          </a:xfrm>
+          <a:custGeom>
+            <a:avLst/>
+            <a:gdLst>
+              <a:gd name="connsiteX0" fmla="*/ 4924244 w 9848488"/>
+              <a:gd name="connsiteY0" fmla="*/ 0 h 2006368"/>
+              <a:gd name="connsiteX1" fmla="*/ 9775437 w 9848488"/>
+              <a:gd name="connsiteY1" fmla="*/ 1858432 h 2006368"/>
+              <a:gd name="connsiteX2" fmla="*/ 9848488 w 9848488"/>
+              <a:gd name="connsiteY2" fmla="*/ 2006368 h 2006368"/>
+              <a:gd name="connsiteX3" fmla="*/ 0 w 9848488"/>
+              <a:gd name="connsiteY3" fmla="*/ 2006368 h 2006368"/>
+              <a:gd name="connsiteX4" fmla="*/ 73051 w 9848488"/>
+              <a:gd name="connsiteY4" fmla="*/ 1858432 h 2006368"/>
+              <a:gd name="connsiteX5" fmla="*/ 4924244 w 9848488"/>
+              <a:gd name="connsiteY5" fmla="*/ 0 h 2006368"/>
+            </a:gdLst>
+            <a:ahLst/>
+            <a:cxnLst>
+              <a:cxn ang="0">
+                <a:pos x="connsiteX0" y="connsiteY0"/>
+              </a:cxn>
+              <a:cxn ang="0">
+                <a:pos x="connsiteX1" y="connsiteY1"/>
+              </a:cxn>
+              <a:cxn ang="0">
+                <a:pos x="connsiteX2" y="connsiteY2"/>
+              </a:cxn>
+              <a:cxn ang="0">
+                <a:pos x="connsiteX3" y="connsiteY3"/>
+              </a:cxn>
+              <a:cxn ang="0">
+                <a:pos x="connsiteX4" y="connsiteY4"/>
+              </a:cxn>
+              <a:cxn ang="0">
+                <a:pos x="connsiteX5" y="connsiteY5"/>
+              </a:cxn>
+            </a:cxnLst>
+            <a:rect l="l" t="t" r="r" b="b"/>
+            <a:pathLst>
+              <a:path w="9848488" h="2006368">
+                <a:moveTo>
+                  <a:pt x="4924244" y="0"/>
+                </a:moveTo>
+                <a:cubicBezTo>
+                  <a:pt x="7203603" y="0"/>
+                  <a:pt x="9132307" y="781751"/>
+                  <a:pt x="9775437" y="1858432"/>
+                </a:cubicBezTo>
+                <a:lnTo>
+                  <a:pt x="9848488" y="2006368"/>
+                </a:lnTo>
+                <a:lnTo>
+                  <a:pt x="0" y="2006368"/>
+                </a:lnTo>
+                <a:lnTo>
+                  <a:pt x="73051" y="1858432"/>
+                </a:lnTo>
+                <a:cubicBezTo>
+                  <a:pt x="716182" y="781751"/>
+                  <a:pt x="2644886" y="0"/>
+                  <a:pt x="4924244" y="0"/>
+                </a:cubicBezTo>
+                <a:close/>
+              </a:path>
+            </a:pathLst>
+          </a:custGeom>
+          <a:solidFill>
+            <a:schemeClr val="accent3"/>
+          </a:solidFill>
+          <a:ln>
+            <a:noFill/>
+          </a:ln>
+        </p:spPr>
+        <p:style>
+          <a:lnRef idx="2">
+            <a:schemeClr val="accent1">
+              <a:shade val="15000"/>
+            </a:schemeClr>
+          </a:lnRef>
+          <a:fillRef idx="1">
+            <a:schemeClr val="accent1"/>
+          </a:fillRef>
+          <a:effectRef idx="0">
+            <a:schemeClr val="accent1"/>
+          </a:effectRef>
+          <a:fontRef idx="minor">
+            <a:schemeClr val="lt1"/>
+          </a:fontRef>
+        </p:style>
+        <p:txBody>
+          <a:bodyPr rtlCol="0" anchor="ctr"/>
+          <a:lstStyle/>
+          <a:p>
+            <a:pPr algn="ctr"/>
+            <a:endParaRPr lang="zh-CN" altLang="en-US" dirty="0">
+              <a:ea typeface="微软雅黑" panose="020B0503020204020204" pitchFamily="34" charset="-122"/>
+              <a:cs typeface="+mn-ea"/>
+              <a:sym typeface="+mn-lt"/>
+            </a:endParaRPr>
+          </a:p>
+        </p:txBody>
+      </p:sp>
+      <p:sp>
+        <p:nvSpPr>
+          <p:cNvPr id="2" name="任意多边形: 形状 17">
+            <a:extLst>
+              <a:ext uri="{FF2B5EF4-FFF2-40B4-BE49-F238E27FC236}">
+                <a16:creationId xmlns:a16="http://schemas.microsoft.com/office/drawing/2014/main" id="{41A89E7E-48E2-0F2C-E942-E4941C50D3C1}"/>
+              </a:ext>
+            </a:extLst>
+          </p:cNvPr>
+          <p:cNvSpPr/>
+          <p:nvPr>
+            <p:custDataLst>
+              <p:tags r:id="rId2"/>
+            </p:custDataLst>
+          </p:nvPr>
+        </p:nvSpPr>
+        <p:spPr>
+          <a:xfrm rot="16200000">
+            <a:off x="6273805" y="3944392"/>
+            <a:ext cx="9847061" cy="2006077"/>
+          </a:xfrm>
+          <a:custGeom>
+            <a:avLst/>
+            <a:gdLst>
+              <a:gd name="connsiteX0" fmla="*/ 4924244 w 9848488"/>
+              <a:gd name="connsiteY0" fmla="*/ 0 h 2006368"/>
+              <a:gd name="connsiteX1" fmla="*/ 9775437 w 9848488"/>
+              <a:gd name="connsiteY1" fmla="*/ 1858432 h 2006368"/>
+              <a:gd name="connsiteX2" fmla="*/ 9848488 w 9848488"/>
+              <a:gd name="connsiteY2" fmla="*/ 2006368 h 2006368"/>
+              <a:gd name="connsiteX3" fmla="*/ 0 w 9848488"/>
+              <a:gd name="connsiteY3" fmla="*/ 2006368 h 2006368"/>
+              <a:gd name="connsiteX4" fmla="*/ 73051 w 9848488"/>
+              <a:gd name="connsiteY4" fmla="*/ 1858432 h 2006368"/>
+              <a:gd name="connsiteX5" fmla="*/ 4924244 w 9848488"/>
+              <a:gd name="connsiteY5" fmla="*/ 0 h 2006368"/>
+            </a:gdLst>
+            <a:ahLst/>
+            <a:cxnLst>
+              <a:cxn ang="0">
+                <a:pos x="connsiteX0" y="connsiteY0"/>
+              </a:cxn>
+              <a:cxn ang="0">
+                <a:pos x="connsiteX1" y="connsiteY1"/>
+              </a:cxn>
+              <a:cxn ang="0">
+                <a:pos x="connsiteX2" y="connsiteY2"/>
+              </a:cxn>
+              <a:cxn ang="0">
+                <a:pos x="connsiteX3" y="connsiteY3"/>
+              </a:cxn>
+              <a:cxn ang="0">
+                <a:pos x="connsiteX4" y="connsiteY4"/>
+              </a:cxn>
+              <a:cxn ang="0">
+                <a:pos x="connsiteX5" y="connsiteY5"/>
+              </a:cxn>
+            </a:cxnLst>
+            <a:rect l="l" t="t" r="r" b="b"/>
+            <a:pathLst>
+              <a:path w="9848488" h="2006368">
+                <a:moveTo>
+                  <a:pt x="4924244" y="0"/>
+                </a:moveTo>
+                <a:cubicBezTo>
+                  <a:pt x="7203603" y="0"/>
+                  <a:pt x="9132307" y="781751"/>
+                  <a:pt x="9775437" y="1858432"/>
+                </a:cubicBezTo>
+                <a:lnTo>
+                  <a:pt x="9848488" y="2006368"/>
+                </a:lnTo>
+                <a:lnTo>
+                  <a:pt x="0" y="2006368"/>
+                </a:lnTo>
+                <a:lnTo>
+                  <a:pt x="73051" y="1858432"/>
+                </a:lnTo>
+                <a:cubicBezTo>
+                  <a:pt x="716182" y="781751"/>
+                  <a:pt x="2644886" y="0"/>
+                  <a:pt x="4924244" y="0"/>
+                </a:cubicBezTo>
+                <a:close/>
+              </a:path>
+            </a:pathLst>
+          </a:custGeom>
+          <a:solidFill>
+            <a:schemeClr val="accent3"/>
+          </a:solidFill>
+          <a:ln>
+            <a:noFill/>
+          </a:ln>
+        </p:spPr>
+        <p:style>
+          <a:lnRef idx="2">
+            <a:schemeClr val="accent1">
+              <a:shade val="15000"/>
+            </a:schemeClr>
+          </a:lnRef>
+          <a:fillRef idx="1">
+            <a:schemeClr val="accent1"/>
+          </a:fillRef>
+          <a:effectRef idx="0">
+            <a:schemeClr val="accent1"/>
+          </a:effectRef>
+          <a:fontRef idx="minor">
+            <a:schemeClr val="lt1"/>
+          </a:fontRef>
+        </p:style>
+        <p:txBody>
+          <a:bodyPr rtlCol="0" anchor="ctr"/>
+          <a:lstStyle/>
+          <a:p>
+            <a:pPr algn="ctr"/>
+            <a:endParaRPr lang="zh-CN" altLang="en-US" dirty="0">
+              <a:ea typeface="微软雅黑" panose="020B0503020204020204" pitchFamily="34" charset="-122"/>
+              <a:cs typeface="+mn-ea"/>
+              <a:sym typeface="+mn-lt"/>
+            </a:endParaRPr>
+          </a:p>
+        </p:txBody>
+      </p:sp>
+      <p:sp>
+        <p:nvSpPr>
+          <p:cNvPr id="16" name="CasellaDiTesto 15">
+            <a:extLst>
+              <a:ext uri="{FF2B5EF4-FFF2-40B4-BE49-F238E27FC236}">
+                <a16:creationId xmlns:a16="http://schemas.microsoft.com/office/drawing/2014/main" id="{926EF361-215D-FD00-CC67-1E35969CA1BA}"/>
+              </a:ext>
+            </a:extLst>
+          </p:cNvPr>
+          <p:cNvSpPr txBox="1"/>
+          <p:nvPr/>
+        </p:nvSpPr>
+        <p:spPr>
+          <a:xfrm>
+            <a:off x="299719" y="1228052"/>
+            <a:ext cx="3098800" cy="646331"/>
+          </a:xfrm>
+          <a:prstGeom prst="rect">
+            <a:avLst/>
+          </a:prstGeom>
+          <a:noFill/>
+        </p:spPr>
+        <p:txBody>
+          <a:bodyPr wrap="square" rtlCol="0">
+            <a:spAutoFit/>
+          </a:bodyPr>
+          <a:lstStyle/>
+          <a:p>
+            <a:r>
+              <a:rPr lang="it-IT" b="1" dirty="0"/>
+              <a:t>Edge </a:t>
+            </a:r>
+            <a:r>
+              <a:rPr lang="it-IT" b="1" dirty="0" err="1"/>
+              <a:t>Histogram</a:t>
+            </a:r>
+            <a:r>
+              <a:rPr lang="it-IT" b="1" dirty="0"/>
+              <a:t> </a:t>
+            </a:r>
+            <a:r>
+              <a:rPr lang="it-IT" b="1" dirty="0" err="1"/>
+              <a:t>Static</a:t>
+            </a:r>
+            <a:r>
+              <a:rPr lang="it-IT" b="1" dirty="0"/>
+              <a:t> Features</a:t>
+            </a:r>
+          </a:p>
+        </p:txBody>
+      </p:sp>
+      <p:sp>
+        <p:nvSpPr>
+          <p:cNvPr id="19" name="CasellaDiTesto 18">
+            <a:extLst>
+              <a:ext uri="{FF2B5EF4-FFF2-40B4-BE49-F238E27FC236}">
+                <a16:creationId xmlns:a16="http://schemas.microsoft.com/office/drawing/2014/main" id="{C979E8C8-BF6C-46FC-7988-1BD7BCB97449}"/>
+              </a:ext>
+            </a:extLst>
+          </p:cNvPr>
+          <p:cNvSpPr txBox="1"/>
+          <p:nvPr/>
+        </p:nvSpPr>
+        <p:spPr>
+          <a:xfrm>
+            <a:off x="234135" y="3999229"/>
+            <a:ext cx="3769360" cy="646331"/>
+          </a:xfrm>
+          <a:prstGeom prst="rect">
+            <a:avLst/>
+          </a:prstGeom>
+          <a:noFill/>
+        </p:spPr>
+        <p:txBody>
+          <a:bodyPr wrap="square" rtlCol="0">
+            <a:spAutoFit/>
+          </a:bodyPr>
+          <a:lstStyle/>
+          <a:p>
+            <a:r>
+              <a:rPr lang="it-IT" dirty="0"/>
+              <a:t>È </a:t>
+            </a:r>
+          </a:p>
+          <a:p>
+            <a:endParaRPr lang="it-IT" dirty="0"/>
+          </a:p>
+        </p:txBody>
+      </p:sp>
+      <p:sp>
+        <p:nvSpPr>
+          <p:cNvPr id="20" name="任意多边形: 形状 17">
+            <a:extLst>
+              <a:ext uri="{FF2B5EF4-FFF2-40B4-BE49-F238E27FC236}">
+                <a16:creationId xmlns:a16="http://schemas.microsoft.com/office/drawing/2014/main" id="{BE5D9F8B-6D31-41AE-658D-05D6BAF8142B}"/>
+              </a:ext>
+            </a:extLst>
+          </p:cNvPr>
+          <p:cNvSpPr/>
+          <p:nvPr>
+            <p:custDataLst>
+              <p:tags r:id="rId3"/>
+            </p:custDataLst>
+          </p:nvPr>
+        </p:nvSpPr>
+        <p:spPr>
+          <a:xfrm>
+            <a:off x="5266658" y="4094480"/>
+            <a:ext cx="9847061" cy="2859027"/>
+          </a:xfrm>
+          <a:custGeom>
+            <a:avLst/>
+            <a:gdLst>
+              <a:gd name="connsiteX0" fmla="*/ 4924244 w 9848488"/>
+              <a:gd name="connsiteY0" fmla="*/ 0 h 2006368"/>
+              <a:gd name="connsiteX1" fmla="*/ 9775437 w 9848488"/>
+              <a:gd name="connsiteY1" fmla="*/ 1858432 h 2006368"/>
+              <a:gd name="connsiteX2" fmla="*/ 9848488 w 9848488"/>
+              <a:gd name="connsiteY2" fmla="*/ 2006368 h 2006368"/>
+              <a:gd name="connsiteX3" fmla="*/ 0 w 9848488"/>
+              <a:gd name="connsiteY3" fmla="*/ 2006368 h 2006368"/>
+              <a:gd name="connsiteX4" fmla="*/ 73051 w 9848488"/>
+              <a:gd name="connsiteY4" fmla="*/ 1858432 h 2006368"/>
+              <a:gd name="connsiteX5" fmla="*/ 4924244 w 9848488"/>
+              <a:gd name="connsiteY5" fmla="*/ 0 h 2006368"/>
+            </a:gdLst>
+            <a:ahLst/>
+            <a:cxnLst>
+              <a:cxn ang="0">
+                <a:pos x="connsiteX0" y="connsiteY0"/>
+              </a:cxn>
+              <a:cxn ang="0">
+                <a:pos x="connsiteX1" y="connsiteY1"/>
+              </a:cxn>
+              <a:cxn ang="0">
+                <a:pos x="connsiteX2" y="connsiteY2"/>
+              </a:cxn>
+              <a:cxn ang="0">
+                <a:pos x="connsiteX3" y="connsiteY3"/>
+              </a:cxn>
+              <a:cxn ang="0">
+                <a:pos x="connsiteX4" y="connsiteY4"/>
+              </a:cxn>
+              <a:cxn ang="0">
+                <a:pos x="connsiteX5" y="connsiteY5"/>
+              </a:cxn>
+            </a:cxnLst>
+            <a:rect l="l" t="t" r="r" b="b"/>
+            <a:pathLst>
+              <a:path w="9848488" h="2006368">
+                <a:moveTo>
+                  <a:pt x="4924244" y="0"/>
+                </a:moveTo>
+                <a:cubicBezTo>
+                  <a:pt x="7203603" y="0"/>
+                  <a:pt x="9132307" y="781751"/>
+                  <a:pt x="9775437" y="1858432"/>
+                </a:cubicBezTo>
+                <a:lnTo>
+                  <a:pt x="9848488" y="2006368"/>
+                </a:lnTo>
+                <a:lnTo>
+                  <a:pt x="0" y="2006368"/>
+                </a:lnTo>
+                <a:lnTo>
+                  <a:pt x="73051" y="1858432"/>
+                </a:lnTo>
+                <a:cubicBezTo>
+                  <a:pt x="716182" y="781751"/>
+                  <a:pt x="2644886" y="0"/>
+                  <a:pt x="4924244" y="0"/>
+                </a:cubicBezTo>
+                <a:close/>
+              </a:path>
+            </a:pathLst>
+          </a:custGeom>
+          <a:solidFill>
+            <a:schemeClr val="accent3"/>
+          </a:solidFill>
+          <a:ln>
+            <a:noFill/>
+          </a:ln>
+        </p:spPr>
+        <p:style>
+          <a:lnRef idx="2">
+            <a:schemeClr val="accent1">
+              <a:shade val="15000"/>
+            </a:schemeClr>
+          </a:lnRef>
+          <a:fillRef idx="1">
+            <a:schemeClr val="accent1"/>
+          </a:fillRef>
+          <a:effectRef idx="0">
+            <a:schemeClr val="accent1"/>
+          </a:effectRef>
+          <a:fontRef idx="minor">
+            <a:schemeClr val="lt1"/>
+          </a:fontRef>
+        </p:style>
+        <p:txBody>
+          <a:bodyPr rtlCol="0" anchor="ctr"/>
+          <a:lstStyle/>
+          <a:p>
+            <a:pPr algn="ctr"/>
+            <a:endParaRPr lang="zh-CN" altLang="en-US" dirty="0">
+              <a:ea typeface="微软雅黑" panose="020B0503020204020204" pitchFamily="34" charset="-122"/>
+              <a:cs typeface="+mn-ea"/>
+              <a:sym typeface="+mn-lt"/>
+            </a:endParaRPr>
+          </a:p>
+        </p:txBody>
+      </p:sp>
+      <p:sp>
+        <p:nvSpPr>
+          <p:cNvPr id="21" name="CasellaDiTesto 20">
+            <a:extLst>
+              <a:ext uri="{FF2B5EF4-FFF2-40B4-BE49-F238E27FC236}">
+                <a16:creationId xmlns:a16="http://schemas.microsoft.com/office/drawing/2014/main" id="{D6F26F0B-152D-FE9A-217E-B7DB35F2B4BC}"/>
+              </a:ext>
+            </a:extLst>
+          </p:cNvPr>
+          <p:cNvSpPr txBox="1"/>
+          <p:nvPr/>
+        </p:nvSpPr>
+        <p:spPr>
+          <a:xfrm>
+            <a:off x="6990603" y="4968240"/>
+            <a:ext cx="4622800" cy="1477328"/>
+          </a:xfrm>
+          <a:prstGeom prst="rect">
+            <a:avLst/>
+          </a:prstGeom>
+          <a:noFill/>
+        </p:spPr>
+        <p:txBody>
+          <a:bodyPr wrap="square" rtlCol="0">
+            <a:spAutoFit/>
+          </a:bodyPr>
+          <a:lstStyle/>
+          <a:p>
+            <a:r>
+              <a:rPr lang="it-IT" dirty="0">
+                <a:solidFill>
+                  <a:schemeClr val="bg1"/>
+                </a:solidFill>
+              </a:rPr>
+              <a:t>In questo modo la stessa texture produrrà lo stesso risultato indipendentemente dalla rotazione dell’oggetto.</a:t>
+            </a:r>
+          </a:p>
+          <a:p>
+            <a:r>
+              <a:rPr lang="it-IT" dirty="0">
+                <a:solidFill>
+                  <a:schemeClr val="bg1"/>
+                </a:solidFill>
+              </a:rPr>
+              <a:t>Andando così a risolvere il problema della rotazione.</a:t>
+            </a:r>
+          </a:p>
+        </p:txBody>
+      </p:sp>
+    </p:spTree>
+    <p:extLst>
+      <p:ext uri="{BB962C8B-B14F-4D97-AF65-F5344CB8AC3E}">
+        <p14:creationId xmlns:p14="http://schemas.microsoft.com/office/powerpoint/2010/main" val="1292515168"/>
+      </p:ext>
+    </p:extLst>
+  </p:cSld>
+  <p:clrMapOvr>
+    <a:masterClrMapping/>
+  </p:clrMapOvr>
+</p:sld>
+</file>
+
+<file path=ppt/slides/slide17.xml><?xml version="1.0" encoding="utf-8"?>
+<p:sld xmlns:a="http://schemas.openxmlformats.org/drawingml/2006/main" xmlns:r="http://schemas.openxmlformats.org/officeDocument/2006/relationships" xmlns:p="http://schemas.openxmlformats.org/presentationml/2006/main">
+  <p:cSld>
+    <p:spTree>
+      <p:nvGrpSpPr>
+        <p:cNvPr id="1" name="">
+          <a:extLst>
+            <a:ext uri="{FF2B5EF4-FFF2-40B4-BE49-F238E27FC236}">
+              <a16:creationId xmlns:a16="http://schemas.microsoft.com/office/drawing/2014/main" id="{F67ECA8A-FB8B-FE47-7752-457AD94683C0}"/>
+            </a:ext>
+          </a:extLst>
+        </p:cNvPr>
+        <p:cNvGrpSpPr/>
+        <p:nvPr/>
+      </p:nvGrpSpPr>
+      <p:grpSpPr>
+        <a:xfrm>
+          <a:off x="0" y="0"/>
+          <a:ext cx="0" cy="0"/>
+          <a:chOff x="0" y="0"/>
+          <a:chExt cx="0" cy="0"/>
+        </a:xfrm>
+      </p:grpSpPr>
+      <p:sp>
+        <p:nvSpPr>
+          <p:cNvPr id="3" name="Title 2">
+            <a:extLst>
+              <a:ext uri="{FF2B5EF4-FFF2-40B4-BE49-F238E27FC236}">
+                <a16:creationId xmlns:a16="http://schemas.microsoft.com/office/drawing/2014/main" id="{CD9BCDFB-9BF6-A589-6BE4-23ED4DCE0FA9}"/>
+              </a:ext>
+            </a:extLst>
+          </p:cNvPr>
+          <p:cNvSpPr>
+            <a:spLocks noGrp="1"/>
+          </p:cNvSpPr>
+          <p:nvPr>
+            <p:ph type="title"/>
+          </p:nvPr>
+        </p:nvSpPr>
+        <p:spPr>
+          <a:xfrm>
+            <a:off x="234135" y="373911"/>
+            <a:ext cx="3164384" cy="368247"/>
+          </a:xfrm>
+        </p:spPr>
+        <p:txBody>
+          <a:bodyPr anchor="ctr">
+            <a:normAutofit fontScale="90000"/>
+          </a:bodyPr>
+          <a:lstStyle/>
+          <a:p>
+            <a:r>
+              <a:rPr lang="en-US" sz="4400" dirty="0">
+                <a:solidFill>
+                  <a:schemeClr val="tx2"/>
+                </a:solidFill>
+                <a:latin typeface="+mn-lt"/>
+                <a:ea typeface="微软雅黑" panose="020B0503020204020204" pitchFamily="34" charset="-122"/>
+                <a:cs typeface="+mn-ea"/>
+                <a:sym typeface="+mn-lt"/>
+              </a:rPr>
+              <a:t>Forma/Edge</a:t>
+            </a:r>
+          </a:p>
+        </p:txBody>
+      </p:sp>
+      <p:sp>
+        <p:nvSpPr>
+          <p:cNvPr id="4" name="任意多边形: 形状 17">
+            <a:extLst>
+              <a:ext uri="{FF2B5EF4-FFF2-40B4-BE49-F238E27FC236}">
+                <a16:creationId xmlns:a16="http://schemas.microsoft.com/office/drawing/2014/main" id="{EBD5619D-A25E-0BB7-91F8-EF0294A952B0}"/>
+              </a:ext>
+            </a:extLst>
+          </p:cNvPr>
+          <p:cNvSpPr/>
+          <p:nvPr>
+            <p:custDataLst>
+              <p:tags r:id="rId1"/>
+            </p:custDataLst>
+          </p:nvPr>
+        </p:nvSpPr>
+        <p:spPr>
+          <a:xfrm rot="16200000">
+            <a:off x="6269697" y="3920492"/>
+            <a:ext cx="9847061" cy="2006077"/>
+          </a:xfrm>
+          <a:custGeom>
+            <a:avLst/>
+            <a:gdLst>
+              <a:gd name="connsiteX0" fmla="*/ 4924244 w 9848488"/>
+              <a:gd name="connsiteY0" fmla="*/ 0 h 2006368"/>
+              <a:gd name="connsiteX1" fmla="*/ 9775437 w 9848488"/>
+              <a:gd name="connsiteY1" fmla="*/ 1858432 h 2006368"/>
+              <a:gd name="connsiteX2" fmla="*/ 9848488 w 9848488"/>
+              <a:gd name="connsiteY2" fmla="*/ 2006368 h 2006368"/>
+              <a:gd name="connsiteX3" fmla="*/ 0 w 9848488"/>
+              <a:gd name="connsiteY3" fmla="*/ 2006368 h 2006368"/>
+              <a:gd name="connsiteX4" fmla="*/ 73051 w 9848488"/>
+              <a:gd name="connsiteY4" fmla="*/ 1858432 h 2006368"/>
+              <a:gd name="connsiteX5" fmla="*/ 4924244 w 9848488"/>
+              <a:gd name="connsiteY5" fmla="*/ 0 h 2006368"/>
+            </a:gdLst>
+            <a:ahLst/>
+            <a:cxnLst>
+              <a:cxn ang="0">
+                <a:pos x="connsiteX0" y="connsiteY0"/>
+              </a:cxn>
+              <a:cxn ang="0">
+                <a:pos x="connsiteX1" y="connsiteY1"/>
+              </a:cxn>
+              <a:cxn ang="0">
+                <a:pos x="connsiteX2" y="connsiteY2"/>
+              </a:cxn>
+              <a:cxn ang="0">
+                <a:pos x="connsiteX3" y="connsiteY3"/>
+              </a:cxn>
+              <a:cxn ang="0">
+                <a:pos x="connsiteX4" y="connsiteY4"/>
+              </a:cxn>
+              <a:cxn ang="0">
+                <a:pos x="connsiteX5" y="connsiteY5"/>
+              </a:cxn>
+            </a:cxnLst>
+            <a:rect l="l" t="t" r="r" b="b"/>
+            <a:pathLst>
+              <a:path w="9848488" h="2006368">
+                <a:moveTo>
+                  <a:pt x="4924244" y="0"/>
+                </a:moveTo>
+                <a:cubicBezTo>
+                  <a:pt x="7203603" y="0"/>
+                  <a:pt x="9132307" y="781751"/>
+                  <a:pt x="9775437" y="1858432"/>
+                </a:cubicBezTo>
+                <a:lnTo>
+                  <a:pt x="9848488" y="2006368"/>
+                </a:lnTo>
+                <a:lnTo>
+                  <a:pt x="0" y="2006368"/>
+                </a:lnTo>
+                <a:lnTo>
+                  <a:pt x="73051" y="1858432"/>
+                </a:lnTo>
+                <a:cubicBezTo>
+                  <a:pt x="716182" y="781751"/>
+                  <a:pt x="2644886" y="0"/>
+                  <a:pt x="4924244" y="0"/>
+                </a:cubicBezTo>
+                <a:close/>
+              </a:path>
+            </a:pathLst>
+          </a:custGeom>
+          <a:solidFill>
+            <a:schemeClr val="accent3"/>
+          </a:solidFill>
+          <a:ln>
+            <a:noFill/>
+          </a:ln>
+        </p:spPr>
+        <p:style>
+          <a:lnRef idx="2">
+            <a:schemeClr val="accent1">
+              <a:shade val="15000"/>
+            </a:schemeClr>
+          </a:lnRef>
+          <a:fillRef idx="1">
+            <a:schemeClr val="accent1"/>
+          </a:fillRef>
+          <a:effectRef idx="0">
+            <a:schemeClr val="accent1"/>
+          </a:effectRef>
+          <a:fontRef idx="minor">
+            <a:schemeClr val="lt1"/>
+          </a:fontRef>
+        </p:style>
+        <p:txBody>
+          <a:bodyPr rtlCol="0" anchor="ctr"/>
+          <a:lstStyle/>
+          <a:p>
+            <a:pPr algn="ctr"/>
+            <a:endParaRPr lang="zh-CN" altLang="en-US" dirty="0">
+              <a:ea typeface="微软雅黑" panose="020B0503020204020204" pitchFamily="34" charset="-122"/>
+              <a:cs typeface="+mn-ea"/>
+              <a:sym typeface="+mn-lt"/>
+            </a:endParaRPr>
+          </a:p>
+        </p:txBody>
+      </p:sp>
+      <p:sp>
+        <p:nvSpPr>
+          <p:cNvPr id="2" name="任意多边形: 形状 17">
+            <a:extLst>
+              <a:ext uri="{FF2B5EF4-FFF2-40B4-BE49-F238E27FC236}">
+                <a16:creationId xmlns:a16="http://schemas.microsoft.com/office/drawing/2014/main" id="{BF01CAE1-E0D5-C48F-40F4-DBFB05BFCE3E}"/>
+              </a:ext>
+            </a:extLst>
+          </p:cNvPr>
+          <p:cNvSpPr/>
+          <p:nvPr>
+            <p:custDataLst>
+              <p:tags r:id="rId2"/>
+            </p:custDataLst>
+          </p:nvPr>
+        </p:nvSpPr>
+        <p:spPr>
+          <a:xfrm rot="16200000">
+            <a:off x="6273805" y="3944392"/>
+            <a:ext cx="9847061" cy="2006077"/>
+          </a:xfrm>
+          <a:custGeom>
+            <a:avLst/>
+            <a:gdLst>
+              <a:gd name="connsiteX0" fmla="*/ 4924244 w 9848488"/>
+              <a:gd name="connsiteY0" fmla="*/ 0 h 2006368"/>
+              <a:gd name="connsiteX1" fmla="*/ 9775437 w 9848488"/>
+              <a:gd name="connsiteY1" fmla="*/ 1858432 h 2006368"/>
+              <a:gd name="connsiteX2" fmla="*/ 9848488 w 9848488"/>
+              <a:gd name="connsiteY2" fmla="*/ 2006368 h 2006368"/>
+              <a:gd name="connsiteX3" fmla="*/ 0 w 9848488"/>
+              <a:gd name="connsiteY3" fmla="*/ 2006368 h 2006368"/>
+              <a:gd name="connsiteX4" fmla="*/ 73051 w 9848488"/>
+              <a:gd name="connsiteY4" fmla="*/ 1858432 h 2006368"/>
+              <a:gd name="connsiteX5" fmla="*/ 4924244 w 9848488"/>
+              <a:gd name="connsiteY5" fmla="*/ 0 h 2006368"/>
+            </a:gdLst>
+            <a:ahLst/>
+            <a:cxnLst>
+              <a:cxn ang="0">
+                <a:pos x="connsiteX0" y="connsiteY0"/>
+              </a:cxn>
+              <a:cxn ang="0">
+                <a:pos x="connsiteX1" y="connsiteY1"/>
+              </a:cxn>
+              <a:cxn ang="0">
+                <a:pos x="connsiteX2" y="connsiteY2"/>
+              </a:cxn>
+              <a:cxn ang="0">
+                <a:pos x="connsiteX3" y="connsiteY3"/>
+              </a:cxn>
+              <a:cxn ang="0">
+                <a:pos x="connsiteX4" y="connsiteY4"/>
+              </a:cxn>
+              <a:cxn ang="0">
+                <a:pos x="connsiteX5" y="connsiteY5"/>
+              </a:cxn>
+            </a:cxnLst>
+            <a:rect l="l" t="t" r="r" b="b"/>
+            <a:pathLst>
+              <a:path w="9848488" h="2006368">
+                <a:moveTo>
+                  <a:pt x="4924244" y="0"/>
+                </a:moveTo>
+                <a:cubicBezTo>
+                  <a:pt x="7203603" y="0"/>
+                  <a:pt x="9132307" y="781751"/>
+                  <a:pt x="9775437" y="1858432"/>
+                </a:cubicBezTo>
+                <a:lnTo>
+                  <a:pt x="9848488" y="2006368"/>
+                </a:lnTo>
+                <a:lnTo>
+                  <a:pt x="0" y="2006368"/>
+                </a:lnTo>
+                <a:lnTo>
+                  <a:pt x="73051" y="1858432"/>
+                </a:lnTo>
+                <a:cubicBezTo>
+                  <a:pt x="716182" y="781751"/>
+                  <a:pt x="2644886" y="0"/>
+                  <a:pt x="4924244" y="0"/>
+                </a:cubicBezTo>
+                <a:close/>
+              </a:path>
+            </a:pathLst>
+          </a:custGeom>
+          <a:solidFill>
+            <a:schemeClr val="accent3"/>
+          </a:solidFill>
+          <a:ln>
+            <a:noFill/>
+          </a:ln>
+        </p:spPr>
+        <p:style>
+          <a:lnRef idx="2">
+            <a:schemeClr val="accent1">
+              <a:shade val="15000"/>
+            </a:schemeClr>
+          </a:lnRef>
+          <a:fillRef idx="1">
+            <a:schemeClr val="accent1"/>
+          </a:fillRef>
+          <a:effectRef idx="0">
+            <a:schemeClr val="accent1"/>
+          </a:effectRef>
+          <a:fontRef idx="minor">
+            <a:schemeClr val="lt1"/>
+          </a:fontRef>
+        </p:style>
+        <p:txBody>
+          <a:bodyPr rtlCol="0" anchor="ctr"/>
+          <a:lstStyle/>
+          <a:p>
+            <a:pPr algn="ctr"/>
+            <a:endParaRPr lang="zh-CN" altLang="en-US" dirty="0">
+              <a:ea typeface="微软雅黑" panose="020B0503020204020204" pitchFamily="34" charset="-122"/>
+              <a:cs typeface="+mn-ea"/>
+              <a:sym typeface="+mn-lt"/>
+            </a:endParaRPr>
+          </a:p>
+        </p:txBody>
+      </p:sp>
+      <p:sp>
+        <p:nvSpPr>
+          <p:cNvPr id="16" name="CasellaDiTesto 15">
+            <a:extLst>
+              <a:ext uri="{FF2B5EF4-FFF2-40B4-BE49-F238E27FC236}">
+                <a16:creationId xmlns:a16="http://schemas.microsoft.com/office/drawing/2014/main" id="{123EACBA-D4B1-A11E-206F-3133606F4835}"/>
+              </a:ext>
+            </a:extLst>
+          </p:cNvPr>
+          <p:cNvSpPr txBox="1"/>
+          <p:nvPr/>
+        </p:nvSpPr>
+        <p:spPr>
+          <a:xfrm>
+            <a:off x="299719" y="1228052"/>
+            <a:ext cx="3098800" cy="1477328"/>
+          </a:xfrm>
+          <a:prstGeom prst="rect">
+            <a:avLst/>
+          </a:prstGeom>
+          <a:noFill/>
+        </p:spPr>
+        <p:txBody>
+          <a:bodyPr wrap="square" rtlCol="0">
+            <a:spAutoFit/>
+          </a:bodyPr>
+          <a:lstStyle/>
+          <a:p>
+            <a:r>
+              <a:rPr lang="it-IT" b="1" dirty="0"/>
+              <a:t>Descrittori di Fourier</a:t>
+            </a:r>
+          </a:p>
+          <a:p>
+            <a:r>
+              <a:rPr lang="it-IT" dirty="0"/>
+              <a:t>Permettono di rappresentare il contorno di una regione dal punto di vista del dominio delle </a:t>
+            </a:r>
+            <a:r>
+              <a:rPr lang="it-IT" dirty="0" err="1"/>
+              <a:t>fequenze</a:t>
+            </a:r>
+            <a:endParaRPr lang="it-IT" dirty="0"/>
+          </a:p>
+        </p:txBody>
+      </p:sp>
+      <p:sp>
+        <p:nvSpPr>
+          <p:cNvPr id="20" name="任意多边形: 形状 17">
+            <a:extLst>
+              <a:ext uri="{FF2B5EF4-FFF2-40B4-BE49-F238E27FC236}">
+                <a16:creationId xmlns:a16="http://schemas.microsoft.com/office/drawing/2014/main" id="{5036C539-EEA9-7F99-5C0D-7FA3FE90718D}"/>
+              </a:ext>
+            </a:extLst>
+          </p:cNvPr>
+          <p:cNvSpPr/>
+          <p:nvPr>
+            <p:custDataLst>
+              <p:tags r:id="rId3"/>
+            </p:custDataLst>
+          </p:nvPr>
+        </p:nvSpPr>
+        <p:spPr>
+          <a:xfrm>
+            <a:off x="5266658" y="4094480"/>
+            <a:ext cx="9847061" cy="2859027"/>
+          </a:xfrm>
+          <a:custGeom>
+            <a:avLst/>
+            <a:gdLst>
+              <a:gd name="connsiteX0" fmla="*/ 4924244 w 9848488"/>
+              <a:gd name="connsiteY0" fmla="*/ 0 h 2006368"/>
+              <a:gd name="connsiteX1" fmla="*/ 9775437 w 9848488"/>
+              <a:gd name="connsiteY1" fmla="*/ 1858432 h 2006368"/>
+              <a:gd name="connsiteX2" fmla="*/ 9848488 w 9848488"/>
+              <a:gd name="connsiteY2" fmla="*/ 2006368 h 2006368"/>
+              <a:gd name="connsiteX3" fmla="*/ 0 w 9848488"/>
+              <a:gd name="connsiteY3" fmla="*/ 2006368 h 2006368"/>
+              <a:gd name="connsiteX4" fmla="*/ 73051 w 9848488"/>
+              <a:gd name="connsiteY4" fmla="*/ 1858432 h 2006368"/>
+              <a:gd name="connsiteX5" fmla="*/ 4924244 w 9848488"/>
+              <a:gd name="connsiteY5" fmla="*/ 0 h 2006368"/>
+            </a:gdLst>
+            <a:ahLst/>
+            <a:cxnLst>
+              <a:cxn ang="0">
+                <a:pos x="connsiteX0" y="connsiteY0"/>
+              </a:cxn>
+              <a:cxn ang="0">
+                <a:pos x="connsiteX1" y="connsiteY1"/>
+              </a:cxn>
+              <a:cxn ang="0">
+                <a:pos x="connsiteX2" y="connsiteY2"/>
+              </a:cxn>
+              <a:cxn ang="0">
+                <a:pos x="connsiteX3" y="connsiteY3"/>
+              </a:cxn>
+              <a:cxn ang="0">
+                <a:pos x="connsiteX4" y="connsiteY4"/>
+              </a:cxn>
+              <a:cxn ang="0">
+                <a:pos x="connsiteX5" y="connsiteY5"/>
+              </a:cxn>
+            </a:cxnLst>
+            <a:rect l="l" t="t" r="r" b="b"/>
+            <a:pathLst>
+              <a:path w="9848488" h="2006368">
+                <a:moveTo>
+                  <a:pt x="4924244" y="0"/>
+                </a:moveTo>
+                <a:cubicBezTo>
+                  <a:pt x="7203603" y="0"/>
+                  <a:pt x="9132307" y="781751"/>
+                  <a:pt x="9775437" y="1858432"/>
+                </a:cubicBezTo>
+                <a:lnTo>
+                  <a:pt x="9848488" y="2006368"/>
+                </a:lnTo>
+                <a:lnTo>
+                  <a:pt x="0" y="2006368"/>
+                </a:lnTo>
+                <a:lnTo>
+                  <a:pt x="73051" y="1858432"/>
+                </a:lnTo>
+                <a:cubicBezTo>
+                  <a:pt x="716182" y="781751"/>
+                  <a:pt x="2644886" y="0"/>
+                  <a:pt x="4924244" y="0"/>
+                </a:cubicBezTo>
+                <a:close/>
+              </a:path>
+            </a:pathLst>
+          </a:custGeom>
+          <a:solidFill>
+            <a:schemeClr val="accent3"/>
+          </a:solidFill>
+          <a:ln>
+            <a:noFill/>
+          </a:ln>
+        </p:spPr>
+        <p:style>
+          <a:lnRef idx="2">
+            <a:schemeClr val="accent1">
+              <a:shade val="15000"/>
+            </a:schemeClr>
+          </a:lnRef>
+          <a:fillRef idx="1">
+            <a:schemeClr val="accent1"/>
+          </a:fillRef>
+          <a:effectRef idx="0">
+            <a:schemeClr val="accent1"/>
+          </a:effectRef>
+          <a:fontRef idx="minor">
+            <a:schemeClr val="lt1"/>
+          </a:fontRef>
+        </p:style>
+        <p:txBody>
+          <a:bodyPr rtlCol="0" anchor="ctr"/>
+          <a:lstStyle/>
+          <a:p>
+            <a:pPr algn="ctr"/>
+            <a:endParaRPr lang="zh-CN" altLang="en-US" dirty="0">
+              <a:ea typeface="微软雅黑" panose="020B0503020204020204" pitchFamily="34" charset="-122"/>
+              <a:cs typeface="+mn-ea"/>
+              <a:sym typeface="+mn-lt"/>
+            </a:endParaRPr>
+          </a:p>
+        </p:txBody>
+      </p:sp>
+      <p:sp>
+        <p:nvSpPr>
+          <p:cNvPr id="21" name="CasellaDiTesto 20">
+            <a:extLst>
+              <a:ext uri="{FF2B5EF4-FFF2-40B4-BE49-F238E27FC236}">
+                <a16:creationId xmlns:a16="http://schemas.microsoft.com/office/drawing/2014/main" id="{0D67BB18-6383-8880-F2D2-8769F1FE4D48}"/>
+              </a:ext>
+            </a:extLst>
+          </p:cNvPr>
+          <p:cNvSpPr txBox="1"/>
+          <p:nvPr/>
+        </p:nvSpPr>
+        <p:spPr>
+          <a:xfrm>
+            <a:off x="7071883" y="5344160"/>
+            <a:ext cx="4622800" cy="923330"/>
+          </a:xfrm>
+          <a:prstGeom prst="rect">
+            <a:avLst/>
+          </a:prstGeom>
+          <a:noFill/>
+        </p:spPr>
+        <p:txBody>
+          <a:bodyPr wrap="square" rtlCol="0">
+            <a:spAutoFit/>
+          </a:bodyPr>
+          <a:lstStyle/>
+          <a:p>
+            <a:r>
+              <a:rPr lang="it-IT" dirty="0">
+                <a:solidFill>
+                  <a:schemeClr val="bg1"/>
+                </a:solidFill>
+              </a:rPr>
+              <a:t>Se </a:t>
+            </a:r>
+            <a:r>
+              <a:rPr lang="it-IT" dirty="0" err="1">
+                <a:solidFill>
+                  <a:schemeClr val="bg1"/>
+                </a:solidFill>
+              </a:rPr>
+              <a:t>l'edge</a:t>
+            </a:r>
+            <a:r>
+              <a:rPr lang="it-IT" dirty="0">
+                <a:solidFill>
+                  <a:schemeClr val="bg1"/>
+                </a:solidFill>
+              </a:rPr>
+              <a:t> signature </a:t>
+            </a:r>
+            <a:r>
+              <a:rPr lang="it-IT" dirty="0" err="1">
+                <a:solidFill>
+                  <a:schemeClr val="bg1"/>
+                </a:solidFill>
+              </a:rPr>
+              <a:t>é</a:t>
+            </a:r>
+            <a:r>
+              <a:rPr lang="it-IT" dirty="0">
+                <a:solidFill>
+                  <a:schemeClr val="bg1"/>
+                </a:solidFill>
+              </a:rPr>
+              <a:t> estratta in maniera adeguata permettono di ricavare features fortemente invarianti a scala e rotazione</a:t>
+            </a:r>
+          </a:p>
+        </p:txBody>
+      </p:sp>
+      <p:pic>
+        <p:nvPicPr>
+          <p:cNvPr id="6" name="Immagine 5" descr="Immagine che contiene diagramma, linea, Diagramma&#10;&#10;Il contenuto generato dall'IA potrebbe non essere corretto.">
+            <a:extLst>
+              <a:ext uri="{FF2B5EF4-FFF2-40B4-BE49-F238E27FC236}">
+                <a16:creationId xmlns:a16="http://schemas.microsoft.com/office/drawing/2014/main" id="{A7FFD040-2F36-DCBC-6B69-FBF49AAEF93E}"/>
+              </a:ext>
+            </a:extLst>
+          </p:cNvPr>
+          <p:cNvPicPr>
+            <a:picLocks noChangeAspect="1"/>
+          </p:cNvPicPr>
+          <p:nvPr/>
+        </p:nvPicPr>
+        <p:blipFill>
+          <a:blip r:embed="rId5">
+            <a:extLst>
+              <a:ext uri="{28A0092B-C50C-407E-A947-70E740481C1C}">
+                <a14:useLocalDpi xmlns:a14="http://schemas.microsoft.com/office/drawing/2010/main" val="0"/>
+              </a:ext>
+            </a:extLst>
+          </a:blip>
+          <a:stretch>
+            <a:fillRect/>
+          </a:stretch>
+        </p:blipFill>
+        <p:spPr>
+          <a:xfrm>
+            <a:off x="3565157" y="204591"/>
+            <a:ext cx="3752850" cy="3524250"/>
+          </a:xfrm>
+          <a:prstGeom prst="rect">
+            <a:avLst/>
+          </a:prstGeom>
+        </p:spPr>
+      </p:pic>
+      <p:sp>
+        <p:nvSpPr>
+          <p:cNvPr id="7" name="CasellaDiTesto 6">
+            <a:extLst>
+              <a:ext uri="{FF2B5EF4-FFF2-40B4-BE49-F238E27FC236}">
+                <a16:creationId xmlns:a16="http://schemas.microsoft.com/office/drawing/2014/main" id="{FD53403D-1D9F-E275-F814-A8424A7CF2BE}"/>
+              </a:ext>
+            </a:extLst>
+          </p:cNvPr>
+          <p:cNvSpPr txBox="1"/>
+          <p:nvPr/>
+        </p:nvSpPr>
+        <p:spPr>
+          <a:xfrm>
+            <a:off x="5102533" y="1964072"/>
+            <a:ext cx="1888070" cy="1569660"/>
+          </a:xfrm>
+          <a:prstGeom prst="rect">
+            <a:avLst/>
+          </a:prstGeom>
+          <a:noFill/>
+        </p:spPr>
+        <p:txBody>
+          <a:bodyPr wrap="square" rtlCol="0">
+            <a:spAutoFit/>
+          </a:bodyPr>
+          <a:lstStyle/>
+          <a:p>
+            <a:r>
+              <a:rPr lang="it-IT" sz="1200"/>
+              <a:t>Il contorno viene convertito in una sequenza di numeri complessi, rendendo possibile un'analisi compatta ed efficiente tramite la trasformata di fourier</a:t>
+            </a:r>
+            <a:endParaRPr lang="it-IT" sz="1200" dirty="0"/>
+          </a:p>
+        </p:txBody>
+      </p:sp>
+    </p:spTree>
+    <p:extLst>
+      <p:ext uri="{BB962C8B-B14F-4D97-AF65-F5344CB8AC3E}">
+        <p14:creationId xmlns:p14="http://schemas.microsoft.com/office/powerpoint/2010/main" val="802622288"/>
+      </p:ext>
+    </p:extLst>
+  </p:cSld>
+  <p:clrMapOvr>
+    <a:masterClrMapping/>
+  </p:clrMapOvr>
+</p:sld>
+</file>
+
+<file path=ppt/slides/slide18.xml><?xml version="1.0" encoding="utf-8"?>
 <p:sld xmlns:a="http://schemas.openxmlformats.org/drawingml/2006/main" xmlns:r="http://schemas.openxmlformats.org/officeDocument/2006/relationships" xmlns:p="http://schemas.openxmlformats.org/presentationml/2006/main">
   <p:cSld>
     <p:spTree>
@@ -12730,7 +14316,7 @@
             <a:fld id="{49AE70B2-8BF9-45C0-BB95-33D1B9D3A854}" type="slidenum">
               <a:rPr lang="en-US" smtClean="0"/>
               <a:pPr algn="ctr"/>
-              <a:t>15</a:t>
+              <a:t>18</a:t>
             </a:fld>
             <a:endParaRPr lang="en-US" dirty="0"/>
           </a:p>
@@ -12777,7 +14363,7 @@
 </p:sld>
 </file>
 
-<file path=ppt/slides/slide16.xml><?xml version="1.0" encoding="utf-8"?>
+<file path=ppt/slides/slide19.xml><?xml version="1.0" encoding="utf-8"?>
 <p:sld xmlns:a="http://schemas.openxmlformats.org/drawingml/2006/main" xmlns:r="http://schemas.openxmlformats.org/officeDocument/2006/relationships" xmlns:p="http://schemas.openxmlformats.org/presentationml/2006/main">
   <p:cSld>
     <p:spTree>
@@ -14798,7 +16384,789 @@
 </p:sld>
 </file>
 
-<file path=ppt/slides/slide17.xml><?xml version="1.0" encoding="utf-8"?>
+<file path=ppt/slides/slide2.xml><?xml version="1.0" encoding="utf-8"?>
+<p:sld xmlns:a="http://schemas.openxmlformats.org/drawingml/2006/main" xmlns:r="http://schemas.openxmlformats.org/officeDocument/2006/relationships" xmlns:p="http://schemas.openxmlformats.org/presentationml/2006/main">
+  <p:cSld>
+    <p:spTree>
+      <p:nvGrpSpPr>
+        <p:cNvPr id="1" name=""/>
+        <p:cNvGrpSpPr/>
+        <p:nvPr/>
+      </p:nvGrpSpPr>
+      <p:grpSpPr>
+        <a:xfrm>
+          <a:off x="0" y="0"/>
+          <a:ext cx="0" cy="0"/>
+          <a:chOff x="0" y="0"/>
+          <a:chExt cx="0" cy="0"/>
+        </a:xfrm>
+      </p:grpSpPr>
+      <p:sp>
+        <p:nvSpPr>
+          <p:cNvPr id="2" name="Title 1">
+            <a:extLst>
+              <a:ext uri="{FF2B5EF4-FFF2-40B4-BE49-F238E27FC236}">
+                <a16:creationId xmlns:a16="http://schemas.microsoft.com/office/drawing/2014/main" id="{7C16C2D7-6234-AB90-465E-9AFC5D2549AC}"/>
+              </a:ext>
+            </a:extLst>
+          </p:cNvPr>
+          <p:cNvSpPr>
+            <a:spLocks noGrp="1"/>
+          </p:cNvSpPr>
+          <p:nvPr>
+            <p:ph type="title"/>
+          </p:nvPr>
+        </p:nvSpPr>
+        <p:spPr>
+          <a:xfrm>
+            <a:off x="602725" y="860557"/>
+            <a:ext cx="10800000" cy="720000"/>
+          </a:xfrm>
+        </p:spPr>
+        <p:txBody>
+          <a:bodyPr>
+            <a:normAutofit/>
+          </a:bodyPr>
+          <a:lstStyle/>
+          <a:p>
+            <a:r>
+              <a:rPr lang="en-US" sz="4400" dirty="0" err="1">
+                <a:solidFill>
+                  <a:schemeClr val="tx2"/>
+                </a:solidFill>
+                <a:latin typeface="+mn-lt"/>
+                <a:ea typeface="微软雅黑" panose="020B0503020204020204" pitchFamily="34" charset="-122"/>
+                <a:cs typeface="+mn-ea"/>
+                <a:sym typeface="+mn-lt"/>
+              </a:rPr>
+              <a:t>Indice</a:t>
+            </a:r>
+            <a:endParaRPr lang="en-US" sz="4400" b="1" dirty="0">
+              <a:solidFill>
+                <a:schemeClr val="tx2"/>
+              </a:solidFill>
+              <a:latin typeface="+mn-lt"/>
+              <a:ea typeface="微软雅黑" panose="020B0503020204020204" pitchFamily="34" charset="-122"/>
+              <a:cs typeface="+mn-ea"/>
+              <a:sym typeface="+mn-lt"/>
+            </a:endParaRPr>
+          </a:p>
+        </p:txBody>
+      </p:sp>
+      <p:sp>
+        <p:nvSpPr>
+          <p:cNvPr id="4" name="圆角矩形 2"/>
+          <p:cNvSpPr/>
+          <p:nvPr>
+            <p:custDataLst>
+              <p:tags r:id="rId1"/>
+            </p:custDataLst>
+          </p:nvPr>
+        </p:nvSpPr>
+        <p:spPr>
+          <a:xfrm>
+            <a:off x="695325" y="2269966"/>
+            <a:ext cx="4888774" cy="737952"/>
+          </a:xfrm>
+          <a:prstGeom prst="roundRect">
+            <a:avLst>
+              <a:gd name="adj" fmla="val 50000"/>
+            </a:avLst>
+          </a:prstGeom>
+          <a:solidFill>
+            <a:schemeClr val="bg1"/>
+          </a:solidFill>
+          <a:ln>
+            <a:noFill/>
+          </a:ln>
+          <a:effectLst/>
+        </p:spPr>
+        <p:style>
+          <a:lnRef idx="2">
+            <a:schemeClr val="accent1">
+              <a:shade val="50000"/>
+            </a:schemeClr>
+          </a:lnRef>
+          <a:fillRef idx="1">
+            <a:schemeClr val="accent1"/>
+          </a:fillRef>
+          <a:effectRef idx="0">
+            <a:schemeClr val="accent1"/>
+          </a:effectRef>
+          <a:fontRef idx="minor">
+            <a:schemeClr val="lt1"/>
+          </a:fontRef>
+        </p:style>
+        <p:txBody>
+          <a:bodyPr tIns="0" bIns="0" rtlCol="0" anchor="ctr">
+            <a:normAutofit/>
+          </a:bodyPr>
+          <a:lstStyle/>
+          <a:p>
+            <a:pPr algn="ctr">
+              <a:lnSpc>
+                <a:spcPct val="120000"/>
+              </a:lnSpc>
+            </a:pPr>
+            <a:endParaRPr lang="zh-CN" altLang="en-US">
+              <a:ea typeface="微软雅黑" panose="020B0503020204020204" pitchFamily="34" charset="-122"/>
+              <a:cs typeface="+mn-ea"/>
+              <a:sym typeface="+mn-lt"/>
+            </a:endParaRPr>
+          </a:p>
+        </p:txBody>
+      </p:sp>
+      <p:sp>
+        <p:nvSpPr>
+          <p:cNvPr id="5" name="序号"/>
+          <p:cNvSpPr txBox="1"/>
+          <p:nvPr>
+            <p:custDataLst>
+              <p:tags r:id="rId2"/>
+            </p:custDataLst>
+          </p:nvPr>
+        </p:nvSpPr>
+        <p:spPr>
+          <a:xfrm>
+            <a:off x="695325" y="2271871"/>
+            <a:ext cx="732236" cy="734142"/>
+          </a:xfrm>
+          <a:prstGeom prst="ellipse">
+            <a:avLst/>
+          </a:prstGeom>
+          <a:solidFill>
+            <a:schemeClr val="accent6">
+              <a:lumMod val="75000"/>
+            </a:schemeClr>
+          </a:solidFill>
+          <a:ln>
+            <a:noFill/>
+          </a:ln>
+          <a:effectLst/>
+        </p:spPr>
+        <p:txBody>
+          <a:bodyPr wrap="none" lIns="0" tIns="0" rIns="0" bIns="0" rtlCol="0" anchor="ctr" anchorCtr="0">
+            <a:normAutofit/>
+          </a:bodyPr>
+          <a:lstStyle/>
+          <a:p>
+            <a:pPr algn="ctr">
+              <a:lnSpc>
+                <a:spcPct val="120000"/>
+              </a:lnSpc>
+            </a:pPr>
+            <a:r>
+              <a:rPr lang="en-US" altLang="zh-CN" sz="2400" b="1" dirty="0">
+                <a:solidFill>
+                  <a:schemeClr val="bg2"/>
+                </a:solidFill>
+                <a:ea typeface="微软雅黑" panose="020B0503020204020204" pitchFamily="34" charset="-122"/>
+                <a:cs typeface="+mn-ea"/>
+                <a:sym typeface="+mn-lt"/>
+              </a:rPr>
+              <a:t>01</a:t>
+            </a:r>
+          </a:p>
+        </p:txBody>
+      </p:sp>
+      <p:sp>
+        <p:nvSpPr>
+          <p:cNvPr id="6" name="标题"/>
+          <p:cNvSpPr txBox="1"/>
+          <p:nvPr>
+            <p:custDataLst>
+              <p:tags r:id="rId3"/>
+            </p:custDataLst>
+          </p:nvPr>
+        </p:nvSpPr>
+        <p:spPr>
+          <a:xfrm>
+            <a:off x="1682860" y="2281397"/>
+            <a:ext cx="3804073" cy="715090"/>
+          </a:xfrm>
+          <a:prstGeom prst="rect">
+            <a:avLst/>
+          </a:prstGeom>
+          <a:noFill/>
+        </p:spPr>
+        <p:txBody>
+          <a:bodyPr wrap="square" lIns="91440" tIns="0" rIns="91440" bIns="0" rtlCol="0" anchor="ctr" anchorCtr="0">
+            <a:normAutofit/>
+          </a:bodyPr>
+          <a:lstStyle/>
+          <a:p>
+            <a:pPr lvl="0" algn="l">
+              <a:lnSpc>
+                <a:spcPct val="120000"/>
+              </a:lnSpc>
+              <a:buClrTx/>
+              <a:buSzTx/>
+              <a:buFontTx/>
+            </a:pPr>
+            <a:r>
+              <a:rPr lang="en-US" altLang="zh-CN" b="1" dirty="0" err="1">
+                <a:solidFill>
+                  <a:schemeClr val="tx1">
+                    <a:lumMod val="85000"/>
+                    <a:lumOff val="15000"/>
+                  </a:schemeClr>
+                </a:solidFill>
+                <a:ea typeface="微软雅黑" panose="020B0503020204020204" pitchFamily="34" charset="-122"/>
+                <a:cs typeface="+mn-ea"/>
+                <a:sym typeface="+mn-lt"/>
+              </a:rPr>
+              <a:t>Caratteristiche</a:t>
+            </a:r>
+            <a:r>
+              <a:rPr lang="en-US" altLang="zh-CN" b="1" dirty="0">
+                <a:solidFill>
+                  <a:schemeClr val="tx1">
+                    <a:lumMod val="85000"/>
+                    <a:lumOff val="15000"/>
+                  </a:schemeClr>
+                </a:solidFill>
+                <a:uFillTx/>
+                <a:ea typeface="微软雅黑" panose="020B0503020204020204" pitchFamily="34" charset="-122"/>
+                <a:cs typeface="+mn-ea"/>
+                <a:sym typeface="+mn-lt"/>
+              </a:rPr>
+              <a:t> Progetto</a:t>
+            </a:r>
+          </a:p>
+        </p:txBody>
+      </p:sp>
+      <p:sp>
+        <p:nvSpPr>
+          <p:cNvPr id="9" name="圆角矩形 8"/>
+          <p:cNvSpPr/>
+          <p:nvPr>
+            <p:custDataLst>
+              <p:tags r:id="rId4"/>
+            </p:custDataLst>
+          </p:nvPr>
+        </p:nvSpPr>
+        <p:spPr>
+          <a:xfrm>
+            <a:off x="5584099" y="2281714"/>
+            <a:ext cx="4888774" cy="737952"/>
+          </a:xfrm>
+          <a:prstGeom prst="roundRect">
+            <a:avLst>
+              <a:gd name="adj" fmla="val 50000"/>
+            </a:avLst>
+          </a:prstGeom>
+          <a:solidFill>
+            <a:schemeClr val="bg1"/>
+          </a:solidFill>
+          <a:ln>
+            <a:noFill/>
+          </a:ln>
+          <a:effectLst/>
+        </p:spPr>
+        <p:style>
+          <a:lnRef idx="2">
+            <a:schemeClr val="accent1">
+              <a:shade val="50000"/>
+            </a:schemeClr>
+          </a:lnRef>
+          <a:fillRef idx="1">
+            <a:schemeClr val="accent1"/>
+          </a:fillRef>
+          <a:effectRef idx="0">
+            <a:schemeClr val="accent1"/>
+          </a:effectRef>
+          <a:fontRef idx="minor">
+            <a:schemeClr val="lt1"/>
+          </a:fontRef>
+        </p:style>
+        <p:txBody>
+          <a:bodyPr tIns="0" bIns="0" rtlCol="0" anchor="ctr">
+            <a:normAutofit/>
+          </a:bodyPr>
+          <a:lstStyle/>
+          <a:p>
+            <a:pPr algn="ctr">
+              <a:lnSpc>
+                <a:spcPct val="120000"/>
+              </a:lnSpc>
+            </a:pPr>
+            <a:endParaRPr lang="zh-CN" altLang="en-US">
+              <a:ea typeface="微软雅黑" panose="020B0503020204020204" pitchFamily="34" charset="-122"/>
+              <a:cs typeface="+mn-ea"/>
+              <a:sym typeface="+mn-lt"/>
+            </a:endParaRPr>
+          </a:p>
+        </p:txBody>
+      </p:sp>
+      <p:sp>
+        <p:nvSpPr>
+          <p:cNvPr id="10" name="序号"/>
+          <p:cNvSpPr txBox="1"/>
+          <p:nvPr>
+            <p:custDataLst>
+              <p:tags r:id="rId5"/>
+            </p:custDataLst>
+          </p:nvPr>
+        </p:nvSpPr>
+        <p:spPr>
+          <a:xfrm>
+            <a:off x="5584099" y="2283619"/>
+            <a:ext cx="732236" cy="734142"/>
+          </a:xfrm>
+          <a:prstGeom prst="ellipse">
+            <a:avLst/>
+          </a:prstGeom>
+          <a:solidFill>
+            <a:schemeClr val="accent6">
+              <a:lumMod val="75000"/>
+            </a:schemeClr>
+          </a:solidFill>
+          <a:ln>
+            <a:noFill/>
+          </a:ln>
+          <a:effectLst/>
+        </p:spPr>
+        <p:txBody>
+          <a:bodyPr wrap="none" lIns="0" tIns="0" rIns="0" bIns="0" rtlCol="0" anchor="ctr" anchorCtr="0">
+            <a:normAutofit/>
+          </a:bodyPr>
+          <a:lstStyle>
+            <a:defPPr>
+              <a:defRPr lang="zh-CN"/>
+            </a:defPPr>
+            <a:lvl1pPr algn="ctr">
+              <a:lnSpc>
+                <a:spcPct val="120000"/>
+              </a:lnSpc>
+              <a:defRPr sz="2400" b="1">
+                <a:solidFill>
+                  <a:schemeClr val="tx2"/>
+                </a:solidFill>
+                <a:cs typeface="+mn-ea"/>
+              </a:defRPr>
+            </a:lvl1pPr>
+          </a:lstStyle>
+          <a:p>
+            <a:r>
+              <a:rPr lang="en-US" altLang="zh-CN" dirty="0">
+                <a:solidFill>
+                  <a:schemeClr val="bg2"/>
+                </a:solidFill>
+                <a:ea typeface="微软雅黑" panose="020B0503020204020204" pitchFamily="34" charset="-122"/>
+                <a:sym typeface="+mn-lt"/>
+              </a:rPr>
+              <a:t>02</a:t>
+            </a:r>
+          </a:p>
+        </p:txBody>
+      </p:sp>
+      <p:sp>
+        <p:nvSpPr>
+          <p:cNvPr id="11" name="标题"/>
+          <p:cNvSpPr txBox="1"/>
+          <p:nvPr>
+            <p:custDataLst>
+              <p:tags r:id="rId6"/>
+            </p:custDataLst>
+          </p:nvPr>
+        </p:nvSpPr>
+        <p:spPr>
+          <a:xfrm>
+            <a:off x="6571634" y="2281397"/>
+            <a:ext cx="3804073" cy="738587"/>
+          </a:xfrm>
+          <a:prstGeom prst="rect">
+            <a:avLst/>
+          </a:prstGeom>
+          <a:noFill/>
+        </p:spPr>
+        <p:txBody>
+          <a:bodyPr wrap="square" lIns="91440" tIns="0" rIns="91440" bIns="0" rtlCol="0" anchor="ctr" anchorCtr="0">
+            <a:normAutofit/>
+          </a:bodyPr>
+          <a:lstStyle/>
+          <a:p>
+            <a:pPr lvl="0" algn="l">
+              <a:lnSpc>
+                <a:spcPct val="120000"/>
+              </a:lnSpc>
+              <a:buClrTx/>
+              <a:buSzTx/>
+              <a:buFontTx/>
+            </a:pPr>
+            <a:r>
+              <a:rPr lang="en-US" altLang="zh-CN" b="1" dirty="0">
+                <a:solidFill>
+                  <a:schemeClr val="tx1">
+                    <a:lumMod val="85000"/>
+                    <a:lumOff val="15000"/>
+                  </a:schemeClr>
+                </a:solidFill>
+                <a:ea typeface="微软雅黑" panose="020B0503020204020204" pitchFamily="34" charset="-122"/>
+                <a:cs typeface="+mn-ea"/>
+                <a:sym typeface="+mn-lt"/>
+              </a:rPr>
+              <a:t>Pipeline del Progetto</a:t>
+            </a:r>
+          </a:p>
+        </p:txBody>
+      </p:sp>
+      <p:sp>
+        <p:nvSpPr>
+          <p:cNvPr id="12" name="圆角矩形 11"/>
+          <p:cNvSpPr/>
+          <p:nvPr>
+            <p:custDataLst>
+              <p:tags r:id="rId7"/>
+            </p:custDataLst>
+          </p:nvPr>
+        </p:nvSpPr>
+        <p:spPr>
+          <a:xfrm>
+            <a:off x="5584099" y="4340327"/>
+            <a:ext cx="4888774" cy="737952"/>
+          </a:xfrm>
+          <a:prstGeom prst="roundRect">
+            <a:avLst>
+              <a:gd name="adj" fmla="val 50000"/>
+            </a:avLst>
+          </a:prstGeom>
+          <a:solidFill>
+            <a:schemeClr val="bg1"/>
+          </a:solidFill>
+          <a:ln>
+            <a:noFill/>
+          </a:ln>
+          <a:effectLst/>
+        </p:spPr>
+        <p:style>
+          <a:lnRef idx="2">
+            <a:schemeClr val="accent1">
+              <a:shade val="50000"/>
+            </a:schemeClr>
+          </a:lnRef>
+          <a:fillRef idx="1">
+            <a:schemeClr val="accent1"/>
+          </a:fillRef>
+          <a:effectRef idx="0">
+            <a:schemeClr val="accent1"/>
+          </a:effectRef>
+          <a:fontRef idx="minor">
+            <a:schemeClr val="lt1"/>
+          </a:fontRef>
+        </p:style>
+        <p:txBody>
+          <a:bodyPr tIns="0" bIns="0" rtlCol="0" anchor="ctr">
+            <a:normAutofit/>
+          </a:bodyPr>
+          <a:lstStyle/>
+          <a:p>
+            <a:pPr algn="ctr">
+              <a:lnSpc>
+                <a:spcPct val="120000"/>
+              </a:lnSpc>
+            </a:pPr>
+            <a:endParaRPr lang="zh-CN" altLang="en-US">
+              <a:ea typeface="微软雅黑" panose="020B0503020204020204" pitchFamily="34" charset="-122"/>
+              <a:cs typeface="+mn-ea"/>
+              <a:sym typeface="+mn-lt"/>
+            </a:endParaRPr>
+          </a:p>
+        </p:txBody>
+      </p:sp>
+      <p:sp>
+        <p:nvSpPr>
+          <p:cNvPr id="15" name="序号"/>
+          <p:cNvSpPr txBox="1"/>
+          <p:nvPr>
+            <p:custDataLst>
+              <p:tags r:id="rId8"/>
+            </p:custDataLst>
+          </p:nvPr>
+        </p:nvSpPr>
+        <p:spPr>
+          <a:xfrm>
+            <a:off x="5584099" y="4342232"/>
+            <a:ext cx="732236" cy="734142"/>
+          </a:xfrm>
+          <a:prstGeom prst="ellipse">
+            <a:avLst/>
+          </a:prstGeom>
+          <a:solidFill>
+            <a:schemeClr val="accent6">
+              <a:lumMod val="75000"/>
+            </a:schemeClr>
+          </a:solidFill>
+          <a:ln>
+            <a:noFill/>
+          </a:ln>
+          <a:effectLst/>
+        </p:spPr>
+        <p:txBody>
+          <a:bodyPr wrap="none" lIns="0" tIns="0" rIns="0" bIns="0" rtlCol="0" anchor="ctr" anchorCtr="0">
+            <a:normAutofit/>
+          </a:bodyPr>
+          <a:lstStyle>
+            <a:defPPr>
+              <a:defRPr lang="zh-CN"/>
+            </a:defPPr>
+            <a:lvl1pPr algn="ctr">
+              <a:lnSpc>
+                <a:spcPct val="120000"/>
+              </a:lnSpc>
+              <a:defRPr sz="2400" b="1">
+                <a:solidFill>
+                  <a:schemeClr val="tx2"/>
+                </a:solidFill>
+                <a:cs typeface="+mn-ea"/>
+              </a:defRPr>
+            </a:lvl1pPr>
+          </a:lstStyle>
+          <a:p>
+            <a:r>
+              <a:rPr lang="en-US" altLang="zh-CN" dirty="0">
+                <a:solidFill>
+                  <a:schemeClr val="bg2"/>
+                </a:solidFill>
+                <a:ea typeface="微软雅黑" panose="020B0503020204020204" pitchFamily="34" charset="-122"/>
+                <a:sym typeface="+mn-lt"/>
+              </a:rPr>
+              <a:t>03</a:t>
+            </a:r>
+          </a:p>
+        </p:txBody>
+      </p:sp>
+      <p:sp>
+        <p:nvSpPr>
+          <p:cNvPr id="17" name="标题"/>
+          <p:cNvSpPr txBox="1"/>
+          <p:nvPr>
+            <p:custDataLst>
+              <p:tags r:id="rId9"/>
+            </p:custDataLst>
+          </p:nvPr>
+        </p:nvSpPr>
+        <p:spPr>
+          <a:xfrm>
+            <a:off x="6571634" y="4342550"/>
+            <a:ext cx="3804073" cy="733507"/>
+          </a:xfrm>
+          <a:prstGeom prst="rect">
+            <a:avLst/>
+          </a:prstGeom>
+          <a:noFill/>
+        </p:spPr>
+        <p:txBody>
+          <a:bodyPr wrap="square" lIns="91440" tIns="0" rIns="91440" bIns="0" rtlCol="0" anchor="ctr" anchorCtr="0">
+            <a:normAutofit/>
+          </a:bodyPr>
+          <a:lstStyle/>
+          <a:p>
+            <a:pPr lvl="0" algn="l">
+              <a:lnSpc>
+                <a:spcPct val="120000"/>
+              </a:lnSpc>
+              <a:buClrTx/>
+              <a:buSzTx/>
+              <a:buFontTx/>
+            </a:pPr>
+            <a:r>
+              <a:rPr lang="en-US" altLang="zh-CN" b="1" dirty="0" err="1">
+                <a:solidFill>
+                  <a:schemeClr val="tx1">
+                    <a:lumMod val="85000"/>
+                    <a:lumOff val="15000"/>
+                  </a:schemeClr>
+                </a:solidFill>
+                <a:ea typeface="微软雅黑" panose="020B0503020204020204" pitchFamily="34" charset="-122"/>
+                <a:cs typeface="+mn-ea"/>
+                <a:sym typeface="+mn-lt"/>
+              </a:rPr>
+              <a:t>Conclusioni</a:t>
+            </a:r>
+            <a:endParaRPr lang="en-US" altLang="zh-CN" b="1" dirty="0">
+              <a:solidFill>
+                <a:schemeClr val="tx1">
+                  <a:lumMod val="85000"/>
+                  <a:lumOff val="15000"/>
+                </a:schemeClr>
+              </a:solidFill>
+              <a:uFillTx/>
+              <a:ea typeface="微软雅黑" panose="020B0503020204020204" pitchFamily="34" charset="-122"/>
+              <a:cs typeface="+mn-ea"/>
+              <a:sym typeface="+mn-lt"/>
+            </a:endParaRPr>
+          </a:p>
+        </p:txBody>
+      </p:sp>
+      <p:sp>
+        <p:nvSpPr>
+          <p:cNvPr id="3" name="CasellaDiTesto 2">
+            <a:extLst>
+              <a:ext uri="{FF2B5EF4-FFF2-40B4-BE49-F238E27FC236}">
+                <a16:creationId xmlns:a16="http://schemas.microsoft.com/office/drawing/2014/main" id="{ED911E9F-B28A-1F99-013D-0583F13F4408}"/>
+              </a:ext>
+            </a:extLst>
+          </p:cNvPr>
+          <p:cNvSpPr txBox="1"/>
+          <p:nvPr/>
+        </p:nvSpPr>
+        <p:spPr>
+          <a:xfrm>
+            <a:off x="1427561" y="3106994"/>
+            <a:ext cx="3313471" cy="923330"/>
+          </a:xfrm>
+          <a:prstGeom prst="rect">
+            <a:avLst/>
+          </a:prstGeom>
+          <a:noFill/>
+        </p:spPr>
+        <p:txBody>
+          <a:bodyPr wrap="square" rtlCol="0">
+            <a:spAutoFit/>
+          </a:bodyPr>
+          <a:lstStyle/>
+          <a:p>
+            <a:r>
+              <a:rPr lang="it-IT" dirty="0"/>
+              <a:t>….Scopo del Progetto</a:t>
+            </a:r>
+          </a:p>
+          <a:p>
+            <a:r>
+              <a:rPr lang="it-IT" dirty="0"/>
+              <a:t>….Assunzioni e Disclaimer Vari</a:t>
+            </a:r>
+          </a:p>
+          <a:p>
+            <a:r>
+              <a:rPr lang="it-IT" dirty="0"/>
+              <a:t>….</a:t>
+            </a:r>
+            <a:r>
+              <a:rPr lang="it-IT" dirty="0" err="1"/>
+              <a:t>Caratterische</a:t>
+            </a:r>
+            <a:r>
+              <a:rPr lang="it-IT" dirty="0"/>
+              <a:t> del Dataset</a:t>
+            </a:r>
+          </a:p>
+        </p:txBody>
+      </p:sp>
+      <p:sp>
+        <p:nvSpPr>
+          <p:cNvPr id="13" name="CasellaDiTesto 12">
+            <a:extLst>
+              <a:ext uri="{FF2B5EF4-FFF2-40B4-BE49-F238E27FC236}">
+                <a16:creationId xmlns:a16="http://schemas.microsoft.com/office/drawing/2014/main" id="{E00C429D-B51D-567A-9650-3391B3467D1A}"/>
+              </a:ext>
+            </a:extLst>
+          </p:cNvPr>
+          <p:cNvSpPr txBox="1"/>
+          <p:nvPr/>
+        </p:nvSpPr>
+        <p:spPr>
+          <a:xfrm>
+            <a:off x="5486933" y="3106994"/>
+            <a:ext cx="3313471" cy="923330"/>
+          </a:xfrm>
+          <a:prstGeom prst="rect">
+            <a:avLst/>
+          </a:prstGeom>
+          <a:noFill/>
+        </p:spPr>
+        <p:txBody>
+          <a:bodyPr wrap="square" rtlCol="0">
+            <a:spAutoFit/>
+          </a:bodyPr>
+          <a:lstStyle/>
+          <a:p>
+            <a:r>
+              <a:rPr lang="it-IT" dirty="0"/>
+              <a:t>….Segmentazione</a:t>
+            </a:r>
+          </a:p>
+          <a:p>
+            <a:r>
+              <a:rPr lang="it-IT" dirty="0"/>
+              <a:t>….Classificazione</a:t>
+            </a:r>
+          </a:p>
+          <a:p>
+            <a:r>
+              <a:rPr lang="it-IT" dirty="0"/>
+              <a:t>….Gestione degli </a:t>
+            </a:r>
+            <a:r>
+              <a:rPr lang="it-IT" dirty="0" err="1"/>
+              <a:t>Unknown</a:t>
+            </a:r>
+            <a:endParaRPr lang="it-IT" dirty="0"/>
+          </a:p>
+        </p:txBody>
+      </p:sp>
+      <p:sp>
+        <p:nvSpPr>
+          <p:cNvPr id="14" name="CasellaDiTesto 13">
+            <a:extLst>
+              <a:ext uri="{FF2B5EF4-FFF2-40B4-BE49-F238E27FC236}">
+                <a16:creationId xmlns:a16="http://schemas.microsoft.com/office/drawing/2014/main" id="{A9B0F17C-B9B6-7458-7C5A-E2C49F8D96C6}"/>
+              </a:ext>
+            </a:extLst>
+          </p:cNvPr>
+          <p:cNvSpPr txBox="1"/>
+          <p:nvPr/>
+        </p:nvSpPr>
+        <p:spPr>
+          <a:xfrm>
+            <a:off x="5584099" y="5179610"/>
+            <a:ext cx="3313471" cy="923330"/>
+          </a:xfrm>
+          <a:prstGeom prst="rect">
+            <a:avLst/>
+          </a:prstGeom>
+          <a:noFill/>
+        </p:spPr>
+        <p:txBody>
+          <a:bodyPr wrap="square" rtlCol="0">
+            <a:spAutoFit/>
+          </a:bodyPr>
+          <a:lstStyle/>
+          <a:p>
+            <a:r>
+              <a:rPr lang="it-IT" dirty="0"/>
+              <a:t>….</a:t>
+            </a:r>
+          </a:p>
+          <a:p>
+            <a:r>
+              <a:rPr lang="it-IT" dirty="0"/>
+              <a:t>….</a:t>
+            </a:r>
+          </a:p>
+          <a:p>
+            <a:r>
+              <a:rPr lang="it-IT" dirty="0"/>
+              <a:t>….</a:t>
+            </a:r>
+          </a:p>
+        </p:txBody>
+      </p:sp>
+    </p:spTree>
+    <p:extLst>
+      <p:ext uri="{BB962C8B-B14F-4D97-AF65-F5344CB8AC3E}">
+        <p14:creationId xmlns:p14="http://schemas.microsoft.com/office/powerpoint/2010/main" val="923651621"/>
+      </p:ext>
+    </p:extLst>
+  </p:cSld>
+  <p:clrMapOvr>
+    <a:masterClrMapping/>
+  </p:clrMapOvr>
+</p:sld>
+</file>
+
+<file path=ppt/slides/slide20.xml><?xml version="1.0" encoding="utf-8"?>
 <p:sld xmlns:a="http://schemas.openxmlformats.org/drawingml/2006/main" xmlns:r="http://schemas.openxmlformats.org/officeDocument/2006/relationships" xmlns:p="http://schemas.openxmlformats.org/presentationml/2006/main">
   <p:cSld>
     <p:spTree>
@@ -16819,7 +19187,7 @@
 </p:sld>
 </file>
 
-<file path=ppt/slides/slide18.xml><?xml version="1.0" encoding="utf-8"?>
+<file path=ppt/slides/slide21.xml><?xml version="1.0" encoding="utf-8"?>
 <p:sld xmlns:a="http://schemas.openxmlformats.org/drawingml/2006/main" xmlns:r="http://schemas.openxmlformats.org/officeDocument/2006/relationships" xmlns:p="http://schemas.openxmlformats.org/presentationml/2006/main">
   <p:cSld>
     <p:spTree>
@@ -16861,7 +19229,7 @@
             <a:fld id="{49AE70B2-8BF9-45C0-BB95-33D1B9D3A854}" type="slidenum">
               <a:rPr lang="en-US" smtClean="0"/>
               <a:pPr algn="ctr"/>
-              <a:t>18</a:t>
+              <a:t>21</a:t>
             </a:fld>
             <a:endParaRPr lang="en-US" dirty="0"/>
           </a:p>
@@ -16967,13 +19335,8 @@
             </a:r>
             <a:r>
               <a:rPr lang="it-IT" dirty="0"/>
-              <a:t> con variazioni a livello di post processing, rotazione e scala per migliorare l’invarianza </a:t>
-            </a:r>
-            <a:r>
-              <a:rPr lang="it-IT"/>
-              <a:t>del classificatore</a:t>
-            </a:r>
-            <a:endParaRPr lang="it-IT" dirty="0"/>
+              <a:t> con variazioni a livello di post processing, rotazione e scala per migliorare l’invarianza del classificatore</a:t>
+            </a:r>
           </a:p>
         </p:txBody>
       </p:sp>
@@ -16981,788 +19344,6 @@
     <p:extLst>
       <p:ext uri="{BB962C8B-B14F-4D97-AF65-F5344CB8AC3E}">
         <p14:creationId xmlns:p14="http://schemas.microsoft.com/office/powerpoint/2010/main" val="811208196"/>
-      </p:ext>
-    </p:extLst>
-  </p:cSld>
-  <p:clrMapOvr>
-    <a:masterClrMapping/>
-  </p:clrMapOvr>
-</p:sld>
-</file>
-
-<file path=ppt/slides/slide2.xml><?xml version="1.0" encoding="utf-8"?>
-<p:sld xmlns:a="http://schemas.openxmlformats.org/drawingml/2006/main" xmlns:r="http://schemas.openxmlformats.org/officeDocument/2006/relationships" xmlns:p="http://schemas.openxmlformats.org/presentationml/2006/main">
-  <p:cSld>
-    <p:spTree>
-      <p:nvGrpSpPr>
-        <p:cNvPr id="1" name=""/>
-        <p:cNvGrpSpPr/>
-        <p:nvPr/>
-      </p:nvGrpSpPr>
-      <p:grpSpPr>
-        <a:xfrm>
-          <a:off x="0" y="0"/>
-          <a:ext cx="0" cy="0"/>
-          <a:chOff x="0" y="0"/>
-          <a:chExt cx="0" cy="0"/>
-        </a:xfrm>
-      </p:grpSpPr>
-      <p:sp>
-        <p:nvSpPr>
-          <p:cNvPr id="2" name="Title 1">
-            <a:extLst>
-              <a:ext uri="{FF2B5EF4-FFF2-40B4-BE49-F238E27FC236}">
-                <a16:creationId xmlns:a16="http://schemas.microsoft.com/office/drawing/2014/main" id="{7C16C2D7-6234-AB90-465E-9AFC5D2549AC}"/>
-              </a:ext>
-            </a:extLst>
-          </p:cNvPr>
-          <p:cNvSpPr>
-            <a:spLocks noGrp="1"/>
-          </p:cNvSpPr>
-          <p:nvPr>
-            <p:ph type="title"/>
-          </p:nvPr>
-        </p:nvSpPr>
-        <p:spPr>
-          <a:xfrm>
-            <a:off x="602725" y="860557"/>
-            <a:ext cx="10800000" cy="720000"/>
-          </a:xfrm>
-        </p:spPr>
-        <p:txBody>
-          <a:bodyPr>
-            <a:normAutofit/>
-          </a:bodyPr>
-          <a:lstStyle/>
-          <a:p>
-            <a:r>
-              <a:rPr lang="en-US" sz="4400" dirty="0" err="1">
-                <a:solidFill>
-                  <a:schemeClr val="tx2"/>
-                </a:solidFill>
-                <a:latin typeface="+mn-lt"/>
-                <a:ea typeface="微软雅黑" panose="020B0503020204020204" pitchFamily="34" charset="-122"/>
-                <a:cs typeface="+mn-ea"/>
-                <a:sym typeface="+mn-lt"/>
-              </a:rPr>
-              <a:t>Indice</a:t>
-            </a:r>
-            <a:endParaRPr lang="en-US" sz="4400" b="1" dirty="0">
-              <a:solidFill>
-                <a:schemeClr val="tx2"/>
-              </a:solidFill>
-              <a:latin typeface="+mn-lt"/>
-              <a:ea typeface="微软雅黑" panose="020B0503020204020204" pitchFamily="34" charset="-122"/>
-              <a:cs typeface="+mn-ea"/>
-              <a:sym typeface="+mn-lt"/>
-            </a:endParaRPr>
-          </a:p>
-        </p:txBody>
-      </p:sp>
-      <p:sp>
-        <p:nvSpPr>
-          <p:cNvPr id="4" name="圆角矩形 2"/>
-          <p:cNvSpPr/>
-          <p:nvPr>
-            <p:custDataLst>
-              <p:tags r:id="rId1"/>
-            </p:custDataLst>
-          </p:nvPr>
-        </p:nvSpPr>
-        <p:spPr>
-          <a:xfrm>
-            <a:off x="695325" y="2269966"/>
-            <a:ext cx="4888774" cy="737952"/>
-          </a:xfrm>
-          <a:prstGeom prst="roundRect">
-            <a:avLst>
-              <a:gd name="adj" fmla="val 50000"/>
-            </a:avLst>
-          </a:prstGeom>
-          <a:solidFill>
-            <a:schemeClr val="bg1"/>
-          </a:solidFill>
-          <a:ln>
-            <a:noFill/>
-          </a:ln>
-          <a:effectLst/>
-        </p:spPr>
-        <p:style>
-          <a:lnRef idx="2">
-            <a:schemeClr val="accent1">
-              <a:shade val="50000"/>
-            </a:schemeClr>
-          </a:lnRef>
-          <a:fillRef idx="1">
-            <a:schemeClr val="accent1"/>
-          </a:fillRef>
-          <a:effectRef idx="0">
-            <a:schemeClr val="accent1"/>
-          </a:effectRef>
-          <a:fontRef idx="minor">
-            <a:schemeClr val="lt1"/>
-          </a:fontRef>
-        </p:style>
-        <p:txBody>
-          <a:bodyPr tIns="0" bIns="0" rtlCol="0" anchor="ctr">
-            <a:normAutofit/>
-          </a:bodyPr>
-          <a:lstStyle/>
-          <a:p>
-            <a:pPr algn="ctr">
-              <a:lnSpc>
-                <a:spcPct val="120000"/>
-              </a:lnSpc>
-            </a:pPr>
-            <a:endParaRPr lang="zh-CN" altLang="en-US">
-              <a:ea typeface="微软雅黑" panose="020B0503020204020204" pitchFamily="34" charset="-122"/>
-              <a:cs typeface="+mn-ea"/>
-              <a:sym typeface="+mn-lt"/>
-            </a:endParaRPr>
-          </a:p>
-        </p:txBody>
-      </p:sp>
-      <p:sp>
-        <p:nvSpPr>
-          <p:cNvPr id="5" name="序号"/>
-          <p:cNvSpPr txBox="1"/>
-          <p:nvPr>
-            <p:custDataLst>
-              <p:tags r:id="rId2"/>
-            </p:custDataLst>
-          </p:nvPr>
-        </p:nvSpPr>
-        <p:spPr>
-          <a:xfrm>
-            <a:off x="695325" y="2271871"/>
-            <a:ext cx="732236" cy="734142"/>
-          </a:xfrm>
-          <a:prstGeom prst="ellipse">
-            <a:avLst/>
-          </a:prstGeom>
-          <a:solidFill>
-            <a:schemeClr val="accent6">
-              <a:lumMod val="75000"/>
-            </a:schemeClr>
-          </a:solidFill>
-          <a:ln>
-            <a:noFill/>
-          </a:ln>
-          <a:effectLst/>
-        </p:spPr>
-        <p:txBody>
-          <a:bodyPr wrap="none" lIns="0" tIns="0" rIns="0" bIns="0" rtlCol="0" anchor="ctr" anchorCtr="0">
-            <a:normAutofit/>
-          </a:bodyPr>
-          <a:lstStyle/>
-          <a:p>
-            <a:pPr algn="ctr">
-              <a:lnSpc>
-                <a:spcPct val="120000"/>
-              </a:lnSpc>
-            </a:pPr>
-            <a:r>
-              <a:rPr lang="en-US" altLang="zh-CN" sz="2400" b="1" dirty="0">
-                <a:solidFill>
-                  <a:schemeClr val="bg2"/>
-                </a:solidFill>
-                <a:ea typeface="微软雅黑" panose="020B0503020204020204" pitchFamily="34" charset="-122"/>
-                <a:cs typeface="+mn-ea"/>
-                <a:sym typeface="+mn-lt"/>
-              </a:rPr>
-              <a:t>01</a:t>
-            </a:r>
-          </a:p>
-        </p:txBody>
-      </p:sp>
-      <p:sp>
-        <p:nvSpPr>
-          <p:cNvPr id="6" name="标题"/>
-          <p:cNvSpPr txBox="1"/>
-          <p:nvPr>
-            <p:custDataLst>
-              <p:tags r:id="rId3"/>
-            </p:custDataLst>
-          </p:nvPr>
-        </p:nvSpPr>
-        <p:spPr>
-          <a:xfrm>
-            <a:off x="1682860" y="2281397"/>
-            <a:ext cx="3804073" cy="715090"/>
-          </a:xfrm>
-          <a:prstGeom prst="rect">
-            <a:avLst/>
-          </a:prstGeom>
-          <a:noFill/>
-        </p:spPr>
-        <p:txBody>
-          <a:bodyPr wrap="square" lIns="91440" tIns="0" rIns="91440" bIns="0" rtlCol="0" anchor="ctr" anchorCtr="0">
-            <a:normAutofit/>
-          </a:bodyPr>
-          <a:lstStyle/>
-          <a:p>
-            <a:pPr lvl="0" algn="l">
-              <a:lnSpc>
-                <a:spcPct val="120000"/>
-              </a:lnSpc>
-              <a:buClrTx/>
-              <a:buSzTx/>
-              <a:buFontTx/>
-            </a:pPr>
-            <a:r>
-              <a:rPr lang="en-US" altLang="zh-CN" b="1" dirty="0" err="1">
-                <a:solidFill>
-                  <a:schemeClr val="tx1">
-                    <a:lumMod val="85000"/>
-                    <a:lumOff val="15000"/>
-                  </a:schemeClr>
-                </a:solidFill>
-                <a:ea typeface="微软雅黑" panose="020B0503020204020204" pitchFamily="34" charset="-122"/>
-                <a:cs typeface="+mn-ea"/>
-                <a:sym typeface="+mn-lt"/>
-              </a:rPr>
-              <a:t>Caratteristiche</a:t>
-            </a:r>
-            <a:r>
-              <a:rPr lang="en-US" altLang="zh-CN" b="1" dirty="0">
-                <a:solidFill>
-                  <a:schemeClr val="tx1">
-                    <a:lumMod val="85000"/>
-                    <a:lumOff val="15000"/>
-                  </a:schemeClr>
-                </a:solidFill>
-                <a:uFillTx/>
-                <a:ea typeface="微软雅黑" panose="020B0503020204020204" pitchFamily="34" charset="-122"/>
-                <a:cs typeface="+mn-ea"/>
-                <a:sym typeface="+mn-lt"/>
-              </a:rPr>
-              <a:t> Progetto</a:t>
-            </a:r>
-          </a:p>
-        </p:txBody>
-      </p:sp>
-      <p:sp>
-        <p:nvSpPr>
-          <p:cNvPr id="9" name="圆角矩形 8"/>
-          <p:cNvSpPr/>
-          <p:nvPr>
-            <p:custDataLst>
-              <p:tags r:id="rId4"/>
-            </p:custDataLst>
-          </p:nvPr>
-        </p:nvSpPr>
-        <p:spPr>
-          <a:xfrm>
-            <a:off x="5584099" y="2281714"/>
-            <a:ext cx="4888774" cy="737952"/>
-          </a:xfrm>
-          <a:prstGeom prst="roundRect">
-            <a:avLst>
-              <a:gd name="adj" fmla="val 50000"/>
-            </a:avLst>
-          </a:prstGeom>
-          <a:solidFill>
-            <a:schemeClr val="bg1"/>
-          </a:solidFill>
-          <a:ln>
-            <a:noFill/>
-          </a:ln>
-          <a:effectLst/>
-        </p:spPr>
-        <p:style>
-          <a:lnRef idx="2">
-            <a:schemeClr val="accent1">
-              <a:shade val="50000"/>
-            </a:schemeClr>
-          </a:lnRef>
-          <a:fillRef idx="1">
-            <a:schemeClr val="accent1"/>
-          </a:fillRef>
-          <a:effectRef idx="0">
-            <a:schemeClr val="accent1"/>
-          </a:effectRef>
-          <a:fontRef idx="minor">
-            <a:schemeClr val="lt1"/>
-          </a:fontRef>
-        </p:style>
-        <p:txBody>
-          <a:bodyPr tIns="0" bIns="0" rtlCol="0" anchor="ctr">
-            <a:normAutofit/>
-          </a:bodyPr>
-          <a:lstStyle/>
-          <a:p>
-            <a:pPr algn="ctr">
-              <a:lnSpc>
-                <a:spcPct val="120000"/>
-              </a:lnSpc>
-            </a:pPr>
-            <a:endParaRPr lang="zh-CN" altLang="en-US">
-              <a:ea typeface="微软雅黑" panose="020B0503020204020204" pitchFamily="34" charset="-122"/>
-              <a:cs typeface="+mn-ea"/>
-              <a:sym typeface="+mn-lt"/>
-            </a:endParaRPr>
-          </a:p>
-        </p:txBody>
-      </p:sp>
-      <p:sp>
-        <p:nvSpPr>
-          <p:cNvPr id="10" name="序号"/>
-          <p:cNvSpPr txBox="1"/>
-          <p:nvPr>
-            <p:custDataLst>
-              <p:tags r:id="rId5"/>
-            </p:custDataLst>
-          </p:nvPr>
-        </p:nvSpPr>
-        <p:spPr>
-          <a:xfrm>
-            <a:off x="5584099" y="2283619"/>
-            <a:ext cx="732236" cy="734142"/>
-          </a:xfrm>
-          <a:prstGeom prst="ellipse">
-            <a:avLst/>
-          </a:prstGeom>
-          <a:solidFill>
-            <a:schemeClr val="accent6">
-              <a:lumMod val="75000"/>
-            </a:schemeClr>
-          </a:solidFill>
-          <a:ln>
-            <a:noFill/>
-          </a:ln>
-          <a:effectLst/>
-        </p:spPr>
-        <p:txBody>
-          <a:bodyPr wrap="none" lIns="0" tIns="0" rIns="0" bIns="0" rtlCol="0" anchor="ctr" anchorCtr="0">
-            <a:normAutofit/>
-          </a:bodyPr>
-          <a:lstStyle>
-            <a:defPPr>
-              <a:defRPr lang="zh-CN"/>
-            </a:defPPr>
-            <a:lvl1pPr algn="ctr">
-              <a:lnSpc>
-                <a:spcPct val="120000"/>
-              </a:lnSpc>
-              <a:defRPr sz="2400" b="1">
-                <a:solidFill>
-                  <a:schemeClr val="tx2"/>
-                </a:solidFill>
-                <a:cs typeface="+mn-ea"/>
-              </a:defRPr>
-            </a:lvl1pPr>
-          </a:lstStyle>
-          <a:p>
-            <a:r>
-              <a:rPr lang="en-US" altLang="zh-CN" dirty="0">
-                <a:solidFill>
-                  <a:schemeClr val="bg2"/>
-                </a:solidFill>
-                <a:ea typeface="微软雅黑" panose="020B0503020204020204" pitchFamily="34" charset="-122"/>
-                <a:sym typeface="+mn-lt"/>
-              </a:rPr>
-              <a:t>02</a:t>
-            </a:r>
-          </a:p>
-        </p:txBody>
-      </p:sp>
-      <p:sp>
-        <p:nvSpPr>
-          <p:cNvPr id="11" name="标题"/>
-          <p:cNvSpPr txBox="1"/>
-          <p:nvPr>
-            <p:custDataLst>
-              <p:tags r:id="rId6"/>
-            </p:custDataLst>
-          </p:nvPr>
-        </p:nvSpPr>
-        <p:spPr>
-          <a:xfrm>
-            <a:off x="6571634" y="2281397"/>
-            <a:ext cx="3804073" cy="738587"/>
-          </a:xfrm>
-          <a:prstGeom prst="rect">
-            <a:avLst/>
-          </a:prstGeom>
-          <a:noFill/>
-        </p:spPr>
-        <p:txBody>
-          <a:bodyPr wrap="square" lIns="91440" tIns="0" rIns="91440" bIns="0" rtlCol="0" anchor="ctr" anchorCtr="0">
-            <a:normAutofit/>
-          </a:bodyPr>
-          <a:lstStyle/>
-          <a:p>
-            <a:pPr lvl="0" algn="l">
-              <a:lnSpc>
-                <a:spcPct val="120000"/>
-              </a:lnSpc>
-              <a:buClrTx/>
-              <a:buSzTx/>
-              <a:buFontTx/>
-            </a:pPr>
-            <a:r>
-              <a:rPr lang="en-US" altLang="zh-CN" b="1" dirty="0">
-                <a:solidFill>
-                  <a:schemeClr val="tx1">
-                    <a:lumMod val="85000"/>
-                    <a:lumOff val="15000"/>
-                  </a:schemeClr>
-                </a:solidFill>
-                <a:ea typeface="微软雅黑" panose="020B0503020204020204" pitchFamily="34" charset="-122"/>
-                <a:cs typeface="+mn-ea"/>
-                <a:sym typeface="+mn-lt"/>
-              </a:rPr>
-              <a:t>Pipeline del Progetto</a:t>
-            </a:r>
-          </a:p>
-        </p:txBody>
-      </p:sp>
-      <p:sp>
-        <p:nvSpPr>
-          <p:cNvPr id="12" name="圆角矩形 11"/>
-          <p:cNvSpPr/>
-          <p:nvPr>
-            <p:custDataLst>
-              <p:tags r:id="rId7"/>
-            </p:custDataLst>
-          </p:nvPr>
-        </p:nvSpPr>
-        <p:spPr>
-          <a:xfrm>
-            <a:off x="5584099" y="4340327"/>
-            <a:ext cx="4888774" cy="737952"/>
-          </a:xfrm>
-          <a:prstGeom prst="roundRect">
-            <a:avLst>
-              <a:gd name="adj" fmla="val 50000"/>
-            </a:avLst>
-          </a:prstGeom>
-          <a:solidFill>
-            <a:schemeClr val="bg1"/>
-          </a:solidFill>
-          <a:ln>
-            <a:noFill/>
-          </a:ln>
-          <a:effectLst/>
-        </p:spPr>
-        <p:style>
-          <a:lnRef idx="2">
-            <a:schemeClr val="accent1">
-              <a:shade val="50000"/>
-            </a:schemeClr>
-          </a:lnRef>
-          <a:fillRef idx="1">
-            <a:schemeClr val="accent1"/>
-          </a:fillRef>
-          <a:effectRef idx="0">
-            <a:schemeClr val="accent1"/>
-          </a:effectRef>
-          <a:fontRef idx="minor">
-            <a:schemeClr val="lt1"/>
-          </a:fontRef>
-        </p:style>
-        <p:txBody>
-          <a:bodyPr tIns="0" bIns="0" rtlCol="0" anchor="ctr">
-            <a:normAutofit/>
-          </a:bodyPr>
-          <a:lstStyle/>
-          <a:p>
-            <a:pPr algn="ctr">
-              <a:lnSpc>
-                <a:spcPct val="120000"/>
-              </a:lnSpc>
-            </a:pPr>
-            <a:endParaRPr lang="zh-CN" altLang="en-US">
-              <a:ea typeface="微软雅黑" panose="020B0503020204020204" pitchFamily="34" charset="-122"/>
-              <a:cs typeface="+mn-ea"/>
-              <a:sym typeface="+mn-lt"/>
-            </a:endParaRPr>
-          </a:p>
-        </p:txBody>
-      </p:sp>
-      <p:sp>
-        <p:nvSpPr>
-          <p:cNvPr id="15" name="序号"/>
-          <p:cNvSpPr txBox="1"/>
-          <p:nvPr>
-            <p:custDataLst>
-              <p:tags r:id="rId8"/>
-            </p:custDataLst>
-          </p:nvPr>
-        </p:nvSpPr>
-        <p:spPr>
-          <a:xfrm>
-            <a:off x="5584099" y="4342232"/>
-            <a:ext cx="732236" cy="734142"/>
-          </a:xfrm>
-          <a:prstGeom prst="ellipse">
-            <a:avLst/>
-          </a:prstGeom>
-          <a:solidFill>
-            <a:schemeClr val="accent6">
-              <a:lumMod val="75000"/>
-            </a:schemeClr>
-          </a:solidFill>
-          <a:ln>
-            <a:noFill/>
-          </a:ln>
-          <a:effectLst/>
-        </p:spPr>
-        <p:txBody>
-          <a:bodyPr wrap="none" lIns="0" tIns="0" rIns="0" bIns="0" rtlCol="0" anchor="ctr" anchorCtr="0">
-            <a:normAutofit/>
-          </a:bodyPr>
-          <a:lstStyle>
-            <a:defPPr>
-              <a:defRPr lang="zh-CN"/>
-            </a:defPPr>
-            <a:lvl1pPr algn="ctr">
-              <a:lnSpc>
-                <a:spcPct val="120000"/>
-              </a:lnSpc>
-              <a:defRPr sz="2400" b="1">
-                <a:solidFill>
-                  <a:schemeClr val="tx2"/>
-                </a:solidFill>
-                <a:cs typeface="+mn-ea"/>
-              </a:defRPr>
-            </a:lvl1pPr>
-          </a:lstStyle>
-          <a:p>
-            <a:r>
-              <a:rPr lang="en-US" altLang="zh-CN" dirty="0">
-                <a:solidFill>
-                  <a:schemeClr val="bg2"/>
-                </a:solidFill>
-                <a:ea typeface="微软雅黑" panose="020B0503020204020204" pitchFamily="34" charset="-122"/>
-                <a:sym typeface="+mn-lt"/>
-              </a:rPr>
-              <a:t>03</a:t>
-            </a:r>
-          </a:p>
-        </p:txBody>
-      </p:sp>
-      <p:sp>
-        <p:nvSpPr>
-          <p:cNvPr id="17" name="标题"/>
-          <p:cNvSpPr txBox="1"/>
-          <p:nvPr>
-            <p:custDataLst>
-              <p:tags r:id="rId9"/>
-            </p:custDataLst>
-          </p:nvPr>
-        </p:nvSpPr>
-        <p:spPr>
-          <a:xfrm>
-            <a:off x="6571634" y="4342550"/>
-            <a:ext cx="3804073" cy="733507"/>
-          </a:xfrm>
-          <a:prstGeom prst="rect">
-            <a:avLst/>
-          </a:prstGeom>
-          <a:noFill/>
-        </p:spPr>
-        <p:txBody>
-          <a:bodyPr wrap="square" lIns="91440" tIns="0" rIns="91440" bIns="0" rtlCol="0" anchor="ctr" anchorCtr="0">
-            <a:normAutofit/>
-          </a:bodyPr>
-          <a:lstStyle/>
-          <a:p>
-            <a:pPr lvl="0" algn="l">
-              <a:lnSpc>
-                <a:spcPct val="120000"/>
-              </a:lnSpc>
-              <a:buClrTx/>
-              <a:buSzTx/>
-              <a:buFontTx/>
-            </a:pPr>
-            <a:r>
-              <a:rPr lang="en-US" altLang="zh-CN" b="1" dirty="0" err="1">
-                <a:solidFill>
-                  <a:schemeClr val="tx1">
-                    <a:lumMod val="85000"/>
-                    <a:lumOff val="15000"/>
-                  </a:schemeClr>
-                </a:solidFill>
-                <a:ea typeface="微软雅黑" panose="020B0503020204020204" pitchFamily="34" charset="-122"/>
-                <a:cs typeface="+mn-ea"/>
-                <a:sym typeface="+mn-lt"/>
-              </a:rPr>
-              <a:t>Conclusioni</a:t>
-            </a:r>
-            <a:endParaRPr lang="en-US" altLang="zh-CN" b="1" dirty="0">
-              <a:solidFill>
-                <a:schemeClr val="tx1">
-                  <a:lumMod val="85000"/>
-                  <a:lumOff val="15000"/>
-                </a:schemeClr>
-              </a:solidFill>
-              <a:uFillTx/>
-              <a:ea typeface="微软雅黑" panose="020B0503020204020204" pitchFamily="34" charset="-122"/>
-              <a:cs typeface="+mn-ea"/>
-              <a:sym typeface="+mn-lt"/>
-            </a:endParaRPr>
-          </a:p>
-        </p:txBody>
-      </p:sp>
-      <p:sp>
-        <p:nvSpPr>
-          <p:cNvPr id="3" name="CasellaDiTesto 2">
-            <a:extLst>
-              <a:ext uri="{FF2B5EF4-FFF2-40B4-BE49-F238E27FC236}">
-                <a16:creationId xmlns:a16="http://schemas.microsoft.com/office/drawing/2014/main" id="{ED911E9F-B28A-1F99-013D-0583F13F4408}"/>
-              </a:ext>
-            </a:extLst>
-          </p:cNvPr>
-          <p:cNvSpPr txBox="1"/>
-          <p:nvPr/>
-        </p:nvSpPr>
-        <p:spPr>
-          <a:xfrm>
-            <a:off x="1427561" y="3106994"/>
-            <a:ext cx="3313471" cy="923330"/>
-          </a:xfrm>
-          <a:prstGeom prst="rect">
-            <a:avLst/>
-          </a:prstGeom>
-          <a:noFill/>
-        </p:spPr>
-        <p:txBody>
-          <a:bodyPr wrap="square" rtlCol="0">
-            <a:spAutoFit/>
-          </a:bodyPr>
-          <a:lstStyle/>
-          <a:p>
-            <a:r>
-              <a:rPr lang="it-IT" dirty="0"/>
-              <a:t>….Scopo del Progetto</a:t>
-            </a:r>
-          </a:p>
-          <a:p>
-            <a:r>
-              <a:rPr lang="it-IT" dirty="0"/>
-              <a:t>….Assunzioni e Disclaimer Vari</a:t>
-            </a:r>
-          </a:p>
-          <a:p>
-            <a:r>
-              <a:rPr lang="it-IT" dirty="0"/>
-              <a:t>….</a:t>
-            </a:r>
-            <a:r>
-              <a:rPr lang="it-IT" dirty="0" err="1"/>
-              <a:t>Caratterische</a:t>
-            </a:r>
-            <a:r>
-              <a:rPr lang="it-IT" dirty="0"/>
-              <a:t> del Dataset</a:t>
-            </a:r>
-          </a:p>
-        </p:txBody>
-      </p:sp>
-      <p:sp>
-        <p:nvSpPr>
-          <p:cNvPr id="13" name="CasellaDiTesto 12">
-            <a:extLst>
-              <a:ext uri="{FF2B5EF4-FFF2-40B4-BE49-F238E27FC236}">
-                <a16:creationId xmlns:a16="http://schemas.microsoft.com/office/drawing/2014/main" id="{E00C429D-B51D-567A-9650-3391B3467D1A}"/>
-              </a:ext>
-            </a:extLst>
-          </p:cNvPr>
-          <p:cNvSpPr txBox="1"/>
-          <p:nvPr/>
-        </p:nvSpPr>
-        <p:spPr>
-          <a:xfrm>
-            <a:off x="5486933" y="3106994"/>
-            <a:ext cx="3313471" cy="923330"/>
-          </a:xfrm>
-          <a:prstGeom prst="rect">
-            <a:avLst/>
-          </a:prstGeom>
-          <a:noFill/>
-        </p:spPr>
-        <p:txBody>
-          <a:bodyPr wrap="square" rtlCol="0">
-            <a:spAutoFit/>
-          </a:bodyPr>
-          <a:lstStyle/>
-          <a:p>
-            <a:r>
-              <a:rPr lang="it-IT" dirty="0"/>
-              <a:t>….Segmentazione</a:t>
-            </a:r>
-          </a:p>
-          <a:p>
-            <a:r>
-              <a:rPr lang="it-IT" dirty="0"/>
-              <a:t>….Classificazione</a:t>
-            </a:r>
-          </a:p>
-          <a:p>
-            <a:r>
-              <a:rPr lang="it-IT" dirty="0"/>
-              <a:t>….Gestione degli </a:t>
-            </a:r>
-            <a:r>
-              <a:rPr lang="it-IT" dirty="0" err="1"/>
-              <a:t>Unknown</a:t>
-            </a:r>
-            <a:endParaRPr lang="it-IT" dirty="0"/>
-          </a:p>
-        </p:txBody>
-      </p:sp>
-      <p:sp>
-        <p:nvSpPr>
-          <p:cNvPr id="14" name="CasellaDiTesto 13">
-            <a:extLst>
-              <a:ext uri="{FF2B5EF4-FFF2-40B4-BE49-F238E27FC236}">
-                <a16:creationId xmlns:a16="http://schemas.microsoft.com/office/drawing/2014/main" id="{A9B0F17C-B9B6-7458-7C5A-E2C49F8D96C6}"/>
-              </a:ext>
-            </a:extLst>
-          </p:cNvPr>
-          <p:cNvSpPr txBox="1"/>
-          <p:nvPr/>
-        </p:nvSpPr>
-        <p:spPr>
-          <a:xfrm>
-            <a:off x="5584099" y="5179610"/>
-            <a:ext cx="3313471" cy="923330"/>
-          </a:xfrm>
-          <a:prstGeom prst="rect">
-            <a:avLst/>
-          </a:prstGeom>
-          <a:noFill/>
-        </p:spPr>
-        <p:txBody>
-          <a:bodyPr wrap="square" rtlCol="0">
-            <a:spAutoFit/>
-          </a:bodyPr>
-          <a:lstStyle/>
-          <a:p>
-            <a:r>
-              <a:rPr lang="it-IT" dirty="0"/>
-              <a:t>….</a:t>
-            </a:r>
-          </a:p>
-          <a:p>
-            <a:r>
-              <a:rPr lang="it-IT" dirty="0"/>
-              <a:t>….</a:t>
-            </a:r>
-          </a:p>
-          <a:p>
-            <a:r>
-              <a:rPr lang="it-IT" dirty="0"/>
-              <a:t>….</a:t>
-            </a:r>
-          </a:p>
-        </p:txBody>
-      </p:sp>
-    </p:spTree>
-    <p:extLst>
-      <p:ext uri="{BB962C8B-B14F-4D97-AF65-F5344CB8AC3E}">
-        <p14:creationId xmlns:p14="http://schemas.microsoft.com/office/powerpoint/2010/main" val="923651621"/>
       </p:ext>
     </p:extLst>
   </p:cSld>
@@ -20543,6 +22124,56 @@
             <a:br>
               <a:rPr lang="it-IT" dirty="0"/>
             </a:br>
+            <a:endParaRPr lang="it-IT" dirty="0"/>
+          </a:p>
+        </p:txBody>
+      </p:sp>
+      <p:sp>
+        <p:nvSpPr>
+          <p:cNvPr id="4" name="CasellaDiTesto 3">
+            <a:extLst>
+              <a:ext uri="{FF2B5EF4-FFF2-40B4-BE49-F238E27FC236}">
+                <a16:creationId xmlns:a16="http://schemas.microsoft.com/office/drawing/2014/main" id="{0A69EA63-0038-6B77-C2FF-1131EF81D618}"/>
+              </a:ext>
+            </a:extLst>
+          </p:cNvPr>
+          <p:cNvSpPr txBox="1"/>
+          <p:nvPr/>
+        </p:nvSpPr>
+        <p:spPr>
+          <a:xfrm>
+            <a:off x="812800" y="1493520"/>
+            <a:ext cx="5283200" cy="1200329"/>
+          </a:xfrm>
+          <a:prstGeom prst="rect">
+            <a:avLst/>
+          </a:prstGeom>
+          <a:noFill/>
+        </p:spPr>
+        <p:txBody>
+          <a:bodyPr wrap="square" rtlCol="0">
+            <a:spAutoFit/>
+          </a:bodyPr>
+          <a:lstStyle/>
+          <a:p>
+            <a:r>
+              <a:rPr lang="it-IT" dirty="0"/>
+              <a:t>Limitazioni</a:t>
+            </a:r>
+          </a:p>
+          <a:p>
+            <a:r>
+              <a:rPr lang="it-IT" dirty="0"/>
+              <a:t>-costo computazionale non troppo elevato</a:t>
+            </a:r>
+          </a:p>
+          <a:p>
+            <a:r>
+              <a:rPr lang="it-IT" dirty="0"/>
+              <a:t>-tempo di calcolo non eccessivo</a:t>
+            </a:r>
+          </a:p>
+          <a:p>
             <a:endParaRPr lang="it-IT" dirty="0"/>
           </a:p>
         </p:txBody>
@@ -27284,23 +28915,35 @@
   <p:tag name="KSO_WM_UNIT_COMPATIBLE" val="0"/>
   <p:tag name="KSO_WM_UNIT_DIAGRAM_ISNUMVISUAL" val="0"/>
   <p:tag name="KSO_WM_UNIT_DIAGRAM_ISREFERUNIT" val="0"/>
-  <p:tag name="KSO_WM_UNIT_ID" val="diagram20231731_4*l_h_i*1_4_2"/>
+  <p:tag name="KSO_WM_UNIT_ID" val="diagram20231731_4*l_i*1_1"/>
   <p:tag name="KSO_WM_TEMPLATE_CATEGORY" val="diagram"/>
   <p:tag name="KSO_WM_TEMPLATE_INDEX" val="20231731"/>
-  <p:tag name="KSO_WM_UNIT_LAYERLEVEL" val="1_1_1"/>
+  <p:tag name="KSO_WM_UNIT_LAYERLEVEL" val="1_1"/>
   <p:tag name="KSO_WM_TAG_VERSION" val="3.0"/>
   <p:tag name="KSO_WM_BEAUTIFY_FLAG" val="#wm#"/>
   <p:tag name="KSO_WM_DIAGRAM_GROUP_CODE" val="l1-1"/>
-  <p:tag name="KSO_WM_UNIT_TYPE" val="l_h_i"/>
-  <p:tag name="KSO_WM_UNIT_INDEX" val="1_4_2"/>
+  <p:tag name="KSO_WM_UNIT_TYPE" val="l_i"/>
+  <p:tag name="KSO_WM_UNIT_INDEX" val="1_1"/>
   <p:tag name="KSO_WM_DIAGRAM_VERSION" val="3"/>
   <p:tag name="KSO_WM_DIAGRAM_COLOR_TRICK" val="1"/>
   <p:tag name="KSO_WM_DIAGRAM_COLOR_TEXT_CAN_REMOVE" val="n"/>
   <p:tag name="KSO_WM_DIAGRAM_MAX_ITEMCNT" val="6"/>
   <p:tag name="KSO_WM_DIAGRAM_MIN_ITEMCNT" val="2"/>
   <p:tag name="KSO_WM_DIAGRAM_VIRTUALLY_FRAME" val="{&quot;height&quot;:322.2532958984375,&quot;left&quot;:81.46551181102362,&quot;top&quot;:154.38004496416707,&quot;width&quot;:797.0689763779527}"/>
-  <p:tag name="KSO_WM_DIAGRAM_COLOR_MATCH_VALUE" val="{&quot;shape&quot;:{&quot;fill&quot;:{&quot;gradient&quot;:[{&quot;brightness&quot;:-0.25,&quot;colorType&quot;:1,&quot;foreColorIndex&quot;:5,&quot;pos&quot;:0.009999999776482582,&quot;transparency&quot;:0},{&quot;brightness&quot;:0,&quot;colorType&quot;:1,&quot;foreColorIndex&quot;:5,&quot;pos&quot;:1,&quot;transparency&quot;:0}],&quot;type&quot;:3},&quot;glow&quot;:{&quot;colorType&quot;:0},&quot;line&quot;:{&quot;type&quot;:0},&quot;shadow&quot;:{&quot;colorType&quot;:0},&quot;threeD&quot;:{&quot;curvedSurface&quot;:{&quot;brightness&quot;:0,&quot;colorType&quot;:2,&quot;rgb&quot;:&quot;#000000&quot;},&quot;depth&quot;:{&quot;colorType&quot;:0}}},&quot;text&quot;:{&quot;fill&quot;:{&quot;solid&quot;:{&quot;brightness&quot;:0,&quot;colorType&quot;:1,&quot;foreColorIndex&quot;:2,&quot;transparency&quot;:0},&quot;type&quot;:1},&quot;glow&quot;:{&quot;colorType&quot;:0},&quot;line&quot;:{&quot;type&quot;:0},&quot;shadow&quot;:{&quot;colorType&quot;:0},&quot;threeD&quot;:{&quot;curvedSurface&quot;:{&quot;brightness&quot;:0,&quot;colorType&quot;:2,&quot;rgb&quot;:&quot;#000000&quot;},&quot;depth&quot;:{&quot;colorType&quot;:0}}}}"/>
+  <p:tag name="KSO_WM_DIAGRAM_COLOR_MATCH_VALUE" val="{&quot;shape&quot;:{&quot;fill&quot;:{&quot;gradient&quot;:[{&quot;brightness&quot;:0,&quot;colorType&quot;:1,&quot;foreColorIndex&quot;:5,&quot;pos&quot;:0,&quot;transparency&quot;:0.8500000238418579},{&quot;brightness&quot;:0,&quot;colorType&quot;:1,&quot;foreColorIndex&quot;:5,&quot;pos&quot;:1,&quot;transparency&quot;:1}],&quot;type&quot;:3},&quot;glow&quot;:{&quot;colorType&quot;:0},&quot;line&quot;:{&quot;gradient&quot;:[{&quot;brightness&quot;:0,&quot;colorType&quot;:1,&quot;foreColorIndex&quot;:5,&quot;pos&quot;:0,&quot;transparency&quot;:0},{&quot;brightness&quot;:0,&quot;colorType&quot;:1,&quot;foreColorIndex&quot;:5,&quot;pos&quot;:0.8700000047683716,&quot;transparency&quot;:1}],&quot;type&quot;:2},&quot;shadow&quot;:{&quot;colorType&quot;:0},&quot;threeD&quot;:{&quot;curvedSurface&quot;:{&quot;brightness&quot;:0,&quot;colorType&quot;:2,&quot;rgb&quot;:&quot;#000000&quot;},&quot;depth&quot;:{&quot;colorType&quot;:0}}},&quot;text&quot;:{&quot;fill&quot;:{&quot;solid&quot;:{&quot;brightness&quot;:0,&quot;colorType&quot;:1,&quot;foreColorIndex&quot;:2,&quot;transparency&quot;:0},&quot;type&quot;:1},&quot;glow&quot;:{&quot;colorType&quot;:0},&quot;line&quot;:{&quot;type&quot;:0},&quot;shadow&quot;:{&quot;colorType&quot;:0},&quot;threeD&quot;:{&quot;curvedSurface&quot;:{&quot;brightness&quot;:0,&quot;colorType&quot;:2,&quot;rgb&quot;:&quot;#000000&quot;},&quot;depth&quot;:{&quot;colorType&quot;:0}}}}"/>
   <p:tag name="KSO_WM_UNIT_FILL_TYPE" val="3"/>
+  <p:tag name="KSO_WM_UNIT_LINE_FORE_SCHEMECOLOR_INDEX_1_BRIGHTNESS" val="0"/>
+  <p:tag name="KSO_WM_UNIT_LINE_FORE_SCHEMECOLOR_INDEX_1" val="5"/>
+  <p:tag name="KSO_WM_UNIT_LINE_FORE_SCHEMECOLOR_INDEX_1_POS" val="0"/>
+  <p:tag name="KSO_WM_UNIT_LINE_FORE_SCHEMECOLOR_INDEX_1_TRANS" val="0"/>
+  <p:tag name="KSO_WM_UNIT_LINE_FORE_SCHEMECOLOR_INDEX_2_BRIGHTNESS" val="0"/>
+  <p:tag name="KSO_WM_UNIT_LINE_FORE_SCHEMECOLOR_INDEX_2" val="5"/>
+  <p:tag name="KSO_WM_UNIT_LINE_FORE_SCHEMECOLOR_INDEX_2_POS" val="0.87"/>
+  <p:tag name="KSO_WM_UNIT_LINE_FORE_SCHEMECOLOR_INDEX_2_TRANS" val="1"/>
+  <p:tag name="KSO_WM_UNIT_LINE_GRADIENT_TYPE" val="0"/>
+  <p:tag name="KSO_WM_UNIT_LINE_GRADIENT_ANGLE" val="90"/>
+  <p:tag name="KSO_WM_UNIT_LINE_GRADIENT_DIRECTION" val="1"/>
+  <p:tag name="KSO_WM_UNIT_LINE_FILL_TYPE" val="5"/>
   <p:tag name="KSO_WM_UNIT_TEXT_FILL_FORE_SCHEMECOLOR_INDEX_BRIGHTNESS" val="0"/>
   <p:tag name="KSO_WM_UNIT_TEXT_FILL_FORE_SCHEMECOLOR_INDEX" val="2"/>
   <p:tag name="KSO_WM_UNIT_TEXT_FILL_TYPE" val="1"/>
@@ -27310,32 +28953,41 @@
 
 <file path=ppt/tags/tag101.xml><?xml version="1.0" encoding="utf-8"?>
 <p:tagLst xmlns:a="http://schemas.openxmlformats.org/drawingml/2006/main" xmlns:r="http://schemas.openxmlformats.org/officeDocument/2006/relationships" xmlns:p="http://schemas.openxmlformats.org/presentationml/2006/main">
-  <p:tag name="KSO_WM_UNIT_SUBTYPE" val="a"/>
-  <p:tag name="KSO_WM_UNIT_NOCLEAR" val="0"/>
-  <p:tag name="KSO_WM_UNIT_VALUE" val="60"/>
   <p:tag name="KSO_WM_UNIT_HIGHLIGHT" val="0"/>
   <p:tag name="KSO_WM_UNIT_COMPATIBLE" val="0"/>
   <p:tag name="KSO_WM_UNIT_DIAGRAM_ISNUMVISUAL" val="0"/>
   <p:tag name="KSO_WM_UNIT_DIAGRAM_ISREFERUNIT" val="0"/>
-  <p:tag name="KSO_WM_UNIT_TYPE" val="l_h_f"/>
-  <p:tag name="KSO_WM_UNIT_INDEX" val="1_4_1"/>
-  <p:tag name="KSO_WM_UNIT_ID" val="diagram20231731_4*l_h_f*1_4_1"/>
+  <p:tag name="KSO_WM_UNIT_ID" val="diagram20231731_4*l_i*1_1"/>
   <p:tag name="KSO_WM_TEMPLATE_CATEGORY" val="diagram"/>
   <p:tag name="KSO_WM_TEMPLATE_INDEX" val="20231731"/>
-  <p:tag name="KSO_WM_UNIT_LAYERLEVEL" val="1_1_1"/>
+  <p:tag name="KSO_WM_UNIT_LAYERLEVEL" val="1_1"/>
   <p:tag name="KSO_WM_TAG_VERSION" val="3.0"/>
   <p:tag name="KSO_WM_BEAUTIFY_FLAG" val="#wm#"/>
-  <p:tag name="KSO_WM_UNIT_TEXT_FILL_FORE_SCHEMECOLOR_INDEX_BRIGHTNESS" val="0.15"/>
   <p:tag name="KSO_WM_DIAGRAM_GROUP_CODE" val="l1-1"/>
+  <p:tag name="KSO_WM_UNIT_TYPE" val="l_i"/>
+  <p:tag name="KSO_WM_UNIT_INDEX" val="1_1"/>
   <p:tag name="KSO_WM_DIAGRAM_VERSION" val="3"/>
   <p:tag name="KSO_WM_DIAGRAM_COLOR_TRICK" val="1"/>
   <p:tag name="KSO_WM_DIAGRAM_COLOR_TEXT_CAN_REMOVE" val="n"/>
   <p:tag name="KSO_WM_DIAGRAM_MAX_ITEMCNT" val="6"/>
   <p:tag name="KSO_WM_DIAGRAM_MIN_ITEMCNT" val="2"/>
   <p:tag name="KSO_WM_DIAGRAM_VIRTUALLY_FRAME" val="{&quot;height&quot;:322.2532958984375,&quot;left&quot;:81.46551181102362,&quot;top&quot;:154.38004496416707,&quot;width&quot;:797.0689763779527}"/>
-  <p:tag name="KSO_WM_DIAGRAM_COLOR_MATCH_VALUE" val="{&quot;shape&quot;:{&quot;fill&quot;:{&quot;type&quot;:0},&quot;glow&quot;:{&quot;colorType&quot;:0},&quot;line&quot;:{&quot;type&quot;:0},&quot;shadow&quot;:{&quot;colorType&quot;:0},&quot;threeD&quot;:{&quot;curvedSurface&quot;:{&quot;brightness&quot;:0,&quot;colorType&quot;:2,&quot;rgb&quot;:&quot;#000000&quot;},&quot;depth&quot;:{&quot;colorType&quot;:0}}},&quot;text&quot;:{&quot;fill&quot;:{&quot;solid&quot;:{&quot;brightness&quot;:0.15000000596046448,&quot;colorType&quot;:1,&quot;foreColorIndex&quot;:13,&quot;transparency&quot;:0},&quot;type&quot;:1},&quot;glow&quot;:{&quot;colorType&quot;:0},&quot;line&quot;:{&quot;type&quot;:0},&quot;shadow&quot;:{&quot;colorType&quot;:0},&quot;threeD&quot;:{&quot;curvedSurface&quot;:{&quot;brightness&quot;:0,&quot;colorType&quot;:2,&quot;rgb&quot;:&quot;#000000&quot;},&quot;depth&quot;:{&quot;colorType&quot;:0}}}}"/>
-  <p:tag name="KSO_WM_UNIT_PRESET_TEXT" val="单击此处输入你的项正文"/>
-  <p:tag name="KSO_WM_UNIT_TEXT_FILL_FORE_SCHEMECOLOR_INDEX" val="1"/>
+  <p:tag name="KSO_WM_DIAGRAM_COLOR_MATCH_VALUE" val="{&quot;shape&quot;:{&quot;fill&quot;:{&quot;gradient&quot;:[{&quot;brightness&quot;:0,&quot;colorType&quot;:1,&quot;foreColorIndex&quot;:5,&quot;pos&quot;:0,&quot;transparency&quot;:0.8500000238418579},{&quot;brightness&quot;:0,&quot;colorType&quot;:1,&quot;foreColorIndex&quot;:5,&quot;pos&quot;:1,&quot;transparency&quot;:1}],&quot;type&quot;:3},&quot;glow&quot;:{&quot;colorType&quot;:0},&quot;line&quot;:{&quot;gradient&quot;:[{&quot;brightness&quot;:0,&quot;colorType&quot;:1,&quot;foreColorIndex&quot;:5,&quot;pos&quot;:0,&quot;transparency&quot;:0},{&quot;brightness&quot;:0,&quot;colorType&quot;:1,&quot;foreColorIndex&quot;:5,&quot;pos&quot;:0.8700000047683716,&quot;transparency&quot;:1}],&quot;type&quot;:2},&quot;shadow&quot;:{&quot;colorType&quot;:0},&quot;threeD&quot;:{&quot;curvedSurface&quot;:{&quot;brightness&quot;:0,&quot;colorType&quot;:2,&quot;rgb&quot;:&quot;#000000&quot;},&quot;depth&quot;:{&quot;colorType&quot;:0}}},&quot;text&quot;:{&quot;fill&quot;:{&quot;solid&quot;:{&quot;brightness&quot;:0,&quot;colorType&quot;:1,&quot;foreColorIndex&quot;:2,&quot;transparency&quot;:0},&quot;type&quot;:1},&quot;glow&quot;:{&quot;colorType&quot;:0},&quot;line&quot;:{&quot;type&quot;:0},&quot;shadow&quot;:{&quot;colorType&quot;:0},&quot;threeD&quot;:{&quot;curvedSurface&quot;:{&quot;brightness&quot;:0,&quot;colorType&quot;:2,&quot;rgb&quot;:&quot;#000000&quot;},&quot;depth&quot;:{&quot;colorType&quot;:0}}}}"/>
+  <p:tag name="KSO_WM_UNIT_FILL_TYPE" val="3"/>
+  <p:tag name="KSO_WM_UNIT_LINE_FORE_SCHEMECOLOR_INDEX_1_BRIGHTNESS" val="0"/>
+  <p:tag name="KSO_WM_UNIT_LINE_FORE_SCHEMECOLOR_INDEX_1" val="5"/>
+  <p:tag name="KSO_WM_UNIT_LINE_FORE_SCHEMECOLOR_INDEX_1_POS" val="0"/>
+  <p:tag name="KSO_WM_UNIT_LINE_FORE_SCHEMECOLOR_INDEX_1_TRANS" val="0"/>
+  <p:tag name="KSO_WM_UNIT_LINE_FORE_SCHEMECOLOR_INDEX_2_BRIGHTNESS" val="0"/>
+  <p:tag name="KSO_WM_UNIT_LINE_FORE_SCHEMECOLOR_INDEX_2" val="5"/>
+  <p:tag name="KSO_WM_UNIT_LINE_FORE_SCHEMECOLOR_INDEX_2_POS" val="0.87"/>
+  <p:tag name="KSO_WM_UNIT_LINE_FORE_SCHEMECOLOR_INDEX_2_TRANS" val="1"/>
+  <p:tag name="KSO_WM_UNIT_LINE_GRADIENT_TYPE" val="0"/>
+  <p:tag name="KSO_WM_UNIT_LINE_GRADIENT_ANGLE" val="90"/>
+  <p:tag name="KSO_WM_UNIT_LINE_GRADIENT_DIRECTION" val="1"/>
+  <p:tag name="KSO_WM_UNIT_LINE_FILL_TYPE" val="5"/>
+  <p:tag name="KSO_WM_UNIT_TEXT_FILL_FORE_SCHEMECOLOR_INDEX_BRIGHTNESS" val="0"/>
+  <p:tag name="KSO_WM_UNIT_TEXT_FILL_FORE_SCHEMECOLOR_INDEX" val="2"/>
   <p:tag name="KSO_WM_UNIT_TEXT_FILL_TYPE" val="1"/>
   <p:tag name="KSO_WM_UNIT_USESOURCEFORMAT_APPLY" val="1"/>
 </p:tagLst>
@@ -27343,33 +28995,41 @@
 
 <file path=ppt/tags/tag102.xml><?xml version="1.0" encoding="utf-8"?>
 <p:tagLst xmlns:a="http://schemas.openxmlformats.org/drawingml/2006/main" xmlns:r="http://schemas.openxmlformats.org/officeDocument/2006/relationships" xmlns:p="http://schemas.openxmlformats.org/presentationml/2006/main">
-  <p:tag name="KSO_WM_UNIT_ISCONTENTSTITLE" val="0"/>
-  <p:tag name="KSO_WM_UNIT_ISNUMDGMTITLE" val="0"/>
-  <p:tag name="KSO_WM_UNIT_NOCLEAR" val="0"/>
-  <p:tag name="KSO_WM_UNIT_VALUE" val="10"/>
   <p:tag name="KSO_WM_UNIT_HIGHLIGHT" val="0"/>
   <p:tag name="KSO_WM_UNIT_COMPATIBLE" val="0"/>
   <p:tag name="KSO_WM_UNIT_DIAGRAM_ISNUMVISUAL" val="0"/>
   <p:tag name="KSO_WM_UNIT_DIAGRAM_ISREFERUNIT" val="0"/>
-  <p:tag name="KSO_WM_UNIT_TYPE" val="l_h_a"/>
-  <p:tag name="KSO_WM_UNIT_INDEX" val="1_4_1"/>
-  <p:tag name="KSO_WM_UNIT_ID" val="diagram20231731_4*l_h_a*1_4_1"/>
+  <p:tag name="KSO_WM_UNIT_ID" val="diagram20231731_4*l_i*1_1"/>
   <p:tag name="KSO_WM_TEMPLATE_CATEGORY" val="diagram"/>
   <p:tag name="KSO_WM_TEMPLATE_INDEX" val="20231731"/>
-  <p:tag name="KSO_WM_UNIT_LAYERLEVEL" val="1_1_1"/>
+  <p:tag name="KSO_WM_UNIT_LAYERLEVEL" val="1_1"/>
   <p:tag name="KSO_WM_TAG_VERSION" val="3.0"/>
   <p:tag name="KSO_WM_BEAUTIFY_FLAG" val="#wm#"/>
-  <p:tag name="KSO_WM_UNIT_TEXT_FILL_FORE_SCHEMECOLOR_INDEX_BRIGHTNESS" val="0.15"/>
   <p:tag name="KSO_WM_DIAGRAM_GROUP_CODE" val="l1-1"/>
+  <p:tag name="KSO_WM_UNIT_TYPE" val="l_i"/>
+  <p:tag name="KSO_WM_UNIT_INDEX" val="1_1"/>
   <p:tag name="KSO_WM_DIAGRAM_VERSION" val="3"/>
   <p:tag name="KSO_WM_DIAGRAM_COLOR_TRICK" val="1"/>
   <p:tag name="KSO_WM_DIAGRAM_COLOR_TEXT_CAN_REMOVE" val="n"/>
   <p:tag name="KSO_WM_DIAGRAM_MAX_ITEMCNT" val="6"/>
   <p:tag name="KSO_WM_DIAGRAM_MIN_ITEMCNT" val="2"/>
   <p:tag name="KSO_WM_DIAGRAM_VIRTUALLY_FRAME" val="{&quot;height&quot;:322.2532958984375,&quot;left&quot;:81.46551181102362,&quot;top&quot;:154.38004496416707,&quot;width&quot;:797.0689763779527}"/>
-  <p:tag name="KSO_WM_DIAGRAM_COLOR_MATCH_VALUE" val="{&quot;shape&quot;:{&quot;fill&quot;:{&quot;type&quot;:0},&quot;glow&quot;:{&quot;colorType&quot;:0},&quot;line&quot;:{&quot;type&quot;:0},&quot;shadow&quot;:{&quot;colorType&quot;:0},&quot;threeD&quot;:{&quot;curvedSurface&quot;:{&quot;brightness&quot;:0,&quot;colorType&quot;:2,&quot;rgb&quot;:&quot;#000000&quot;},&quot;depth&quot;:{&quot;colorType&quot;:0}}},&quot;text&quot;:{&quot;fill&quot;:{&quot;solid&quot;:{&quot;brightness&quot;:0,&quot;colorType&quot;:1,&quot;foreColorIndex&quot;:5,&quot;transparency&quot;:0},&quot;type&quot;:1},&quot;glow&quot;:{&quot;colorType&quot;:0},&quot;line&quot;:{&quot;type&quot;:0},&quot;shadow&quot;:{&quot;colorType&quot;:0},&quot;threeD&quot;:{&quot;curvedSurface&quot;:{&quot;brightness&quot;:0,&quot;colorType&quot;:2,&quot;rgb&quot;:&quot;#000000&quot;},&quot;depth&quot;:{&quot;colorType&quot;:0}}}}"/>
-  <p:tag name="KSO_WM_UNIT_PRESET_TEXT" val="项标题"/>
-  <p:tag name="KSO_WM_UNIT_TEXT_FILL_FORE_SCHEMECOLOR_INDEX" val="1"/>
+  <p:tag name="KSO_WM_DIAGRAM_COLOR_MATCH_VALUE" val="{&quot;shape&quot;:{&quot;fill&quot;:{&quot;gradient&quot;:[{&quot;brightness&quot;:0,&quot;colorType&quot;:1,&quot;foreColorIndex&quot;:5,&quot;pos&quot;:0,&quot;transparency&quot;:0.8500000238418579},{&quot;brightness&quot;:0,&quot;colorType&quot;:1,&quot;foreColorIndex&quot;:5,&quot;pos&quot;:1,&quot;transparency&quot;:1}],&quot;type&quot;:3},&quot;glow&quot;:{&quot;colorType&quot;:0},&quot;line&quot;:{&quot;gradient&quot;:[{&quot;brightness&quot;:0,&quot;colorType&quot;:1,&quot;foreColorIndex&quot;:5,&quot;pos&quot;:0,&quot;transparency&quot;:0},{&quot;brightness&quot;:0,&quot;colorType&quot;:1,&quot;foreColorIndex&quot;:5,&quot;pos&quot;:0.8700000047683716,&quot;transparency&quot;:1}],&quot;type&quot;:2},&quot;shadow&quot;:{&quot;colorType&quot;:0},&quot;threeD&quot;:{&quot;curvedSurface&quot;:{&quot;brightness&quot;:0,&quot;colorType&quot;:2,&quot;rgb&quot;:&quot;#000000&quot;},&quot;depth&quot;:{&quot;colorType&quot;:0}}},&quot;text&quot;:{&quot;fill&quot;:{&quot;solid&quot;:{&quot;brightness&quot;:0,&quot;colorType&quot;:1,&quot;foreColorIndex&quot;:2,&quot;transparency&quot;:0},&quot;type&quot;:1},&quot;glow&quot;:{&quot;colorType&quot;:0},&quot;line&quot;:{&quot;type&quot;:0},&quot;shadow&quot;:{&quot;colorType&quot;:0},&quot;threeD&quot;:{&quot;curvedSurface&quot;:{&quot;brightness&quot;:0,&quot;colorType&quot;:2,&quot;rgb&quot;:&quot;#000000&quot;},&quot;depth&quot;:{&quot;colorType&quot;:0}}}}"/>
+  <p:tag name="KSO_WM_UNIT_FILL_TYPE" val="3"/>
+  <p:tag name="KSO_WM_UNIT_LINE_FORE_SCHEMECOLOR_INDEX_1_BRIGHTNESS" val="0"/>
+  <p:tag name="KSO_WM_UNIT_LINE_FORE_SCHEMECOLOR_INDEX_1" val="5"/>
+  <p:tag name="KSO_WM_UNIT_LINE_FORE_SCHEMECOLOR_INDEX_1_POS" val="0"/>
+  <p:tag name="KSO_WM_UNIT_LINE_FORE_SCHEMECOLOR_INDEX_1_TRANS" val="0"/>
+  <p:tag name="KSO_WM_UNIT_LINE_FORE_SCHEMECOLOR_INDEX_2_BRIGHTNESS" val="0"/>
+  <p:tag name="KSO_WM_UNIT_LINE_FORE_SCHEMECOLOR_INDEX_2" val="5"/>
+  <p:tag name="KSO_WM_UNIT_LINE_FORE_SCHEMECOLOR_INDEX_2_POS" val="0.87"/>
+  <p:tag name="KSO_WM_UNIT_LINE_FORE_SCHEMECOLOR_INDEX_2_TRANS" val="1"/>
+  <p:tag name="KSO_WM_UNIT_LINE_GRADIENT_TYPE" val="0"/>
+  <p:tag name="KSO_WM_UNIT_LINE_GRADIENT_ANGLE" val="90"/>
+  <p:tag name="KSO_WM_UNIT_LINE_GRADIENT_DIRECTION" val="1"/>
+  <p:tag name="KSO_WM_UNIT_LINE_FILL_TYPE" val="5"/>
+  <p:tag name="KSO_WM_UNIT_TEXT_FILL_FORE_SCHEMECOLOR_INDEX_BRIGHTNESS" val="0"/>
+  <p:tag name="KSO_WM_UNIT_TEXT_FILL_FORE_SCHEMECOLOR_INDEX" val="2"/>
   <p:tag name="KSO_WM_UNIT_TEXT_FILL_TYPE" val="1"/>
   <p:tag name="KSO_WM_UNIT_USESOURCEFORMAT_APPLY" val="1"/>
 </p:tagLst>
@@ -27381,34 +29041,38 @@
   <p:tag name="KSO_WM_UNIT_COMPATIBLE" val="0"/>
   <p:tag name="KSO_WM_UNIT_DIAGRAM_ISNUMVISUAL" val="0"/>
   <p:tag name="KSO_WM_UNIT_DIAGRAM_ISREFERUNIT" val="0"/>
-  <p:tag name="KSO_WM_UNIT_ID" val="diagram20231731_4*l_h_i*1_4_3"/>
+  <p:tag name="KSO_WM_UNIT_ID" val="diagram20231731_4*l_i*1_1"/>
   <p:tag name="KSO_WM_TEMPLATE_CATEGORY" val="diagram"/>
   <p:tag name="KSO_WM_TEMPLATE_INDEX" val="20231731"/>
-  <p:tag name="KSO_WM_UNIT_LAYERLEVEL" val="1_1_1"/>
+  <p:tag name="KSO_WM_UNIT_LAYERLEVEL" val="1_1"/>
   <p:tag name="KSO_WM_TAG_VERSION" val="3.0"/>
   <p:tag name="KSO_WM_BEAUTIFY_FLAG" val="#wm#"/>
   <p:tag name="KSO_WM_DIAGRAM_GROUP_CODE" val="l1-1"/>
-  <p:tag name="KSO_WM_UNIT_TYPE" val="l_h_i"/>
-  <p:tag name="KSO_WM_UNIT_INDEX" val="1_4_3"/>
+  <p:tag name="KSO_WM_UNIT_TYPE" val="l_i"/>
+  <p:tag name="KSO_WM_UNIT_INDEX" val="1_1"/>
   <p:tag name="KSO_WM_DIAGRAM_VERSION" val="3"/>
   <p:tag name="KSO_WM_DIAGRAM_COLOR_TRICK" val="1"/>
   <p:tag name="KSO_WM_DIAGRAM_COLOR_TEXT_CAN_REMOVE" val="n"/>
   <p:tag name="KSO_WM_DIAGRAM_MAX_ITEMCNT" val="6"/>
   <p:tag name="KSO_WM_DIAGRAM_MIN_ITEMCNT" val="2"/>
   <p:tag name="KSO_WM_DIAGRAM_VIRTUALLY_FRAME" val="{&quot;height&quot;:322.2532958984375,&quot;left&quot;:81.46551181102362,&quot;top&quot;:154.38004496416707,&quot;width&quot;:797.0689763779527}"/>
-  <p:tag name="KSO_WM_DIAGRAM_COLOR_MATCH_VALUE" val="{&quot;shape&quot;:{&quot;fill&quot;:{&quot;type&quot;:0},&quot;glow&quot;:{&quot;colorType&quot;:0},&quot;line&quot;:{&quot;gradient&quot;:[{&quot;brightness&quot;:0,&quot;colorType&quot;:1,&quot;foreColorIndex&quot;:5,&quot;pos&quot;:0,&quot;transparency&quot;:1},{&quot;brightness&quot;:0,&quot;colorType&quot;:1,&quot;foreColorIndex&quot;:5,&quot;pos&quot;:1,&quot;transparency&quot;:0}],&quot;type&quot;:2},&quot;shadow&quot;:{&quot;colorType&quot;:0},&quot;threeD&quot;:{&quot;curvedSurface&quot;:{&quot;brightness&quot;:0,&quot;colorType&quot;:2,&quot;rgb&quot;:&quot;#000000&quot;},&quot;depth&quot;:{&quot;colorType&quot;:0}}},&quot;text&quot;:{&quot;fill&quot;:{},&quot;glow&quot;:{},&quot;line&quot;:{},&quot;shadow&quot;:{},&quot;threeD&quot;:{}}}"/>
+  <p:tag name="KSO_WM_DIAGRAM_COLOR_MATCH_VALUE" val="{&quot;shape&quot;:{&quot;fill&quot;:{&quot;gradient&quot;:[{&quot;brightness&quot;:0,&quot;colorType&quot;:1,&quot;foreColorIndex&quot;:5,&quot;pos&quot;:0,&quot;transparency&quot;:0.8500000238418579},{&quot;brightness&quot;:0,&quot;colorType&quot;:1,&quot;foreColorIndex&quot;:5,&quot;pos&quot;:1,&quot;transparency&quot;:1}],&quot;type&quot;:3},&quot;glow&quot;:{&quot;colorType&quot;:0},&quot;line&quot;:{&quot;gradient&quot;:[{&quot;brightness&quot;:0,&quot;colorType&quot;:1,&quot;foreColorIndex&quot;:5,&quot;pos&quot;:0,&quot;transparency&quot;:0},{&quot;brightness&quot;:0,&quot;colorType&quot;:1,&quot;foreColorIndex&quot;:5,&quot;pos&quot;:0.8700000047683716,&quot;transparency&quot;:1}],&quot;type&quot;:2},&quot;shadow&quot;:{&quot;colorType&quot;:0},&quot;threeD&quot;:{&quot;curvedSurface&quot;:{&quot;brightness&quot;:0,&quot;colorType&quot;:2,&quot;rgb&quot;:&quot;#000000&quot;},&quot;depth&quot;:{&quot;colorType&quot;:0}}},&quot;text&quot;:{&quot;fill&quot;:{&quot;solid&quot;:{&quot;brightness&quot;:0,&quot;colorType&quot;:1,&quot;foreColorIndex&quot;:2,&quot;transparency&quot;:0},&quot;type&quot;:1},&quot;glow&quot;:{&quot;colorType&quot;:0},&quot;line&quot;:{&quot;type&quot;:0},&quot;shadow&quot;:{&quot;colorType&quot;:0},&quot;threeD&quot;:{&quot;curvedSurface&quot;:{&quot;brightness&quot;:0,&quot;colorType&quot;:2,&quot;rgb&quot;:&quot;#000000&quot;},&quot;depth&quot;:{&quot;colorType&quot;:0}}}}"/>
+  <p:tag name="KSO_WM_UNIT_FILL_TYPE" val="3"/>
   <p:tag name="KSO_WM_UNIT_LINE_FORE_SCHEMECOLOR_INDEX_1_BRIGHTNESS" val="0"/>
   <p:tag name="KSO_WM_UNIT_LINE_FORE_SCHEMECOLOR_INDEX_1" val="5"/>
   <p:tag name="KSO_WM_UNIT_LINE_FORE_SCHEMECOLOR_INDEX_1_POS" val="0"/>
-  <p:tag name="KSO_WM_UNIT_LINE_FORE_SCHEMECOLOR_INDEX_1_TRANS" val="1"/>
+  <p:tag name="KSO_WM_UNIT_LINE_FORE_SCHEMECOLOR_INDEX_1_TRANS" val="0"/>
   <p:tag name="KSO_WM_UNIT_LINE_FORE_SCHEMECOLOR_INDEX_2_BRIGHTNESS" val="0"/>
   <p:tag name="KSO_WM_UNIT_LINE_FORE_SCHEMECOLOR_INDEX_2" val="5"/>
-  <p:tag name="KSO_WM_UNIT_LINE_FORE_SCHEMECOLOR_INDEX_2_POS" val="1"/>
-  <p:tag name="KSO_WM_UNIT_LINE_FORE_SCHEMECOLOR_INDEX_2_TRANS" val="0"/>
+  <p:tag name="KSO_WM_UNIT_LINE_FORE_SCHEMECOLOR_INDEX_2_POS" val="0.87"/>
+  <p:tag name="KSO_WM_UNIT_LINE_FORE_SCHEMECOLOR_INDEX_2_TRANS" val="1"/>
   <p:tag name="KSO_WM_UNIT_LINE_GRADIENT_TYPE" val="0"/>
-  <p:tag name="KSO_WM_UNIT_LINE_GRADIENT_ANGLE" val="270"/>
-  <p:tag name="KSO_WM_UNIT_LINE_GRADIENT_DIRECTION" val="6"/>
+  <p:tag name="KSO_WM_UNIT_LINE_GRADIENT_ANGLE" val="90"/>
+  <p:tag name="KSO_WM_UNIT_LINE_GRADIENT_DIRECTION" val="1"/>
   <p:tag name="KSO_WM_UNIT_LINE_FILL_TYPE" val="5"/>
+  <p:tag name="KSO_WM_UNIT_TEXT_FILL_FORE_SCHEMECOLOR_INDEX_BRIGHTNESS" val="0"/>
+  <p:tag name="KSO_WM_UNIT_TEXT_FILL_FORE_SCHEMECOLOR_INDEX" val="2"/>
+  <p:tag name="KSO_WM_UNIT_TEXT_FILL_TYPE" val="1"/>
   <p:tag name="KSO_WM_UNIT_USESOURCEFORMAT_APPLY" val="1"/>
 </p:tagLst>
 </file>
@@ -27419,27 +29083,35 @@
   <p:tag name="KSO_WM_UNIT_COMPATIBLE" val="0"/>
   <p:tag name="KSO_WM_UNIT_DIAGRAM_ISNUMVISUAL" val="0"/>
   <p:tag name="KSO_WM_UNIT_DIAGRAM_ISREFERUNIT" val="0"/>
-  <p:tag name="KSO_WM_UNIT_ID" val="diagram20231731_4*l_h_i*1_3_1"/>
+  <p:tag name="KSO_WM_UNIT_ID" val="diagram20231731_4*l_i*1_1"/>
   <p:tag name="KSO_WM_TEMPLATE_CATEGORY" val="diagram"/>
   <p:tag name="KSO_WM_TEMPLATE_INDEX" val="20231731"/>
-  <p:tag name="KSO_WM_UNIT_LAYERLEVEL" val="1_1_1"/>
+  <p:tag name="KSO_WM_UNIT_LAYERLEVEL" val="1_1"/>
   <p:tag name="KSO_WM_TAG_VERSION" val="3.0"/>
   <p:tag name="KSO_WM_BEAUTIFY_FLAG" val="#wm#"/>
   <p:tag name="KSO_WM_DIAGRAM_GROUP_CODE" val="l1-1"/>
-  <p:tag name="KSO_WM_UNIT_TYPE" val="l_h_i"/>
-  <p:tag name="KSO_WM_UNIT_INDEX" val="1_3_1"/>
+  <p:tag name="KSO_WM_UNIT_TYPE" val="l_i"/>
+  <p:tag name="KSO_WM_UNIT_INDEX" val="1_1"/>
   <p:tag name="KSO_WM_DIAGRAM_VERSION" val="3"/>
   <p:tag name="KSO_WM_DIAGRAM_COLOR_TRICK" val="1"/>
   <p:tag name="KSO_WM_DIAGRAM_COLOR_TEXT_CAN_REMOVE" val="n"/>
   <p:tag name="KSO_WM_DIAGRAM_MAX_ITEMCNT" val="6"/>
   <p:tag name="KSO_WM_DIAGRAM_MIN_ITEMCNT" val="2"/>
   <p:tag name="KSO_WM_DIAGRAM_VIRTUALLY_FRAME" val="{&quot;height&quot;:322.2532958984375,&quot;left&quot;:81.46551181102362,&quot;top&quot;:154.38004496416707,&quot;width&quot;:797.0689763779527}"/>
-  <p:tag name="KSO_WM_DIAGRAM_COLOR_MATCH_VALUE" val="{&quot;shape&quot;:{&quot;fill&quot;:{&quot;solid&quot;:{&quot;brightness&quot;:0,&quot;colorType&quot;:2,&quot;rgb&quot;:&quot;#ffffff&quot;,&quot;transparency&quot;:0},&quot;type&quot;:1},&quot;glow&quot;:{&quot;colorType&quot;:0},&quot;line&quot;:{&quot;solidLine&quot;:{&quot;brightness&quot;:0,&quot;colorType&quot;:1,&quot;foreColorIndex&quot;:5,&quot;transparency&quot;:0},&quot;type&quot;:1},&quot;shadow&quot;:{&quot;brightness&quot;:-0.25,&quot;colorType&quot;:1,&quot;foreColorIndex&quot;:5,&quot;transparency&quot;:0.6000000238418579},&quot;threeD&quot;:{&quot;curvedSurface&quot;:{&quot;brightness&quot;:0,&quot;colorType&quot;:2,&quot;rgb&quot;:&quot;#000000&quot;},&quot;depth&quot;:{&quot;colorType&quot;:0}}},&quot;text&quot;:{&quot;fill&quot;:{&quot;solid&quot;:{&quot;brightness&quot;:0,&quot;colorType&quot;:1,&quot;foreColorIndex&quot;:2,&quot;transparency&quot;:0},&quot;type&quot;:1},&quot;glow&quot;:{&quot;colorType&quot;:0},&quot;line&quot;:{&quot;type&quot;:0},&quot;shadow&quot;:{&quot;colorType&quot;:0},&quot;threeD&quot;:{&quot;curvedSurface&quot;:{&quot;brightness&quot;:0,&quot;colorType&quot;:2,&quot;rgb&quot;:&quot;#000000&quot;},&quot;depth&quot;:{&quot;colorType&quot;:0}}}}"/>
-  <p:tag name="KSO_WM_UNIT_LINE_FORE_SCHEMECOLOR_INDEX" val="5"/>
-  <p:tag name="KSO_WM_UNIT_LINE_FORE_SCHEMECOLOR_INDEX_BRIGHTNESS" val="0"/>
-  <p:tag name="KSO_WM_UNIT_LINE_FILL_TYPE" val="2"/>
-  <p:tag name="KSO_WM_UNIT_SHADOW_SCHEMECOLOR_INDEX_BRIGHTNESS" val="-0.25"/>
-  <p:tag name="KSO_WM_UNIT_SHADOW_SCHEMECOLOR_INDEX" val="5"/>
+  <p:tag name="KSO_WM_DIAGRAM_COLOR_MATCH_VALUE" val="{&quot;shape&quot;:{&quot;fill&quot;:{&quot;gradient&quot;:[{&quot;brightness&quot;:0,&quot;colorType&quot;:1,&quot;foreColorIndex&quot;:5,&quot;pos&quot;:0,&quot;transparency&quot;:0.8500000238418579},{&quot;brightness&quot;:0,&quot;colorType&quot;:1,&quot;foreColorIndex&quot;:5,&quot;pos&quot;:1,&quot;transparency&quot;:1}],&quot;type&quot;:3},&quot;glow&quot;:{&quot;colorType&quot;:0},&quot;line&quot;:{&quot;gradient&quot;:[{&quot;brightness&quot;:0,&quot;colorType&quot;:1,&quot;foreColorIndex&quot;:5,&quot;pos&quot;:0,&quot;transparency&quot;:0},{&quot;brightness&quot;:0,&quot;colorType&quot;:1,&quot;foreColorIndex&quot;:5,&quot;pos&quot;:0.8700000047683716,&quot;transparency&quot;:1}],&quot;type&quot;:2},&quot;shadow&quot;:{&quot;colorType&quot;:0},&quot;threeD&quot;:{&quot;curvedSurface&quot;:{&quot;brightness&quot;:0,&quot;colorType&quot;:2,&quot;rgb&quot;:&quot;#000000&quot;},&quot;depth&quot;:{&quot;colorType&quot;:0}}},&quot;text&quot;:{&quot;fill&quot;:{&quot;solid&quot;:{&quot;brightness&quot;:0,&quot;colorType&quot;:1,&quot;foreColorIndex&quot;:2,&quot;transparency&quot;:0},&quot;type&quot;:1},&quot;glow&quot;:{&quot;colorType&quot;:0},&quot;line&quot;:{&quot;type&quot;:0},&quot;shadow&quot;:{&quot;colorType&quot;:0},&quot;threeD&quot;:{&quot;curvedSurface&quot;:{&quot;brightness&quot;:0,&quot;colorType&quot;:2,&quot;rgb&quot;:&quot;#000000&quot;},&quot;depth&quot;:{&quot;colorType&quot;:0}}}}"/>
+  <p:tag name="KSO_WM_UNIT_FILL_TYPE" val="3"/>
+  <p:tag name="KSO_WM_UNIT_LINE_FORE_SCHEMECOLOR_INDEX_1_BRIGHTNESS" val="0"/>
+  <p:tag name="KSO_WM_UNIT_LINE_FORE_SCHEMECOLOR_INDEX_1" val="5"/>
+  <p:tag name="KSO_WM_UNIT_LINE_FORE_SCHEMECOLOR_INDEX_1_POS" val="0"/>
+  <p:tag name="KSO_WM_UNIT_LINE_FORE_SCHEMECOLOR_INDEX_1_TRANS" val="0"/>
+  <p:tag name="KSO_WM_UNIT_LINE_FORE_SCHEMECOLOR_INDEX_2_BRIGHTNESS" val="0"/>
+  <p:tag name="KSO_WM_UNIT_LINE_FORE_SCHEMECOLOR_INDEX_2" val="5"/>
+  <p:tag name="KSO_WM_UNIT_LINE_FORE_SCHEMECOLOR_INDEX_2_POS" val="0.87"/>
+  <p:tag name="KSO_WM_UNIT_LINE_FORE_SCHEMECOLOR_INDEX_2_TRANS" val="1"/>
+  <p:tag name="KSO_WM_UNIT_LINE_GRADIENT_TYPE" val="0"/>
+  <p:tag name="KSO_WM_UNIT_LINE_GRADIENT_ANGLE" val="90"/>
+  <p:tag name="KSO_WM_UNIT_LINE_GRADIENT_DIRECTION" val="1"/>
+  <p:tag name="KSO_WM_UNIT_LINE_FILL_TYPE" val="5"/>
   <p:tag name="KSO_WM_UNIT_TEXT_FILL_FORE_SCHEMECOLOR_INDEX_BRIGHTNESS" val="0"/>
   <p:tag name="KSO_WM_UNIT_TEXT_FILL_FORE_SCHEMECOLOR_INDEX" val="2"/>
   <p:tag name="KSO_WM_UNIT_TEXT_FILL_TYPE" val="1"/>
@@ -27453,23 +29125,35 @@
   <p:tag name="KSO_WM_UNIT_COMPATIBLE" val="0"/>
   <p:tag name="KSO_WM_UNIT_DIAGRAM_ISNUMVISUAL" val="0"/>
   <p:tag name="KSO_WM_UNIT_DIAGRAM_ISREFERUNIT" val="0"/>
-  <p:tag name="KSO_WM_UNIT_ID" val="diagram20231731_4*l_h_i*1_3_2"/>
+  <p:tag name="KSO_WM_UNIT_ID" val="diagram20231731_4*l_i*1_1"/>
   <p:tag name="KSO_WM_TEMPLATE_CATEGORY" val="diagram"/>
   <p:tag name="KSO_WM_TEMPLATE_INDEX" val="20231731"/>
-  <p:tag name="KSO_WM_UNIT_LAYERLEVEL" val="1_1_1"/>
+  <p:tag name="KSO_WM_UNIT_LAYERLEVEL" val="1_1"/>
   <p:tag name="KSO_WM_TAG_VERSION" val="3.0"/>
   <p:tag name="KSO_WM_BEAUTIFY_FLAG" val="#wm#"/>
   <p:tag name="KSO_WM_DIAGRAM_GROUP_CODE" val="l1-1"/>
-  <p:tag name="KSO_WM_UNIT_TYPE" val="l_h_i"/>
-  <p:tag name="KSO_WM_UNIT_INDEX" val="1_3_2"/>
+  <p:tag name="KSO_WM_UNIT_TYPE" val="l_i"/>
+  <p:tag name="KSO_WM_UNIT_INDEX" val="1_1"/>
   <p:tag name="KSO_WM_DIAGRAM_VERSION" val="3"/>
   <p:tag name="KSO_WM_DIAGRAM_COLOR_TRICK" val="1"/>
   <p:tag name="KSO_WM_DIAGRAM_COLOR_TEXT_CAN_REMOVE" val="n"/>
   <p:tag name="KSO_WM_DIAGRAM_MAX_ITEMCNT" val="6"/>
   <p:tag name="KSO_WM_DIAGRAM_MIN_ITEMCNT" val="2"/>
   <p:tag name="KSO_WM_DIAGRAM_VIRTUALLY_FRAME" val="{&quot;height&quot;:322.2532958984375,&quot;left&quot;:81.46551181102362,&quot;top&quot;:154.38004496416707,&quot;width&quot;:797.0689763779527}"/>
-  <p:tag name="KSO_WM_DIAGRAM_COLOR_MATCH_VALUE" val="{&quot;shape&quot;:{&quot;fill&quot;:{&quot;gradient&quot;:[{&quot;brightness&quot;:-0.25,&quot;colorType&quot;:1,&quot;foreColorIndex&quot;:5,&quot;pos&quot;:0.009999999776482582,&quot;transparency&quot;:0},{&quot;brightness&quot;:0,&quot;colorType&quot;:1,&quot;foreColorIndex&quot;:5,&quot;pos&quot;:1,&quot;transparency&quot;:0}],&quot;type&quot;:3},&quot;glow&quot;:{&quot;colorType&quot;:0},&quot;line&quot;:{&quot;type&quot;:0},&quot;shadow&quot;:{&quot;colorType&quot;:0},&quot;threeD&quot;:{&quot;curvedSurface&quot;:{&quot;brightness&quot;:0,&quot;colorType&quot;:2,&quot;rgb&quot;:&quot;#000000&quot;},&quot;depth&quot;:{&quot;colorType&quot;:0}}},&quot;text&quot;:{&quot;fill&quot;:{&quot;solid&quot;:{&quot;brightness&quot;:0,&quot;colorType&quot;:1,&quot;foreColorIndex&quot;:2,&quot;transparency&quot;:0},&quot;type&quot;:1},&quot;glow&quot;:{&quot;colorType&quot;:0},&quot;line&quot;:{&quot;type&quot;:0},&quot;shadow&quot;:{&quot;colorType&quot;:0},&quot;threeD&quot;:{&quot;curvedSurface&quot;:{&quot;brightness&quot;:0,&quot;colorType&quot;:2,&quot;rgb&quot;:&quot;#000000&quot;},&quot;depth&quot;:{&quot;colorType&quot;:0}}}}"/>
+  <p:tag name="KSO_WM_DIAGRAM_COLOR_MATCH_VALUE" val="{&quot;shape&quot;:{&quot;fill&quot;:{&quot;gradient&quot;:[{&quot;brightness&quot;:0,&quot;colorType&quot;:1,&quot;foreColorIndex&quot;:5,&quot;pos&quot;:0,&quot;transparency&quot;:0.8500000238418579},{&quot;brightness&quot;:0,&quot;colorType&quot;:1,&quot;foreColorIndex&quot;:5,&quot;pos&quot;:1,&quot;transparency&quot;:1}],&quot;type&quot;:3},&quot;glow&quot;:{&quot;colorType&quot;:0},&quot;line&quot;:{&quot;gradient&quot;:[{&quot;brightness&quot;:0,&quot;colorType&quot;:1,&quot;foreColorIndex&quot;:5,&quot;pos&quot;:0,&quot;transparency&quot;:0},{&quot;brightness&quot;:0,&quot;colorType&quot;:1,&quot;foreColorIndex&quot;:5,&quot;pos&quot;:0.8700000047683716,&quot;transparency&quot;:1}],&quot;type&quot;:2},&quot;shadow&quot;:{&quot;colorType&quot;:0},&quot;threeD&quot;:{&quot;curvedSurface&quot;:{&quot;brightness&quot;:0,&quot;colorType&quot;:2,&quot;rgb&quot;:&quot;#000000&quot;},&quot;depth&quot;:{&quot;colorType&quot;:0}}},&quot;text&quot;:{&quot;fill&quot;:{&quot;solid&quot;:{&quot;brightness&quot;:0,&quot;colorType&quot;:1,&quot;foreColorIndex&quot;:2,&quot;transparency&quot;:0},&quot;type&quot;:1},&quot;glow&quot;:{&quot;colorType&quot;:0},&quot;line&quot;:{&quot;type&quot;:0},&quot;shadow&quot;:{&quot;colorType&quot;:0},&quot;threeD&quot;:{&quot;curvedSurface&quot;:{&quot;brightness&quot;:0,&quot;colorType&quot;:2,&quot;rgb&quot;:&quot;#000000&quot;},&quot;depth&quot;:{&quot;colorType&quot;:0}}}}"/>
   <p:tag name="KSO_WM_UNIT_FILL_TYPE" val="3"/>
+  <p:tag name="KSO_WM_UNIT_LINE_FORE_SCHEMECOLOR_INDEX_1_BRIGHTNESS" val="0"/>
+  <p:tag name="KSO_WM_UNIT_LINE_FORE_SCHEMECOLOR_INDEX_1" val="5"/>
+  <p:tag name="KSO_WM_UNIT_LINE_FORE_SCHEMECOLOR_INDEX_1_POS" val="0"/>
+  <p:tag name="KSO_WM_UNIT_LINE_FORE_SCHEMECOLOR_INDEX_1_TRANS" val="0"/>
+  <p:tag name="KSO_WM_UNIT_LINE_FORE_SCHEMECOLOR_INDEX_2_BRIGHTNESS" val="0"/>
+  <p:tag name="KSO_WM_UNIT_LINE_FORE_SCHEMECOLOR_INDEX_2" val="5"/>
+  <p:tag name="KSO_WM_UNIT_LINE_FORE_SCHEMECOLOR_INDEX_2_POS" val="0.87"/>
+  <p:tag name="KSO_WM_UNIT_LINE_FORE_SCHEMECOLOR_INDEX_2_TRANS" val="1"/>
+  <p:tag name="KSO_WM_UNIT_LINE_GRADIENT_TYPE" val="0"/>
+  <p:tag name="KSO_WM_UNIT_LINE_GRADIENT_ANGLE" val="90"/>
+  <p:tag name="KSO_WM_UNIT_LINE_GRADIENT_DIRECTION" val="1"/>
+  <p:tag name="KSO_WM_UNIT_LINE_FILL_TYPE" val="5"/>
   <p:tag name="KSO_WM_UNIT_TEXT_FILL_FORE_SCHEMECOLOR_INDEX_BRIGHTNESS" val="0"/>
   <p:tag name="KSO_WM_UNIT_TEXT_FILL_FORE_SCHEMECOLOR_INDEX" val="2"/>
   <p:tag name="KSO_WM_UNIT_TEXT_FILL_TYPE" val="1"/>
@@ -27479,32 +29163,41 @@
 
 <file path=ppt/tags/tag106.xml><?xml version="1.0" encoding="utf-8"?>
 <p:tagLst xmlns:a="http://schemas.openxmlformats.org/drawingml/2006/main" xmlns:r="http://schemas.openxmlformats.org/officeDocument/2006/relationships" xmlns:p="http://schemas.openxmlformats.org/presentationml/2006/main">
-  <p:tag name="KSO_WM_UNIT_SUBTYPE" val="a"/>
-  <p:tag name="KSO_WM_UNIT_NOCLEAR" val="0"/>
-  <p:tag name="KSO_WM_UNIT_VALUE" val="60"/>
   <p:tag name="KSO_WM_UNIT_HIGHLIGHT" val="0"/>
   <p:tag name="KSO_WM_UNIT_COMPATIBLE" val="0"/>
   <p:tag name="KSO_WM_UNIT_DIAGRAM_ISNUMVISUAL" val="0"/>
   <p:tag name="KSO_WM_UNIT_DIAGRAM_ISREFERUNIT" val="0"/>
-  <p:tag name="KSO_WM_UNIT_TYPE" val="l_h_f"/>
-  <p:tag name="KSO_WM_UNIT_INDEX" val="1_3_1"/>
-  <p:tag name="KSO_WM_UNIT_ID" val="diagram20231731_4*l_h_f*1_3_1"/>
+  <p:tag name="KSO_WM_UNIT_ID" val="diagram20231731_4*l_i*1_1"/>
   <p:tag name="KSO_WM_TEMPLATE_CATEGORY" val="diagram"/>
   <p:tag name="KSO_WM_TEMPLATE_INDEX" val="20231731"/>
-  <p:tag name="KSO_WM_UNIT_LAYERLEVEL" val="1_1_1"/>
+  <p:tag name="KSO_WM_UNIT_LAYERLEVEL" val="1_1"/>
   <p:tag name="KSO_WM_TAG_VERSION" val="3.0"/>
   <p:tag name="KSO_WM_BEAUTIFY_FLAG" val="#wm#"/>
-  <p:tag name="KSO_WM_UNIT_TEXT_FILL_FORE_SCHEMECOLOR_INDEX_BRIGHTNESS" val="0.15"/>
   <p:tag name="KSO_WM_DIAGRAM_GROUP_CODE" val="l1-1"/>
+  <p:tag name="KSO_WM_UNIT_TYPE" val="l_i"/>
+  <p:tag name="KSO_WM_UNIT_INDEX" val="1_1"/>
   <p:tag name="KSO_WM_DIAGRAM_VERSION" val="3"/>
   <p:tag name="KSO_WM_DIAGRAM_COLOR_TRICK" val="1"/>
   <p:tag name="KSO_WM_DIAGRAM_COLOR_TEXT_CAN_REMOVE" val="n"/>
   <p:tag name="KSO_WM_DIAGRAM_MAX_ITEMCNT" val="6"/>
   <p:tag name="KSO_WM_DIAGRAM_MIN_ITEMCNT" val="2"/>
   <p:tag name="KSO_WM_DIAGRAM_VIRTUALLY_FRAME" val="{&quot;height&quot;:322.2532958984375,&quot;left&quot;:81.46551181102362,&quot;top&quot;:154.38004496416707,&quot;width&quot;:797.0689763779527}"/>
-  <p:tag name="KSO_WM_DIAGRAM_COLOR_MATCH_VALUE" val="{&quot;shape&quot;:{&quot;fill&quot;:{&quot;type&quot;:0},&quot;glow&quot;:{&quot;colorType&quot;:0},&quot;line&quot;:{&quot;type&quot;:0},&quot;shadow&quot;:{&quot;colorType&quot;:0},&quot;threeD&quot;:{&quot;curvedSurface&quot;:{&quot;brightness&quot;:0,&quot;colorType&quot;:2,&quot;rgb&quot;:&quot;#000000&quot;},&quot;depth&quot;:{&quot;colorType&quot;:0}}},&quot;text&quot;:{&quot;fill&quot;:{&quot;solid&quot;:{&quot;brightness&quot;:0.15000000596046448,&quot;colorType&quot;:1,&quot;foreColorIndex&quot;:13,&quot;transparency&quot;:0},&quot;type&quot;:1},&quot;glow&quot;:{&quot;colorType&quot;:0},&quot;line&quot;:{&quot;type&quot;:0},&quot;shadow&quot;:{&quot;colorType&quot;:0},&quot;threeD&quot;:{&quot;curvedSurface&quot;:{&quot;brightness&quot;:0,&quot;colorType&quot;:2,&quot;rgb&quot;:&quot;#000000&quot;},&quot;depth&quot;:{&quot;colorType&quot;:0}}}}"/>
-  <p:tag name="KSO_WM_UNIT_PRESET_TEXT" val="单击此处输入你的项正文"/>
-  <p:tag name="KSO_WM_UNIT_TEXT_FILL_FORE_SCHEMECOLOR_INDEX" val="1"/>
+  <p:tag name="KSO_WM_DIAGRAM_COLOR_MATCH_VALUE" val="{&quot;shape&quot;:{&quot;fill&quot;:{&quot;gradient&quot;:[{&quot;brightness&quot;:0,&quot;colorType&quot;:1,&quot;foreColorIndex&quot;:5,&quot;pos&quot;:0,&quot;transparency&quot;:0.8500000238418579},{&quot;brightness&quot;:0,&quot;colorType&quot;:1,&quot;foreColorIndex&quot;:5,&quot;pos&quot;:1,&quot;transparency&quot;:1}],&quot;type&quot;:3},&quot;glow&quot;:{&quot;colorType&quot;:0},&quot;line&quot;:{&quot;gradient&quot;:[{&quot;brightness&quot;:0,&quot;colorType&quot;:1,&quot;foreColorIndex&quot;:5,&quot;pos&quot;:0,&quot;transparency&quot;:0},{&quot;brightness&quot;:0,&quot;colorType&quot;:1,&quot;foreColorIndex&quot;:5,&quot;pos&quot;:0.8700000047683716,&quot;transparency&quot;:1}],&quot;type&quot;:2},&quot;shadow&quot;:{&quot;colorType&quot;:0},&quot;threeD&quot;:{&quot;curvedSurface&quot;:{&quot;brightness&quot;:0,&quot;colorType&quot;:2,&quot;rgb&quot;:&quot;#000000&quot;},&quot;depth&quot;:{&quot;colorType&quot;:0}}},&quot;text&quot;:{&quot;fill&quot;:{&quot;solid&quot;:{&quot;brightness&quot;:0,&quot;colorType&quot;:1,&quot;foreColorIndex&quot;:2,&quot;transparency&quot;:0},&quot;type&quot;:1},&quot;glow&quot;:{&quot;colorType&quot;:0},&quot;line&quot;:{&quot;type&quot;:0},&quot;shadow&quot;:{&quot;colorType&quot;:0},&quot;threeD&quot;:{&quot;curvedSurface&quot;:{&quot;brightness&quot;:0,&quot;colorType&quot;:2,&quot;rgb&quot;:&quot;#000000&quot;},&quot;depth&quot;:{&quot;colorType&quot;:0}}}}"/>
+  <p:tag name="KSO_WM_UNIT_FILL_TYPE" val="3"/>
+  <p:tag name="KSO_WM_UNIT_LINE_FORE_SCHEMECOLOR_INDEX_1_BRIGHTNESS" val="0"/>
+  <p:tag name="KSO_WM_UNIT_LINE_FORE_SCHEMECOLOR_INDEX_1" val="5"/>
+  <p:tag name="KSO_WM_UNIT_LINE_FORE_SCHEMECOLOR_INDEX_1_POS" val="0"/>
+  <p:tag name="KSO_WM_UNIT_LINE_FORE_SCHEMECOLOR_INDEX_1_TRANS" val="0"/>
+  <p:tag name="KSO_WM_UNIT_LINE_FORE_SCHEMECOLOR_INDEX_2_BRIGHTNESS" val="0"/>
+  <p:tag name="KSO_WM_UNIT_LINE_FORE_SCHEMECOLOR_INDEX_2" val="5"/>
+  <p:tag name="KSO_WM_UNIT_LINE_FORE_SCHEMECOLOR_INDEX_2_POS" val="0.87"/>
+  <p:tag name="KSO_WM_UNIT_LINE_FORE_SCHEMECOLOR_INDEX_2_TRANS" val="1"/>
+  <p:tag name="KSO_WM_UNIT_LINE_GRADIENT_TYPE" val="0"/>
+  <p:tag name="KSO_WM_UNIT_LINE_GRADIENT_ANGLE" val="90"/>
+  <p:tag name="KSO_WM_UNIT_LINE_GRADIENT_DIRECTION" val="1"/>
+  <p:tag name="KSO_WM_UNIT_LINE_FILL_TYPE" val="5"/>
+  <p:tag name="KSO_WM_UNIT_TEXT_FILL_FORE_SCHEMECOLOR_INDEX_BRIGHTNESS" val="0"/>
+  <p:tag name="KSO_WM_UNIT_TEXT_FILL_FORE_SCHEMECOLOR_INDEX" val="2"/>
   <p:tag name="KSO_WM_UNIT_TEXT_FILL_TYPE" val="1"/>
   <p:tag name="KSO_WM_UNIT_USESOURCEFORMAT_APPLY" val="1"/>
 </p:tagLst>
@@ -27512,77 +29205,47 @@
 
 <file path=ppt/tags/tag107.xml><?xml version="1.0" encoding="utf-8"?>
 <p:tagLst xmlns:a="http://schemas.openxmlformats.org/drawingml/2006/main" xmlns:r="http://schemas.openxmlformats.org/officeDocument/2006/relationships" xmlns:p="http://schemas.openxmlformats.org/presentationml/2006/main">
-  <p:tag name="KSO_WM_UNIT_ISCONTENTSTITLE" val="0"/>
-  <p:tag name="KSO_WM_UNIT_ISNUMDGMTITLE" val="0"/>
-  <p:tag name="KSO_WM_UNIT_NOCLEAR" val="0"/>
-  <p:tag name="KSO_WM_UNIT_VALUE" val="10"/>
   <p:tag name="KSO_WM_UNIT_HIGHLIGHT" val="0"/>
   <p:tag name="KSO_WM_UNIT_COMPATIBLE" val="0"/>
   <p:tag name="KSO_WM_UNIT_DIAGRAM_ISNUMVISUAL" val="0"/>
   <p:tag name="KSO_WM_UNIT_DIAGRAM_ISREFERUNIT" val="0"/>
-  <p:tag name="KSO_WM_UNIT_TYPE" val="l_h_a"/>
-  <p:tag name="KSO_WM_UNIT_INDEX" val="1_3_1"/>
-  <p:tag name="KSO_WM_UNIT_ID" val="diagram20231731_4*l_h_a*1_3_1"/>
+  <p:tag name="KSO_WM_UNIT_ID" val="diagram20231731_4*l_i*1_1"/>
   <p:tag name="KSO_WM_TEMPLATE_CATEGORY" val="diagram"/>
   <p:tag name="KSO_WM_TEMPLATE_INDEX" val="20231731"/>
-  <p:tag name="KSO_WM_UNIT_LAYERLEVEL" val="1_1_1"/>
+  <p:tag name="KSO_WM_UNIT_LAYERLEVEL" val="1_1"/>
   <p:tag name="KSO_WM_TAG_VERSION" val="3.0"/>
   <p:tag name="KSO_WM_BEAUTIFY_FLAG" val="#wm#"/>
-  <p:tag name="KSO_WM_UNIT_TEXT_FILL_FORE_SCHEMECOLOR_INDEX_BRIGHTNESS" val="0.15"/>
   <p:tag name="KSO_WM_DIAGRAM_GROUP_CODE" val="l1-1"/>
+  <p:tag name="KSO_WM_UNIT_TYPE" val="l_i"/>
+  <p:tag name="KSO_WM_UNIT_INDEX" val="1_1"/>
   <p:tag name="KSO_WM_DIAGRAM_VERSION" val="3"/>
   <p:tag name="KSO_WM_DIAGRAM_COLOR_TRICK" val="1"/>
   <p:tag name="KSO_WM_DIAGRAM_COLOR_TEXT_CAN_REMOVE" val="n"/>
   <p:tag name="KSO_WM_DIAGRAM_MAX_ITEMCNT" val="6"/>
   <p:tag name="KSO_WM_DIAGRAM_MIN_ITEMCNT" val="2"/>
   <p:tag name="KSO_WM_DIAGRAM_VIRTUALLY_FRAME" val="{&quot;height&quot;:322.2532958984375,&quot;left&quot;:81.46551181102362,&quot;top&quot;:154.38004496416707,&quot;width&quot;:797.0689763779527}"/>
-  <p:tag name="KSO_WM_DIAGRAM_COLOR_MATCH_VALUE" val="{&quot;shape&quot;:{&quot;fill&quot;:{&quot;type&quot;:0},&quot;glow&quot;:{&quot;colorType&quot;:0},&quot;line&quot;:{&quot;type&quot;:0},&quot;shadow&quot;:{&quot;colorType&quot;:0},&quot;threeD&quot;:{&quot;curvedSurface&quot;:{&quot;brightness&quot;:0,&quot;colorType&quot;:2,&quot;rgb&quot;:&quot;#000000&quot;},&quot;depth&quot;:{&quot;colorType&quot;:0}}},&quot;text&quot;:{&quot;fill&quot;:{&quot;solid&quot;:{&quot;brightness&quot;:0,&quot;colorType&quot;:1,&quot;foreColorIndex&quot;:5,&quot;transparency&quot;:0},&quot;type&quot;:1},&quot;glow&quot;:{&quot;colorType&quot;:0},&quot;line&quot;:{&quot;type&quot;:0},&quot;shadow&quot;:{&quot;colorType&quot;:0},&quot;threeD&quot;:{&quot;curvedSurface&quot;:{&quot;brightness&quot;:0,&quot;colorType&quot;:2,&quot;rgb&quot;:&quot;#000000&quot;},&quot;depth&quot;:{&quot;colorType&quot;:0}}}}"/>
-  <p:tag name="KSO_WM_UNIT_PRESET_TEXT" val="项标题"/>
-  <p:tag name="KSO_WM_UNIT_TEXT_FILL_FORE_SCHEMECOLOR_INDEX" val="1"/>
+  <p:tag name="KSO_WM_DIAGRAM_COLOR_MATCH_VALUE" val="{&quot;shape&quot;:{&quot;fill&quot;:{&quot;gradient&quot;:[{&quot;brightness&quot;:0,&quot;colorType&quot;:1,&quot;foreColorIndex&quot;:5,&quot;pos&quot;:0,&quot;transparency&quot;:0.8500000238418579},{&quot;brightness&quot;:0,&quot;colorType&quot;:1,&quot;foreColorIndex&quot;:5,&quot;pos&quot;:1,&quot;transparency&quot;:1}],&quot;type&quot;:3},&quot;glow&quot;:{&quot;colorType&quot;:0},&quot;line&quot;:{&quot;gradient&quot;:[{&quot;brightness&quot;:0,&quot;colorType&quot;:1,&quot;foreColorIndex&quot;:5,&quot;pos&quot;:0,&quot;transparency&quot;:0},{&quot;brightness&quot;:0,&quot;colorType&quot;:1,&quot;foreColorIndex&quot;:5,&quot;pos&quot;:0.8700000047683716,&quot;transparency&quot;:1}],&quot;type&quot;:2},&quot;shadow&quot;:{&quot;colorType&quot;:0},&quot;threeD&quot;:{&quot;curvedSurface&quot;:{&quot;brightness&quot;:0,&quot;colorType&quot;:2,&quot;rgb&quot;:&quot;#000000&quot;},&quot;depth&quot;:{&quot;colorType&quot;:0}}},&quot;text&quot;:{&quot;fill&quot;:{&quot;solid&quot;:{&quot;brightness&quot;:0,&quot;colorType&quot;:1,&quot;foreColorIndex&quot;:2,&quot;transparency&quot;:0},&quot;type&quot;:1},&quot;glow&quot;:{&quot;colorType&quot;:0},&quot;line&quot;:{&quot;type&quot;:0},&quot;shadow&quot;:{&quot;colorType&quot;:0},&quot;threeD&quot;:{&quot;curvedSurface&quot;:{&quot;brightness&quot;:0,&quot;colorType&quot;:2,&quot;rgb&quot;:&quot;#000000&quot;},&quot;depth&quot;:{&quot;colorType&quot;:0}}}}"/>
+  <p:tag name="KSO_WM_UNIT_FILL_TYPE" val="3"/>
+  <p:tag name="KSO_WM_UNIT_LINE_FORE_SCHEMECOLOR_INDEX_1_BRIGHTNESS" val="0"/>
+  <p:tag name="KSO_WM_UNIT_LINE_FORE_SCHEMECOLOR_INDEX_1" val="5"/>
+  <p:tag name="KSO_WM_UNIT_LINE_FORE_SCHEMECOLOR_INDEX_1_POS" val="0"/>
+  <p:tag name="KSO_WM_UNIT_LINE_FORE_SCHEMECOLOR_INDEX_1_TRANS" val="0"/>
+  <p:tag name="KSO_WM_UNIT_LINE_FORE_SCHEMECOLOR_INDEX_2_BRIGHTNESS" val="0"/>
+  <p:tag name="KSO_WM_UNIT_LINE_FORE_SCHEMECOLOR_INDEX_2" val="5"/>
+  <p:tag name="KSO_WM_UNIT_LINE_FORE_SCHEMECOLOR_INDEX_2_POS" val="0.87"/>
+  <p:tag name="KSO_WM_UNIT_LINE_FORE_SCHEMECOLOR_INDEX_2_TRANS" val="1"/>
+  <p:tag name="KSO_WM_UNIT_LINE_GRADIENT_TYPE" val="0"/>
+  <p:tag name="KSO_WM_UNIT_LINE_GRADIENT_ANGLE" val="90"/>
+  <p:tag name="KSO_WM_UNIT_LINE_GRADIENT_DIRECTION" val="1"/>
+  <p:tag name="KSO_WM_UNIT_LINE_FILL_TYPE" val="5"/>
+  <p:tag name="KSO_WM_UNIT_TEXT_FILL_FORE_SCHEMECOLOR_INDEX_BRIGHTNESS" val="0"/>
+  <p:tag name="KSO_WM_UNIT_TEXT_FILL_FORE_SCHEMECOLOR_INDEX" val="2"/>
   <p:tag name="KSO_WM_UNIT_TEXT_FILL_TYPE" val="1"/>
   <p:tag name="KSO_WM_UNIT_USESOURCEFORMAT_APPLY" val="1"/>
 </p:tagLst>
 </file>
 
 <file path=ppt/tags/tag108.xml><?xml version="1.0" encoding="utf-8"?>
-<p:tagLst xmlns:a="http://schemas.openxmlformats.org/drawingml/2006/main" xmlns:r="http://schemas.openxmlformats.org/officeDocument/2006/relationships" xmlns:p="http://schemas.openxmlformats.org/presentationml/2006/main">
-  <p:tag name="KSO_WM_UNIT_HIGHLIGHT" val="0"/>
-  <p:tag name="KSO_WM_UNIT_COMPATIBLE" val="0"/>
-  <p:tag name="KSO_WM_UNIT_DIAGRAM_ISNUMVISUAL" val="0"/>
-  <p:tag name="KSO_WM_UNIT_DIAGRAM_ISREFERUNIT" val="0"/>
-  <p:tag name="KSO_WM_UNIT_ID" val="diagram20231731_4*l_h_i*1_3_3"/>
-  <p:tag name="KSO_WM_TEMPLATE_CATEGORY" val="diagram"/>
-  <p:tag name="KSO_WM_TEMPLATE_INDEX" val="20231731"/>
-  <p:tag name="KSO_WM_UNIT_LAYERLEVEL" val="1_1_1"/>
-  <p:tag name="KSO_WM_TAG_VERSION" val="3.0"/>
-  <p:tag name="KSO_WM_BEAUTIFY_FLAG" val="#wm#"/>
-  <p:tag name="KSO_WM_DIAGRAM_GROUP_CODE" val="l1-1"/>
-  <p:tag name="KSO_WM_UNIT_TYPE" val="l_h_i"/>
-  <p:tag name="KSO_WM_UNIT_INDEX" val="1_3_3"/>
-  <p:tag name="KSO_WM_DIAGRAM_VERSION" val="3"/>
-  <p:tag name="KSO_WM_DIAGRAM_COLOR_TRICK" val="1"/>
-  <p:tag name="KSO_WM_DIAGRAM_COLOR_TEXT_CAN_REMOVE" val="n"/>
-  <p:tag name="KSO_WM_DIAGRAM_MAX_ITEMCNT" val="6"/>
-  <p:tag name="KSO_WM_DIAGRAM_MIN_ITEMCNT" val="2"/>
-  <p:tag name="KSO_WM_DIAGRAM_VIRTUALLY_FRAME" val="{&quot;height&quot;:322.2532958984375,&quot;left&quot;:81.46551181102362,&quot;top&quot;:154.38004496416707,&quot;width&quot;:797.0689763779527}"/>
-  <p:tag name="KSO_WM_DIAGRAM_COLOR_MATCH_VALUE" val="{&quot;shape&quot;:{&quot;fill&quot;:{&quot;type&quot;:0},&quot;glow&quot;:{&quot;colorType&quot;:0},&quot;line&quot;:{&quot;gradient&quot;:[{&quot;brightness&quot;:0,&quot;colorType&quot;:1,&quot;foreColorIndex&quot;:5,&quot;pos&quot;:0,&quot;transparency&quot;:1},{&quot;brightness&quot;:0,&quot;colorType&quot;:1,&quot;foreColorIndex&quot;:5,&quot;pos&quot;:1,&quot;transparency&quot;:0}],&quot;type&quot;:2},&quot;shadow&quot;:{&quot;colorType&quot;:0},&quot;threeD&quot;:{&quot;curvedSurface&quot;:{&quot;brightness&quot;:0,&quot;colorType&quot;:2,&quot;rgb&quot;:&quot;#000000&quot;},&quot;depth&quot;:{&quot;colorType&quot;:0}}},&quot;text&quot;:{&quot;fill&quot;:{},&quot;glow&quot;:{},&quot;line&quot;:{},&quot;shadow&quot;:{},&quot;threeD&quot;:{}}}"/>
-  <p:tag name="KSO_WM_UNIT_LINE_FORE_SCHEMECOLOR_INDEX_1_BRIGHTNESS" val="0"/>
-  <p:tag name="KSO_WM_UNIT_LINE_FORE_SCHEMECOLOR_INDEX_1" val="5"/>
-  <p:tag name="KSO_WM_UNIT_LINE_FORE_SCHEMECOLOR_INDEX_1_POS" val="0"/>
-  <p:tag name="KSO_WM_UNIT_LINE_FORE_SCHEMECOLOR_INDEX_1_TRANS" val="1"/>
-  <p:tag name="KSO_WM_UNIT_LINE_FORE_SCHEMECOLOR_INDEX_2_BRIGHTNESS" val="0"/>
-  <p:tag name="KSO_WM_UNIT_LINE_FORE_SCHEMECOLOR_INDEX_2" val="5"/>
-  <p:tag name="KSO_WM_UNIT_LINE_FORE_SCHEMECOLOR_INDEX_2_POS" val="1"/>
-  <p:tag name="KSO_WM_UNIT_LINE_FORE_SCHEMECOLOR_INDEX_2_TRANS" val="0"/>
-  <p:tag name="KSO_WM_UNIT_LINE_GRADIENT_TYPE" val="0"/>
-  <p:tag name="KSO_WM_UNIT_LINE_GRADIENT_ANGLE" val="270"/>
-  <p:tag name="KSO_WM_UNIT_LINE_GRADIENT_DIRECTION" val="6"/>
-  <p:tag name="KSO_WM_UNIT_LINE_FILL_TYPE" val="5"/>
-  <p:tag name="KSO_WM_UNIT_USESOURCEFORMAT_APPLY" val="1"/>
-</p:tagLst>
-</file>
-
-<file path=ppt/tags/tag109.xml><?xml version="1.0" encoding="utf-8"?>
 <p:tagLst xmlns:a="http://schemas.openxmlformats.org/drawingml/2006/main" xmlns:r="http://schemas.openxmlformats.org/officeDocument/2006/relationships" xmlns:p="http://schemas.openxmlformats.org/presentationml/2006/main">
   <p:tag name="KSO_WM_DIAGRAM_MAX_ITEMCNT" val="6"/>
   <p:tag name="KSO_WM_DIAGRAM_MIN_ITEMCNT" val="2"/>
@@ -27607,6 +29270,37 @@
   <p:tag name="KSO_WM_TAG_VERSION" val="3.0"/>
   <p:tag name="KSO_WM_BEAUTIFY_FLAG" val="#wm#"/>
   <p:tag name="KSO_WM_UNIT_PRESET_TEXT" val="2"/>
+  <p:tag name="KSO_WM_UNIT_FILL_TYPE" val="3"/>
+  <p:tag name="KSO_WM_UNIT_TEXT_FILL_FORE_SCHEMECOLOR_INDEX" val="1"/>
+  <p:tag name="KSO_WM_UNIT_TEXT_FILL_TYPE" val="1"/>
+</p:tagLst>
+</file>
+
+<file path=ppt/tags/tag109.xml><?xml version="1.0" encoding="utf-8"?>
+<p:tagLst xmlns:a="http://schemas.openxmlformats.org/drawingml/2006/main" xmlns:r="http://schemas.openxmlformats.org/officeDocument/2006/relationships" xmlns:p="http://schemas.openxmlformats.org/presentationml/2006/main">
+  <p:tag name="KSO_WM_DIAGRAM_MAX_ITEMCNT" val="6"/>
+  <p:tag name="KSO_WM_DIAGRAM_MIN_ITEMCNT" val="2"/>
+  <p:tag name="KSO_WM_DIAGRAM_VIRTUALLY_FRAME" val="{&quot;height&quot;:254.17961120605463,&quot;left&quot;:47.67235019954169,&quot;top&quot;:177.81948573555533,&quot;width&quot;:864.8666381835938}"/>
+  <p:tag name="KSO_WM_DIAGRAM_COLOR_MATCH_VALUE" val="{&quot;shape&quot;:{&quot;fill&quot;:{&quot;gradient&quot;:[{&quot;brightness&quot;:0.8999999761581421,&quot;colorType&quot;:1,&quot;foreColorIndex&quot;:6,&quot;pos&quot;:0.019999999552965164,&quot;transparency&quot;:0},{&quot;brightness&quot;:0.8999999761581421,&quot;colorType&quot;:1,&quot;foreColorIndex&quot;:6,&quot;pos&quot;:1,&quot;transparency&quot;:0}],&quot;type&quot;:3},&quot;glow&quot;:{&quot;colorType&quot;:0},&quot;line&quot;:{&quot;type&quot;:0},&quot;shadow&quot;:{&quot;colorType&quot;:0},&quot;threeD&quot;:{&quot;curvedSurface&quot;:{&quot;brightness&quot;:0,&quot;colorType&quot;:2,&quot;rgb&quot;:&quot;#000000&quot;},&quot;depth&quot;:{&quot;colorType&quot;:0}}},&quot;text&quot;:{&quot;fill&quot;:{&quot;solid&quot;:{&quot;brightness&quot;:0,&quot;colorType&quot;:1,&quot;foreColorIndex&quot;:6,&quot;transparency&quot;:0},&quot;type&quot;:1},&quot;glow&quot;:{&quot;colorType&quot;:0},&quot;line&quot;:{&quot;type&quot;:0},&quot;shadow&quot;:{&quot;colorType&quot;:0},&quot;threeD&quot;:{&quot;curvedSurface&quot;:{&quot;brightness&quot;:0,&quot;colorType&quot;:2,&quot;rgb&quot;:&quot;#000000&quot;},&quot;depth&quot;:{&quot;colorType&quot;:0}}}}"/>
+  <p:tag name="KSO_WM_UNIT_FILL_FORE_SCHEMECOLOR_INDEX_BRIGHTNESS" val="0.9"/>
+  <p:tag name="KSO_WM_DIAGRAM_VERSION" val="3"/>
+  <p:tag name="KSO_WM_DIAGRAM_COLOR_TRICK" val="2"/>
+  <p:tag name="KSO_WM_DIAGRAM_COLOR_TEXT_CAN_REMOVE" val="n"/>
+  <p:tag name="KSO_WM_UNIT_HIGHLIGHT" val="0"/>
+  <p:tag name="KSO_WM_UNIT_COMPATIBLE" val="0"/>
+  <p:tag name="KSO_WM_UNIT_DIAGRAM_ISNUMVISUAL" val="0"/>
+  <p:tag name="KSO_WM_UNIT_DIAGRAM_ISREFERUNIT" val="0"/>
+  <p:tag name="KSO_WM_DIAGRAM_GROUP_CODE" val="l1-1"/>
+  <p:tag name="KSO_WM_UNIT_SUBTYPE" val="d"/>
+  <p:tag name="KSO_WM_UNIT_TYPE" val="l_h_i"/>
+  <p:tag name="KSO_WM_UNIT_INDEX" val="1_4_1"/>
+  <p:tag name="KSO_WM_UNIT_ID" val="diagram20231298_3*l_h_i*1_4_1"/>
+  <p:tag name="KSO_WM_TEMPLATE_CATEGORY" val="diagram"/>
+  <p:tag name="KSO_WM_TEMPLATE_INDEX" val="20231298"/>
+  <p:tag name="KSO_WM_UNIT_LAYERLEVEL" val="1_1_1"/>
+  <p:tag name="KSO_WM_TAG_VERSION" val="3.0"/>
+  <p:tag name="KSO_WM_BEAUTIFY_FLAG" val="#wm#"/>
+  <p:tag name="KSO_WM_UNIT_PRESET_TEXT" val="4"/>
   <p:tag name="KSO_WM_UNIT_FILL_TYPE" val="3"/>
   <p:tag name="KSO_WM_UNIT_TEXT_FILL_FORE_SCHEMECOLOR_INDEX" val="1"/>
   <p:tag name="KSO_WM_UNIT_TEXT_FILL_TYPE" val="1"/>
@@ -27654,14 +29348,14 @@
   <p:tag name="KSO_WM_DIAGRAM_GROUP_CODE" val="l1-1"/>
   <p:tag name="KSO_WM_UNIT_SUBTYPE" val="d"/>
   <p:tag name="KSO_WM_UNIT_TYPE" val="l_h_i"/>
-  <p:tag name="KSO_WM_UNIT_INDEX" val="1_4_1"/>
-  <p:tag name="KSO_WM_UNIT_ID" val="diagram20231298_3*l_h_i*1_4_1"/>
+  <p:tag name="KSO_WM_UNIT_INDEX" val="1_2_1"/>
+  <p:tag name="KSO_WM_UNIT_ID" val="diagram20231298_3*l_h_i*1_2_1"/>
   <p:tag name="KSO_WM_TEMPLATE_CATEGORY" val="diagram"/>
   <p:tag name="KSO_WM_TEMPLATE_INDEX" val="20231298"/>
   <p:tag name="KSO_WM_UNIT_LAYERLEVEL" val="1_1_1"/>
   <p:tag name="KSO_WM_TAG_VERSION" val="3.0"/>
   <p:tag name="KSO_WM_BEAUTIFY_FLAG" val="#wm#"/>
-  <p:tag name="KSO_WM_UNIT_PRESET_TEXT" val="4"/>
+  <p:tag name="KSO_WM_UNIT_PRESET_TEXT" val="2"/>
   <p:tag name="KSO_WM_UNIT_FILL_TYPE" val="3"/>
   <p:tag name="KSO_WM_UNIT_TEXT_FILL_FORE_SCHEMECOLOR_INDEX" val="1"/>
   <p:tag name="KSO_WM_UNIT_TEXT_FILL_TYPE" val="1"/>
@@ -27669,6 +29363,130 @@
 </file>
 
 <file path=ppt/tags/tag111.xml><?xml version="1.0" encoding="utf-8"?>
+<p:tagLst xmlns:a="http://schemas.openxmlformats.org/drawingml/2006/main" xmlns:r="http://schemas.openxmlformats.org/officeDocument/2006/relationships" xmlns:p="http://schemas.openxmlformats.org/presentationml/2006/main">
+  <p:tag name="KSO_WM_DIAGRAM_MAX_ITEMCNT" val="6"/>
+  <p:tag name="KSO_WM_DIAGRAM_MIN_ITEMCNT" val="2"/>
+  <p:tag name="KSO_WM_DIAGRAM_VIRTUALLY_FRAME" val="{&quot;height&quot;:254.17961120605463,&quot;left&quot;:47.67235019954169,&quot;top&quot;:177.81948573555533,&quot;width&quot;:864.8666381835938}"/>
+  <p:tag name="KSO_WM_DIAGRAM_COLOR_MATCH_VALUE" val="{&quot;shape&quot;:{&quot;fill&quot;:{&quot;solid&quot;:{&quot;brightness&quot;:0,&quot;colorType&quot;:1,&quot;foreColorIndex&quot;:6,&quot;transparency&quot;:0},&quot;type&quot;:1},&quot;glow&quot;:{&quot;colorType&quot;:0},&quot;line&quot;:{&quot;type&quot;:0},&quot;shadow&quot;:{&quot;colorType&quot;:0},&quot;threeD&quot;:{&quot;curvedSurface&quot;:{&quot;brightness&quot;:0,&quot;colorType&quot;:2,&quot;rgb&quot;:&quot;#000000&quot;},&quot;depth&quot;:{&quot;colorType&quot;:0}}},&quot;text&quot;:{&quot;fill&quot;:{&quot;solid&quot;:{&quot;brightness&quot;:0,&quot;colorType&quot;:2,&quot;rgb&quot;:&quot;#ffffff&quot;,&quot;transparency&quot;:0},&quot;type&quot;:1},&quot;glow&quot;:{&quot;colorType&quot;:0},&quot;line&quot;:{&quot;type&quot;:0},&quot;shadow&quot;:{&quot;colorType&quot;:0},&quot;threeD&quot;:{&quot;curvedSurface&quot;:{&quot;brightness&quot;:0,&quot;colorType&quot;:2,&quot;rgb&quot;:&quot;#000000&quot;},&quot;depth&quot;:{&quot;colorType&quot;:0}}}}"/>
+  <p:tag name="KSO_WM_DIAGRAM_VERSION" val="3"/>
+  <p:tag name="KSO_WM_DIAGRAM_COLOR_TRICK" val="2"/>
+  <p:tag name="KSO_WM_DIAGRAM_COLOR_TEXT_CAN_REMOVE" val="n"/>
+  <p:tag name="KSO_WM_UNIT_SUBTYPE" val="a"/>
+  <p:tag name="KSO_WM_UNIT_NOCLEAR" val="0"/>
+  <p:tag name="KSO_WM_UNIT_HIGHLIGHT" val="0"/>
+  <p:tag name="KSO_WM_UNIT_COMPATIBLE" val="0"/>
+  <p:tag name="KSO_WM_UNIT_DIAGRAM_ISNUMVISUAL" val="0"/>
+  <p:tag name="KSO_WM_UNIT_DIAGRAM_ISREFERUNIT" val="0"/>
+  <p:tag name="KSO_WM_DIAGRAM_GROUP_CODE" val="l1-1"/>
+  <p:tag name="KSO_WM_UNIT_TYPE" val="l_h_f"/>
+  <p:tag name="KSO_WM_UNIT_INDEX" val="1_4_1"/>
+  <p:tag name="KSO_WM_UNIT_ID" val="diagram20231298_3*l_h_f*1_4_1"/>
+  <p:tag name="KSO_WM_TEMPLATE_CATEGORY" val="diagram"/>
+  <p:tag name="KSO_WM_TEMPLATE_INDEX" val="20231298"/>
+  <p:tag name="KSO_WM_UNIT_LAYERLEVEL" val="1_1_1"/>
+  <p:tag name="KSO_WM_TAG_VERSION" val="3.0"/>
+  <p:tag name="KSO_WM_BEAUTIFY_FLAG" val="#wm#"/>
+  <p:tag name="KSO_WM_UNIT_PRESET_TEXT" val="单击此处输入你的正文，文字是您思想的提炼，为了最终演示发布的良好效果"/>
+  <p:tag name="KSO_WM_UNIT_FILL_TYPE" val="1"/>
+  <p:tag name="KSO_WM_UNIT_FILL_FORE_SCHEMECOLOR_INDEX" val="6"/>
+  <p:tag name="KSO_WM_UNIT_FILL_FORE_SCHEMECOLOR_INDEX_BRIGHTNESS" val="0"/>
+</p:tagLst>
+</file>
+
+<file path=ppt/tags/tag112.xml><?xml version="1.0" encoding="utf-8"?>
+<p:tagLst xmlns:a="http://schemas.openxmlformats.org/drawingml/2006/main" xmlns:r="http://schemas.openxmlformats.org/officeDocument/2006/relationships" xmlns:p="http://schemas.openxmlformats.org/presentationml/2006/main">
+  <p:tag name="KSO_WM_DIAGRAM_MAX_ITEMCNT" val="6"/>
+  <p:tag name="KSO_WM_DIAGRAM_MIN_ITEMCNT" val="2"/>
+  <p:tag name="KSO_WM_DIAGRAM_VIRTUALLY_FRAME" val="{&quot;height&quot;:254.17961120605463,&quot;left&quot;:47.67235019954169,&quot;top&quot;:177.81948573555533,&quot;width&quot;:864.8666381835938}"/>
+  <p:tag name="KSO_WM_DIAGRAM_COLOR_MATCH_VALUE" val="{&quot;shape&quot;:{&quot;fill&quot;:{&quot;solid&quot;:{&quot;brightness&quot;:0,&quot;colorType&quot;:1,&quot;foreColorIndex&quot;:5,&quot;transparency&quot;:0},&quot;type&quot;:1},&quot;glow&quot;:{&quot;colorType&quot;:0},&quot;line&quot;:{&quot;type&quot;:0},&quot;shadow&quot;:{&quot;colorType&quot;:0},&quot;threeD&quot;:{&quot;curvedSurface&quot;:{&quot;brightness&quot;:0,&quot;colorType&quot;:2,&quot;rgb&quot;:&quot;#000000&quot;},&quot;depth&quot;:{&quot;colorType&quot;:0}}},&quot;text&quot;:{&quot;fill&quot;:{&quot;solid&quot;:{&quot;brightness&quot;:0,&quot;colorType&quot;:2,&quot;rgb&quot;:&quot;#ffffff&quot;,&quot;transparency&quot;:0},&quot;type&quot;:1},&quot;glow&quot;:{&quot;colorType&quot;:0},&quot;line&quot;:{&quot;type&quot;:0},&quot;shadow&quot;:{&quot;colorType&quot;:0},&quot;threeD&quot;:{&quot;curvedSurface&quot;:{&quot;brightness&quot;:0,&quot;colorType&quot;:2,&quot;rgb&quot;:&quot;#000000&quot;},&quot;depth&quot;:{&quot;colorType&quot;:0}}}}"/>
+  <p:tag name="KSO_WM_DIAGRAM_VERSION" val="3"/>
+  <p:tag name="KSO_WM_DIAGRAM_COLOR_TRICK" val="2"/>
+  <p:tag name="KSO_WM_DIAGRAM_COLOR_TEXT_CAN_REMOVE" val="n"/>
+  <p:tag name="KSO_WM_UNIT_SUBTYPE" val="a"/>
+  <p:tag name="KSO_WM_UNIT_NOCLEAR" val="0"/>
+  <p:tag name="KSO_WM_UNIT_HIGHLIGHT" val="0"/>
+  <p:tag name="KSO_WM_UNIT_COMPATIBLE" val="0"/>
+  <p:tag name="KSO_WM_UNIT_DIAGRAM_ISNUMVISUAL" val="0"/>
+  <p:tag name="KSO_WM_UNIT_DIAGRAM_ISREFERUNIT" val="0"/>
+  <p:tag name="KSO_WM_DIAGRAM_GROUP_CODE" val="l1-1"/>
+  <p:tag name="KSO_WM_UNIT_TYPE" val="l_h_f"/>
+  <p:tag name="KSO_WM_UNIT_INDEX" val="1_1_1"/>
+  <p:tag name="KSO_WM_UNIT_ID" val="diagram20231298_3*l_h_f*1_1_1"/>
+  <p:tag name="KSO_WM_TEMPLATE_CATEGORY" val="diagram"/>
+  <p:tag name="KSO_WM_TEMPLATE_INDEX" val="20231298"/>
+  <p:tag name="KSO_WM_UNIT_LAYERLEVEL" val="1_1_1"/>
+  <p:tag name="KSO_WM_TAG_VERSION" val="3.0"/>
+  <p:tag name="KSO_WM_BEAUTIFY_FLAG" val="#wm#"/>
+  <p:tag name="KSO_WM_UNIT_PRESET_TEXT" val="单击此处输入你的正文，文字是您思想的提炼，为了最终演示发布的良好效果"/>
+  <p:tag name="KSO_WM_UNIT_FILL_TYPE" val="1"/>
+  <p:tag name="KSO_WM_UNIT_FILL_FORE_SCHEMECOLOR_INDEX" val="5"/>
+  <p:tag name="KSO_WM_UNIT_FILL_FORE_SCHEMECOLOR_INDEX_BRIGHTNESS" val="0"/>
+</p:tagLst>
+</file>
+
+<file path=ppt/tags/tag113.xml><?xml version="1.0" encoding="utf-8"?>
+<p:tagLst xmlns:a="http://schemas.openxmlformats.org/drawingml/2006/main" xmlns:r="http://schemas.openxmlformats.org/officeDocument/2006/relationships" xmlns:p="http://schemas.openxmlformats.org/presentationml/2006/main">
+  <p:tag name="KSO_WM_DIAGRAM_MAX_ITEMCNT" val="6"/>
+  <p:tag name="KSO_WM_DIAGRAM_MIN_ITEMCNT" val="2"/>
+  <p:tag name="KSO_WM_DIAGRAM_VIRTUALLY_FRAME" val="{&quot;height&quot;:254.17961120605463,&quot;left&quot;:47.67235019954169,&quot;top&quot;:177.81948573555533,&quot;width&quot;:864.8666381835938}"/>
+  <p:tag name="KSO_WM_DIAGRAM_COLOR_MATCH_VALUE" val="{&quot;shape&quot;:{&quot;fill&quot;:{&quot;solid&quot;:{&quot;brightness&quot;:0,&quot;colorType&quot;:1,&quot;foreColorIndex&quot;:6,&quot;transparency&quot;:0},&quot;type&quot;:1},&quot;glow&quot;:{&quot;colorType&quot;:0},&quot;line&quot;:{&quot;type&quot;:0},&quot;shadow&quot;:{&quot;colorType&quot;:0},&quot;threeD&quot;:{&quot;curvedSurface&quot;:{&quot;brightness&quot;:0,&quot;colorType&quot;:2,&quot;rgb&quot;:&quot;#000000&quot;},&quot;depth&quot;:{&quot;colorType&quot;:0}}},&quot;text&quot;:{&quot;fill&quot;:{&quot;solid&quot;:{&quot;brightness&quot;:0,&quot;colorType&quot;:2,&quot;rgb&quot;:&quot;#ffffff&quot;,&quot;transparency&quot;:0},&quot;type&quot;:1},&quot;glow&quot;:{&quot;colorType&quot;:0},&quot;line&quot;:{&quot;type&quot;:0},&quot;shadow&quot;:{&quot;colorType&quot;:0},&quot;threeD&quot;:{&quot;curvedSurface&quot;:{&quot;brightness&quot;:0,&quot;colorType&quot;:2,&quot;rgb&quot;:&quot;#000000&quot;},&quot;depth&quot;:{&quot;colorType&quot;:0}}}}"/>
+  <p:tag name="KSO_WM_DIAGRAM_VERSION" val="3"/>
+  <p:tag name="KSO_WM_DIAGRAM_COLOR_TRICK" val="2"/>
+  <p:tag name="KSO_WM_DIAGRAM_COLOR_TEXT_CAN_REMOVE" val="n"/>
+  <p:tag name="KSO_WM_UNIT_SUBTYPE" val="a"/>
+  <p:tag name="KSO_WM_UNIT_NOCLEAR" val="0"/>
+  <p:tag name="KSO_WM_UNIT_HIGHLIGHT" val="0"/>
+  <p:tag name="KSO_WM_UNIT_COMPATIBLE" val="0"/>
+  <p:tag name="KSO_WM_UNIT_DIAGRAM_ISNUMVISUAL" val="0"/>
+  <p:tag name="KSO_WM_UNIT_DIAGRAM_ISREFERUNIT" val="0"/>
+  <p:tag name="KSO_WM_DIAGRAM_GROUP_CODE" val="l1-1"/>
+  <p:tag name="KSO_WM_UNIT_TYPE" val="l_h_f"/>
+  <p:tag name="KSO_WM_UNIT_INDEX" val="1_2_1"/>
+  <p:tag name="KSO_WM_UNIT_ID" val="diagram20231298_3*l_h_f*1_2_1"/>
+  <p:tag name="KSO_WM_TEMPLATE_CATEGORY" val="diagram"/>
+  <p:tag name="KSO_WM_TEMPLATE_INDEX" val="20231298"/>
+  <p:tag name="KSO_WM_UNIT_LAYERLEVEL" val="1_1_1"/>
+  <p:tag name="KSO_WM_TAG_VERSION" val="3.0"/>
+  <p:tag name="KSO_WM_BEAUTIFY_FLAG" val="#wm#"/>
+  <p:tag name="KSO_WM_UNIT_PRESET_TEXT" val="单击此处输入你的正文，文字是您思想的提炼，为了最终演示发布的良好效果"/>
+  <p:tag name="KSO_WM_UNIT_FILL_TYPE" val="1"/>
+  <p:tag name="KSO_WM_UNIT_FILL_FORE_SCHEMECOLOR_INDEX" val="6"/>
+  <p:tag name="KSO_WM_UNIT_FILL_FORE_SCHEMECOLOR_INDEX_BRIGHTNESS" val="0"/>
+</p:tagLst>
+</file>
+
+<file path=ppt/tags/tag114.xml><?xml version="1.0" encoding="utf-8"?>
+<p:tagLst xmlns:a="http://schemas.openxmlformats.org/drawingml/2006/main" xmlns:r="http://schemas.openxmlformats.org/officeDocument/2006/relationships" xmlns:p="http://schemas.openxmlformats.org/presentationml/2006/main">
+  <p:tag name="KSO_WM_DIAGRAM_MAX_ITEMCNT" val="6"/>
+  <p:tag name="KSO_WM_DIAGRAM_MIN_ITEMCNT" val="2"/>
+  <p:tag name="KSO_WM_DIAGRAM_VIRTUALLY_FRAME" val="{&quot;height&quot;:254.17961120605463,&quot;left&quot;:47.67235019954169,&quot;top&quot;:177.81948573555533,&quot;width&quot;:864.8666381835938}"/>
+  <p:tag name="KSO_WM_DIAGRAM_COLOR_MATCH_VALUE" val="{&quot;shape&quot;:{&quot;fill&quot;:{&quot;gradient&quot;:[{&quot;brightness&quot;:0.8999999761581421,&quot;colorType&quot;:1,&quot;foreColorIndex&quot;:5,&quot;pos&quot;:0.019999999552965164,&quot;transparency&quot;:0},{&quot;brightness&quot;:0.8999999761581421,&quot;colorType&quot;:1,&quot;foreColorIndex&quot;:5,&quot;pos&quot;:1,&quot;transparency&quot;:0}],&quot;type&quot;:3},&quot;glow&quot;:{&quot;colorType&quot;:0},&quot;line&quot;:{&quot;type&quot;:0},&quot;shadow&quot;:{&quot;colorType&quot;:0},&quot;threeD&quot;:{&quot;curvedSurface&quot;:{&quot;brightness&quot;:0,&quot;colorType&quot;:2,&quot;rgb&quot;:&quot;#000000&quot;},&quot;depth&quot;:{&quot;colorType&quot;:0}}},&quot;text&quot;:{&quot;fill&quot;:{&quot;solid&quot;:{&quot;brightness&quot;:0,&quot;colorType&quot;:1,&quot;foreColorIndex&quot;:5,&quot;transparency&quot;:0},&quot;type&quot;:1},&quot;glow&quot;:{&quot;colorType&quot;:0},&quot;line&quot;:{&quot;type&quot;:0},&quot;shadow&quot;:{&quot;colorType&quot;:0},&quot;threeD&quot;:{&quot;curvedSurface&quot;:{&quot;brightness&quot;:0,&quot;colorType&quot;:2,&quot;rgb&quot;:&quot;#000000&quot;},&quot;depth&quot;:{&quot;colorType&quot;:0}}}}"/>
+  <p:tag name="KSO_WM_UNIT_FILL_FORE_SCHEMECOLOR_INDEX_BRIGHTNESS" val="0.9"/>
+  <p:tag name="KSO_WM_DIAGRAM_VERSION" val="3"/>
+  <p:tag name="KSO_WM_DIAGRAM_COLOR_TRICK" val="2"/>
+  <p:tag name="KSO_WM_DIAGRAM_COLOR_TEXT_CAN_REMOVE" val="n"/>
+  <p:tag name="KSO_WM_UNIT_HIGHLIGHT" val="0"/>
+  <p:tag name="KSO_WM_UNIT_COMPATIBLE" val="0"/>
+  <p:tag name="KSO_WM_UNIT_DIAGRAM_ISNUMVISUAL" val="0"/>
+  <p:tag name="KSO_WM_UNIT_DIAGRAM_ISREFERUNIT" val="0"/>
+  <p:tag name="KSO_WM_DIAGRAM_GROUP_CODE" val="l1-1"/>
+  <p:tag name="KSO_WM_UNIT_SUBTYPE" val="d"/>
+  <p:tag name="KSO_WM_UNIT_TYPE" val="l_h_i"/>
+  <p:tag name="KSO_WM_UNIT_INDEX" val="1_1_1"/>
+  <p:tag name="KSO_WM_UNIT_ID" val="diagram20231298_3*l_h_i*1_1_1"/>
+  <p:tag name="KSO_WM_TEMPLATE_CATEGORY" val="diagram"/>
+  <p:tag name="KSO_WM_TEMPLATE_INDEX" val="20231298"/>
+  <p:tag name="KSO_WM_UNIT_LAYERLEVEL" val="1_1_1"/>
+  <p:tag name="KSO_WM_TAG_VERSION" val="3.0"/>
+  <p:tag name="KSO_WM_BEAUTIFY_FLAG" val="#wm#"/>
+  <p:tag name="KSO_WM_UNIT_PRESET_TEXT" val="1"/>
+  <p:tag name="KSO_WM_UNIT_FILL_TYPE" val="3"/>
+  <p:tag name="KSO_WM_UNIT_TEXT_FILL_FORE_SCHEMECOLOR_INDEX" val="1"/>
+  <p:tag name="KSO_WM_UNIT_TEXT_FILL_TYPE" val="1"/>
+</p:tagLst>
+</file>
+
+<file path=ppt/tags/tag115.xml><?xml version="1.0" encoding="utf-8"?>
 <p:tagLst xmlns:a="http://schemas.openxmlformats.org/drawingml/2006/main" xmlns:r="http://schemas.openxmlformats.org/officeDocument/2006/relationships" xmlns:p="http://schemas.openxmlformats.org/presentationml/2006/main">
   <p:tag name="KSO_WM_DIAGRAM_MAX_ITEMCNT" val="6"/>
   <p:tag name="KSO_WM_DIAGRAM_MIN_ITEMCNT" val="2"/>
@@ -27699,7 +29517,69 @@
 </p:tagLst>
 </file>
 
-<file path=ppt/tags/tag112.xml><?xml version="1.0" encoding="utf-8"?>
+<file path=ppt/tags/tag116.xml><?xml version="1.0" encoding="utf-8"?>
+<p:tagLst xmlns:a="http://schemas.openxmlformats.org/drawingml/2006/main" xmlns:r="http://schemas.openxmlformats.org/officeDocument/2006/relationships" xmlns:p="http://schemas.openxmlformats.org/presentationml/2006/main">
+  <p:tag name="KSO_WM_DIAGRAM_MAX_ITEMCNT" val="6"/>
+  <p:tag name="KSO_WM_DIAGRAM_MIN_ITEMCNT" val="2"/>
+  <p:tag name="KSO_WM_DIAGRAM_VIRTUALLY_FRAME" val="{&quot;height&quot;:254.17961120605463,&quot;left&quot;:47.67235019954169,&quot;top&quot;:177.81948573555533,&quot;width&quot;:864.8666381835938}"/>
+  <p:tag name="KSO_WM_DIAGRAM_COLOR_MATCH_VALUE" val="{&quot;shape&quot;:{&quot;fill&quot;:{&quot;solid&quot;:{&quot;brightness&quot;:0,&quot;colorType&quot;:1,&quot;foreColorIndex&quot;:5,&quot;transparency&quot;:0},&quot;type&quot;:1},&quot;glow&quot;:{&quot;colorType&quot;:0},&quot;line&quot;:{&quot;type&quot;:0},&quot;shadow&quot;:{&quot;colorType&quot;:0},&quot;threeD&quot;:{&quot;curvedSurface&quot;:{&quot;brightness&quot;:0,&quot;colorType&quot;:2,&quot;rgb&quot;:&quot;#000000&quot;},&quot;depth&quot;:{&quot;colorType&quot;:0}}},&quot;text&quot;:{&quot;fill&quot;:{&quot;solid&quot;:{&quot;brightness&quot;:0,&quot;colorType&quot;:2,&quot;rgb&quot;:&quot;#ffffff&quot;,&quot;transparency&quot;:0},&quot;type&quot;:1},&quot;glow&quot;:{&quot;colorType&quot;:0},&quot;line&quot;:{&quot;type&quot;:0},&quot;shadow&quot;:{&quot;colorType&quot;:0},&quot;threeD&quot;:{&quot;curvedSurface&quot;:{&quot;brightness&quot;:0,&quot;colorType&quot;:2,&quot;rgb&quot;:&quot;#000000&quot;},&quot;depth&quot;:{&quot;colorType&quot;:0}}}}"/>
+  <p:tag name="KSO_WM_DIAGRAM_VERSION" val="3"/>
+  <p:tag name="KSO_WM_DIAGRAM_COLOR_TRICK" val="2"/>
+  <p:tag name="KSO_WM_DIAGRAM_COLOR_TEXT_CAN_REMOVE" val="n"/>
+  <p:tag name="KSO_WM_UNIT_SUBTYPE" val="a"/>
+  <p:tag name="KSO_WM_UNIT_NOCLEAR" val="0"/>
+  <p:tag name="KSO_WM_UNIT_HIGHLIGHT" val="0"/>
+  <p:tag name="KSO_WM_UNIT_COMPATIBLE" val="0"/>
+  <p:tag name="KSO_WM_UNIT_DIAGRAM_ISNUMVISUAL" val="0"/>
+  <p:tag name="KSO_WM_UNIT_DIAGRAM_ISREFERUNIT" val="0"/>
+  <p:tag name="KSO_WM_DIAGRAM_GROUP_CODE" val="l1-1"/>
+  <p:tag name="KSO_WM_UNIT_TYPE" val="l_h_f"/>
+  <p:tag name="KSO_WM_UNIT_INDEX" val="1_3_1"/>
+  <p:tag name="KSO_WM_UNIT_ID" val="diagram20231298_3*l_h_f*1_3_1"/>
+  <p:tag name="KSO_WM_TEMPLATE_CATEGORY" val="diagram"/>
+  <p:tag name="KSO_WM_TEMPLATE_INDEX" val="20231298"/>
+  <p:tag name="KSO_WM_UNIT_LAYERLEVEL" val="1_1_1"/>
+  <p:tag name="KSO_WM_TAG_VERSION" val="3.0"/>
+  <p:tag name="KSO_WM_BEAUTIFY_FLAG" val="#wm#"/>
+  <p:tag name="KSO_WM_UNIT_PRESET_TEXT" val="单击此处输入你的正文，文字是您思想的提炼，为了最终演示发布的良好效果"/>
+  <p:tag name="KSO_WM_UNIT_FILL_TYPE" val="1"/>
+  <p:tag name="KSO_WM_UNIT_FILL_FORE_SCHEMECOLOR_INDEX" val="5"/>
+  <p:tag name="KSO_WM_UNIT_FILL_FORE_SCHEMECOLOR_INDEX_BRIGHTNESS" val="0"/>
+</p:tagLst>
+</file>
+
+<file path=ppt/tags/tag117.xml><?xml version="1.0" encoding="utf-8"?>
+<p:tagLst xmlns:a="http://schemas.openxmlformats.org/drawingml/2006/main" xmlns:r="http://schemas.openxmlformats.org/officeDocument/2006/relationships" xmlns:p="http://schemas.openxmlformats.org/presentationml/2006/main">
+  <p:tag name="KSO_WM_DIAGRAM_MAX_ITEMCNT" val="6"/>
+  <p:tag name="KSO_WM_DIAGRAM_MIN_ITEMCNT" val="2"/>
+  <p:tag name="KSO_WM_DIAGRAM_VIRTUALLY_FRAME" val="{&quot;height&quot;:254.17961120605463,&quot;left&quot;:47.67235019954169,&quot;top&quot;:177.81948573555533,&quot;width&quot;:864.8666381835938}"/>
+  <p:tag name="KSO_WM_DIAGRAM_COLOR_MATCH_VALUE" val="{&quot;shape&quot;:{&quot;fill&quot;:{&quot;gradient&quot;:[{&quot;brightness&quot;:0.8999999761581421,&quot;colorType&quot;:1,&quot;foreColorIndex&quot;:5,&quot;pos&quot;:0.019999999552965164,&quot;transparency&quot;:0},{&quot;brightness&quot;:0.8999999761581421,&quot;colorType&quot;:1,&quot;foreColorIndex&quot;:5,&quot;pos&quot;:1,&quot;transparency&quot;:0}],&quot;type&quot;:3},&quot;glow&quot;:{&quot;colorType&quot;:0},&quot;line&quot;:{&quot;type&quot;:0},&quot;shadow&quot;:{&quot;colorType&quot;:0},&quot;threeD&quot;:{&quot;curvedSurface&quot;:{&quot;brightness&quot;:0,&quot;colorType&quot;:2,&quot;rgb&quot;:&quot;#000000&quot;},&quot;depth&quot;:{&quot;colorType&quot;:0}}},&quot;text&quot;:{&quot;fill&quot;:{&quot;solid&quot;:{&quot;brightness&quot;:0,&quot;colorType&quot;:1,&quot;foreColorIndex&quot;:5,&quot;transparency&quot;:0},&quot;type&quot;:1},&quot;glow&quot;:{&quot;colorType&quot;:0},&quot;line&quot;:{&quot;type&quot;:0},&quot;shadow&quot;:{&quot;colorType&quot;:0},&quot;threeD&quot;:{&quot;curvedSurface&quot;:{&quot;brightness&quot;:0,&quot;colorType&quot;:2,&quot;rgb&quot;:&quot;#000000&quot;},&quot;depth&quot;:{&quot;colorType&quot;:0}}}}"/>
+  <p:tag name="KSO_WM_UNIT_FILL_FORE_SCHEMECOLOR_INDEX_BRIGHTNESS" val="0.9"/>
+  <p:tag name="KSO_WM_DIAGRAM_VERSION" val="3"/>
+  <p:tag name="KSO_WM_DIAGRAM_COLOR_TRICK" val="2"/>
+  <p:tag name="KSO_WM_DIAGRAM_COLOR_TEXT_CAN_REMOVE" val="n"/>
+  <p:tag name="KSO_WM_UNIT_HIGHLIGHT" val="0"/>
+  <p:tag name="KSO_WM_UNIT_COMPATIBLE" val="0"/>
+  <p:tag name="KSO_WM_UNIT_DIAGRAM_ISNUMVISUAL" val="0"/>
+  <p:tag name="KSO_WM_UNIT_DIAGRAM_ISREFERUNIT" val="0"/>
+  <p:tag name="KSO_WM_DIAGRAM_GROUP_CODE" val="l1-1"/>
+  <p:tag name="KSO_WM_UNIT_SUBTYPE" val="d"/>
+  <p:tag name="KSO_WM_UNIT_TYPE" val="l_h_i"/>
+  <p:tag name="KSO_WM_UNIT_INDEX" val="1_3_1"/>
+  <p:tag name="KSO_WM_UNIT_ID" val="diagram20231298_3*l_h_i*1_3_1"/>
+  <p:tag name="KSO_WM_TEMPLATE_CATEGORY" val="diagram"/>
+  <p:tag name="KSO_WM_TEMPLATE_INDEX" val="20231298"/>
+  <p:tag name="KSO_WM_UNIT_LAYERLEVEL" val="1_1_1"/>
+  <p:tag name="KSO_WM_TAG_VERSION" val="3.0"/>
+  <p:tag name="KSO_WM_BEAUTIFY_FLAG" val="#wm#"/>
+  <p:tag name="KSO_WM_UNIT_PRESET_TEXT" val="3"/>
+  <p:tag name="KSO_WM_UNIT_FILL_TYPE" val="3"/>
+  <p:tag name="KSO_WM_UNIT_TEXT_FILL_FORE_SCHEMECOLOR_INDEX" val="1"/>
+  <p:tag name="KSO_WM_UNIT_TEXT_FILL_TYPE" val="1"/>
+</p:tagLst>
+</file>
+
+<file path=ppt/tags/tag118.xml><?xml version="1.0" encoding="utf-8"?>
 <p:tagLst xmlns:a="http://schemas.openxmlformats.org/drawingml/2006/main" xmlns:r="http://schemas.openxmlformats.org/officeDocument/2006/relationships" xmlns:p="http://schemas.openxmlformats.org/presentationml/2006/main">
   <p:tag name="KSO_WM_DIAGRAM_MAX_ITEMCNT" val="6"/>
   <p:tag name="KSO_WM_DIAGRAM_MIN_ITEMCNT" val="2"/>
@@ -27730,100 +29610,7 @@
 </p:tagLst>
 </file>
 
-<file path=ppt/tags/tag113.xml><?xml version="1.0" encoding="utf-8"?>
-<p:tagLst xmlns:a="http://schemas.openxmlformats.org/drawingml/2006/main" xmlns:r="http://schemas.openxmlformats.org/officeDocument/2006/relationships" xmlns:p="http://schemas.openxmlformats.org/presentationml/2006/main">
-  <p:tag name="KSO_WM_DIAGRAM_MAX_ITEMCNT" val="6"/>
-  <p:tag name="KSO_WM_DIAGRAM_MIN_ITEMCNT" val="2"/>
-  <p:tag name="KSO_WM_DIAGRAM_VIRTUALLY_FRAME" val="{&quot;height&quot;:254.17961120605463,&quot;left&quot;:47.67235019954169,&quot;top&quot;:177.81948573555533,&quot;width&quot;:864.8666381835938}"/>
-  <p:tag name="KSO_WM_DIAGRAM_COLOR_MATCH_VALUE" val="{&quot;shape&quot;:{&quot;fill&quot;:{&quot;solid&quot;:{&quot;brightness&quot;:0,&quot;colorType&quot;:1,&quot;foreColorIndex&quot;:5,&quot;transparency&quot;:0},&quot;type&quot;:1},&quot;glow&quot;:{&quot;colorType&quot;:0},&quot;line&quot;:{&quot;type&quot;:0},&quot;shadow&quot;:{&quot;colorType&quot;:0},&quot;threeD&quot;:{&quot;curvedSurface&quot;:{&quot;brightness&quot;:0,&quot;colorType&quot;:2,&quot;rgb&quot;:&quot;#000000&quot;},&quot;depth&quot;:{&quot;colorType&quot;:0}}},&quot;text&quot;:{&quot;fill&quot;:{&quot;solid&quot;:{&quot;brightness&quot;:0,&quot;colorType&quot;:2,&quot;rgb&quot;:&quot;#ffffff&quot;,&quot;transparency&quot;:0},&quot;type&quot;:1},&quot;glow&quot;:{&quot;colorType&quot;:0},&quot;line&quot;:{&quot;type&quot;:0},&quot;shadow&quot;:{&quot;colorType&quot;:0},&quot;threeD&quot;:{&quot;curvedSurface&quot;:{&quot;brightness&quot;:0,&quot;colorType&quot;:2,&quot;rgb&quot;:&quot;#000000&quot;},&quot;depth&quot;:{&quot;colorType&quot;:0}}}}"/>
-  <p:tag name="KSO_WM_DIAGRAM_VERSION" val="3"/>
-  <p:tag name="KSO_WM_DIAGRAM_COLOR_TRICK" val="2"/>
-  <p:tag name="KSO_WM_DIAGRAM_COLOR_TEXT_CAN_REMOVE" val="n"/>
-  <p:tag name="KSO_WM_UNIT_SUBTYPE" val="a"/>
-  <p:tag name="KSO_WM_UNIT_NOCLEAR" val="0"/>
-  <p:tag name="KSO_WM_UNIT_HIGHLIGHT" val="0"/>
-  <p:tag name="KSO_WM_UNIT_COMPATIBLE" val="0"/>
-  <p:tag name="KSO_WM_UNIT_DIAGRAM_ISNUMVISUAL" val="0"/>
-  <p:tag name="KSO_WM_UNIT_DIAGRAM_ISREFERUNIT" val="0"/>
-  <p:tag name="KSO_WM_DIAGRAM_GROUP_CODE" val="l1-1"/>
-  <p:tag name="KSO_WM_UNIT_TYPE" val="l_h_f"/>
-  <p:tag name="KSO_WM_UNIT_INDEX" val="1_1_1"/>
-  <p:tag name="KSO_WM_UNIT_ID" val="diagram20231298_3*l_h_f*1_1_1"/>
-  <p:tag name="KSO_WM_TEMPLATE_CATEGORY" val="diagram"/>
-  <p:tag name="KSO_WM_TEMPLATE_INDEX" val="20231298"/>
-  <p:tag name="KSO_WM_UNIT_LAYERLEVEL" val="1_1_1"/>
-  <p:tag name="KSO_WM_TAG_VERSION" val="3.0"/>
-  <p:tag name="KSO_WM_BEAUTIFY_FLAG" val="#wm#"/>
-  <p:tag name="KSO_WM_UNIT_PRESET_TEXT" val="单击此处输入你的正文，文字是您思想的提炼，为了最终演示发布的良好效果"/>
-  <p:tag name="KSO_WM_UNIT_FILL_TYPE" val="1"/>
-  <p:tag name="KSO_WM_UNIT_FILL_FORE_SCHEMECOLOR_INDEX" val="5"/>
-  <p:tag name="KSO_WM_UNIT_FILL_FORE_SCHEMECOLOR_INDEX_BRIGHTNESS" val="0"/>
-</p:tagLst>
-</file>
-
-<file path=ppt/tags/tag114.xml><?xml version="1.0" encoding="utf-8"?>
-<p:tagLst xmlns:a="http://schemas.openxmlformats.org/drawingml/2006/main" xmlns:r="http://schemas.openxmlformats.org/officeDocument/2006/relationships" xmlns:p="http://schemas.openxmlformats.org/presentationml/2006/main">
-  <p:tag name="KSO_WM_DIAGRAM_MAX_ITEMCNT" val="6"/>
-  <p:tag name="KSO_WM_DIAGRAM_MIN_ITEMCNT" val="2"/>
-  <p:tag name="KSO_WM_DIAGRAM_VIRTUALLY_FRAME" val="{&quot;height&quot;:254.17961120605463,&quot;left&quot;:47.67235019954169,&quot;top&quot;:177.81948573555533,&quot;width&quot;:864.8666381835938}"/>
-  <p:tag name="KSO_WM_DIAGRAM_COLOR_MATCH_VALUE" val="{&quot;shape&quot;:{&quot;fill&quot;:{&quot;solid&quot;:{&quot;brightness&quot;:0,&quot;colorType&quot;:1,&quot;foreColorIndex&quot;:6,&quot;transparency&quot;:0},&quot;type&quot;:1},&quot;glow&quot;:{&quot;colorType&quot;:0},&quot;line&quot;:{&quot;type&quot;:0},&quot;shadow&quot;:{&quot;colorType&quot;:0},&quot;threeD&quot;:{&quot;curvedSurface&quot;:{&quot;brightness&quot;:0,&quot;colorType&quot;:2,&quot;rgb&quot;:&quot;#000000&quot;},&quot;depth&quot;:{&quot;colorType&quot;:0}}},&quot;text&quot;:{&quot;fill&quot;:{&quot;solid&quot;:{&quot;brightness&quot;:0,&quot;colorType&quot;:2,&quot;rgb&quot;:&quot;#ffffff&quot;,&quot;transparency&quot;:0},&quot;type&quot;:1},&quot;glow&quot;:{&quot;colorType&quot;:0},&quot;line&quot;:{&quot;type&quot;:0},&quot;shadow&quot;:{&quot;colorType&quot;:0},&quot;threeD&quot;:{&quot;curvedSurface&quot;:{&quot;brightness&quot;:0,&quot;colorType&quot;:2,&quot;rgb&quot;:&quot;#000000&quot;},&quot;depth&quot;:{&quot;colorType&quot;:0}}}}"/>
-  <p:tag name="KSO_WM_DIAGRAM_VERSION" val="3"/>
-  <p:tag name="KSO_WM_DIAGRAM_COLOR_TRICK" val="2"/>
-  <p:tag name="KSO_WM_DIAGRAM_COLOR_TEXT_CAN_REMOVE" val="n"/>
-  <p:tag name="KSO_WM_UNIT_SUBTYPE" val="a"/>
-  <p:tag name="KSO_WM_UNIT_NOCLEAR" val="0"/>
-  <p:tag name="KSO_WM_UNIT_HIGHLIGHT" val="0"/>
-  <p:tag name="KSO_WM_UNIT_COMPATIBLE" val="0"/>
-  <p:tag name="KSO_WM_UNIT_DIAGRAM_ISNUMVISUAL" val="0"/>
-  <p:tag name="KSO_WM_UNIT_DIAGRAM_ISREFERUNIT" val="0"/>
-  <p:tag name="KSO_WM_DIAGRAM_GROUP_CODE" val="l1-1"/>
-  <p:tag name="KSO_WM_UNIT_TYPE" val="l_h_f"/>
-  <p:tag name="KSO_WM_UNIT_INDEX" val="1_2_1"/>
-  <p:tag name="KSO_WM_UNIT_ID" val="diagram20231298_3*l_h_f*1_2_1"/>
-  <p:tag name="KSO_WM_TEMPLATE_CATEGORY" val="diagram"/>
-  <p:tag name="KSO_WM_TEMPLATE_INDEX" val="20231298"/>
-  <p:tag name="KSO_WM_UNIT_LAYERLEVEL" val="1_1_1"/>
-  <p:tag name="KSO_WM_TAG_VERSION" val="3.0"/>
-  <p:tag name="KSO_WM_BEAUTIFY_FLAG" val="#wm#"/>
-  <p:tag name="KSO_WM_UNIT_PRESET_TEXT" val="单击此处输入你的正文，文字是您思想的提炼，为了最终演示发布的良好效果"/>
-  <p:tag name="KSO_WM_UNIT_FILL_TYPE" val="1"/>
-  <p:tag name="KSO_WM_UNIT_FILL_FORE_SCHEMECOLOR_INDEX" val="6"/>
-  <p:tag name="KSO_WM_UNIT_FILL_FORE_SCHEMECOLOR_INDEX_BRIGHTNESS" val="0"/>
-</p:tagLst>
-</file>
-
-<file path=ppt/tags/tag115.xml><?xml version="1.0" encoding="utf-8"?>
-<p:tagLst xmlns:a="http://schemas.openxmlformats.org/drawingml/2006/main" xmlns:r="http://schemas.openxmlformats.org/officeDocument/2006/relationships" xmlns:p="http://schemas.openxmlformats.org/presentationml/2006/main">
-  <p:tag name="KSO_WM_DIAGRAM_MAX_ITEMCNT" val="6"/>
-  <p:tag name="KSO_WM_DIAGRAM_MIN_ITEMCNT" val="2"/>
-  <p:tag name="KSO_WM_DIAGRAM_VIRTUALLY_FRAME" val="{&quot;height&quot;:254.17961120605463,&quot;left&quot;:47.67235019954169,&quot;top&quot;:177.81948573555533,&quot;width&quot;:864.8666381835938}"/>
-  <p:tag name="KSO_WM_DIAGRAM_COLOR_MATCH_VALUE" val="{&quot;shape&quot;:{&quot;fill&quot;:{&quot;gradient&quot;:[{&quot;brightness&quot;:0.8999999761581421,&quot;colorType&quot;:1,&quot;foreColorIndex&quot;:5,&quot;pos&quot;:0.019999999552965164,&quot;transparency&quot;:0},{&quot;brightness&quot;:0.8999999761581421,&quot;colorType&quot;:1,&quot;foreColorIndex&quot;:5,&quot;pos&quot;:1,&quot;transparency&quot;:0}],&quot;type&quot;:3},&quot;glow&quot;:{&quot;colorType&quot;:0},&quot;line&quot;:{&quot;type&quot;:0},&quot;shadow&quot;:{&quot;colorType&quot;:0},&quot;threeD&quot;:{&quot;curvedSurface&quot;:{&quot;brightness&quot;:0,&quot;colorType&quot;:2,&quot;rgb&quot;:&quot;#000000&quot;},&quot;depth&quot;:{&quot;colorType&quot;:0}}},&quot;text&quot;:{&quot;fill&quot;:{&quot;solid&quot;:{&quot;brightness&quot;:0,&quot;colorType&quot;:1,&quot;foreColorIndex&quot;:5,&quot;transparency&quot;:0},&quot;type&quot;:1},&quot;glow&quot;:{&quot;colorType&quot;:0},&quot;line&quot;:{&quot;type&quot;:0},&quot;shadow&quot;:{&quot;colorType&quot;:0},&quot;threeD&quot;:{&quot;curvedSurface&quot;:{&quot;brightness&quot;:0,&quot;colorType&quot;:2,&quot;rgb&quot;:&quot;#000000&quot;},&quot;depth&quot;:{&quot;colorType&quot;:0}}}}"/>
-  <p:tag name="KSO_WM_UNIT_FILL_FORE_SCHEMECOLOR_INDEX_BRIGHTNESS" val="0.9"/>
-  <p:tag name="KSO_WM_DIAGRAM_VERSION" val="3"/>
-  <p:tag name="KSO_WM_DIAGRAM_COLOR_TRICK" val="2"/>
-  <p:tag name="KSO_WM_DIAGRAM_COLOR_TEXT_CAN_REMOVE" val="n"/>
-  <p:tag name="KSO_WM_UNIT_HIGHLIGHT" val="0"/>
-  <p:tag name="KSO_WM_UNIT_COMPATIBLE" val="0"/>
-  <p:tag name="KSO_WM_UNIT_DIAGRAM_ISNUMVISUAL" val="0"/>
-  <p:tag name="KSO_WM_UNIT_DIAGRAM_ISREFERUNIT" val="0"/>
-  <p:tag name="KSO_WM_DIAGRAM_GROUP_CODE" val="l1-1"/>
-  <p:tag name="KSO_WM_UNIT_SUBTYPE" val="d"/>
-  <p:tag name="KSO_WM_UNIT_TYPE" val="l_h_i"/>
-  <p:tag name="KSO_WM_UNIT_INDEX" val="1_1_1"/>
-  <p:tag name="KSO_WM_UNIT_ID" val="diagram20231298_3*l_h_i*1_1_1"/>
-  <p:tag name="KSO_WM_TEMPLATE_CATEGORY" val="diagram"/>
-  <p:tag name="KSO_WM_TEMPLATE_INDEX" val="20231298"/>
-  <p:tag name="KSO_WM_UNIT_LAYERLEVEL" val="1_1_1"/>
-  <p:tag name="KSO_WM_TAG_VERSION" val="3.0"/>
-  <p:tag name="KSO_WM_BEAUTIFY_FLAG" val="#wm#"/>
-  <p:tag name="KSO_WM_UNIT_PRESET_TEXT" val="1"/>
-  <p:tag name="KSO_WM_UNIT_FILL_TYPE" val="3"/>
-  <p:tag name="KSO_WM_UNIT_TEXT_FILL_FORE_SCHEMECOLOR_INDEX" val="1"/>
-  <p:tag name="KSO_WM_UNIT_TEXT_FILL_TYPE" val="1"/>
-</p:tagLst>
-</file>
-
-<file path=ppt/tags/tag116.xml><?xml version="1.0" encoding="utf-8"?>
+<file path=ppt/tags/tag119.xml><?xml version="1.0" encoding="utf-8"?>
 <p:tagLst xmlns:a="http://schemas.openxmlformats.org/drawingml/2006/main" xmlns:r="http://schemas.openxmlformats.org/officeDocument/2006/relationships" xmlns:p="http://schemas.openxmlformats.org/presentationml/2006/main">
   <p:tag name="KSO_WM_DIAGRAM_MAX_ITEMCNT" val="6"/>
   <p:tag name="KSO_WM_DIAGRAM_MIN_ITEMCNT" val="2"/>
@@ -27840,110 +29627,17 @@
   <p:tag name="KSO_WM_DIAGRAM_GROUP_CODE" val="l1-1"/>
   <p:tag name="KSO_WM_UNIT_SUBTYPE" val="d"/>
   <p:tag name="KSO_WM_UNIT_TYPE" val="l_h_i"/>
-  <p:tag name="KSO_WM_UNIT_INDEX" val="1_2_1"/>
-  <p:tag name="KSO_WM_UNIT_ID" val="diagram20231298_3*l_h_i*1_2_1"/>
+  <p:tag name="KSO_WM_UNIT_INDEX" val="1_4_1"/>
+  <p:tag name="KSO_WM_UNIT_ID" val="diagram20231298_3*l_h_i*1_4_1"/>
   <p:tag name="KSO_WM_TEMPLATE_CATEGORY" val="diagram"/>
   <p:tag name="KSO_WM_TEMPLATE_INDEX" val="20231298"/>
   <p:tag name="KSO_WM_UNIT_LAYERLEVEL" val="1_1_1"/>
   <p:tag name="KSO_WM_TAG_VERSION" val="3.0"/>
   <p:tag name="KSO_WM_BEAUTIFY_FLAG" val="#wm#"/>
-  <p:tag name="KSO_WM_UNIT_PRESET_TEXT" val="2"/>
+  <p:tag name="KSO_WM_UNIT_PRESET_TEXT" val="4"/>
   <p:tag name="KSO_WM_UNIT_FILL_TYPE" val="3"/>
   <p:tag name="KSO_WM_UNIT_TEXT_FILL_FORE_SCHEMECOLOR_INDEX" val="1"/>
   <p:tag name="KSO_WM_UNIT_TEXT_FILL_TYPE" val="1"/>
-</p:tagLst>
-</file>
-
-<file path=ppt/tags/tag117.xml><?xml version="1.0" encoding="utf-8"?>
-<p:tagLst xmlns:a="http://schemas.openxmlformats.org/drawingml/2006/main" xmlns:r="http://schemas.openxmlformats.org/officeDocument/2006/relationships" xmlns:p="http://schemas.openxmlformats.org/presentationml/2006/main">
-  <p:tag name="KSO_WM_DIAGRAM_MAX_ITEMCNT" val="6"/>
-  <p:tag name="KSO_WM_DIAGRAM_MIN_ITEMCNT" val="2"/>
-  <p:tag name="KSO_WM_DIAGRAM_VIRTUALLY_FRAME" val="{&quot;height&quot;:254.17961120605463,&quot;left&quot;:47.67235019954169,&quot;top&quot;:177.81948573555533,&quot;width&quot;:864.8666381835938}"/>
-  <p:tag name="KSO_WM_DIAGRAM_COLOR_MATCH_VALUE" val="{&quot;shape&quot;:{&quot;fill&quot;:{&quot;solid&quot;:{&quot;brightness&quot;:0,&quot;colorType&quot;:1,&quot;foreColorIndex&quot;:5,&quot;transparency&quot;:0},&quot;type&quot;:1},&quot;glow&quot;:{&quot;colorType&quot;:0},&quot;line&quot;:{&quot;type&quot;:0},&quot;shadow&quot;:{&quot;colorType&quot;:0},&quot;threeD&quot;:{&quot;curvedSurface&quot;:{&quot;brightness&quot;:0,&quot;colorType&quot;:2,&quot;rgb&quot;:&quot;#000000&quot;},&quot;depth&quot;:{&quot;colorType&quot;:0}}},&quot;text&quot;:{&quot;fill&quot;:{&quot;solid&quot;:{&quot;brightness&quot;:0,&quot;colorType&quot;:2,&quot;rgb&quot;:&quot;#ffffff&quot;,&quot;transparency&quot;:0},&quot;type&quot;:1},&quot;glow&quot;:{&quot;colorType&quot;:0},&quot;line&quot;:{&quot;type&quot;:0},&quot;shadow&quot;:{&quot;colorType&quot;:0},&quot;threeD&quot;:{&quot;curvedSurface&quot;:{&quot;brightness&quot;:0,&quot;colorType&quot;:2,&quot;rgb&quot;:&quot;#000000&quot;},&quot;depth&quot;:{&quot;colorType&quot;:0}}}}"/>
-  <p:tag name="KSO_WM_DIAGRAM_VERSION" val="3"/>
-  <p:tag name="KSO_WM_DIAGRAM_COLOR_TRICK" val="2"/>
-  <p:tag name="KSO_WM_DIAGRAM_COLOR_TEXT_CAN_REMOVE" val="n"/>
-  <p:tag name="KSO_WM_UNIT_SUBTYPE" val="a"/>
-  <p:tag name="KSO_WM_UNIT_NOCLEAR" val="0"/>
-  <p:tag name="KSO_WM_UNIT_HIGHLIGHT" val="0"/>
-  <p:tag name="KSO_WM_UNIT_COMPATIBLE" val="0"/>
-  <p:tag name="KSO_WM_UNIT_DIAGRAM_ISNUMVISUAL" val="0"/>
-  <p:tag name="KSO_WM_UNIT_DIAGRAM_ISREFERUNIT" val="0"/>
-  <p:tag name="KSO_WM_DIAGRAM_GROUP_CODE" val="l1-1"/>
-  <p:tag name="KSO_WM_UNIT_TYPE" val="l_h_f"/>
-  <p:tag name="KSO_WM_UNIT_INDEX" val="1_3_1"/>
-  <p:tag name="KSO_WM_UNIT_ID" val="diagram20231298_3*l_h_f*1_3_1"/>
-  <p:tag name="KSO_WM_TEMPLATE_CATEGORY" val="diagram"/>
-  <p:tag name="KSO_WM_TEMPLATE_INDEX" val="20231298"/>
-  <p:tag name="KSO_WM_UNIT_LAYERLEVEL" val="1_1_1"/>
-  <p:tag name="KSO_WM_TAG_VERSION" val="3.0"/>
-  <p:tag name="KSO_WM_BEAUTIFY_FLAG" val="#wm#"/>
-  <p:tag name="KSO_WM_UNIT_PRESET_TEXT" val="单击此处输入你的正文，文字是您思想的提炼，为了最终演示发布的良好效果"/>
-  <p:tag name="KSO_WM_UNIT_FILL_TYPE" val="1"/>
-  <p:tag name="KSO_WM_UNIT_FILL_FORE_SCHEMECOLOR_INDEX" val="5"/>
-  <p:tag name="KSO_WM_UNIT_FILL_FORE_SCHEMECOLOR_INDEX_BRIGHTNESS" val="0"/>
-</p:tagLst>
-</file>
-
-<file path=ppt/tags/tag118.xml><?xml version="1.0" encoding="utf-8"?>
-<p:tagLst xmlns:a="http://schemas.openxmlformats.org/drawingml/2006/main" xmlns:r="http://schemas.openxmlformats.org/officeDocument/2006/relationships" xmlns:p="http://schemas.openxmlformats.org/presentationml/2006/main">
-  <p:tag name="KSO_WM_DIAGRAM_MAX_ITEMCNT" val="6"/>
-  <p:tag name="KSO_WM_DIAGRAM_MIN_ITEMCNT" val="2"/>
-  <p:tag name="KSO_WM_DIAGRAM_VIRTUALLY_FRAME" val="{&quot;height&quot;:254.17961120605463,&quot;left&quot;:47.67235019954169,&quot;top&quot;:177.81948573555533,&quot;width&quot;:864.8666381835938}"/>
-  <p:tag name="KSO_WM_DIAGRAM_COLOR_MATCH_VALUE" val="{&quot;shape&quot;:{&quot;fill&quot;:{&quot;gradient&quot;:[{&quot;brightness&quot;:0.8999999761581421,&quot;colorType&quot;:1,&quot;foreColorIndex&quot;:5,&quot;pos&quot;:0.019999999552965164,&quot;transparency&quot;:0},{&quot;brightness&quot;:0.8999999761581421,&quot;colorType&quot;:1,&quot;foreColorIndex&quot;:5,&quot;pos&quot;:1,&quot;transparency&quot;:0}],&quot;type&quot;:3},&quot;glow&quot;:{&quot;colorType&quot;:0},&quot;line&quot;:{&quot;type&quot;:0},&quot;shadow&quot;:{&quot;colorType&quot;:0},&quot;threeD&quot;:{&quot;curvedSurface&quot;:{&quot;brightness&quot;:0,&quot;colorType&quot;:2,&quot;rgb&quot;:&quot;#000000&quot;},&quot;depth&quot;:{&quot;colorType&quot;:0}}},&quot;text&quot;:{&quot;fill&quot;:{&quot;solid&quot;:{&quot;brightness&quot;:0,&quot;colorType&quot;:1,&quot;foreColorIndex&quot;:5,&quot;transparency&quot;:0},&quot;type&quot;:1},&quot;glow&quot;:{&quot;colorType&quot;:0},&quot;line&quot;:{&quot;type&quot;:0},&quot;shadow&quot;:{&quot;colorType&quot;:0},&quot;threeD&quot;:{&quot;curvedSurface&quot;:{&quot;brightness&quot;:0,&quot;colorType&quot;:2,&quot;rgb&quot;:&quot;#000000&quot;},&quot;depth&quot;:{&quot;colorType&quot;:0}}}}"/>
-  <p:tag name="KSO_WM_UNIT_FILL_FORE_SCHEMECOLOR_INDEX_BRIGHTNESS" val="0.9"/>
-  <p:tag name="KSO_WM_DIAGRAM_VERSION" val="3"/>
-  <p:tag name="KSO_WM_DIAGRAM_COLOR_TRICK" val="2"/>
-  <p:tag name="KSO_WM_DIAGRAM_COLOR_TEXT_CAN_REMOVE" val="n"/>
-  <p:tag name="KSO_WM_UNIT_HIGHLIGHT" val="0"/>
-  <p:tag name="KSO_WM_UNIT_COMPATIBLE" val="0"/>
-  <p:tag name="KSO_WM_UNIT_DIAGRAM_ISNUMVISUAL" val="0"/>
-  <p:tag name="KSO_WM_UNIT_DIAGRAM_ISREFERUNIT" val="0"/>
-  <p:tag name="KSO_WM_DIAGRAM_GROUP_CODE" val="l1-1"/>
-  <p:tag name="KSO_WM_UNIT_SUBTYPE" val="d"/>
-  <p:tag name="KSO_WM_UNIT_TYPE" val="l_h_i"/>
-  <p:tag name="KSO_WM_UNIT_INDEX" val="1_3_1"/>
-  <p:tag name="KSO_WM_UNIT_ID" val="diagram20231298_3*l_h_i*1_3_1"/>
-  <p:tag name="KSO_WM_TEMPLATE_CATEGORY" val="diagram"/>
-  <p:tag name="KSO_WM_TEMPLATE_INDEX" val="20231298"/>
-  <p:tag name="KSO_WM_UNIT_LAYERLEVEL" val="1_1_1"/>
-  <p:tag name="KSO_WM_TAG_VERSION" val="3.0"/>
-  <p:tag name="KSO_WM_BEAUTIFY_FLAG" val="#wm#"/>
-  <p:tag name="KSO_WM_UNIT_PRESET_TEXT" val="3"/>
-  <p:tag name="KSO_WM_UNIT_FILL_TYPE" val="3"/>
-  <p:tag name="KSO_WM_UNIT_TEXT_FILL_FORE_SCHEMECOLOR_INDEX" val="1"/>
-  <p:tag name="KSO_WM_UNIT_TEXT_FILL_TYPE" val="1"/>
-</p:tagLst>
-</file>
-
-<file path=ppt/tags/tag119.xml><?xml version="1.0" encoding="utf-8"?>
-<p:tagLst xmlns:a="http://schemas.openxmlformats.org/drawingml/2006/main" xmlns:r="http://schemas.openxmlformats.org/officeDocument/2006/relationships" xmlns:p="http://schemas.openxmlformats.org/presentationml/2006/main">
-  <p:tag name="KSO_WM_DIAGRAM_MAX_ITEMCNT" val="6"/>
-  <p:tag name="KSO_WM_DIAGRAM_MIN_ITEMCNT" val="2"/>
-  <p:tag name="KSO_WM_DIAGRAM_VIRTUALLY_FRAME" val="{&quot;height&quot;:254.17961120605463,&quot;left&quot;:47.67235019954169,&quot;top&quot;:177.81948573555533,&quot;width&quot;:864.8666381835938}"/>
-  <p:tag name="KSO_WM_DIAGRAM_COLOR_MATCH_VALUE" val="{&quot;shape&quot;:{&quot;fill&quot;:{&quot;solid&quot;:{&quot;brightness&quot;:0,&quot;colorType&quot;:1,&quot;foreColorIndex&quot;:6,&quot;transparency&quot;:0},&quot;type&quot;:1},&quot;glow&quot;:{&quot;colorType&quot;:0},&quot;line&quot;:{&quot;type&quot;:0},&quot;shadow&quot;:{&quot;colorType&quot;:0},&quot;threeD&quot;:{&quot;curvedSurface&quot;:{&quot;brightness&quot;:0,&quot;colorType&quot;:2,&quot;rgb&quot;:&quot;#000000&quot;},&quot;depth&quot;:{&quot;colorType&quot;:0}}},&quot;text&quot;:{&quot;fill&quot;:{&quot;solid&quot;:{&quot;brightness&quot;:0,&quot;colorType&quot;:2,&quot;rgb&quot;:&quot;#ffffff&quot;,&quot;transparency&quot;:0},&quot;type&quot;:1},&quot;glow&quot;:{&quot;colorType&quot;:0},&quot;line&quot;:{&quot;type&quot;:0},&quot;shadow&quot;:{&quot;colorType&quot;:0},&quot;threeD&quot;:{&quot;curvedSurface&quot;:{&quot;brightness&quot;:0,&quot;colorType&quot;:2,&quot;rgb&quot;:&quot;#000000&quot;},&quot;depth&quot;:{&quot;colorType&quot;:0}}}}"/>
-  <p:tag name="KSO_WM_DIAGRAM_VERSION" val="3"/>
-  <p:tag name="KSO_WM_DIAGRAM_COLOR_TRICK" val="2"/>
-  <p:tag name="KSO_WM_DIAGRAM_COLOR_TEXT_CAN_REMOVE" val="n"/>
-  <p:tag name="KSO_WM_UNIT_SUBTYPE" val="a"/>
-  <p:tag name="KSO_WM_UNIT_NOCLEAR" val="0"/>
-  <p:tag name="KSO_WM_UNIT_HIGHLIGHT" val="0"/>
-  <p:tag name="KSO_WM_UNIT_COMPATIBLE" val="0"/>
-  <p:tag name="KSO_WM_UNIT_DIAGRAM_ISNUMVISUAL" val="0"/>
-  <p:tag name="KSO_WM_UNIT_DIAGRAM_ISREFERUNIT" val="0"/>
-  <p:tag name="KSO_WM_DIAGRAM_GROUP_CODE" val="l1-1"/>
-  <p:tag name="KSO_WM_UNIT_TYPE" val="l_h_f"/>
-  <p:tag name="KSO_WM_UNIT_INDEX" val="1_4_1"/>
-  <p:tag name="KSO_WM_UNIT_ID" val="diagram20231298_3*l_h_f*1_4_1"/>
-  <p:tag name="KSO_WM_TEMPLATE_CATEGORY" val="diagram"/>
-  <p:tag name="KSO_WM_TEMPLATE_INDEX" val="20231298"/>
-  <p:tag name="KSO_WM_UNIT_LAYERLEVEL" val="1_1_1"/>
-  <p:tag name="KSO_WM_TAG_VERSION" val="3.0"/>
-  <p:tag name="KSO_WM_BEAUTIFY_FLAG" val="#wm#"/>
-  <p:tag name="KSO_WM_UNIT_PRESET_TEXT" val="单击此处输入你的正文，文字是您思想的提炼，为了最终演示发布的良好效果"/>
-  <p:tag name="KSO_WM_UNIT_FILL_TYPE" val="1"/>
-  <p:tag name="KSO_WM_UNIT_FILL_FORE_SCHEMECOLOR_INDEX" val="6"/>
-  <p:tag name="KSO_WM_UNIT_FILL_FORE_SCHEMECOLOR_INDEX_BRIGHTNESS" val="0"/>
 </p:tagLst>
 </file>
 
@@ -27989,6 +29683,37 @@
   <p:tag name="KSO_WM_DIAGRAM_GROUP_CODE" val="l1-1"/>
   <p:tag name="KSO_WM_UNIT_SUBTYPE" val="d"/>
   <p:tag name="KSO_WM_UNIT_TYPE" val="l_h_i"/>
+  <p:tag name="KSO_WM_UNIT_INDEX" val="1_2_1"/>
+  <p:tag name="KSO_WM_UNIT_ID" val="diagram20231298_3*l_h_i*1_2_1"/>
+  <p:tag name="KSO_WM_TEMPLATE_CATEGORY" val="diagram"/>
+  <p:tag name="KSO_WM_TEMPLATE_INDEX" val="20231298"/>
+  <p:tag name="KSO_WM_UNIT_LAYERLEVEL" val="1_1_1"/>
+  <p:tag name="KSO_WM_TAG_VERSION" val="3.0"/>
+  <p:tag name="KSO_WM_BEAUTIFY_FLAG" val="#wm#"/>
+  <p:tag name="KSO_WM_UNIT_PRESET_TEXT" val="2"/>
+  <p:tag name="KSO_WM_UNIT_FILL_TYPE" val="3"/>
+  <p:tag name="KSO_WM_UNIT_TEXT_FILL_FORE_SCHEMECOLOR_INDEX" val="1"/>
+  <p:tag name="KSO_WM_UNIT_TEXT_FILL_TYPE" val="1"/>
+</p:tagLst>
+</file>
+
+<file path=ppt/tags/tag121.xml><?xml version="1.0" encoding="utf-8"?>
+<p:tagLst xmlns:a="http://schemas.openxmlformats.org/drawingml/2006/main" xmlns:r="http://schemas.openxmlformats.org/officeDocument/2006/relationships" xmlns:p="http://schemas.openxmlformats.org/presentationml/2006/main">
+  <p:tag name="KSO_WM_DIAGRAM_MAX_ITEMCNT" val="6"/>
+  <p:tag name="KSO_WM_DIAGRAM_MIN_ITEMCNT" val="2"/>
+  <p:tag name="KSO_WM_DIAGRAM_VIRTUALLY_FRAME" val="{&quot;height&quot;:254.17961120605463,&quot;left&quot;:47.67235019954169,&quot;top&quot;:177.81948573555533,&quot;width&quot;:864.8666381835938}"/>
+  <p:tag name="KSO_WM_DIAGRAM_COLOR_MATCH_VALUE" val="{&quot;shape&quot;:{&quot;fill&quot;:{&quot;gradient&quot;:[{&quot;brightness&quot;:0.8999999761581421,&quot;colorType&quot;:1,&quot;foreColorIndex&quot;:6,&quot;pos&quot;:0.019999999552965164,&quot;transparency&quot;:0},{&quot;brightness&quot;:0.8999999761581421,&quot;colorType&quot;:1,&quot;foreColorIndex&quot;:6,&quot;pos&quot;:1,&quot;transparency&quot;:0}],&quot;type&quot;:3},&quot;glow&quot;:{&quot;colorType&quot;:0},&quot;line&quot;:{&quot;type&quot;:0},&quot;shadow&quot;:{&quot;colorType&quot;:0},&quot;threeD&quot;:{&quot;curvedSurface&quot;:{&quot;brightness&quot;:0,&quot;colorType&quot;:2,&quot;rgb&quot;:&quot;#000000&quot;},&quot;depth&quot;:{&quot;colorType&quot;:0}}},&quot;text&quot;:{&quot;fill&quot;:{&quot;solid&quot;:{&quot;brightness&quot;:0,&quot;colorType&quot;:1,&quot;foreColorIndex&quot;:6,&quot;transparency&quot;:0},&quot;type&quot;:1},&quot;glow&quot;:{&quot;colorType&quot;:0},&quot;line&quot;:{&quot;type&quot;:0},&quot;shadow&quot;:{&quot;colorType&quot;:0},&quot;threeD&quot;:{&quot;curvedSurface&quot;:{&quot;brightness&quot;:0,&quot;colorType&quot;:2,&quot;rgb&quot;:&quot;#000000&quot;},&quot;depth&quot;:{&quot;colorType&quot;:0}}}}"/>
+  <p:tag name="KSO_WM_UNIT_FILL_FORE_SCHEMECOLOR_INDEX_BRIGHTNESS" val="0.9"/>
+  <p:tag name="KSO_WM_DIAGRAM_VERSION" val="3"/>
+  <p:tag name="KSO_WM_DIAGRAM_COLOR_TRICK" val="2"/>
+  <p:tag name="KSO_WM_DIAGRAM_COLOR_TEXT_CAN_REMOVE" val="n"/>
+  <p:tag name="KSO_WM_UNIT_HIGHLIGHT" val="0"/>
+  <p:tag name="KSO_WM_UNIT_COMPATIBLE" val="0"/>
+  <p:tag name="KSO_WM_UNIT_DIAGRAM_ISNUMVISUAL" val="0"/>
+  <p:tag name="KSO_WM_UNIT_DIAGRAM_ISREFERUNIT" val="0"/>
+  <p:tag name="KSO_WM_DIAGRAM_GROUP_CODE" val="l1-1"/>
+  <p:tag name="KSO_WM_UNIT_SUBTYPE" val="d"/>
+  <p:tag name="KSO_WM_UNIT_TYPE" val="l_h_i"/>
   <p:tag name="KSO_WM_UNIT_INDEX" val="1_4_1"/>
   <p:tag name="KSO_WM_UNIT_ID" val="diagram20231298_3*l_h_i*1_4_1"/>
   <p:tag name="KSO_WM_TEMPLATE_CATEGORY" val="diagram"/>
@@ -28003,7 +29728,7 @@
 </p:tagLst>
 </file>
 
-<file path=ppt/tags/tag121.xml><?xml version="1.0" encoding="utf-8"?>
+<file path=ppt/tags/tag122.xml><?xml version="1.0" encoding="utf-8"?>
 <p:tagLst xmlns:a="http://schemas.openxmlformats.org/drawingml/2006/main" xmlns:r="http://schemas.openxmlformats.org/officeDocument/2006/relationships" xmlns:p="http://schemas.openxmlformats.org/presentationml/2006/main">
   <p:tag name="KSO_WM_DIAGRAM_MAX_ITEMCNT" val="6"/>
   <p:tag name="KSO_WM_DIAGRAM_MIN_ITEMCNT" val="2"/>
@@ -28034,12 +29759,105 @@
 </p:tagLst>
 </file>
 
-<file path=ppt/tags/tag122.xml><?xml version="1.0" encoding="utf-8"?>
+<file path=ppt/tags/tag123.xml><?xml version="1.0" encoding="utf-8"?>
 <p:tagLst xmlns:a="http://schemas.openxmlformats.org/drawingml/2006/main" xmlns:r="http://schemas.openxmlformats.org/officeDocument/2006/relationships" xmlns:p="http://schemas.openxmlformats.org/presentationml/2006/main">
   <p:tag name="KSO_WM_DIAGRAM_MAX_ITEMCNT" val="6"/>
   <p:tag name="KSO_WM_DIAGRAM_MIN_ITEMCNT" val="2"/>
   <p:tag name="KSO_WM_DIAGRAM_VIRTUALLY_FRAME" val="{&quot;height&quot;:254.17961120605463,&quot;left&quot;:47.67235019954169,&quot;top&quot;:177.81948573555533,&quot;width&quot;:864.8666381835938}"/>
-  <p:tag name="KSO_WM_DIAGRAM_COLOR_MATCH_VALUE" val="{&quot;shape&quot;:{&quot;fill&quot;:{&quot;gradient&quot;:[{&quot;brightness&quot;:0.8999999761581421,&quot;colorType&quot;:1,&quot;foreColorIndex&quot;:6,&quot;pos&quot;:0.019999999552965164,&quot;transparency&quot;:0},{&quot;brightness&quot;:0.8999999761581421,&quot;colorType&quot;:1,&quot;foreColorIndex&quot;:6,&quot;pos&quot;:1,&quot;transparency&quot;:0}],&quot;type&quot;:3},&quot;glow&quot;:{&quot;colorType&quot;:0},&quot;line&quot;:{&quot;type&quot;:0},&quot;shadow&quot;:{&quot;colorType&quot;:0},&quot;threeD&quot;:{&quot;curvedSurface&quot;:{&quot;brightness&quot;:0,&quot;colorType&quot;:2,&quot;rgb&quot;:&quot;#000000&quot;},&quot;depth&quot;:{&quot;colorType&quot;:0}}},&quot;text&quot;:{&quot;fill&quot;:{&quot;solid&quot;:{&quot;brightness&quot;:0,&quot;colorType&quot;:1,&quot;foreColorIndex&quot;:6,&quot;transparency&quot;:0},&quot;type&quot;:1},&quot;glow&quot;:{&quot;colorType&quot;:0},&quot;line&quot;:{&quot;type&quot;:0},&quot;shadow&quot;:{&quot;colorType&quot;:0},&quot;threeD&quot;:{&quot;curvedSurface&quot;:{&quot;brightness&quot;:0,&quot;colorType&quot;:2,&quot;rgb&quot;:&quot;#000000&quot;},&quot;depth&quot;:{&quot;colorType&quot;:0}}}}"/>
+  <p:tag name="KSO_WM_DIAGRAM_COLOR_MATCH_VALUE" val="{&quot;shape&quot;:{&quot;fill&quot;:{&quot;solid&quot;:{&quot;brightness&quot;:0,&quot;colorType&quot;:1,&quot;foreColorIndex&quot;:6,&quot;transparency&quot;:0},&quot;type&quot;:1},&quot;glow&quot;:{&quot;colorType&quot;:0},&quot;line&quot;:{&quot;type&quot;:0},&quot;shadow&quot;:{&quot;colorType&quot;:0},&quot;threeD&quot;:{&quot;curvedSurface&quot;:{&quot;brightness&quot;:0,&quot;colorType&quot;:2,&quot;rgb&quot;:&quot;#000000&quot;},&quot;depth&quot;:{&quot;colorType&quot;:0}}},&quot;text&quot;:{&quot;fill&quot;:{&quot;solid&quot;:{&quot;brightness&quot;:0,&quot;colorType&quot;:2,&quot;rgb&quot;:&quot;#ffffff&quot;,&quot;transparency&quot;:0},&quot;type&quot;:1},&quot;glow&quot;:{&quot;colorType&quot;:0},&quot;line&quot;:{&quot;type&quot;:0},&quot;shadow&quot;:{&quot;colorType&quot;:0},&quot;threeD&quot;:{&quot;curvedSurface&quot;:{&quot;brightness&quot;:0,&quot;colorType&quot;:2,&quot;rgb&quot;:&quot;#000000&quot;},&quot;depth&quot;:{&quot;colorType&quot;:0}}}}"/>
+  <p:tag name="KSO_WM_DIAGRAM_VERSION" val="3"/>
+  <p:tag name="KSO_WM_DIAGRAM_COLOR_TRICK" val="2"/>
+  <p:tag name="KSO_WM_DIAGRAM_COLOR_TEXT_CAN_REMOVE" val="n"/>
+  <p:tag name="KSO_WM_UNIT_SUBTYPE" val="a"/>
+  <p:tag name="KSO_WM_UNIT_NOCLEAR" val="0"/>
+  <p:tag name="KSO_WM_UNIT_HIGHLIGHT" val="0"/>
+  <p:tag name="KSO_WM_UNIT_COMPATIBLE" val="0"/>
+  <p:tag name="KSO_WM_UNIT_DIAGRAM_ISNUMVISUAL" val="0"/>
+  <p:tag name="KSO_WM_UNIT_DIAGRAM_ISREFERUNIT" val="0"/>
+  <p:tag name="KSO_WM_DIAGRAM_GROUP_CODE" val="l1-1"/>
+  <p:tag name="KSO_WM_UNIT_TYPE" val="l_h_f"/>
+  <p:tag name="KSO_WM_UNIT_INDEX" val="1_4_1"/>
+  <p:tag name="KSO_WM_UNIT_ID" val="diagram20231298_3*l_h_f*1_4_1"/>
+  <p:tag name="KSO_WM_TEMPLATE_CATEGORY" val="diagram"/>
+  <p:tag name="KSO_WM_TEMPLATE_INDEX" val="20231298"/>
+  <p:tag name="KSO_WM_UNIT_LAYERLEVEL" val="1_1_1"/>
+  <p:tag name="KSO_WM_TAG_VERSION" val="3.0"/>
+  <p:tag name="KSO_WM_BEAUTIFY_FLAG" val="#wm#"/>
+  <p:tag name="KSO_WM_UNIT_PRESET_TEXT" val="单击此处输入你的正文，文字是您思想的提炼，为了最终演示发布的良好效果"/>
+  <p:tag name="KSO_WM_UNIT_FILL_TYPE" val="1"/>
+  <p:tag name="KSO_WM_UNIT_FILL_FORE_SCHEMECOLOR_INDEX" val="6"/>
+  <p:tag name="KSO_WM_UNIT_FILL_FORE_SCHEMECOLOR_INDEX_BRIGHTNESS" val="0"/>
+</p:tagLst>
+</file>
+
+<file path=ppt/tags/tag124.xml><?xml version="1.0" encoding="utf-8"?>
+<p:tagLst xmlns:a="http://schemas.openxmlformats.org/drawingml/2006/main" xmlns:r="http://schemas.openxmlformats.org/officeDocument/2006/relationships" xmlns:p="http://schemas.openxmlformats.org/presentationml/2006/main">
+  <p:tag name="KSO_WM_DIAGRAM_MAX_ITEMCNT" val="6"/>
+  <p:tag name="KSO_WM_DIAGRAM_MIN_ITEMCNT" val="2"/>
+  <p:tag name="KSO_WM_DIAGRAM_VIRTUALLY_FRAME" val="{&quot;height&quot;:254.17961120605463,&quot;left&quot;:47.67235019954169,&quot;top&quot;:177.81948573555533,&quot;width&quot;:864.8666381835938}"/>
+  <p:tag name="KSO_WM_DIAGRAM_COLOR_MATCH_VALUE" val="{&quot;shape&quot;:{&quot;fill&quot;:{&quot;solid&quot;:{&quot;brightness&quot;:0,&quot;colorType&quot;:1,&quot;foreColorIndex&quot;:5,&quot;transparency&quot;:0},&quot;type&quot;:1},&quot;glow&quot;:{&quot;colorType&quot;:0},&quot;line&quot;:{&quot;type&quot;:0},&quot;shadow&quot;:{&quot;colorType&quot;:0},&quot;threeD&quot;:{&quot;curvedSurface&quot;:{&quot;brightness&quot;:0,&quot;colorType&quot;:2,&quot;rgb&quot;:&quot;#000000&quot;},&quot;depth&quot;:{&quot;colorType&quot;:0}}},&quot;text&quot;:{&quot;fill&quot;:{&quot;solid&quot;:{&quot;brightness&quot;:0,&quot;colorType&quot;:2,&quot;rgb&quot;:&quot;#ffffff&quot;,&quot;transparency&quot;:0},&quot;type&quot;:1},&quot;glow&quot;:{&quot;colorType&quot;:0},&quot;line&quot;:{&quot;type&quot;:0},&quot;shadow&quot;:{&quot;colorType&quot;:0},&quot;threeD&quot;:{&quot;curvedSurface&quot;:{&quot;brightness&quot;:0,&quot;colorType&quot;:2,&quot;rgb&quot;:&quot;#000000&quot;},&quot;depth&quot;:{&quot;colorType&quot;:0}}}}"/>
+  <p:tag name="KSO_WM_DIAGRAM_VERSION" val="3"/>
+  <p:tag name="KSO_WM_DIAGRAM_COLOR_TRICK" val="2"/>
+  <p:tag name="KSO_WM_DIAGRAM_COLOR_TEXT_CAN_REMOVE" val="n"/>
+  <p:tag name="KSO_WM_UNIT_SUBTYPE" val="a"/>
+  <p:tag name="KSO_WM_UNIT_NOCLEAR" val="0"/>
+  <p:tag name="KSO_WM_UNIT_HIGHLIGHT" val="0"/>
+  <p:tag name="KSO_WM_UNIT_COMPATIBLE" val="0"/>
+  <p:tag name="KSO_WM_UNIT_DIAGRAM_ISNUMVISUAL" val="0"/>
+  <p:tag name="KSO_WM_UNIT_DIAGRAM_ISREFERUNIT" val="0"/>
+  <p:tag name="KSO_WM_DIAGRAM_GROUP_CODE" val="l1-1"/>
+  <p:tag name="KSO_WM_UNIT_TYPE" val="l_h_f"/>
+  <p:tag name="KSO_WM_UNIT_INDEX" val="1_1_1"/>
+  <p:tag name="KSO_WM_UNIT_ID" val="diagram20231298_3*l_h_f*1_1_1"/>
+  <p:tag name="KSO_WM_TEMPLATE_CATEGORY" val="diagram"/>
+  <p:tag name="KSO_WM_TEMPLATE_INDEX" val="20231298"/>
+  <p:tag name="KSO_WM_UNIT_LAYERLEVEL" val="1_1_1"/>
+  <p:tag name="KSO_WM_TAG_VERSION" val="3.0"/>
+  <p:tag name="KSO_WM_BEAUTIFY_FLAG" val="#wm#"/>
+  <p:tag name="KSO_WM_UNIT_PRESET_TEXT" val="单击此处输入你的正文，文字是您思想的提炼，为了最终演示发布的良好效果"/>
+  <p:tag name="KSO_WM_UNIT_FILL_TYPE" val="1"/>
+  <p:tag name="KSO_WM_UNIT_FILL_FORE_SCHEMECOLOR_INDEX" val="5"/>
+  <p:tag name="KSO_WM_UNIT_FILL_FORE_SCHEMECOLOR_INDEX_BRIGHTNESS" val="0"/>
+</p:tagLst>
+</file>
+
+<file path=ppt/tags/tag125.xml><?xml version="1.0" encoding="utf-8"?>
+<p:tagLst xmlns:a="http://schemas.openxmlformats.org/drawingml/2006/main" xmlns:r="http://schemas.openxmlformats.org/officeDocument/2006/relationships" xmlns:p="http://schemas.openxmlformats.org/presentationml/2006/main">
+  <p:tag name="KSO_WM_DIAGRAM_MAX_ITEMCNT" val="6"/>
+  <p:tag name="KSO_WM_DIAGRAM_MIN_ITEMCNT" val="2"/>
+  <p:tag name="KSO_WM_DIAGRAM_VIRTUALLY_FRAME" val="{&quot;height&quot;:254.17961120605463,&quot;left&quot;:47.67235019954169,&quot;top&quot;:177.81948573555533,&quot;width&quot;:864.8666381835938}"/>
+  <p:tag name="KSO_WM_DIAGRAM_COLOR_MATCH_VALUE" val="{&quot;shape&quot;:{&quot;fill&quot;:{&quot;solid&quot;:{&quot;brightness&quot;:0,&quot;colorType&quot;:1,&quot;foreColorIndex&quot;:6,&quot;transparency&quot;:0},&quot;type&quot;:1},&quot;glow&quot;:{&quot;colorType&quot;:0},&quot;line&quot;:{&quot;type&quot;:0},&quot;shadow&quot;:{&quot;colorType&quot;:0},&quot;threeD&quot;:{&quot;curvedSurface&quot;:{&quot;brightness&quot;:0,&quot;colorType&quot;:2,&quot;rgb&quot;:&quot;#000000&quot;},&quot;depth&quot;:{&quot;colorType&quot;:0}}},&quot;text&quot;:{&quot;fill&quot;:{&quot;solid&quot;:{&quot;brightness&quot;:0,&quot;colorType&quot;:2,&quot;rgb&quot;:&quot;#ffffff&quot;,&quot;transparency&quot;:0},&quot;type&quot;:1},&quot;glow&quot;:{&quot;colorType&quot;:0},&quot;line&quot;:{&quot;type&quot;:0},&quot;shadow&quot;:{&quot;colorType&quot;:0},&quot;threeD&quot;:{&quot;curvedSurface&quot;:{&quot;brightness&quot;:0,&quot;colorType&quot;:2,&quot;rgb&quot;:&quot;#000000&quot;},&quot;depth&quot;:{&quot;colorType&quot;:0}}}}"/>
+  <p:tag name="KSO_WM_DIAGRAM_VERSION" val="3"/>
+  <p:tag name="KSO_WM_DIAGRAM_COLOR_TRICK" val="2"/>
+  <p:tag name="KSO_WM_DIAGRAM_COLOR_TEXT_CAN_REMOVE" val="n"/>
+  <p:tag name="KSO_WM_UNIT_SUBTYPE" val="a"/>
+  <p:tag name="KSO_WM_UNIT_NOCLEAR" val="0"/>
+  <p:tag name="KSO_WM_UNIT_HIGHLIGHT" val="0"/>
+  <p:tag name="KSO_WM_UNIT_COMPATIBLE" val="0"/>
+  <p:tag name="KSO_WM_UNIT_DIAGRAM_ISNUMVISUAL" val="0"/>
+  <p:tag name="KSO_WM_UNIT_DIAGRAM_ISREFERUNIT" val="0"/>
+  <p:tag name="KSO_WM_DIAGRAM_GROUP_CODE" val="l1-1"/>
+  <p:tag name="KSO_WM_UNIT_TYPE" val="l_h_f"/>
+  <p:tag name="KSO_WM_UNIT_INDEX" val="1_2_1"/>
+  <p:tag name="KSO_WM_UNIT_ID" val="diagram20231298_3*l_h_f*1_2_1"/>
+  <p:tag name="KSO_WM_TEMPLATE_CATEGORY" val="diagram"/>
+  <p:tag name="KSO_WM_TEMPLATE_INDEX" val="20231298"/>
+  <p:tag name="KSO_WM_UNIT_LAYERLEVEL" val="1_1_1"/>
+  <p:tag name="KSO_WM_TAG_VERSION" val="3.0"/>
+  <p:tag name="KSO_WM_BEAUTIFY_FLAG" val="#wm#"/>
+  <p:tag name="KSO_WM_UNIT_PRESET_TEXT" val="单击此处输入你的正文，文字是您思想的提炼，为了最终演示发布的良好效果"/>
+  <p:tag name="KSO_WM_UNIT_FILL_TYPE" val="1"/>
+  <p:tag name="KSO_WM_UNIT_FILL_FORE_SCHEMECOLOR_INDEX" val="6"/>
+  <p:tag name="KSO_WM_UNIT_FILL_FORE_SCHEMECOLOR_INDEX_BRIGHTNESS" val="0"/>
+</p:tagLst>
+</file>
+
+<file path=ppt/tags/tag126.xml><?xml version="1.0" encoding="utf-8"?>
+<p:tagLst xmlns:a="http://schemas.openxmlformats.org/drawingml/2006/main" xmlns:r="http://schemas.openxmlformats.org/officeDocument/2006/relationships" xmlns:p="http://schemas.openxmlformats.org/presentationml/2006/main">
+  <p:tag name="KSO_WM_DIAGRAM_MAX_ITEMCNT" val="6"/>
+  <p:tag name="KSO_WM_DIAGRAM_MIN_ITEMCNT" val="2"/>
+  <p:tag name="KSO_WM_DIAGRAM_VIRTUALLY_FRAME" val="{&quot;height&quot;:254.17961120605463,&quot;left&quot;:47.67235019954169,&quot;top&quot;:177.81948573555533,&quot;width&quot;:864.8666381835938}"/>
+  <p:tag name="KSO_WM_DIAGRAM_COLOR_MATCH_VALUE" val="{&quot;shape&quot;:{&quot;fill&quot;:{&quot;gradient&quot;:[{&quot;brightness&quot;:0.8999999761581421,&quot;colorType&quot;:1,&quot;foreColorIndex&quot;:5,&quot;pos&quot;:0.019999999552965164,&quot;transparency&quot;:0},{&quot;brightness&quot;:0.8999999761581421,&quot;colorType&quot;:1,&quot;foreColorIndex&quot;:5,&quot;pos&quot;:1,&quot;transparency&quot;:0}],&quot;type&quot;:3},&quot;glow&quot;:{&quot;colorType&quot;:0},&quot;line&quot;:{&quot;type&quot;:0},&quot;shadow&quot;:{&quot;colorType&quot;:0},&quot;threeD&quot;:{&quot;curvedSurface&quot;:{&quot;brightness&quot;:0,&quot;colorType&quot;:2,&quot;rgb&quot;:&quot;#000000&quot;},&quot;depth&quot;:{&quot;colorType&quot;:0}}},&quot;text&quot;:{&quot;fill&quot;:{&quot;solid&quot;:{&quot;brightness&quot;:0,&quot;colorType&quot;:1,&quot;foreColorIndex&quot;:5,&quot;transparency&quot;:0},&quot;type&quot;:1},&quot;glow&quot;:{&quot;colorType&quot;:0},&quot;line&quot;:{&quot;type&quot;:0},&quot;shadow&quot;:{&quot;colorType&quot;:0},&quot;threeD&quot;:{&quot;curvedSurface&quot;:{&quot;brightness&quot;:0,&quot;colorType&quot;:2,&quot;rgb&quot;:&quot;#000000&quot;},&quot;depth&quot;:{&quot;colorType&quot;:0}}}}"/>
   <p:tag name="KSO_WM_UNIT_FILL_FORE_SCHEMECOLOR_INDEX_BRIGHTNESS" val="0.9"/>
   <p:tag name="KSO_WM_DIAGRAM_VERSION" val="3"/>
   <p:tag name="KSO_WM_DIAGRAM_COLOR_TRICK" val="2"/>
@@ -28051,21 +29869,21 @@
   <p:tag name="KSO_WM_DIAGRAM_GROUP_CODE" val="l1-1"/>
   <p:tag name="KSO_WM_UNIT_SUBTYPE" val="d"/>
   <p:tag name="KSO_WM_UNIT_TYPE" val="l_h_i"/>
-  <p:tag name="KSO_WM_UNIT_INDEX" val="1_4_1"/>
-  <p:tag name="KSO_WM_UNIT_ID" val="diagram20231298_3*l_h_i*1_4_1"/>
+  <p:tag name="KSO_WM_UNIT_INDEX" val="1_1_1"/>
+  <p:tag name="KSO_WM_UNIT_ID" val="diagram20231298_3*l_h_i*1_1_1"/>
   <p:tag name="KSO_WM_TEMPLATE_CATEGORY" val="diagram"/>
   <p:tag name="KSO_WM_TEMPLATE_INDEX" val="20231298"/>
   <p:tag name="KSO_WM_UNIT_LAYERLEVEL" val="1_1_1"/>
   <p:tag name="KSO_WM_TAG_VERSION" val="3.0"/>
   <p:tag name="KSO_WM_BEAUTIFY_FLAG" val="#wm#"/>
-  <p:tag name="KSO_WM_UNIT_PRESET_TEXT" val="4"/>
+  <p:tag name="KSO_WM_UNIT_PRESET_TEXT" val="1"/>
   <p:tag name="KSO_WM_UNIT_FILL_TYPE" val="3"/>
   <p:tag name="KSO_WM_UNIT_TEXT_FILL_FORE_SCHEMECOLOR_INDEX" val="1"/>
   <p:tag name="KSO_WM_UNIT_TEXT_FILL_TYPE" val="1"/>
 </p:tagLst>
 </file>
 
-<file path=ppt/tags/tag123.xml><?xml version="1.0" encoding="utf-8"?>
+<file path=ppt/tags/tag127.xml><?xml version="1.0" encoding="utf-8"?>
 <p:tagLst xmlns:a="http://schemas.openxmlformats.org/drawingml/2006/main" xmlns:r="http://schemas.openxmlformats.org/officeDocument/2006/relationships" xmlns:p="http://schemas.openxmlformats.org/presentationml/2006/main">
   <p:tag name="KSO_WM_DIAGRAM_MAX_ITEMCNT" val="6"/>
   <p:tag name="KSO_WM_DIAGRAM_MIN_ITEMCNT" val="2"/>
@@ -28096,162 +29914,7 @@
 </p:tagLst>
 </file>
 
-<file path=ppt/tags/tag124.xml><?xml version="1.0" encoding="utf-8"?>
-<p:tagLst xmlns:a="http://schemas.openxmlformats.org/drawingml/2006/main" xmlns:r="http://schemas.openxmlformats.org/officeDocument/2006/relationships" xmlns:p="http://schemas.openxmlformats.org/presentationml/2006/main">
-  <p:tag name="KSO_WM_DIAGRAM_MAX_ITEMCNT" val="6"/>
-  <p:tag name="KSO_WM_DIAGRAM_MIN_ITEMCNT" val="2"/>
-  <p:tag name="KSO_WM_DIAGRAM_VIRTUALLY_FRAME" val="{&quot;height&quot;:254.17961120605463,&quot;left&quot;:47.67235019954169,&quot;top&quot;:177.81948573555533,&quot;width&quot;:864.8666381835938}"/>
-  <p:tag name="KSO_WM_DIAGRAM_COLOR_MATCH_VALUE" val="{&quot;shape&quot;:{&quot;fill&quot;:{&quot;solid&quot;:{&quot;brightness&quot;:0,&quot;colorType&quot;:1,&quot;foreColorIndex&quot;:6,&quot;transparency&quot;:0},&quot;type&quot;:1},&quot;glow&quot;:{&quot;colorType&quot;:0},&quot;line&quot;:{&quot;type&quot;:0},&quot;shadow&quot;:{&quot;colorType&quot;:0},&quot;threeD&quot;:{&quot;curvedSurface&quot;:{&quot;brightness&quot;:0,&quot;colorType&quot;:2,&quot;rgb&quot;:&quot;#000000&quot;},&quot;depth&quot;:{&quot;colorType&quot;:0}}},&quot;text&quot;:{&quot;fill&quot;:{&quot;solid&quot;:{&quot;brightness&quot;:0,&quot;colorType&quot;:2,&quot;rgb&quot;:&quot;#ffffff&quot;,&quot;transparency&quot;:0},&quot;type&quot;:1},&quot;glow&quot;:{&quot;colorType&quot;:0},&quot;line&quot;:{&quot;type&quot;:0},&quot;shadow&quot;:{&quot;colorType&quot;:0},&quot;threeD&quot;:{&quot;curvedSurface&quot;:{&quot;brightness&quot;:0,&quot;colorType&quot;:2,&quot;rgb&quot;:&quot;#000000&quot;},&quot;depth&quot;:{&quot;colorType&quot;:0}}}}"/>
-  <p:tag name="KSO_WM_DIAGRAM_VERSION" val="3"/>
-  <p:tag name="KSO_WM_DIAGRAM_COLOR_TRICK" val="2"/>
-  <p:tag name="KSO_WM_DIAGRAM_COLOR_TEXT_CAN_REMOVE" val="n"/>
-  <p:tag name="KSO_WM_UNIT_SUBTYPE" val="a"/>
-  <p:tag name="KSO_WM_UNIT_NOCLEAR" val="0"/>
-  <p:tag name="KSO_WM_UNIT_HIGHLIGHT" val="0"/>
-  <p:tag name="KSO_WM_UNIT_COMPATIBLE" val="0"/>
-  <p:tag name="KSO_WM_UNIT_DIAGRAM_ISNUMVISUAL" val="0"/>
-  <p:tag name="KSO_WM_UNIT_DIAGRAM_ISREFERUNIT" val="0"/>
-  <p:tag name="KSO_WM_DIAGRAM_GROUP_CODE" val="l1-1"/>
-  <p:tag name="KSO_WM_UNIT_TYPE" val="l_h_f"/>
-  <p:tag name="KSO_WM_UNIT_INDEX" val="1_4_1"/>
-  <p:tag name="KSO_WM_UNIT_ID" val="diagram20231298_3*l_h_f*1_4_1"/>
-  <p:tag name="KSO_WM_TEMPLATE_CATEGORY" val="diagram"/>
-  <p:tag name="KSO_WM_TEMPLATE_INDEX" val="20231298"/>
-  <p:tag name="KSO_WM_UNIT_LAYERLEVEL" val="1_1_1"/>
-  <p:tag name="KSO_WM_TAG_VERSION" val="3.0"/>
-  <p:tag name="KSO_WM_BEAUTIFY_FLAG" val="#wm#"/>
-  <p:tag name="KSO_WM_UNIT_PRESET_TEXT" val="单击此处输入你的正文，文字是您思想的提炼，为了最终演示发布的良好效果"/>
-  <p:tag name="KSO_WM_UNIT_FILL_TYPE" val="1"/>
-  <p:tag name="KSO_WM_UNIT_FILL_FORE_SCHEMECOLOR_INDEX" val="6"/>
-  <p:tag name="KSO_WM_UNIT_FILL_FORE_SCHEMECOLOR_INDEX_BRIGHTNESS" val="0"/>
-</p:tagLst>
-</file>
-
-<file path=ppt/tags/tag125.xml><?xml version="1.0" encoding="utf-8"?>
-<p:tagLst xmlns:a="http://schemas.openxmlformats.org/drawingml/2006/main" xmlns:r="http://schemas.openxmlformats.org/officeDocument/2006/relationships" xmlns:p="http://schemas.openxmlformats.org/presentationml/2006/main">
-  <p:tag name="KSO_WM_DIAGRAM_MAX_ITEMCNT" val="6"/>
-  <p:tag name="KSO_WM_DIAGRAM_MIN_ITEMCNT" val="2"/>
-  <p:tag name="KSO_WM_DIAGRAM_VIRTUALLY_FRAME" val="{&quot;height&quot;:254.17961120605463,&quot;left&quot;:47.67235019954169,&quot;top&quot;:177.81948573555533,&quot;width&quot;:864.8666381835938}"/>
-  <p:tag name="KSO_WM_DIAGRAM_COLOR_MATCH_VALUE" val="{&quot;shape&quot;:{&quot;fill&quot;:{&quot;solid&quot;:{&quot;brightness&quot;:0,&quot;colorType&quot;:1,&quot;foreColorIndex&quot;:5,&quot;transparency&quot;:0},&quot;type&quot;:1},&quot;glow&quot;:{&quot;colorType&quot;:0},&quot;line&quot;:{&quot;type&quot;:0},&quot;shadow&quot;:{&quot;colorType&quot;:0},&quot;threeD&quot;:{&quot;curvedSurface&quot;:{&quot;brightness&quot;:0,&quot;colorType&quot;:2,&quot;rgb&quot;:&quot;#000000&quot;},&quot;depth&quot;:{&quot;colorType&quot;:0}}},&quot;text&quot;:{&quot;fill&quot;:{&quot;solid&quot;:{&quot;brightness&quot;:0,&quot;colorType&quot;:2,&quot;rgb&quot;:&quot;#ffffff&quot;,&quot;transparency&quot;:0},&quot;type&quot;:1},&quot;glow&quot;:{&quot;colorType&quot;:0},&quot;line&quot;:{&quot;type&quot;:0},&quot;shadow&quot;:{&quot;colorType&quot;:0},&quot;threeD&quot;:{&quot;curvedSurface&quot;:{&quot;brightness&quot;:0,&quot;colorType&quot;:2,&quot;rgb&quot;:&quot;#000000&quot;},&quot;depth&quot;:{&quot;colorType&quot;:0}}}}"/>
-  <p:tag name="KSO_WM_DIAGRAM_VERSION" val="3"/>
-  <p:tag name="KSO_WM_DIAGRAM_COLOR_TRICK" val="2"/>
-  <p:tag name="KSO_WM_DIAGRAM_COLOR_TEXT_CAN_REMOVE" val="n"/>
-  <p:tag name="KSO_WM_UNIT_SUBTYPE" val="a"/>
-  <p:tag name="KSO_WM_UNIT_NOCLEAR" val="0"/>
-  <p:tag name="KSO_WM_UNIT_HIGHLIGHT" val="0"/>
-  <p:tag name="KSO_WM_UNIT_COMPATIBLE" val="0"/>
-  <p:tag name="KSO_WM_UNIT_DIAGRAM_ISNUMVISUAL" val="0"/>
-  <p:tag name="KSO_WM_UNIT_DIAGRAM_ISREFERUNIT" val="0"/>
-  <p:tag name="KSO_WM_DIAGRAM_GROUP_CODE" val="l1-1"/>
-  <p:tag name="KSO_WM_UNIT_TYPE" val="l_h_f"/>
-  <p:tag name="KSO_WM_UNIT_INDEX" val="1_1_1"/>
-  <p:tag name="KSO_WM_UNIT_ID" val="diagram20231298_3*l_h_f*1_1_1"/>
-  <p:tag name="KSO_WM_TEMPLATE_CATEGORY" val="diagram"/>
-  <p:tag name="KSO_WM_TEMPLATE_INDEX" val="20231298"/>
-  <p:tag name="KSO_WM_UNIT_LAYERLEVEL" val="1_1_1"/>
-  <p:tag name="KSO_WM_TAG_VERSION" val="3.0"/>
-  <p:tag name="KSO_WM_BEAUTIFY_FLAG" val="#wm#"/>
-  <p:tag name="KSO_WM_UNIT_PRESET_TEXT" val="单击此处输入你的正文，文字是您思想的提炼，为了最终演示发布的良好效果"/>
-  <p:tag name="KSO_WM_UNIT_FILL_TYPE" val="1"/>
-  <p:tag name="KSO_WM_UNIT_FILL_FORE_SCHEMECOLOR_INDEX" val="5"/>
-  <p:tag name="KSO_WM_UNIT_FILL_FORE_SCHEMECOLOR_INDEX_BRIGHTNESS" val="0"/>
-</p:tagLst>
-</file>
-
-<file path=ppt/tags/tag126.xml><?xml version="1.0" encoding="utf-8"?>
-<p:tagLst xmlns:a="http://schemas.openxmlformats.org/drawingml/2006/main" xmlns:r="http://schemas.openxmlformats.org/officeDocument/2006/relationships" xmlns:p="http://schemas.openxmlformats.org/presentationml/2006/main">
-  <p:tag name="KSO_WM_DIAGRAM_MAX_ITEMCNT" val="6"/>
-  <p:tag name="KSO_WM_DIAGRAM_MIN_ITEMCNT" val="2"/>
-  <p:tag name="KSO_WM_DIAGRAM_VIRTUALLY_FRAME" val="{&quot;height&quot;:254.17961120605463,&quot;left&quot;:47.67235019954169,&quot;top&quot;:177.81948573555533,&quot;width&quot;:864.8666381835938}"/>
-  <p:tag name="KSO_WM_DIAGRAM_COLOR_MATCH_VALUE" val="{&quot;shape&quot;:{&quot;fill&quot;:{&quot;solid&quot;:{&quot;brightness&quot;:0,&quot;colorType&quot;:1,&quot;foreColorIndex&quot;:6,&quot;transparency&quot;:0},&quot;type&quot;:1},&quot;glow&quot;:{&quot;colorType&quot;:0},&quot;line&quot;:{&quot;type&quot;:0},&quot;shadow&quot;:{&quot;colorType&quot;:0},&quot;threeD&quot;:{&quot;curvedSurface&quot;:{&quot;brightness&quot;:0,&quot;colorType&quot;:2,&quot;rgb&quot;:&quot;#000000&quot;},&quot;depth&quot;:{&quot;colorType&quot;:0}}},&quot;text&quot;:{&quot;fill&quot;:{&quot;solid&quot;:{&quot;brightness&quot;:0,&quot;colorType&quot;:2,&quot;rgb&quot;:&quot;#ffffff&quot;,&quot;transparency&quot;:0},&quot;type&quot;:1},&quot;glow&quot;:{&quot;colorType&quot;:0},&quot;line&quot;:{&quot;type&quot;:0},&quot;shadow&quot;:{&quot;colorType&quot;:0},&quot;threeD&quot;:{&quot;curvedSurface&quot;:{&quot;brightness&quot;:0,&quot;colorType&quot;:2,&quot;rgb&quot;:&quot;#000000&quot;},&quot;depth&quot;:{&quot;colorType&quot;:0}}}}"/>
-  <p:tag name="KSO_WM_DIAGRAM_VERSION" val="3"/>
-  <p:tag name="KSO_WM_DIAGRAM_COLOR_TRICK" val="2"/>
-  <p:tag name="KSO_WM_DIAGRAM_COLOR_TEXT_CAN_REMOVE" val="n"/>
-  <p:tag name="KSO_WM_UNIT_SUBTYPE" val="a"/>
-  <p:tag name="KSO_WM_UNIT_NOCLEAR" val="0"/>
-  <p:tag name="KSO_WM_UNIT_HIGHLIGHT" val="0"/>
-  <p:tag name="KSO_WM_UNIT_COMPATIBLE" val="0"/>
-  <p:tag name="KSO_WM_UNIT_DIAGRAM_ISNUMVISUAL" val="0"/>
-  <p:tag name="KSO_WM_UNIT_DIAGRAM_ISREFERUNIT" val="0"/>
-  <p:tag name="KSO_WM_DIAGRAM_GROUP_CODE" val="l1-1"/>
-  <p:tag name="KSO_WM_UNIT_TYPE" val="l_h_f"/>
-  <p:tag name="KSO_WM_UNIT_INDEX" val="1_2_1"/>
-  <p:tag name="KSO_WM_UNIT_ID" val="diagram20231298_3*l_h_f*1_2_1"/>
-  <p:tag name="KSO_WM_TEMPLATE_CATEGORY" val="diagram"/>
-  <p:tag name="KSO_WM_TEMPLATE_INDEX" val="20231298"/>
-  <p:tag name="KSO_WM_UNIT_LAYERLEVEL" val="1_1_1"/>
-  <p:tag name="KSO_WM_TAG_VERSION" val="3.0"/>
-  <p:tag name="KSO_WM_BEAUTIFY_FLAG" val="#wm#"/>
-  <p:tag name="KSO_WM_UNIT_PRESET_TEXT" val="单击此处输入你的正文，文字是您思想的提炼，为了最终演示发布的良好效果"/>
-  <p:tag name="KSO_WM_UNIT_FILL_TYPE" val="1"/>
-  <p:tag name="KSO_WM_UNIT_FILL_FORE_SCHEMECOLOR_INDEX" val="6"/>
-  <p:tag name="KSO_WM_UNIT_FILL_FORE_SCHEMECOLOR_INDEX_BRIGHTNESS" val="0"/>
-</p:tagLst>
-</file>
-
-<file path=ppt/tags/tag127.xml><?xml version="1.0" encoding="utf-8"?>
-<p:tagLst xmlns:a="http://schemas.openxmlformats.org/drawingml/2006/main" xmlns:r="http://schemas.openxmlformats.org/officeDocument/2006/relationships" xmlns:p="http://schemas.openxmlformats.org/presentationml/2006/main">
-  <p:tag name="KSO_WM_DIAGRAM_MAX_ITEMCNT" val="6"/>
-  <p:tag name="KSO_WM_DIAGRAM_MIN_ITEMCNT" val="2"/>
-  <p:tag name="KSO_WM_DIAGRAM_VIRTUALLY_FRAME" val="{&quot;height&quot;:254.17961120605463,&quot;left&quot;:47.67235019954169,&quot;top&quot;:177.81948573555533,&quot;width&quot;:864.8666381835938}"/>
-  <p:tag name="KSO_WM_DIAGRAM_COLOR_MATCH_VALUE" val="{&quot;shape&quot;:{&quot;fill&quot;:{&quot;gradient&quot;:[{&quot;brightness&quot;:0.8999999761581421,&quot;colorType&quot;:1,&quot;foreColorIndex&quot;:5,&quot;pos&quot;:0.019999999552965164,&quot;transparency&quot;:0},{&quot;brightness&quot;:0.8999999761581421,&quot;colorType&quot;:1,&quot;foreColorIndex&quot;:5,&quot;pos&quot;:1,&quot;transparency&quot;:0}],&quot;type&quot;:3},&quot;glow&quot;:{&quot;colorType&quot;:0},&quot;line&quot;:{&quot;type&quot;:0},&quot;shadow&quot;:{&quot;colorType&quot;:0},&quot;threeD&quot;:{&quot;curvedSurface&quot;:{&quot;brightness&quot;:0,&quot;colorType&quot;:2,&quot;rgb&quot;:&quot;#000000&quot;},&quot;depth&quot;:{&quot;colorType&quot;:0}}},&quot;text&quot;:{&quot;fill&quot;:{&quot;solid&quot;:{&quot;brightness&quot;:0,&quot;colorType&quot;:1,&quot;foreColorIndex&quot;:5,&quot;transparency&quot;:0},&quot;type&quot;:1},&quot;glow&quot;:{&quot;colorType&quot;:0},&quot;line&quot;:{&quot;type&quot;:0},&quot;shadow&quot;:{&quot;colorType&quot;:0},&quot;threeD&quot;:{&quot;curvedSurface&quot;:{&quot;brightness&quot;:0,&quot;colorType&quot;:2,&quot;rgb&quot;:&quot;#000000&quot;},&quot;depth&quot;:{&quot;colorType&quot;:0}}}}"/>
-  <p:tag name="KSO_WM_UNIT_FILL_FORE_SCHEMECOLOR_INDEX_BRIGHTNESS" val="0.9"/>
-  <p:tag name="KSO_WM_DIAGRAM_VERSION" val="3"/>
-  <p:tag name="KSO_WM_DIAGRAM_COLOR_TRICK" val="2"/>
-  <p:tag name="KSO_WM_DIAGRAM_COLOR_TEXT_CAN_REMOVE" val="n"/>
-  <p:tag name="KSO_WM_UNIT_HIGHLIGHT" val="0"/>
-  <p:tag name="KSO_WM_UNIT_COMPATIBLE" val="0"/>
-  <p:tag name="KSO_WM_UNIT_DIAGRAM_ISNUMVISUAL" val="0"/>
-  <p:tag name="KSO_WM_UNIT_DIAGRAM_ISREFERUNIT" val="0"/>
-  <p:tag name="KSO_WM_DIAGRAM_GROUP_CODE" val="l1-1"/>
-  <p:tag name="KSO_WM_UNIT_SUBTYPE" val="d"/>
-  <p:tag name="KSO_WM_UNIT_TYPE" val="l_h_i"/>
-  <p:tag name="KSO_WM_UNIT_INDEX" val="1_1_1"/>
-  <p:tag name="KSO_WM_UNIT_ID" val="diagram20231298_3*l_h_i*1_1_1"/>
-  <p:tag name="KSO_WM_TEMPLATE_CATEGORY" val="diagram"/>
-  <p:tag name="KSO_WM_TEMPLATE_INDEX" val="20231298"/>
-  <p:tag name="KSO_WM_UNIT_LAYERLEVEL" val="1_1_1"/>
-  <p:tag name="KSO_WM_TAG_VERSION" val="3.0"/>
-  <p:tag name="KSO_WM_BEAUTIFY_FLAG" val="#wm#"/>
-  <p:tag name="KSO_WM_UNIT_PRESET_TEXT" val="1"/>
-  <p:tag name="KSO_WM_UNIT_FILL_TYPE" val="3"/>
-  <p:tag name="KSO_WM_UNIT_TEXT_FILL_FORE_SCHEMECOLOR_INDEX" val="1"/>
-  <p:tag name="KSO_WM_UNIT_TEXT_FILL_TYPE" val="1"/>
-</p:tagLst>
-</file>
-
 <file path=ppt/tags/tag128.xml><?xml version="1.0" encoding="utf-8"?>
-<p:tagLst xmlns:a="http://schemas.openxmlformats.org/drawingml/2006/main" xmlns:r="http://schemas.openxmlformats.org/officeDocument/2006/relationships" xmlns:p="http://schemas.openxmlformats.org/presentationml/2006/main">
-  <p:tag name="KSO_WM_DIAGRAM_MAX_ITEMCNT" val="6"/>
-  <p:tag name="KSO_WM_DIAGRAM_MIN_ITEMCNT" val="2"/>
-  <p:tag name="KSO_WM_DIAGRAM_VIRTUALLY_FRAME" val="{&quot;height&quot;:254.17961120605463,&quot;left&quot;:47.67235019954169,&quot;top&quot;:177.81948573555533,&quot;width&quot;:864.8666381835938}"/>
-  <p:tag name="KSO_WM_DIAGRAM_COLOR_MATCH_VALUE" val="{&quot;shape&quot;:{&quot;fill&quot;:{&quot;gradient&quot;:[{&quot;brightness&quot;:0.8999999761581421,&quot;colorType&quot;:1,&quot;foreColorIndex&quot;:6,&quot;pos&quot;:0.019999999552965164,&quot;transparency&quot;:0},{&quot;brightness&quot;:0.8999999761581421,&quot;colorType&quot;:1,&quot;foreColorIndex&quot;:6,&quot;pos&quot;:1,&quot;transparency&quot;:0}],&quot;type&quot;:3},&quot;glow&quot;:{&quot;colorType&quot;:0},&quot;line&quot;:{&quot;type&quot;:0},&quot;shadow&quot;:{&quot;colorType&quot;:0},&quot;threeD&quot;:{&quot;curvedSurface&quot;:{&quot;brightness&quot;:0,&quot;colorType&quot;:2,&quot;rgb&quot;:&quot;#000000&quot;},&quot;depth&quot;:{&quot;colorType&quot;:0}}},&quot;text&quot;:{&quot;fill&quot;:{&quot;solid&quot;:{&quot;brightness&quot;:0,&quot;colorType&quot;:1,&quot;foreColorIndex&quot;:6,&quot;transparency&quot;:0},&quot;type&quot;:1},&quot;glow&quot;:{&quot;colorType&quot;:0},&quot;line&quot;:{&quot;type&quot;:0},&quot;shadow&quot;:{&quot;colorType&quot;:0},&quot;threeD&quot;:{&quot;curvedSurface&quot;:{&quot;brightness&quot;:0,&quot;colorType&quot;:2,&quot;rgb&quot;:&quot;#000000&quot;},&quot;depth&quot;:{&quot;colorType&quot;:0}}}}"/>
-  <p:tag name="KSO_WM_UNIT_FILL_FORE_SCHEMECOLOR_INDEX_BRIGHTNESS" val="0.9"/>
-  <p:tag name="KSO_WM_DIAGRAM_VERSION" val="3"/>
-  <p:tag name="KSO_WM_DIAGRAM_COLOR_TRICK" val="2"/>
-  <p:tag name="KSO_WM_DIAGRAM_COLOR_TEXT_CAN_REMOVE" val="n"/>
-  <p:tag name="KSO_WM_UNIT_HIGHLIGHT" val="0"/>
-  <p:tag name="KSO_WM_UNIT_COMPATIBLE" val="0"/>
-  <p:tag name="KSO_WM_UNIT_DIAGRAM_ISNUMVISUAL" val="0"/>
-  <p:tag name="KSO_WM_UNIT_DIAGRAM_ISREFERUNIT" val="0"/>
-  <p:tag name="KSO_WM_DIAGRAM_GROUP_CODE" val="l1-1"/>
-  <p:tag name="KSO_WM_UNIT_SUBTYPE" val="d"/>
-  <p:tag name="KSO_WM_UNIT_TYPE" val="l_h_i"/>
-  <p:tag name="KSO_WM_UNIT_INDEX" val="1_2_1"/>
-  <p:tag name="KSO_WM_UNIT_ID" val="diagram20231298_3*l_h_i*1_2_1"/>
-  <p:tag name="KSO_WM_TEMPLATE_CATEGORY" val="diagram"/>
-  <p:tag name="KSO_WM_TEMPLATE_INDEX" val="20231298"/>
-  <p:tag name="KSO_WM_UNIT_LAYERLEVEL" val="1_1_1"/>
-  <p:tag name="KSO_WM_TAG_VERSION" val="3.0"/>
-  <p:tag name="KSO_WM_BEAUTIFY_FLAG" val="#wm#"/>
-  <p:tag name="KSO_WM_UNIT_PRESET_TEXT" val="2"/>
-  <p:tag name="KSO_WM_UNIT_FILL_TYPE" val="3"/>
-  <p:tag name="KSO_WM_UNIT_TEXT_FILL_FORE_SCHEMECOLOR_INDEX" val="1"/>
-  <p:tag name="KSO_WM_UNIT_TEXT_FILL_TYPE" val="1"/>
-</p:tagLst>
-</file>
-
-<file path=ppt/tags/tag129.xml><?xml version="1.0" encoding="utf-8"?>
 <p:tagLst xmlns:a="http://schemas.openxmlformats.org/drawingml/2006/main" xmlns:r="http://schemas.openxmlformats.org/officeDocument/2006/relationships" xmlns:p="http://schemas.openxmlformats.org/presentationml/2006/main">
   <p:tag name="KSO_WM_DIAGRAM_MAX_ITEMCNT" val="6"/>
   <p:tag name="KSO_WM_DIAGRAM_MIN_ITEMCNT" val="2"/>
@@ -28279,6 +29942,37 @@
   <p:tag name="KSO_WM_UNIT_FILL_TYPE" val="1"/>
   <p:tag name="KSO_WM_UNIT_FILL_FORE_SCHEMECOLOR_INDEX" val="5"/>
   <p:tag name="KSO_WM_UNIT_FILL_FORE_SCHEMECOLOR_INDEX_BRIGHTNESS" val="0"/>
+</p:tagLst>
+</file>
+
+<file path=ppt/tags/tag129.xml><?xml version="1.0" encoding="utf-8"?>
+<p:tagLst xmlns:a="http://schemas.openxmlformats.org/drawingml/2006/main" xmlns:r="http://schemas.openxmlformats.org/officeDocument/2006/relationships" xmlns:p="http://schemas.openxmlformats.org/presentationml/2006/main">
+  <p:tag name="KSO_WM_DIAGRAM_MAX_ITEMCNT" val="6"/>
+  <p:tag name="KSO_WM_DIAGRAM_MIN_ITEMCNT" val="2"/>
+  <p:tag name="KSO_WM_DIAGRAM_VIRTUALLY_FRAME" val="{&quot;height&quot;:254.17961120605463,&quot;left&quot;:47.67235019954169,&quot;top&quot;:177.81948573555533,&quot;width&quot;:864.8666381835938}"/>
+  <p:tag name="KSO_WM_DIAGRAM_COLOR_MATCH_VALUE" val="{&quot;shape&quot;:{&quot;fill&quot;:{&quot;gradient&quot;:[{&quot;brightness&quot;:0.8999999761581421,&quot;colorType&quot;:1,&quot;foreColorIndex&quot;:5,&quot;pos&quot;:0.019999999552965164,&quot;transparency&quot;:0},{&quot;brightness&quot;:0.8999999761581421,&quot;colorType&quot;:1,&quot;foreColorIndex&quot;:5,&quot;pos&quot;:1,&quot;transparency&quot;:0}],&quot;type&quot;:3},&quot;glow&quot;:{&quot;colorType&quot;:0},&quot;line&quot;:{&quot;type&quot;:0},&quot;shadow&quot;:{&quot;colorType&quot;:0},&quot;threeD&quot;:{&quot;curvedSurface&quot;:{&quot;brightness&quot;:0,&quot;colorType&quot;:2,&quot;rgb&quot;:&quot;#000000&quot;},&quot;depth&quot;:{&quot;colorType&quot;:0}}},&quot;text&quot;:{&quot;fill&quot;:{&quot;solid&quot;:{&quot;brightness&quot;:0,&quot;colorType&quot;:1,&quot;foreColorIndex&quot;:5,&quot;transparency&quot;:0},&quot;type&quot;:1},&quot;glow&quot;:{&quot;colorType&quot;:0},&quot;line&quot;:{&quot;type&quot;:0},&quot;shadow&quot;:{&quot;colorType&quot;:0},&quot;threeD&quot;:{&quot;curvedSurface&quot;:{&quot;brightness&quot;:0,&quot;colorType&quot;:2,&quot;rgb&quot;:&quot;#000000&quot;},&quot;depth&quot;:{&quot;colorType&quot;:0}}}}"/>
+  <p:tag name="KSO_WM_UNIT_FILL_FORE_SCHEMECOLOR_INDEX_BRIGHTNESS" val="0.9"/>
+  <p:tag name="KSO_WM_DIAGRAM_VERSION" val="3"/>
+  <p:tag name="KSO_WM_DIAGRAM_COLOR_TRICK" val="2"/>
+  <p:tag name="KSO_WM_DIAGRAM_COLOR_TEXT_CAN_REMOVE" val="n"/>
+  <p:tag name="KSO_WM_UNIT_HIGHLIGHT" val="0"/>
+  <p:tag name="KSO_WM_UNIT_COMPATIBLE" val="0"/>
+  <p:tag name="KSO_WM_UNIT_DIAGRAM_ISNUMVISUAL" val="0"/>
+  <p:tag name="KSO_WM_UNIT_DIAGRAM_ISREFERUNIT" val="0"/>
+  <p:tag name="KSO_WM_DIAGRAM_GROUP_CODE" val="l1-1"/>
+  <p:tag name="KSO_WM_UNIT_SUBTYPE" val="d"/>
+  <p:tag name="KSO_WM_UNIT_TYPE" val="l_h_i"/>
+  <p:tag name="KSO_WM_UNIT_INDEX" val="1_3_1"/>
+  <p:tag name="KSO_WM_UNIT_ID" val="diagram20231298_3*l_h_i*1_3_1"/>
+  <p:tag name="KSO_WM_TEMPLATE_CATEGORY" val="diagram"/>
+  <p:tag name="KSO_WM_TEMPLATE_INDEX" val="20231298"/>
+  <p:tag name="KSO_WM_UNIT_LAYERLEVEL" val="1_1_1"/>
+  <p:tag name="KSO_WM_TAG_VERSION" val="3.0"/>
+  <p:tag name="KSO_WM_BEAUTIFY_FLAG" val="#wm#"/>
+  <p:tag name="KSO_WM_UNIT_PRESET_TEXT" val="3"/>
+  <p:tag name="KSO_WM_UNIT_FILL_TYPE" val="3"/>
+  <p:tag name="KSO_WM_UNIT_TEXT_FILL_FORE_SCHEMECOLOR_INDEX" val="1"/>
+  <p:tag name="KSO_WM_UNIT_TEXT_FILL_TYPE" val="1"/>
 </p:tagLst>
 </file>
 
@@ -28318,37 +30012,6 @@
   <p:tag name="KSO_WM_DIAGRAM_MAX_ITEMCNT" val="6"/>
   <p:tag name="KSO_WM_DIAGRAM_MIN_ITEMCNT" val="2"/>
   <p:tag name="KSO_WM_DIAGRAM_VIRTUALLY_FRAME" val="{&quot;height&quot;:254.17961120605463,&quot;left&quot;:47.67235019954169,&quot;top&quot;:177.81948573555533,&quot;width&quot;:864.8666381835938}"/>
-  <p:tag name="KSO_WM_DIAGRAM_COLOR_MATCH_VALUE" val="{&quot;shape&quot;:{&quot;fill&quot;:{&quot;gradient&quot;:[{&quot;brightness&quot;:0.8999999761581421,&quot;colorType&quot;:1,&quot;foreColorIndex&quot;:5,&quot;pos&quot;:0.019999999552965164,&quot;transparency&quot;:0},{&quot;brightness&quot;:0.8999999761581421,&quot;colorType&quot;:1,&quot;foreColorIndex&quot;:5,&quot;pos&quot;:1,&quot;transparency&quot;:0}],&quot;type&quot;:3},&quot;glow&quot;:{&quot;colorType&quot;:0},&quot;line&quot;:{&quot;type&quot;:0},&quot;shadow&quot;:{&quot;colorType&quot;:0},&quot;threeD&quot;:{&quot;curvedSurface&quot;:{&quot;brightness&quot;:0,&quot;colorType&quot;:2,&quot;rgb&quot;:&quot;#000000&quot;},&quot;depth&quot;:{&quot;colorType&quot;:0}}},&quot;text&quot;:{&quot;fill&quot;:{&quot;solid&quot;:{&quot;brightness&quot;:0,&quot;colorType&quot;:1,&quot;foreColorIndex&quot;:5,&quot;transparency&quot;:0},&quot;type&quot;:1},&quot;glow&quot;:{&quot;colorType&quot;:0},&quot;line&quot;:{&quot;type&quot;:0},&quot;shadow&quot;:{&quot;colorType&quot;:0},&quot;threeD&quot;:{&quot;curvedSurface&quot;:{&quot;brightness&quot;:0,&quot;colorType&quot;:2,&quot;rgb&quot;:&quot;#000000&quot;},&quot;depth&quot;:{&quot;colorType&quot;:0}}}}"/>
-  <p:tag name="KSO_WM_UNIT_FILL_FORE_SCHEMECOLOR_INDEX_BRIGHTNESS" val="0.9"/>
-  <p:tag name="KSO_WM_DIAGRAM_VERSION" val="3"/>
-  <p:tag name="KSO_WM_DIAGRAM_COLOR_TRICK" val="2"/>
-  <p:tag name="KSO_WM_DIAGRAM_COLOR_TEXT_CAN_REMOVE" val="n"/>
-  <p:tag name="KSO_WM_UNIT_HIGHLIGHT" val="0"/>
-  <p:tag name="KSO_WM_UNIT_COMPATIBLE" val="0"/>
-  <p:tag name="KSO_WM_UNIT_DIAGRAM_ISNUMVISUAL" val="0"/>
-  <p:tag name="KSO_WM_UNIT_DIAGRAM_ISREFERUNIT" val="0"/>
-  <p:tag name="KSO_WM_DIAGRAM_GROUP_CODE" val="l1-1"/>
-  <p:tag name="KSO_WM_UNIT_SUBTYPE" val="d"/>
-  <p:tag name="KSO_WM_UNIT_TYPE" val="l_h_i"/>
-  <p:tag name="KSO_WM_UNIT_INDEX" val="1_3_1"/>
-  <p:tag name="KSO_WM_UNIT_ID" val="diagram20231298_3*l_h_i*1_3_1"/>
-  <p:tag name="KSO_WM_TEMPLATE_CATEGORY" val="diagram"/>
-  <p:tag name="KSO_WM_TEMPLATE_INDEX" val="20231298"/>
-  <p:tag name="KSO_WM_UNIT_LAYERLEVEL" val="1_1_1"/>
-  <p:tag name="KSO_WM_TAG_VERSION" val="3.0"/>
-  <p:tag name="KSO_WM_BEAUTIFY_FLAG" val="#wm#"/>
-  <p:tag name="KSO_WM_UNIT_PRESET_TEXT" val="3"/>
-  <p:tag name="KSO_WM_UNIT_FILL_TYPE" val="3"/>
-  <p:tag name="KSO_WM_UNIT_TEXT_FILL_FORE_SCHEMECOLOR_INDEX" val="1"/>
-  <p:tag name="KSO_WM_UNIT_TEXT_FILL_TYPE" val="1"/>
-</p:tagLst>
-</file>
-
-<file path=ppt/tags/tag131.xml><?xml version="1.0" encoding="utf-8"?>
-<p:tagLst xmlns:a="http://schemas.openxmlformats.org/drawingml/2006/main" xmlns:r="http://schemas.openxmlformats.org/officeDocument/2006/relationships" xmlns:p="http://schemas.openxmlformats.org/presentationml/2006/main">
-  <p:tag name="KSO_WM_DIAGRAM_MAX_ITEMCNT" val="6"/>
-  <p:tag name="KSO_WM_DIAGRAM_MIN_ITEMCNT" val="2"/>
-  <p:tag name="KSO_WM_DIAGRAM_VIRTUALLY_FRAME" val="{&quot;height&quot;:254.17961120605463,&quot;left&quot;:47.67235019954169,&quot;top&quot;:177.81948573555533,&quot;width&quot;:864.8666381835938}"/>
   <p:tag name="KSO_WM_DIAGRAM_COLOR_MATCH_VALUE" val="{&quot;shape&quot;:{&quot;fill&quot;:{&quot;solid&quot;:{&quot;brightness&quot;:0,&quot;colorType&quot;:1,&quot;foreColorIndex&quot;:6,&quot;transparency&quot;:0},&quot;type&quot;:1},&quot;glow&quot;:{&quot;colorType&quot;:0},&quot;line&quot;:{&quot;type&quot;:0},&quot;shadow&quot;:{&quot;colorType&quot;:0},&quot;threeD&quot;:{&quot;curvedSurface&quot;:{&quot;brightness&quot;:0,&quot;colorType&quot;:2,&quot;rgb&quot;:&quot;#000000&quot;},&quot;depth&quot;:{&quot;colorType&quot;:0}}},&quot;text&quot;:{&quot;fill&quot;:{&quot;solid&quot;:{&quot;brightness&quot;:0,&quot;colorType&quot;:2,&quot;rgb&quot;:&quot;#ffffff&quot;,&quot;transparency&quot;:0},&quot;type&quot;:1},&quot;glow&quot;:{&quot;colorType&quot;:0},&quot;line&quot;:{&quot;type&quot;:0},&quot;shadow&quot;:{&quot;colorType&quot;:0},&quot;threeD&quot;:{&quot;curvedSurface&quot;:{&quot;brightness&quot;:0,&quot;colorType&quot;:2,&quot;rgb&quot;:&quot;#000000&quot;},&quot;depth&quot;:{&quot;colorType&quot;:0}}}}"/>
   <p:tag name="KSO_WM_DIAGRAM_VERSION" val="3"/>
   <p:tag name="KSO_WM_DIAGRAM_COLOR_TRICK" val="2"/>
@@ -28375,7 +30038,7 @@
 </p:tagLst>
 </file>
 
-<file path=ppt/tags/tag132.xml><?xml version="1.0" encoding="utf-8"?>
+<file path=ppt/tags/tag131.xml><?xml version="1.0" encoding="utf-8"?>
 <p:tagLst xmlns:a="http://schemas.openxmlformats.org/drawingml/2006/main" xmlns:r="http://schemas.openxmlformats.org/officeDocument/2006/relationships" xmlns:p="http://schemas.openxmlformats.org/presentationml/2006/main">
   <p:tag name="KSO_WM_DIAGRAM_MAX_ITEMCNT" val="6"/>
   <p:tag name="KSO_WM_DIAGRAM_MIN_ITEMCNT" val="2"/>
@@ -31131,7 +32794,7 @@
   <p:tag name="KSO_WM_UNIT_COMPATIBLE" val="0"/>
   <p:tag name="KSO_WM_UNIT_DIAGRAM_ISNUMVISUAL" val="0"/>
   <p:tag name="KSO_WM_UNIT_DIAGRAM_ISREFERUNIT" val="0"/>
-  <p:tag name="KSO_WM_UNIT_ID" val="diagram20231731_4*l_h_i*1_2_1"/>
+  <p:tag name="KSO_WM_UNIT_ID" val="diagram20231731_4*l_h_i*1_3_1"/>
   <p:tag name="KSO_WM_TEMPLATE_CATEGORY" val="diagram"/>
   <p:tag name="KSO_WM_TEMPLATE_INDEX" val="20231731"/>
   <p:tag name="KSO_WM_UNIT_LAYERLEVEL" val="1_1_1"/>
@@ -31139,7 +32802,7 @@
   <p:tag name="KSO_WM_BEAUTIFY_FLAG" val="#wm#"/>
   <p:tag name="KSO_WM_DIAGRAM_GROUP_CODE" val="l1-1"/>
   <p:tag name="KSO_WM_UNIT_TYPE" val="l_h_i"/>
-  <p:tag name="KSO_WM_UNIT_INDEX" val="1_2_1"/>
+  <p:tag name="KSO_WM_UNIT_INDEX" val="1_3_1"/>
   <p:tag name="KSO_WM_DIAGRAM_VERSION" val="3"/>
   <p:tag name="KSO_WM_DIAGRAM_COLOR_TRICK" val="1"/>
   <p:tag name="KSO_WM_DIAGRAM_COLOR_TEXT_CAN_REMOVE" val="n"/>
@@ -31165,7 +32828,7 @@
   <p:tag name="KSO_WM_UNIT_COMPATIBLE" val="0"/>
   <p:tag name="KSO_WM_UNIT_DIAGRAM_ISNUMVISUAL" val="0"/>
   <p:tag name="KSO_WM_UNIT_DIAGRAM_ISREFERUNIT" val="0"/>
-  <p:tag name="KSO_WM_UNIT_ID" val="diagram20231731_4*l_h_i*1_2_2"/>
+  <p:tag name="KSO_WM_UNIT_ID" val="diagram20231731_4*l_h_i*1_3_2"/>
   <p:tag name="KSO_WM_TEMPLATE_CATEGORY" val="diagram"/>
   <p:tag name="KSO_WM_TEMPLATE_INDEX" val="20231731"/>
   <p:tag name="KSO_WM_UNIT_LAYERLEVEL" val="1_1_1"/>
@@ -31173,7 +32836,7 @@
   <p:tag name="KSO_WM_BEAUTIFY_FLAG" val="#wm#"/>
   <p:tag name="KSO_WM_DIAGRAM_GROUP_CODE" val="l1-1"/>
   <p:tag name="KSO_WM_UNIT_TYPE" val="l_h_i"/>
-  <p:tag name="KSO_WM_UNIT_INDEX" val="1_2_2"/>
+  <p:tag name="KSO_WM_UNIT_INDEX" val="1_3_2"/>
   <p:tag name="KSO_WM_DIAGRAM_VERSION" val="3"/>
   <p:tag name="KSO_WM_DIAGRAM_COLOR_TRICK" val="1"/>
   <p:tag name="KSO_WM_DIAGRAM_COLOR_TEXT_CAN_REMOVE" val="n"/>
@@ -31199,8 +32862,8 @@
   <p:tag name="KSO_WM_UNIT_DIAGRAM_ISNUMVISUAL" val="0"/>
   <p:tag name="KSO_WM_UNIT_DIAGRAM_ISREFERUNIT" val="0"/>
   <p:tag name="KSO_WM_UNIT_TYPE" val="l_h_f"/>
-  <p:tag name="KSO_WM_UNIT_INDEX" val="1_2_1"/>
-  <p:tag name="KSO_WM_UNIT_ID" val="diagram20231731_4*l_h_f*1_2_1"/>
+  <p:tag name="KSO_WM_UNIT_INDEX" val="1_3_1"/>
+  <p:tag name="KSO_WM_UNIT_ID" val="diagram20231731_4*l_h_f*1_3_1"/>
   <p:tag name="KSO_WM_TEMPLATE_CATEGORY" val="diagram"/>
   <p:tag name="KSO_WM_TEMPLATE_INDEX" val="20231731"/>
   <p:tag name="KSO_WM_UNIT_LAYERLEVEL" val="1_1_1"/>
@@ -31233,8 +32896,8 @@
   <p:tag name="KSO_WM_UNIT_DIAGRAM_ISNUMVISUAL" val="0"/>
   <p:tag name="KSO_WM_UNIT_DIAGRAM_ISREFERUNIT" val="0"/>
   <p:tag name="KSO_WM_UNIT_TYPE" val="l_h_a"/>
-  <p:tag name="KSO_WM_UNIT_INDEX" val="1_2_1"/>
-  <p:tag name="KSO_WM_UNIT_ID" val="diagram20231731_4*l_h_a*1_2_1"/>
+  <p:tag name="KSO_WM_UNIT_INDEX" val="1_3_1"/>
+  <p:tag name="KSO_WM_UNIT_ID" val="diagram20231731_4*l_h_a*1_3_1"/>
   <p:tag name="KSO_WM_TEMPLATE_CATEGORY" val="diagram"/>
   <p:tag name="KSO_WM_TEMPLATE_INDEX" val="20231731"/>
   <p:tag name="KSO_WM_UNIT_LAYERLEVEL" val="1_1_1"/>
@@ -31262,7 +32925,7 @@
   <p:tag name="KSO_WM_UNIT_COMPATIBLE" val="0"/>
   <p:tag name="KSO_WM_UNIT_DIAGRAM_ISNUMVISUAL" val="0"/>
   <p:tag name="KSO_WM_UNIT_DIAGRAM_ISREFERUNIT" val="0"/>
-  <p:tag name="KSO_WM_UNIT_ID" val="diagram20231731_4*l_h_i*1_2_3"/>
+  <p:tag name="KSO_WM_UNIT_ID" val="diagram20231731_4*l_h_i*1_3_3"/>
   <p:tag name="KSO_WM_TEMPLATE_CATEGORY" val="diagram"/>
   <p:tag name="KSO_WM_TEMPLATE_INDEX" val="20231731"/>
   <p:tag name="KSO_WM_UNIT_LAYERLEVEL" val="1_1_1"/>
@@ -31270,7 +32933,7 @@
   <p:tag name="KSO_WM_BEAUTIFY_FLAG" val="#wm#"/>
   <p:tag name="KSO_WM_DIAGRAM_GROUP_CODE" val="l1-1"/>
   <p:tag name="KSO_WM_UNIT_TYPE" val="l_h_i"/>
-  <p:tag name="KSO_WM_UNIT_INDEX" val="1_2_3"/>
+  <p:tag name="KSO_WM_UNIT_INDEX" val="1_3_3"/>
   <p:tag name="KSO_WM_DIAGRAM_VERSION" val="3"/>
   <p:tag name="KSO_WM_DIAGRAM_COLOR_TRICK" val="1"/>
   <p:tag name="KSO_WM_DIAGRAM_COLOR_TEXT_CAN_REMOVE" val="n"/>
@@ -31300,27 +32963,35 @@
   <p:tag name="KSO_WM_UNIT_COMPATIBLE" val="0"/>
   <p:tag name="KSO_WM_UNIT_DIAGRAM_ISNUMVISUAL" val="0"/>
   <p:tag name="KSO_WM_UNIT_DIAGRAM_ISREFERUNIT" val="0"/>
-  <p:tag name="KSO_WM_UNIT_ID" val="diagram20231731_4*l_h_i*1_4_1"/>
+  <p:tag name="KSO_WM_UNIT_ID" val="diagram20231731_4*l_i*1_1"/>
   <p:tag name="KSO_WM_TEMPLATE_CATEGORY" val="diagram"/>
   <p:tag name="KSO_WM_TEMPLATE_INDEX" val="20231731"/>
-  <p:tag name="KSO_WM_UNIT_LAYERLEVEL" val="1_1_1"/>
+  <p:tag name="KSO_WM_UNIT_LAYERLEVEL" val="1_1"/>
   <p:tag name="KSO_WM_TAG_VERSION" val="3.0"/>
   <p:tag name="KSO_WM_BEAUTIFY_FLAG" val="#wm#"/>
   <p:tag name="KSO_WM_DIAGRAM_GROUP_CODE" val="l1-1"/>
-  <p:tag name="KSO_WM_UNIT_TYPE" val="l_h_i"/>
-  <p:tag name="KSO_WM_UNIT_INDEX" val="1_4_1"/>
+  <p:tag name="KSO_WM_UNIT_TYPE" val="l_i"/>
+  <p:tag name="KSO_WM_UNIT_INDEX" val="1_1"/>
   <p:tag name="KSO_WM_DIAGRAM_VERSION" val="3"/>
   <p:tag name="KSO_WM_DIAGRAM_COLOR_TRICK" val="1"/>
   <p:tag name="KSO_WM_DIAGRAM_COLOR_TEXT_CAN_REMOVE" val="n"/>
   <p:tag name="KSO_WM_DIAGRAM_MAX_ITEMCNT" val="6"/>
   <p:tag name="KSO_WM_DIAGRAM_MIN_ITEMCNT" val="2"/>
   <p:tag name="KSO_WM_DIAGRAM_VIRTUALLY_FRAME" val="{&quot;height&quot;:322.2532958984375,&quot;left&quot;:81.46551181102362,&quot;top&quot;:154.38004496416707,&quot;width&quot;:797.0689763779527}"/>
-  <p:tag name="KSO_WM_DIAGRAM_COLOR_MATCH_VALUE" val="{&quot;shape&quot;:{&quot;fill&quot;:{&quot;solid&quot;:{&quot;brightness&quot;:0,&quot;colorType&quot;:2,&quot;rgb&quot;:&quot;#ffffff&quot;,&quot;transparency&quot;:0},&quot;type&quot;:1},&quot;glow&quot;:{&quot;colorType&quot;:0},&quot;line&quot;:{&quot;solidLine&quot;:{&quot;brightness&quot;:0,&quot;colorType&quot;:1,&quot;foreColorIndex&quot;:5,&quot;transparency&quot;:0},&quot;type&quot;:1},&quot;shadow&quot;:{&quot;brightness&quot;:-0.25,&quot;colorType&quot;:1,&quot;foreColorIndex&quot;:5,&quot;transparency&quot;:0.6000000238418579},&quot;threeD&quot;:{&quot;curvedSurface&quot;:{&quot;brightness&quot;:0,&quot;colorType&quot;:2,&quot;rgb&quot;:&quot;#000000&quot;},&quot;depth&quot;:{&quot;colorType&quot;:0}}},&quot;text&quot;:{&quot;fill&quot;:{&quot;solid&quot;:{&quot;brightness&quot;:0,&quot;colorType&quot;:1,&quot;foreColorIndex&quot;:2,&quot;transparency&quot;:0},&quot;type&quot;:1},&quot;glow&quot;:{&quot;colorType&quot;:0},&quot;line&quot;:{&quot;type&quot;:0},&quot;shadow&quot;:{&quot;colorType&quot;:0},&quot;threeD&quot;:{&quot;curvedSurface&quot;:{&quot;brightness&quot;:0,&quot;colorType&quot;:2,&quot;rgb&quot;:&quot;#000000&quot;},&quot;depth&quot;:{&quot;colorType&quot;:0}}}}"/>
-  <p:tag name="KSO_WM_UNIT_LINE_FORE_SCHEMECOLOR_INDEX" val="5"/>
-  <p:tag name="KSO_WM_UNIT_LINE_FORE_SCHEMECOLOR_INDEX_BRIGHTNESS" val="0"/>
-  <p:tag name="KSO_WM_UNIT_LINE_FILL_TYPE" val="2"/>
-  <p:tag name="KSO_WM_UNIT_SHADOW_SCHEMECOLOR_INDEX_BRIGHTNESS" val="-0.25"/>
-  <p:tag name="KSO_WM_UNIT_SHADOW_SCHEMECOLOR_INDEX" val="5"/>
+  <p:tag name="KSO_WM_DIAGRAM_COLOR_MATCH_VALUE" val="{&quot;shape&quot;:{&quot;fill&quot;:{&quot;gradient&quot;:[{&quot;brightness&quot;:0,&quot;colorType&quot;:1,&quot;foreColorIndex&quot;:5,&quot;pos&quot;:0,&quot;transparency&quot;:0.8500000238418579},{&quot;brightness&quot;:0,&quot;colorType&quot;:1,&quot;foreColorIndex&quot;:5,&quot;pos&quot;:1,&quot;transparency&quot;:1}],&quot;type&quot;:3},&quot;glow&quot;:{&quot;colorType&quot;:0},&quot;line&quot;:{&quot;gradient&quot;:[{&quot;brightness&quot;:0,&quot;colorType&quot;:1,&quot;foreColorIndex&quot;:5,&quot;pos&quot;:0,&quot;transparency&quot;:0},{&quot;brightness&quot;:0,&quot;colorType&quot;:1,&quot;foreColorIndex&quot;:5,&quot;pos&quot;:0.8700000047683716,&quot;transparency&quot;:1}],&quot;type&quot;:2},&quot;shadow&quot;:{&quot;colorType&quot;:0},&quot;threeD&quot;:{&quot;curvedSurface&quot;:{&quot;brightness&quot;:0,&quot;colorType&quot;:2,&quot;rgb&quot;:&quot;#000000&quot;},&quot;depth&quot;:{&quot;colorType&quot;:0}}},&quot;text&quot;:{&quot;fill&quot;:{&quot;solid&quot;:{&quot;brightness&quot;:0,&quot;colorType&quot;:1,&quot;foreColorIndex&quot;:2,&quot;transparency&quot;:0},&quot;type&quot;:1},&quot;glow&quot;:{&quot;colorType&quot;:0},&quot;line&quot;:{&quot;type&quot;:0},&quot;shadow&quot;:{&quot;colorType&quot;:0},&quot;threeD&quot;:{&quot;curvedSurface&quot;:{&quot;brightness&quot;:0,&quot;colorType&quot;:2,&quot;rgb&quot;:&quot;#000000&quot;},&quot;depth&quot;:{&quot;colorType&quot;:0}}}}"/>
+  <p:tag name="KSO_WM_UNIT_FILL_TYPE" val="3"/>
+  <p:tag name="KSO_WM_UNIT_LINE_FORE_SCHEMECOLOR_INDEX_1_BRIGHTNESS" val="0"/>
+  <p:tag name="KSO_WM_UNIT_LINE_FORE_SCHEMECOLOR_INDEX_1" val="5"/>
+  <p:tag name="KSO_WM_UNIT_LINE_FORE_SCHEMECOLOR_INDEX_1_POS" val="0"/>
+  <p:tag name="KSO_WM_UNIT_LINE_FORE_SCHEMECOLOR_INDEX_1_TRANS" val="0"/>
+  <p:tag name="KSO_WM_UNIT_LINE_FORE_SCHEMECOLOR_INDEX_2_BRIGHTNESS" val="0"/>
+  <p:tag name="KSO_WM_UNIT_LINE_FORE_SCHEMECOLOR_INDEX_2" val="5"/>
+  <p:tag name="KSO_WM_UNIT_LINE_FORE_SCHEMECOLOR_INDEX_2_POS" val="0.87"/>
+  <p:tag name="KSO_WM_UNIT_LINE_FORE_SCHEMECOLOR_INDEX_2_TRANS" val="1"/>
+  <p:tag name="KSO_WM_UNIT_LINE_GRADIENT_TYPE" val="0"/>
+  <p:tag name="KSO_WM_UNIT_LINE_GRADIENT_ANGLE" val="90"/>
+  <p:tag name="KSO_WM_UNIT_LINE_GRADIENT_DIRECTION" val="1"/>
+  <p:tag name="KSO_WM_UNIT_LINE_FILL_TYPE" val="5"/>
   <p:tag name="KSO_WM_UNIT_TEXT_FILL_FORE_SCHEMECOLOR_INDEX_BRIGHTNESS" val="0"/>
   <p:tag name="KSO_WM_UNIT_TEXT_FILL_FORE_SCHEMECOLOR_INDEX" val="2"/>
   <p:tag name="KSO_WM_UNIT_TEXT_FILL_TYPE" val="1"/>

--- a/presentazione/ProjectLeafWIP.pptx
+++ b/presentazione/ProjectLeafWIP.pptx
@@ -5,7 +5,7 @@
     <p:sldMasterId id="2147483648" r:id="rId1"/>
   </p:sldMasterIdLst>
   <p:notesMasterIdLst>
-    <p:notesMasterId r:id="rId23"/>
+    <p:notesMasterId r:id="rId24"/>
   </p:notesMasterIdLst>
   <p:sldIdLst>
     <p:sldId id="419" r:id="rId2"/>
@@ -25,10 +25,11 @@
     <p:sldId id="449" r:id="rId16"/>
     <p:sldId id="450" r:id="rId17"/>
     <p:sldId id="451" r:id="rId18"/>
-    <p:sldId id="440" r:id="rId19"/>
-    <p:sldId id="446" r:id="rId20"/>
-    <p:sldId id="448" r:id="rId21"/>
-    <p:sldId id="441" r:id="rId22"/>
+    <p:sldId id="452" r:id="rId19"/>
+    <p:sldId id="440" r:id="rId20"/>
+    <p:sldId id="446" r:id="rId21"/>
+    <p:sldId id="448" r:id="rId22"/>
+    <p:sldId id="441" r:id="rId23"/>
   </p:sldIdLst>
   <p:sldSz cx="12192000" cy="6858000"/>
   <p:notesSz cx="6858000" cy="9144000"/>
@@ -157,6 +158,7 @@
             <p14:sldId id="449"/>
             <p14:sldId id="450"/>
             <p14:sldId id="451"/>
+            <p14:sldId id="452"/>
             <p14:sldId id="440"/>
             <p14:sldId id="446"/>
             <p14:sldId id="448"/>
@@ -253,6 +255,11 @@
               </a:ln>
               <a:effectLst/>
             </c:spPr>
+            <c:extLst>
+              <c:ext xmlns:c16="http://schemas.microsoft.com/office/drawing/2014/chart" uri="{C3380CC4-5D6E-409C-BE32-E72D297353CC}">
+                <c16:uniqueId val="{00000003-0E55-4B9E-BAE4-ACD4A6E7D3A5}"/>
+              </c:ext>
+            </c:extLst>
           </c:dPt>
           <c:dPt>
             <c:idx val="2"/>
@@ -268,6 +275,11 @@
               </a:ln>
               <a:effectLst/>
             </c:spPr>
+            <c:extLst>
+              <c:ext xmlns:c16="http://schemas.microsoft.com/office/drawing/2014/chart" uri="{C3380CC4-5D6E-409C-BE32-E72D297353CC}">
+                <c16:uniqueId val="{00000005-0E55-4B9E-BAE4-ACD4A6E7D3A5}"/>
+              </c:ext>
+            </c:extLst>
           </c:dPt>
           <c:dPt>
             <c:idx val="3"/>
@@ -283,6 +295,11 @@
               </a:ln>
               <a:effectLst/>
             </c:spPr>
+            <c:extLst>
+              <c:ext xmlns:c16="http://schemas.microsoft.com/office/drawing/2014/chart" uri="{C3380CC4-5D6E-409C-BE32-E72D297353CC}">
+                <c16:uniqueId val="{00000007-0E55-4B9E-BAE4-ACD4A6E7D3A5}"/>
+              </c:ext>
+            </c:extLst>
           </c:dPt>
           <c:cat>
             <c:strRef>
@@ -1991,7 +2008,7 @@
           <a:p>
             <a:fld id="{11719416-D8C1-4F08-A479-9883E2AA69D2}" type="datetimeFigureOut">
               <a:rPr lang="it-IT" smtClean="0"/>
-              <a:t>06/06/2025</a:t>
+              <a:t>07/06/2025</a:t>
             </a:fld>
             <a:endParaRPr lang="it-IT"/>
           </a:p>
@@ -2671,7 +2688,7 @@
           <a:p>
             <a:fld id="{15B85411-92C6-4CA9-9909-BCA054C93C79}" type="slidenum">
               <a:rPr lang="it-IT" smtClean="0"/>
-              <a:t>19</a:t>
+              <a:t>20</a:t>
             </a:fld>
             <a:endParaRPr lang="it-IT"/>
           </a:p>
@@ -2779,7 +2796,7 @@
           <a:p>
             <a:fld id="{15B85411-92C6-4CA9-9909-BCA054C93C79}" type="slidenum">
               <a:rPr lang="it-IT" smtClean="0"/>
-              <a:t>20</a:t>
+              <a:t>21</a:t>
             </a:fld>
             <a:endParaRPr lang="it-IT"/>
           </a:p>
@@ -2945,7 +2962,7 @@
           <a:p>
             <a:fld id="{D27AEDA9-AD12-4ED2-8B98-33D70E99AD1A}" type="datetimeFigureOut">
               <a:rPr lang="it-IT" smtClean="0"/>
-              <a:t>06/06/2025</a:t>
+              <a:t>07/06/2025</a:t>
             </a:fld>
             <a:endParaRPr lang="it-IT"/>
           </a:p>
@@ -3143,7 +3160,7 @@
           <a:p>
             <a:fld id="{D27AEDA9-AD12-4ED2-8B98-33D70E99AD1A}" type="datetimeFigureOut">
               <a:rPr lang="it-IT" smtClean="0"/>
-              <a:t>06/06/2025</a:t>
+              <a:t>07/06/2025</a:t>
             </a:fld>
             <a:endParaRPr lang="it-IT"/>
           </a:p>
@@ -3351,7 +3368,7 @@
           <a:p>
             <a:fld id="{D27AEDA9-AD12-4ED2-8B98-33D70E99AD1A}" type="datetimeFigureOut">
               <a:rPr lang="it-IT" smtClean="0"/>
-              <a:t>06/06/2025</a:t>
+              <a:t>07/06/2025</a:t>
             </a:fld>
             <a:endParaRPr lang="it-IT"/>
           </a:p>
@@ -4100,7 +4117,7 @@
           <a:p>
             <a:fld id="{D27AEDA9-AD12-4ED2-8B98-33D70E99AD1A}" type="datetimeFigureOut">
               <a:rPr lang="it-IT" smtClean="0"/>
-              <a:t>06/06/2025</a:t>
+              <a:t>07/06/2025</a:t>
             </a:fld>
             <a:endParaRPr lang="it-IT"/>
           </a:p>
@@ -4375,7 +4392,7 @@
           <a:p>
             <a:fld id="{D27AEDA9-AD12-4ED2-8B98-33D70E99AD1A}" type="datetimeFigureOut">
               <a:rPr lang="it-IT" smtClean="0"/>
-              <a:t>06/06/2025</a:t>
+              <a:t>07/06/2025</a:t>
             </a:fld>
             <a:endParaRPr lang="it-IT"/>
           </a:p>
@@ -4640,7 +4657,7 @@
           <a:p>
             <a:fld id="{D27AEDA9-AD12-4ED2-8B98-33D70E99AD1A}" type="datetimeFigureOut">
               <a:rPr lang="it-IT" smtClean="0"/>
-              <a:t>06/06/2025</a:t>
+              <a:t>07/06/2025</a:t>
             </a:fld>
             <a:endParaRPr lang="it-IT"/>
           </a:p>
@@ -5052,7 +5069,7 @@
           <a:p>
             <a:fld id="{D27AEDA9-AD12-4ED2-8B98-33D70E99AD1A}" type="datetimeFigureOut">
               <a:rPr lang="it-IT" smtClean="0"/>
-              <a:t>06/06/2025</a:t>
+              <a:t>07/06/2025</a:t>
             </a:fld>
             <a:endParaRPr lang="it-IT"/>
           </a:p>
@@ -5193,7 +5210,7 @@
           <a:p>
             <a:fld id="{D27AEDA9-AD12-4ED2-8B98-33D70E99AD1A}" type="datetimeFigureOut">
               <a:rPr lang="it-IT" smtClean="0"/>
-              <a:t>06/06/2025</a:t>
+              <a:t>07/06/2025</a:t>
             </a:fld>
             <a:endParaRPr lang="it-IT"/>
           </a:p>
@@ -5306,7 +5323,7 @@
           <a:p>
             <a:fld id="{D27AEDA9-AD12-4ED2-8B98-33D70E99AD1A}" type="datetimeFigureOut">
               <a:rPr lang="it-IT" smtClean="0"/>
-              <a:t>06/06/2025</a:t>
+              <a:t>07/06/2025</a:t>
             </a:fld>
             <a:endParaRPr lang="it-IT"/>
           </a:p>
@@ -5617,7 +5634,7 @@
           <a:p>
             <a:fld id="{D27AEDA9-AD12-4ED2-8B98-33D70E99AD1A}" type="datetimeFigureOut">
               <a:rPr lang="it-IT" smtClean="0"/>
-              <a:t>06/06/2025</a:t>
+              <a:t>07/06/2025</a:t>
             </a:fld>
             <a:endParaRPr lang="it-IT"/>
           </a:p>
@@ -5905,7 +5922,7 @@
           <a:p>
             <a:fld id="{D27AEDA9-AD12-4ED2-8B98-33D70E99AD1A}" type="datetimeFigureOut">
               <a:rPr lang="it-IT" smtClean="0"/>
-              <a:t>06/06/2025</a:t>
+              <a:t>07/06/2025</a:t>
             </a:fld>
             <a:endParaRPr lang="it-IT"/>
           </a:p>
@@ -6146,7 +6163,7 @@
           <a:p>
             <a:fld id="{D27AEDA9-AD12-4ED2-8B98-33D70E99AD1A}" type="datetimeFigureOut">
               <a:rPr lang="it-IT" smtClean="0"/>
-              <a:t>06/06/2025</a:t>
+              <a:t>07/06/2025</a:t>
             </a:fld>
             <a:endParaRPr lang="it-IT"/>
           </a:p>
@@ -11306,7 +11323,7 @@
                 <a:cs typeface="+mn-ea"/>
                 <a:sym typeface="+mn-lt"/>
               </a:rPr>
-              <a:t>-</a:t>
+              <a:t>-Momenti di </a:t>
             </a:r>
             <a:r>
               <a:rPr lang="it-IT" altLang="zh-CN" sz="1200" dirty="0" err="1">
@@ -11321,20 +11338,6 @@
                 <a:sym typeface="+mn-lt"/>
               </a:rPr>
               <a:t>Zernike</a:t>
-            </a:r>
-            <a:r>
-              <a:rPr lang="it-IT" altLang="zh-CN" sz="1200" dirty="0">
-                <a:solidFill>
-                  <a:schemeClr val="tx1">
-                    <a:lumMod val="85000"/>
-                    <a:lumOff val="15000"/>
-                  </a:schemeClr>
-                </a:solidFill>
-                <a:ea typeface="微软雅黑" panose="020B0503020204020204" pitchFamily="34" charset="-122"/>
-                <a:cs typeface="+mn-ea"/>
-                <a:sym typeface="+mn-lt"/>
-              </a:rPr>
-              <a:t> Moments</a:t>
             </a:r>
             <a:endParaRPr lang="zh-CN" altLang="en-US" sz="1200" dirty="0">
               <a:solidFill>
@@ -11717,6 +11720,31 @@
               </a:rPr>
               <a:t>-</a:t>
             </a:r>
+            <a:r>
+              <a:rPr lang="it-IT" altLang="zh-CN" sz="1200" dirty="0" err="1">
+                <a:solidFill>
+                  <a:schemeClr val="tx1">
+                    <a:lumMod val="85000"/>
+                    <a:lumOff val="15000"/>
+                  </a:schemeClr>
+                </a:solidFill>
+                <a:ea typeface="微软雅黑" panose="020B0503020204020204" pitchFamily="34" charset="-122"/>
+                <a:cs typeface="+mn-ea"/>
+                <a:sym typeface="+mn-lt"/>
+              </a:rPr>
+              <a:t>Kurtosi</a:t>
+            </a:r>
+            <a:endParaRPr lang="it-IT" altLang="zh-CN" sz="1200" dirty="0">
+              <a:solidFill>
+                <a:schemeClr val="tx1">
+                  <a:lumMod val="85000"/>
+                  <a:lumOff val="15000"/>
+                </a:schemeClr>
+              </a:solidFill>
+              <a:ea typeface="微软雅黑" panose="020B0503020204020204" pitchFamily="34" charset="-122"/>
+              <a:cs typeface="+mn-ea"/>
+              <a:sym typeface="+mn-lt"/>
+            </a:endParaRPr>
           </a:p>
           <a:p>
             <a:pPr algn="ctr">
@@ -13365,57 +13393,6 @@
       </p:sp>
       <p:sp>
         <p:nvSpPr>
-          <p:cNvPr id="16" name="CasellaDiTesto 15">
-            <a:extLst>
-              <a:ext uri="{FF2B5EF4-FFF2-40B4-BE49-F238E27FC236}">
-                <a16:creationId xmlns:a16="http://schemas.microsoft.com/office/drawing/2014/main" id="{926EF361-215D-FD00-CC67-1E35969CA1BA}"/>
-              </a:ext>
-            </a:extLst>
-          </p:cNvPr>
-          <p:cNvSpPr txBox="1"/>
-          <p:nvPr/>
-        </p:nvSpPr>
-        <p:spPr>
-          <a:xfrm>
-            <a:off x="299719" y="1228052"/>
-            <a:ext cx="3098800" cy="646331"/>
-          </a:xfrm>
-          <a:prstGeom prst="rect">
-            <a:avLst/>
-          </a:prstGeom>
-          <a:noFill/>
-        </p:spPr>
-        <p:txBody>
-          <a:bodyPr wrap="square" rtlCol="0">
-            <a:spAutoFit/>
-          </a:bodyPr>
-          <a:lstStyle/>
-          <a:p>
-            <a:r>
-              <a:rPr lang="it-IT" b="1" dirty="0"/>
-              <a:t>Edge </a:t>
-            </a:r>
-            <a:r>
-              <a:rPr lang="it-IT" b="1" dirty="0" err="1"/>
-              <a:t>Histogram</a:t>
-            </a:r>
-            <a:r>
-              <a:rPr lang="it-IT" b="1" dirty="0"/>
-              <a:t> </a:t>
-            </a:r>
-            <a:r>
-              <a:rPr lang="it-IT" b="1" dirty="0" err="1"/>
-              <a:t>Static</a:t>
-            </a:r>
-            <a:r>
-              <a:rPr lang="it-IT" b="1" dirty="0"/>
-              <a:t> Features</a:t>
-            </a:r>
-          </a:p>
-        </p:txBody>
-      </p:sp>
-      <p:sp>
-        <p:nvSpPr>
           <p:cNvPr id="19" name="CasellaDiTesto 18">
             <a:extLst>
               <a:ext uri="{FF2B5EF4-FFF2-40B4-BE49-F238E27FC236}">
@@ -13428,8 +13405,8 @@
         </p:nvSpPr>
         <p:spPr>
           <a:xfrm>
-            <a:off x="234135" y="3999229"/>
-            <a:ext cx="3769360" cy="646331"/>
+            <a:off x="312793" y="2551740"/>
+            <a:ext cx="3718433" cy="954107"/>
           </a:xfrm>
           <a:prstGeom prst="rect">
             <a:avLst/>
@@ -13443,12 +13420,12 @@
           <a:lstStyle/>
           <a:p>
             <a:r>
-              <a:rPr lang="it-IT" dirty="0"/>
-              <a:t>È </a:t>
-            </a:r>
-          </a:p>
-          <a:p>
-            <a:endParaRPr lang="it-IT" dirty="0"/>
+              <a:rPr lang="it-IT" sz="1400" dirty="0"/>
+              <a:t>Sono fortemente invarianti alla rotazione e forniscono una descrizione compatta della texture </a:t>
+            </a:r>
+          </a:p>
+          <a:p>
+            <a:endParaRPr lang="it-IT" sz="1400" dirty="0"/>
           </a:p>
         </p:txBody>
       </p:sp>
@@ -13589,8 +13566,8 @@
         </p:nvSpPr>
         <p:spPr>
           <a:xfrm>
-            <a:off x="6990603" y="4968240"/>
-            <a:ext cx="4622800" cy="1477328"/>
+            <a:off x="6764460" y="5341866"/>
+            <a:ext cx="4739281" cy="923330"/>
           </a:xfrm>
           <a:prstGeom prst="rect">
             <a:avLst/>
@@ -13609,21 +13586,93 @@
                   <a:schemeClr val="bg1"/>
                 </a:solidFill>
               </a:rPr>
-              <a:t>In questo modo la stessa texture produrrà lo stesso risultato indipendentemente dalla rotazione dell’oggetto.</a:t>
-            </a:r>
-          </a:p>
-          <a:p>
-            <a:r>
-              <a:rPr lang="it-IT" dirty="0">
-                <a:solidFill>
-                  <a:schemeClr val="bg1"/>
-                </a:solidFill>
-              </a:rPr>
-              <a:t>Andando così a risolvere il problema della rotazione.</a:t>
+              <a:t>Ogni momento cattura specifiche caratteristiche della geometria, al salire dei gradi le caratteristiche si fanno sempre più fini</a:t>
             </a:r>
           </a:p>
         </p:txBody>
       </p:sp>
+      <p:sp>
+        <p:nvSpPr>
+          <p:cNvPr id="5" name="CasellaDiTesto 4">
+            <a:extLst>
+              <a:ext uri="{FF2B5EF4-FFF2-40B4-BE49-F238E27FC236}">
+                <a16:creationId xmlns:a16="http://schemas.microsoft.com/office/drawing/2014/main" id="{19364583-385D-1027-8AD4-D71E9C96DED2}"/>
+              </a:ext>
+            </a:extLst>
+          </p:cNvPr>
+          <p:cNvSpPr txBox="1"/>
+          <p:nvPr/>
+        </p:nvSpPr>
+        <p:spPr>
+          <a:xfrm>
+            <a:off x="383458" y="1071716"/>
+            <a:ext cx="2752905" cy="1015663"/>
+          </a:xfrm>
+          <a:prstGeom prst="rect">
+            <a:avLst/>
+          </a:prstGeom>
+          <a:noFill/>
+        </p:spPr>
+        <p:txBody>
+          <a:bodyPr wrap="square" rtlCol="0">
+            <a:spAutoFit/>
+          </a:bodyPr>
+          <a:lstStyle/>
+          <a:p>
+            <a:r>
+              <a:rPr lang="it-IT" b="1" dirty="0"/>
+              <a:t>Momenti di </a:t>
+            </a:r>
+            <a:r>
+              <a:rPr lang="it-IT" b="1" dirty="0" err="1"/>
+              <a:t>Zernike</a:t>
+            </a:r>
+            <a:endParaRPr lang="it-IT" b="1" dirty="0"/>
+          </a:p>
+          <a:p>
+            <a:r>
+              <a:rPr lang="it-IT" sz="1400" dirty="0"/>
+              <a:t>Descrittori basati su polinomi ortogonali definiti all’interno di un disco unitario</a:t>
+            </a:r>
+          </a:p>
+        </p:txBody>
+      </p:sp>
+      <p:pic>
+        <p:nvPicPr>
+          <p:cNvPr id="7" name="Immagine 6" descr="Immagine che contiene cerchio, Policromia&#10;&#10;Il contenuto generato dall'IA potrebbe non essere corretto.">
+            <a:extLst>
+              <a:ext uri="{FF2B5EF4-FFF2-40B4-BE49-F238E27FC236}">
+                <a16:creationId xmlns:a16="http://schemas.microsoft.com/office/drawing/2014/main" id="{610C84FF-8FA6-D0D3-ACAC-30B92D63D97D}"/>
+              </a:ext>
+            </a:extLst>
+          </p:cNvPr>
+          <p:cNvPicPr>
+            <a:picLocks noChangeAspect="1"/>
+          </p:cNvPicPr>
+          <p:nvPr/>
+        </p:nvPicPr>
+        <p:blipFill>
+          <a:blip r:embed="rId5">
+            <a:extLst>
+              <a:ext uri="{28A0092B-C50C-407E-A947-70E740481C1C}">
+                <a14:useLocalDpi xmlns:a14="http://schemas.microsoft.com/office/drawing/2010/main" val="0"/>
+              </a:ext>
+            </a:extLst>
+          </a:blip>
+          <a:stretch>
+            <a:fillRect/>
+          </a:stretch>
+        </p:blipFill>
+        <p:spPr>
+          <a:xfrm>
+            <a:off x="4190290" y="742158"/>
+            <a:ext cx="3187878" cy="2869090"/>
+          </a:xfrm>
+          <a:prstGeom prst="rect">
+            <a:avLst/>
+          </a:prstGeom>
+        </p:spPr>
+      </p:pic>
     </p:spTree>
     <p:extLst>
       <p:ext uri="{BB962C8B-B14F-4D97-AF65-F5344CB8AC3E}">
@@ -14217,7 +14266,7 @@
         </p:blipFill>
         <p:spPr>
           <a:xfrm>
-            <a:off x="3565157" y="204591"/>
+            <a:off x="3390233" y="773164"/>
             <a:ext cx="3752850" cy="3524250"/>
           </a:xfrm>
           <a:prstGeom prst="rect">
@@ -14239,7 +14288,7 @@
         </p:nvSpPr>
         <p:spPr>
           <a:xfrm>
-            <a:off x="5102533" y="1964072"/>
+            <a:off x="4896319" y="2535289"/>
             <a:ext cx="1888070" cy="1569660"/>
           </a:xfrm>
           <a:prstGeom prst="rect">
@@ -14254,8 +14303,12 @@
           <a:lstStyle/>
           <a:p>
             <a:r>
-              <a:rPr lang="it-IT" sz="1200"/>
-              <a:t>Il contorno viene convertito in una sequenza di numeri complessi, rendendo possibile un'analisi compatta ed efficiente tramite la trasformata di fourier</a:t>
+              <a:rPr lang="it-IT" sz="1200" dirty="0"/>
+              <a:t>Il contorno viene convertito in una sequenza di numeri complessi, rendendo possibile un'analisi compatta ed efficiente tramite la trasformata di </a:t>
+            </a:r>
+            <a:r>
+              <a:rPr lang="it-IT" sz="1200" dirty="0" err="1"/>
+              <a:t>fourier</a:t>
             </a:r>
             <a:endParaRPr lang="it-IT" sz="1200" dirty="0"/>
           </a:p>
@@ -14296,6 +14349,95 @@
           <p:cNvPr id="2" name="Segnaposto numero diapositiva 1">
             <a:extLst>
               <a:ext uri="{FF2B5EF4-FFF2-40B4-BE49-F238E27FC236}">
+                <a16:creationId xmlns:a16="http://schemas.microsoft.com/office/drawing/2014/main" id="{B8926A5B-3D4B-8BE6-BB8C-8F20C5239EF3}"/>
+              </a:ext>
+            </a:extLst>
+          </p:cNvPr>
+          <p:cNvSpPr>
+            <a:spLocks noGrp="1"/>
+          </p:cNvSpPr>
+          <p:nvPr>
+            <p:ph type="sldNum" sz="quarter" idx="12"/>
+          </p:nvPr>
+        </p:nvSpPr>
+        <p:spPr/>
+        <p:txBody>
+          <a:bodyPr/>
+          <a:lstStyle/>
+          <a:p>
+            <a:pPr algn="ctr"/>
+            <a:fld id="{49AE70B2-8BF9-45C0-BB95-33D1B9D3A854}" type="slidenum">
+              <a:rPr lang="en-US" smtClean="0"/>
+              <a:pPr algn="ctr"/>
+              <a:t>18</a:t>
+            </a:fld>
+            <a:endParaRPr lang="en-US" dirty="0"/>
+          </a:p>
+        </p:txBody>
+      </p:sp>
+      <p:sp>
+        <p:nvSpPr>
+          <p:cNvPr id="3" name="Titolo 2">
+            <a:extLst>
+              <a:ext uri="{FF2B5EF4-FFF2-40B4-BE49-F238E27FC236}">
+                <a16:creationId xmlns:a16="http://schemas.microsoft.com/office/drawing/2014/main" id="{EAADF078-38E9-8D30-2340-C5B0F168C1A5}"/>
+              </a:ext>
+            </a:extLst>
+          </p:cNvPr>
+          <p:cNvSpPr>
+            <a:spLocks noGrp="1"/>
+          </p:cNvSpPr>
+          <p:nvPr>
+            <p:ph type="title"/>
+          </p:nvPr>
+        </p:nvSpPr>
+        <p:spPr/>
+        <p:txBody>
+          <a:bodyPr/>
+          <a:lstStyle/>
+          <a:p>
+            <a:r>
+              <a:rPr lang="it-IT" dirty="0"/>
+              <a:t>Selezione automatica delle features</a:t>
+            </a:r>
+          </a:p>
+        </p:txBody>
+      </p:sp>
+    </p:spTree>
+    <p:extLst>
+      <p:ext uri="{BB962C8B-B14F-4D97-AF65-F5344CB8AC3E}">
+        <p14:creationId xmlns:p14="http://schemas.microsoft.com/office/powerpoint/2010/main" val="2221240279"/>
+      </p:ext>
+    </p:extLst>
+  </p:cSld>
+  <p:clrMapOvr>
+    <a:masterClrMapping/>
+  </p:clrMapOvr>
+</p:sld>
+</file>
+
+<file path=ppt/slides/slide19.xml><?xml version="1.0" encoding="utf-8"?>
+<p:sld xmlns:a="http://schemas.openxmlformats.org/drawingml/2006/main" xmlns:r="http://schemas.openxmlformats.org/officeDocument/2006/relationships" xmlns:p="http://schemas.openxmlformats.org/presentationml/2006/main">
+  <p:cSld>
+    <p:spTree>
+      <p:nvGrpSpPr>
+        <p:cNvPr id="1" name=""/>
+        <p:cNvGrpSpPr/>
+        <p:nvPr/>
+      </p:nvGrpSpPr>
+      <p:grpSpPr>
+        <a:xfrm>
+          <a:off x="0" y="0"/>
+          <a:ext cx="0" cy="0"/>
+          <a:chOff x="0" y="0"/>
+          <a:chExt cx="0" cy="0"/>
+        </a:xfrm>
+      </p:grpSpPr>
+      <p:sp>
+        <p:nvSpPr>
+          <p:cNvPr id="2" name="Segnaposto numero diapositiva 1">
+            <a:extLst>
+              <a:ext uri="{FF2B5EF4-FFF2-40B4-BE49-F238E27FC236}">
                 <a16:creationId xmlns:a16="http://schemas.microsoft.com/office/drawing/2014/main" id="{1EB63024-59A2-83E5-825A-BBF201B51586}"/>
               </a:ext>
             </a:extLst>
@@ -14316,7 +14458,7 @@
             <a:fld id="{49AE70B2-8BF9-45C0-BB95-33D1B9D3A854}" type="slidenum">
               <a:rPr lang="en-US" smtClean="0"/>
               <a:pPr algn="ctr"/>
-              <a:t>18</a:t>
+              <a:t>19</a:t>
             </a:fld>
             <a:endParaRPr lang="en-US" dirty="0"/>
           </a:p>
@@ -14363,7 +14505,789 @@
 </p:sld>
 </file>
 
-<file path=ppt/slides/slide19.xml><?xml version="1.0" encoding="utf-8"?>
+<file path=ppt/slides/slide2.xml><?xml version="1.0" encoding="utf-8"?>
+<p:sld xmlns:a="http://schemas.openxmlformats.org/drawingml/2006/main" xmlns:r="http://schemas.openxmlformats.org/officeDocument/2006/relationships" xmlns:p="http://schemas.openxmlformats.org/presentationml/2006/main">
+  <p:cSld>
+    <p:spTree>
+      <p:nvGrpSpPr>
+        <p:cNvPr id="1" name=""/>
+        <p:cNvGrpSpPr/>
+        <p:nvPr/>
+      </p:nvGrpSpPr>
+      <p:grpSpPr>
+        <a:xfrm>
+          <a:off x="0" y="0"/>
+          <a:ext cx="0" cy="0"/>
+          <a:chOff x="0" y="0"/>
+          <a:chExt cx="0" cy="0"/>
+        </a:xfrm>
+      </p:grpSpPr>
+      <p:sp>
+        <p:nvSpPr>
+          <p:cNvPr id="2" name="Title 1">
+            <a:extLst>
+              <a:ext uri="{FF2B5EF4-FFF2-40B4-BE49-F238E27FC236}">
+                <a16:creationId xmlns:a16="http://schemas.microsoft.com/office/drawing/2014/main" id="{7C16C2D7-6234-AB90-465E-9AFC5D2549AC}"/>
+              </a:ext>
+            </a:extLst>
+          </p:cNvPr>
+          <p:cNvSpPr>
+            <a:spLocks noGrp="1"/>
+          </p:cNvSpPr>
+          <p:nvPr>
+            <p:ph type="title"/>
+          </p:nvPr>
+        </p:nvSpPr>
+        <p:spPr>
+          <a:xfrm>
+            <a:off x="602725" y="860557"/>
+            <a:ext cx="10800000" cy="720000"/>
+          </a:xfrm>
+        </p:spPr>
+        <p:txBody>
+          <a:bodyPr>
+            <a:normAutofit/>
+          </a:bodyPr>
+          <a:lstStyle/>
+          <a:p>
+            <a:r>
+              <a:rPr lang="en-US" sz="4400" dirty="0" err="1">
+                <a:solidFill>
+                  <a:schemeClr val="tx2"/>
+                </a:solidFill>
+                <a:latin typeface="+mn-lt"/>
+                <a:ea typeface="微软雅黑" panose="020B0503020204020204" pitchFamily="34" charset="-122"/>
+                <a:cs typeface="+mn-ea"/>
+                <a:sym typeface="+mn-lt"/>
+              </a:rPr>
+              <a:t>Indice</a:t>
+            </a:r>
+            <a:endParaRPr lang="en-US" sz="4400" b="1" dirty="0">
+              <a:solidFill>
+                <a:schemeClr val="tx2"/>
+              </a:solidFill>
+              <a:latin typeface="+mn-lt"/>
+              <a:ea typeface="微软雅黑" panose="020B0503020204020204" pitchFamily="34" charset="-122"/>
+              <a:cs typeface="+mn-ea"/>
+              <a:sym typeface="+mn-lt"/>
+            </a:endParaRPr>
+          </a:p>
+        </p:txBody>
+      </p:sp>
+      <p:sp>
+        <p:nvSpPr>
+          <p:cNvPr id="4" name="圆角矩形 2"/>
+          <p:cNvSpPr/>
+          <p:nvPr>
+            <p:custDataLst>
+              <p:tags r:id="rId1"/>
+            </p:custDataLst>
+          </p:nvPr>
+        </p:nvSpPr>
+        <p:spPr>
+          <a:xfrm>
+            <a:off x="695325" y="2269966"/>
+            <a:ext cx="4888774" cy="737952"/>
+          </a:xfrm>
+          <a:prstGeom prst="roundRect">
+            <a:avLst>
+              <a:gd name="adj" fmla="val 50000"/>
+            </a:avLst>
+          </a:prstGeom>
+          <a:solidFill>
+            <a:schemeClr val="bg1"/>
+          </a:solidFill>
+          <a:ln>
+            <a:noFill/>
+          </a:ln>
+          <a:effectLst/>
+        </p:spPr>
+        <p:style>
+          <a:lnRef idx="2">
+            <a:schemeClr val="accent1">
+              <a:shade val="50000"/>
+            </a:schemeClr>
+          </a:lnRef>
+          <a:fillRef idx="1">
+            <a:schemeClr val="accent1"/>
+          </a:fillRef>
+          <a:effectRef idx="0">
+            <a:schemeClr val="accent1"/>
+          </a:effectRef>
+          <a:fontRef idx="minor">
+            <a:schemeClr val="lt1"/>
+          </a:fontRef>
+        </p:style>
+        <p:txBody>
+          <a:bodyPr tIns="0" bIns="0" rtlCol="0" anchor="ctr">
+            <a:normAutofit/>
+          </a:bodyPr>
+          <a:lstStyle/>
+          <a:p>
+            <a:pPr algn="ctr">
+              <a:lnSpc>
+                <a:spcPct val="120000"/>
+              </a:lnSpc>
+            </a:pPr>
+            <a:endParaRPr lang="zh-CN" altLang="en-US">
+              <a:ea typeface="微软雅黑" panose="020B0503020204020204" pitchFamily="34" charset="-122"/>
+              <a:cs typeface="+mn-ea"/>
+              <a:sym typeface="+mn-lt"/>
+            </a:endParaRPr>
+          </a:p>
+        </p:txBody>
+      </p:sp>
+      <p:sp>
+        <p:nvSpPr>
+          <p:cNvPr id="5" name="序号"/>
+          <p:cNvSpPr txBox="1"/>
+          <p:nvPr>
+            <p:custDataLst>
+              <p:tags r:id="rId2"/>
+            </p:custDataLst>
+          </p:nvPr>
+        </p:nvSpPr>
+        <p:spPr>
+          <a:xfrm>
+            <a:off x="695325" y="2271871"/>
+            <a:ext cx="732236" cy="734142"/>
+          </a:xfrm>
+          <a:prstGeom prst="ellipse">
+            <a:avLst/>
+          </a:prstGeom>
+          <a:solidFill>
+            <a:schemeClr val="accent6">
+              <a:lumMod val="75000"/>
+            </a:schemeClr>
+          </a:solidFill>
+          <a:ln>
+            <a:noFill/>
+          </a:ln>
+          <a:effectLst/>
+        </p:spPr>
+        <p:txBody>
+          <a:bodyPr wrap="none" lIns="0" tIns="0" rIns="0" bIns="0" rtlCol="0" anchor="ctr" anchorCtr="0">
+            <a:normAutofit/>
+          </a:bodyPr>
+          <a:lstStyle/>
+          <a:p>
+            <a:pPr algn="ctr">
+              <a:lnSpc>
+                <a:spcPct val="120000"/>
+              </a:lnSpc>
+            </a:pPr>
+            <a:r>
+              <a:rPr lang="en-US" altLang="zh-CN" sz="2400" b="1" dirty="0">
+                <a:solidFill>
+                  <a:schemeClr val="bg2"/>
+                </a:solidFill>
+                <a:ea typeface="微软雅黑" panose="020B0503020204020204" pitchFamily="34" charset="-122"/>
+                <a:cs typeface="+mn-ea"/>
+                <a:sym typeface="+mn-lt"/>
+              </a:rPr>
+              <a:t>01</a:t>
+            </a:r>
+          </a:p>
+        </p:txBody>
+      </p:sp>
+      <p:sp>
+        <p:nvSpPr>
+          <p:cNvPr id="6" name="标题"/>
+          <p:cNvSpPr txBox="1"/>
+          <p:nvPr>
+            <p:custDataLst>
+              <p:tags r:id="rId3"/>
+            </p:custDataLst>
+          </p:nvPr>
+        </p:nvSpPr>
+        <p:spPr>
+          <a:xfrm>
+            <a:off x="1682860" y="2281397"/>
+            <a:ext cx="3804073" cy="715090"/>
+          </a:xfrm>
+          <a:prstGeom prst="rect">
+            <a:avLst/>
+          </a:prstGeom>
+          <a:noFill/>
+        </p:spPr>
+        <p:txBody>
+          <a:bodyPr wrap="square" lIns="91440" tIns="0" rIns="91440" bIns="0" rtlCol="0" anchor="ctr" anchorCtr="0">
+            <a:normAutofit/>
+          </a:bodyPr>
+          <a:lstStyle/>
+          <a:p>
+            <a:pPr lvl="0" algn="l">
+              <a:lnSpc>
+                <a:spcPct val="120000"/>
+              </a:lnSpc>
+              <a:buClrTx/>
+              <a:buSzTx/>
+              <a:buFontTx/>
+            </a:pPr>
+            <a:r>
+              <a:rPr lang="en-US" altLang="zh-CN" b="1" dirty="0" err="1">
+                <a:solidFill>
+                  <a:schemeClr val="tx1">
+                    <a:lumMod val="85000"/>
+                    <a:lumOff val="15000"/>
+                  </a:schemeClr>
+                </a:solidFill>
+                <a:ea typeface="微软雅黑" panose="020B0503020204020204" pitchFamily="34" charset="-122"/>
+                <a:cs typeface="+mn-ea"/>
+                <a:sym typeface="+mn-lt"/>
+              </a:rPr>
+              <a:t>Caratteristiche</a:t>
+            </a:r>
+            <a:r>
+              <a:rPr lang="en-US" altLang="zh-CN" b="1" dirty="0">
+                <a:solidFill>
+                  <a:schemeClr val="tx1">
+                    <a:lumMod val="85000"/>
+                    <a:lumOff val="15000"/>
+                  </a:schemeClr>
+                </a:solidFill>
+                <a:uFillTx/>
+                <a:ea typeface="微软雅黑" panose="020B0503020204020204" pitchFamily="34" charset="-122"/>
+                <a:cs typeface="+mn-ea"/>
+                <a:sym typeface="+mn-lt"/>
+              </a:rPr>
+              <a:t> Progetto</a:t>
+            </a:r>
+          </a:p>
+        </p:txBody>
+      </p:sp>
+      <p:sp>
+        <p:nvSpPr>
+          <p:cNvPr id="9" name="圆角矩形 8"/>
+          <p:cNvSpPr/>
+          <p:nvPr>
+            <p:custDataLst>
+              <p:tags r:id="rId4"/>
+            </p:custDataLst>
+          </p:nvPr>
+        </p:nvSpPr>
+        <p:spPr>
+          <a:xfrm>
+            <a:off x="5584099" y="2281714"/>
+            <a:ext cx="4888774" cy="737952"/>
+          </a:xfrm>
+          <a:prstGeom prst="roundRect">
+            <a:avLst>
+              <a:gd name="adj" fmla="val 50000"/>
+            </a:avLst>
+          </a:prstGeom>
+          <a:solidFill>
+            <a:schemeClr val="bg1"/>
+          </a:solidFill>
+          <a:ln>
+            <a:noFill/>
+          </a:ln>
+          <a:effectLst/>
+        </p:spPr>
+        <p:style>
+          <a:lnRef idx="2">
+            <a:schemeClr val="accent1">
+              <a:shade val="50000"/>
+            </a:schemeClr>
+          </a:lnRef>
+          <a:fillRef idx="1">
+            <a:schemeClr val="accent1"/>
+          </a:fillRef>
+          <a:effectRef idx="0">
+            <a:schemeClr val="accent1"/>
+          </a:effectRef>
+          <a:fontRef idx="minor">
+            <a:schemeClr val="lt1"/>
+          </a:fontRef>
+        </p:style>
+        <p:txBody>
+          <a:bodyPr tIns="0" bIns="0" rtlCol="0" anchor="ctr">
+            <a:normAutofit/>
+          </a:bodyPr>
+          <a:lstStyle/>
+          <a:p>
+            <a:pPr algn="ctr">
+              <a:lnSpc>
+                <a:spcPct val="120000"/>
+              </a:lnSpc>
+            </a:pPr>
+            <a:endParaRPr lang="zh-CN" altLang="en-US">
+              <a:ea typeface="微软雅黑" panose="020B0503020204020204" pitchFamily="34" charset="-122"/>
+              <a:cs typeface="+mn-ea"/>
+              <a:sym typeface="+mn-lt"/>
+            </a:endParaRPr>
+          </a:p>
+        </p:txBody>
+      </p:sp>
+      <p:sp>
+        <p:nvSpPr>
+          <p:cNvPr id="10" name="序号"/>
+          <p:cNvSpPr txBox="1"/>
+          <p:nvPr>
+            <p:custDataLst>
+              <p:tags r:id="rId5"/>
+            </p:custDataLst>
+          </p:nvPr>
+        </p:nvSpPr>
+        <p:spPr>
+          <a:xfrm>
+            <a:off x="5584099" y="2283619"/>
+            <a:ext cx="732236" cy="734142"/>
+          </a:xfrm>
+          <a:prstGeom prst="ellipse">
+            <a:avLst/>
+          </a:prstGeom>
+          <a:solidFill>
+            <a:schemeClr val="accent6">
+              <a:lumMod val="75000"/>
+            </a:schemeClr>
+          </a:solidFill>
+          <a:ln>
+            <a:noFill/>
+          </a:ln>
+          <a:effectLst/>
+        </p:spPr>
+        <p:txBody>
+          <a:bodyPr wrap="none" lIns="0" tIns="0" rIns="0" bIns="0" rtlCol="0" anchor="ctr" anchorCtr="0">
+            <a:normAutofit/>
+          </a:bodyPr>
+          <a:lstStyle>
+            <a:defPPr>
+              <a:defRPr lang="zh-CN"/>
+            </a:defPPr>
+            <a:lvl1pPr algn="ctr">
+              <a:lnSpc>
+                <a:spcPct val="120000"/>
+              </a:lnSpc>
+              <a:defRPr sz="2400" b="1">
+                <a:solidFill>
+                  <a:schemeClr val="tx2"/>
+                </a:solidFill>
+                <a:cs typeface="+mn-ea"/>
+              </a:defRPr>
+            </a:lvl1pPr>
+          </a:lstStyle>
+          <a:p>
+            <a:r>
+              <a:rPr lang="en-US" altLang="zh-CN" dirty="0">
+                <a:solidFill>
+                  <a:schemeClr val="bg2"/>
+                </a:solidFill>
+                <a:ea typeface="微软雅黑" panose="020B0503020204020204" pitchFamily="34" charset="-122"/>
+                <a:sym typeface="+mn-lt"/>
+              </a:rPr>
+              <a:t>02</a:t>
+            </a:r>
+          </a:p>
+        </p:txBody>
+      </p:sp>
+      <p:sp>
+        <p:nvSpPr>
+          <p:cNvPr id="11" name="标题"/>
+          <p:cNvSpPr txBox="1"/>
+          <p:nvPr>
+            <p:custDataLst>
+              <p:tags r:id="rId6"/>
+            </p:custDataLst>
+          </p:nvPr>
+        </p:nvSpPr>
+        <p:spPr>
+          <a:xfrm>
+            <a:off x="6571634" y="2281397"/>
+            <a:ext cx="3804073" cy="738587"/>
+          </a:xfrm>
+          <a:prstGeom prst="rect">
+            <a:avLst/>
+          </a:prstGeom>
+          <a:noFill/>
+        </p:spPr>
+        <p:txBody>
+          <a:bodyPr wrap="square" lIns="91440" tIns="0" rIns="91440" bIns="0" rtlCol="0" anchor="ctr" anchorCtr="0">
+            <a:normAutofit/>
+          </a:bodyPr>
+          <a:lstStyle/>
+          <a:p>
+            <a:pPr lvl="0" algn="l">
+              <a:lnSpc>
+                <a:spcPct val="120000"/>
+              </a:lnSpc>
+              <a:buClrTx/>
+              <a:buSzTx/>
+              <a:buFontTx/>
+            </a:pPr>
+            <a:r>
+              <a:rPr lang="en-US" altLang="zh-CN" b="1" dirty="0">
+                <a:solidFill>
+                  <a:schemeClr val="tx1">
+                    <a:lumMod val="85000"/>
+                    <a:lumOff val="15000"/>
+                  </a:schemeClr>
+                </a:solidFill>
+                <a:ea typeface="微软雅黑" panose="020B0503020204020204" pitchFamily="34" charset="-122"/>
+                <a:cs typeface="+mn-ea"/>
+                <a:sym typeface="+mn-lt"/>
+              </a:rPr>
+              <a:t>Pipeline del Progetto</a:t>
+            </a:r>
+          </a:p>
+        </p:txBody>
+      </p:sp>
+      <p:sp>
+        <p:nvSpPr>
+          <p:cNvPr id="12" name="圆角矩形 11"/>
+          <p:cNvSpPr/>
+          <p:nvPr>
+            <p:custDataLst>
+              <p:tags r:id="rId7"/>
+            </p:custDataLst>
+          </p:nvPr>
+        </p:nvSpPr>
+        <p:spPr>
+          <a:xfrm>
+            <a:off x="5584099" y="4340327"/>
+            <a:ext cx="4888774" cy="737952"/>
+          </a:xfrm>
+          <a:prstGeom prst="roundRect">
+            <a:avLst>
+              <a:gd name="adj" fmla="val 50000"/>
+            </a:avLst>
+          </a:prstGeom>
+          <a:solidFill>
+            <a:schemeClr val="bg1"/>
+          </a:solidFill>
+          <a:ln>
+            <a:noFill/>
+          </a:ln>
+          <a:effectLst/>
+        </p:spPr>
+        <p:style>
+          <a:lnRef idx="2">
+            <a:schemeClr val="accent1">
+              <a:shade val="50000"/>
+            </a:schemeClr>
+          </a:lnRef>
+          <a:fillRef idx="1">
+            <a:schemeClr val="accent1"/>
+          </a:fillRef>
+          <a:effectRef idx="0">
+            <a:schemeClr val="accent1"/>
+          </a:effectRef>
+          <a:fontRef idx="minor">
+            <a:schemeClr val="lt1"/>
+          </a:fontRef>
+        </p:style>
+        <p:txBody>
+          <a:bodyPr tIns="0" bIns="0" rtlCol="0" anchor="ctr">
+            <a:normAutofit/>
+          </a:bodyPr>
+          <a:lstStyle/>
+          <a:p>
+            <a:pPr algn="ctr">
+              <a:lnSpc>
+                <a:spcPct val="120000"/>
+              </a:lnSpc>
+            </a:pPr>
+            <a:endParaRPr lang="zh-CN" altLang="en-US">
+              <a:ea typeface="微软雅黑" panose="020B0503020204020204" pitchFamily="34" charset="-122"/>
+              <a:cs typeface="+mn-ea"/>
+              <a:sym typeface="+mn-lt"/>
+            </a:endParaRPr>
+          </a:p>
+        </p:txBody>
+      </p:sp>
+      <p:sp>
+        <p:nvSpPr>
+          <p:cNvPr id="15" name="序号"/>
+          <p:cNvSpPr txBox="1"/>
+          <p:nvPr>
+            <p:custDataLst>
+              <p:tags r:id="rId8"/>
+            </p:custDataLst>
+          </p:nvPr>
+        </p:nvSpPr>
+        <p:spPr>
+          <a:xfrm>
+            <a:off x="5584099" y="4342232"/>
+            <a:ext cx="732236" cy="734142"/>
+          </a:xfrm>
+          <a:prstGeom prst="ellipse">
+            <a:avLst/>
+          </a:prstGeom>
+          <a:solidFill>
+            <a:schemeClr val="accent6">
+              <a:lumMod val="75000"/>
+            </a:schemeClr>
+          </a:solidFill>
+          <a:ln>
+            <a:noFill/>
+          </a:ln>
+          <a:effectLst/>
+        </p:spPr>
+        <p:txBody>
+          <a:bodyPr wrap="none" lIns="0" tIns="0" rIns="0" bIns="0" rtlCol="0" anchor="ctr" anchorCtr="0">
+            <a:normAutofit/>
+          </a:bodyPr>
+          <a:lstStyle>
+            <a:defPPr>
+              <a:defRPr lang="zh-CN"/>
+            </a:defPPr>
+            <a:lvl1pPr algn="ctr">
+              <a:lnSpc>
+                <a:spcPct val="120000"/>
+              </a:lnSpc>
+              <a:defRPr sz="2400" b="1">
+                <a:solidFill>
+                  <a:schemeClr val="tx2"/>
+                </a:solidFill>
+                <a:cs typeface="+mn-ea"/>
+              </a:defRPr>
+            </a:lvl1pPr>
+          </a:lstStyle>
+          <a:p>
+            <a:r>
+              <a:rPr lang="en-US" altLang="zh-CN" dirty="0">
+                <a:solidFill>
+                  <a:schemeClr val="bg2"/>
+                </a:solidFill>
+                <a:ea typeface="微软雅黑" panose="020B0503020204020204" pitchFamily="34" charset="-122"/>
+                <a:sym typeface="+mn-lt"/>
+              </a:rPr>
+              <a:t>03</a:t>
+            </a:r>
+          </a:p>
+        </p:txBody>
+      </p:sp>
+      <p:sp>
+        <p:nvSpPr>
+          <p:cNvPr id="17" name="标题"/>
+          <p:cNvSpPr txBox="1"/>
+          <p:nvPr>
+            <p:custDataLst>
+              <p:tags r:id="rId9"/>
+            </p:custDataLst>
+          </p:nvPr>
+        </p:nvSpPr>
+        <p:spPr>
+          <a:xfrm>
+            <a:off x="6571634" y="4342550"/>
+            <a:ext cx="3804073" cy="733507"/>
+          </a:xfrm>
+          <a:prstGeom prst="rect">
+            <a:avLst/>
+          </a:prstGeom>
+          <a:noFill/>
+        </p:spPr>
+        <p:txBody>
+          <a:bodyPr wrap="square" lIns="91440" tIns="0" rIns="91440" bIns="0" rtlCol="0" anchor="ctr" anchorCtr="0">
+            <a:normAutofit/>
+          </a:bodyPr>
+          <a:lstStyle/>
+          <a:p>
+            <a:pPr lvl="0" algn="l">
+              <a:lnSpc>
+                <a:spcPct val="120000"/>
+              </a:lnSpc>
+              <a:buClrTx/>
+              <a:buSzTx/>
+              <a:buFontTx/>
+            </a:pPr>
+            <a:r>
+              <a:rPr lang="en-US" altLang="zh-CN" b="1" dirty="0" err="1">
+                <a:solidFill>
+                  <a:schemeClr val="tx1">
+                    <a:lumMod val="85000"/>
+                    <a:lumOff val="15000"/>
+                  </a:schemeClr>
+                </a:solidFill>
+                <a:ea typeface="微软雅黑" panose="020B0503020204020204" pitchFamily="34" charset="-122"/>
+                <a:cs typeface="+mn-ea"/>
+                <a:sym typeface="+mn-lt"/>
+              </a:rPr>
+              <a:t>Conclusioni</a:t>
+            </a:r>
+            <a:endParaRPr lang="en-US" altLang="zh-CN" b="1" dirty="0">
+              <a:solidFill>
+                <a:schemeClr val="tx1">
+                  <a:lumMod val="85000"/>
+                  <a:lumOff val="15000"/>
+                </a:schemeClr>
+              </a:solidFill>
+              <a:uFillTx/>
+              <a:ea typeface="微软雅黑" panose="020B0503020204020204" pitchFamily="34" charset="-122"/>
+              <a:cs typeface="+mn-ea"/>
+              <a:sym typeface="+mn-lt"/>
+            </a:endParaRPr>
+          </a:p>
+        </p:txBody>
+      </p:sp>
+      <p:sp>
+        <p:nvSpPr>
+          <p:cNvPr id="3" name="CasellaDiTesto 2">
+            <a:extLst>
+              <a:ext uri="{FF2B5EF4-FFF2-40B4-BE49-F238E27FC236}">
+                <a16:creationId xmlns:a16="http://schemas.microsoft.com/office/drawing/2014/main" id="{ED911E9F-B28A-1F99-013D-0583F13F4408}"/>
+              </a:ext>
+            </a:extLst>
+          </p:cNvPr>
+          <p:cNvSpPr txBox="1"/>
+          <p:nvPr/>
+        </p:nvSpPr>
+        <p:spPr>
+          <a:xfrm>
+            <a:off x="1427561" y="3106994"/>
+            <a:ext cx="3313471" cy="923330"/>
+          </a:xfrm>
+          <a:prstGeom prst="rect">
+            <a:avLst/>
+          </a:prstGeom>
+          <a:noFill/>
+        </p:spPr>
+        <p:txBody>
+          <a:bodyPr wrap="square" rtlCol="0">
+            <a:spAutoFit/>
+          </a:bodyPr>
+          <a:lstStyle/>
+          <a:p>
+            <a:r>
+              <a:rPr lang="it-IT" dirty="0"/>
+              <a:t>….Scopo del Progetto</a:t>
+            </a:r>
+          </a:p>
+          <a:p>
+            <a:r>
+              <a:rPr lang="it-IT" dirty="0"/>
+              <a:t>….Assunzioni e Disclaimer Vari</a:t>
+            </a:r>
+          </a:p>
+          <a:p>
+            <a:r>
+              <a:rPr lang="it-IT" dirty="0"/>
+              <a:t>….</a:t>
+            </a:r>
+            <a:r>
+              <a:rPr lang="it-IT" dirty="0" err="1"/>
+              <a:t>Caratterische</a:t>
+            </a:r>
+            <a:r>
+              <a:rPr lang="it-IT" dirty="0"/>
+              <a:t> del Dataset</a:t>
+            </a:r>
+          </a:p>
+        </p:txBody>
+      </p:sp>
+      <p:sp>
+        <p:nvSpPr>
+          <p:cNvPr id="13" name="CasellaDiTesto 12">
+            <a:extLst>
+              <a:ext uri="{FF2B5EF4-FFF2-40B4-BE49-F238E27FC236}">
+                <a16:creationId xmlns:a16="http://schemas.microsoft.com/office/drawing/2014/main" id="{E00C429D-B51D-567A-9650-3391B3467D1A}"/>
+              </a:ext>
+            </a:extLst>
+          </p:cNvPr>
+          <p:cNvSpPr txBox="1"/>
+          <p:nvPr/>
+        </p:nvSpPr>
+        <p:spPr>
+          <a:xfrm>
+            <a:off x="5486933" y="3106994"/>
+            <a:ext cx="3313471" cy="923330"/>
+          </a:xfrm>
+          <a:prstGeom prst="rect">
+            <a:avLst/>
+          </a:prstGeom>
+          <a:noFill/>
+        </p:spPr>
+        <p:txBody>
+          <a:bodyPr wrap="square" rtlCol="0">
+            <a:spAutoFit/>
+          </a:bodyPr>
+          <a:lstStyle/>
+          <a:p>
+            <a:r>
+              <a:rPr lang="it-IT" dirty="0"/>
+              <a:t>….Segmentazione</a:t>
+            </a:r>
+          </a:p>
+          <a:p>
+            <a:r>
+              <a:rPr lang="it-IT" dirty="0"/>
+              <a:t>….Classificazione</a:t>
+            </a:r>
+          </a:p>
+          <a:p>
+            <a:r>
+              <a:rPr lang="it-IT" dirty="0"/>
+              <a:t>….Gestione degli </a:t>
+            </a:r>
+            <a:r>
+              <a:rPr lang="it-IT" dirty="0" err="1"/>
+              <a:t>Unknown</a:t>
+            </a:r>
+            <a:endParaRPr lang="it-IT" dirty="0"/>
+          </a:p>
+        </p:txBody>
+      </p:sp>
+      <p:sp>
+        <p:nvSpPr>
+          <p:cNvPr id="14" name="CasellaDiTesto 13">
+            <a:extLst>
+              <a:ext uri="{FF2B5EF4-FFF2-40B4-BE49-F238E27FC236}">
+                <a16:creationId xmlns:a16="http://schemas.microsoft.com/office/drawing/2014/main" id="{A9B0F17C-B9B6-7458-7C5A-E2C49F8D96C6}"/>
+              </a:ext>
+            </a:extLst>
+          </p:cNvPr>
+          <p:cNvSpPr txBox="1"/>
+          <p:nvPr/>
+        </p:nvSpPr>
+        <p:spPr>
+          <a:xfrm>
+            <a:off x="5584099" y="5179610"/>
+            <a:ext cx="3313471" cy="923330"/>
+          </a:xfrm>
+          <a:prstGeom prst="rect">
+            <a:avLst/>
+          </a:prstGeom>
+          <a:noFill/>
+        </p:spPr>
+        <p:txBody>
+          <a:bodyPr wrap="square" rtlCol="0">
+            <a:spAutoFit/>
+          </a:bodyPr>
+          <a:lstStyle/>
+          <a:p>
+            <a:r>
+              <a:rPr lang="it-IT" dirty="0"/>
+              <a:t>….</a:t>
+            </a:r>
+          </a:p>
+          <a:p>
+            <a:r>
+              <a:rPr lang="it-IT" dirty="0"/>
+              <a:t>….</a:t>
+            </a:r>
+          </a:p>
+          <a:p>
+            <a:r>
+              <a:rPr lang="it-IT" dirty="0"/>
+              <a:t>….</a:t>
+            </a:r>
+          </a:p>
+        </p:txBody>
+      </p:sp>
+    </p:spTree>
+    <p:extLst>
+      <p:ext uri="{BB962C8B-B14F-4D97-AF65-F5344CB8AC3E}">
+        <p14:creationId xmlns:p14="http://schemas.microsoft.com/office/powerpoint/2010/main" val="923651621"/>
+      </p:ext>
+    </p:extLst>
+  </p:cSld>
+  <p:clrMapOvr>
+    <a:masterClrMapping/>
+  </p:clrMapOvr>
+</p:sld>
+</file>
+
+<file path=ppt/slides/slide20.xml><?xml version="1.0" encoding="utf-8"?>
 <p:sld xmlns:a="http://schemas.openxmlformats.org/drawingml/2006/main" xmlns:r="http://schemas.openxmlformats.org/officeDocument/2006/relationships" xmlns:p="http://schemas.openxmlformats.org/presentationml/2006/main">
   <p:cSld>
     <p:spTree>
@@ -16371,6 +17295,45 @@
           </a:p>
         </p:txBody>
       </p:sp>
+      <p:sp>
+        <p:nvSpPr>
+          <p:cNvPr id="5" name="CasellaDiTesto 4">
+            <a:extLst>
+              <a:ext uri="{FF2B5EF4-FFF2-40B4-BE49-F238E27FC236}">
+                <a16:creationId xmlns:a16="http://schemas.microsoft.com/office/drawing/2014/main" id="{BCE007CD-4FCC-7855-36E8-4941732B5D90}"/>
+              </a:ext>
+            </a:extLst>
+          </p:cNvPr>
+          <p:cNvSpPr txBox="1"/>
+          <p:nvPr/>
+        </p:nvSpPr>
+        <p:spPr>
+          <a:xfrm>
+            <a:off x="7126938" y="3611731"/>
+            <a:ext cx="2219393" cy="923330"/>
+          </a:xfrm>
+          <a:prstGeom prst="rect">
+            <a:avLst/>
+          </a:prstGeom>
+          <a:noFill/>
+        </p:spPr>
+        <p:txBody>
+          <a:bodyPr wrap="square" rtlCol="0">
+            <a:spAutoFit/>
+          </a:bodyPr>
+          <a:lstStyle/>
+          <a:p>
+            <a:r>
+              <a:rPr lang="it-IT" dirty="0">
+                <a:solidFill>
+                  <a:schemeClr val="bg1"/>
+                </a:solidFill>
+              </a:rPr>
+              <a:t>Sul modello Ensemble trainato sui dati di foglie</a:t>
+            </a:r>
+          </a:p>
+        </p:txBody>
+      </p:sp>
     </p:spTree>
     <p:extLst>
       <p:ext uri="{BB962C8B-B14F-4D97-AF65-F5344CB8AC3E}">
@@ -16384,789 +17347,7 @@
 </p:sld>
 </file>
 
-<file path=ppt/slides/slide2.xml><?xml version="1.0" encoding="utf-8"?>
-<p:sld xmlns:a="http://schemas.openxmlformats.org/drawingml/2006/main" xmlns:r="http://schemas.openxmlformats.org/officeDocument/2006/relationships" xmlns:p="http://schemas.openxmlformats.org/presentationml/2006/main">
-  <p:cSld>
-    <p:spTree>
-      <p:nvGrpSpPr>
-        <p:cNvPr id="1" name=""/>
-        <p:cNvGrpSpPr/>
-        <p:nvPr/>
-      </p:nvGrpSpPr>
-      <p:grpSpPr>
-        <a:xfrm>
-          <a:off x="0" y="0"/>
-          <a:ext cx="0" cy="0"/>
-          <a:chOff x="0" y="0"/>
-          <a:chExt cx="0" cy="0"/>
-        </a:xfrm>
-      </p:grpSpPr>
-      <p:sp>
-        <p:nvSpPr>
-          <p:cNvPr id="2" name="Title 1">
-            <a:extLst>
-              <a:ext uri="{FF2B5EF4-FFF2-40B4-BE49-F238E27FC236}">
-                <a16:creationId xmlns:a16="http://schemas.microsoft.com/office/drawing/2014/main" id="{7C16C2D7-6234-AB90-465E-9AFC5D2549AC}"/>
-              </a:ext>
-            </a:extLst>
-          </p:cNvPr>
-          <p:cNvSpPr>
-            <a:spLocks noGrp="1"/>
-          </p:cNvSpPr>
-          <p:nvPr>
-            <p:ph type="title"/>
-          </p:nvPr>
-        </p:nvSpPr>
-        <p:spPr>
-          <a:xfrm>
-            <a:off x="602725" y="860557"/>
-            <a:ext cx="10800000" cy="720000"/>
-          </a:xfrm>
-        </p:spPr>
-        <p:txBody>
-          <a:bodyPr>
-            <a:normAutofit/>
-          </a:bodyPr>
-          <a:lstStyle/>
-          <a:p>
-            <a:r>
-              <a:rPr lang="en-US" sz="4400" dirty="0" err="1">
-                <a:solidFill>
-                  <a:schemeClr val="tx2"/>
-                </a:solidFill>
-                <a:latin typeface="+mn-lt"/>
-                <a:ea typeface="微软雅黑" panose="020B0503020204020204" pitchFamily="34" charset="-122"/>
-                <a:cs typeface="+mn-ea"/>
-                <a:sym typeface="+mn-lt"/>
-              </a:rPr>
-              <a:t>Indice</a:t>
-            </a:r>
-            <a:endParaRPr lang="en-US" sz="4400" b="1" dirty="0">
-              <a:solidFill>
-                <a:schemeClr val="tx2"/>
-              </a:solidFill>
-              <a:latin typeface="+mn-lt"/>
-              <a:ea typeface="微软雅黑" panose="020B0503020204020204" pitchFamily="34" charset="-122"/>
-              <a:cs typeface="+mn-ea"/>
-              <a:sym typeface="+mn-lt"/>
-            </a:endParaRPr>
-          </a:p>
-        </p:txBody>
-      </p:sp>
-      <p:sp>
-        <p:nvSpPr>
-          <p:cNvPr id="4" name="圆角矩形 2"/>
-          <p:cNvSpPr/>
-          <p:nvPr>
-            <p:custDataLst>
-              <p:tags r:id="rId1"/>
-            </p:custDataLst>
-          </p:nvPr>
-        </p:nvSpPr>
-        <p:spPr>
-          <a:xfrm>
-            <a:off x="695325" y="2269966"/>
-            <a:ext cx="4888774" cy="737952"/>
-          </a:xfrm>
-          <a:prstGeom prst="roundRect">
-            <a:avLst>
-              <a:gd name="adj" fmla="val 50000"/>
-            </a:avLst>
-          </a:prstGeom>
-          <a:solidFill>
-            <a:schemeClr val="bg1"/>
-          </a:solidFill>
-          <a:ln>
-            <a:noFill/>
-          </a:ln>
-          <a:effectLst/>
-        </p:spPr>
-        <p:style>
-          <a:lnRef idx="2">
-            <a:schemeClr val="accent1">
-              <a:shade val="50000"/>
-            </a:schemeClr>
-          </a:lnRef>
-          <a:fillRef idx="1">
-            <a:schemeClr val="accent1"/>
-          </a:fillRef>
-          <a:effectRef idx="0">
-            <a:schemeClr val="accent1"/>
-          </a:effectRef>
-          <a:fontRef idx="minor">
-            <a:schemeClr val="lt1"/>
-          </a:fontRef>
-        </p:style>
-        <p:txBody>
-          <a:bodyPr tIns="0" bIns="0" rtlCol="0" anchor="ctr">
-            <a:normAutofit/>
-          </a:bodyPr>
-          <a:lstStyle/>
-          <a:p>
-            <a:pPr algn="ctr">
-              <a:lnSpc>
-                <a:spcPct val="120000"/>
-              </a:lnSpc>
-            </a:pPr>
-            <a:endParaRPr lang="zh-CN" altLang="en-US">
-              <a:ea typeface="微软雅黑" panose="020B0503020204020204" pitchFamily="34" charset="-122"/>
-              <a:cs typeface="+mn-ea"/>
-              <a:sym typeface="+mn-lt"/>
-            </a:endParaRPr>
-          </a:p>
-        </p:txBody>
-      </p:sp>
-      <p:sp>
-        <p:nvSpPr>
-          <p:cNvPr id="5" name="序号"/>
-          <p:cNvSpPr txBox="1"/>
-          <p:nvPr>
-            <p:custDataLst>
-              <p:tags r:id="rId2"/>
-            </p:custDataLst>
-          </p:nvPr>
-        </p:nvSpPr>
-        <p:spPr>
-          <a:xfrm>
-            <a:off x="695325" y="2271871"/>
-            <a:ext cx="732236" cy="734142"/>
-          </a:xfrm>
-          <a:prstGeom prst="ellipse">
-            <a:avLst/>
-          </a:prstGeom>
-          <a:solidFill>
-            <a:schemeClr val="accent6">
-              <a:lumMod val="75000"/>
-            </a:schemeClr>
-          </a:solidFill>
-          <a:ln>
-            <a:noFill/>
-          </a:ln>
-          <a:effectLst/>
-        </p:spPr>
-        <p:txBody>
-          <a:bodyPr wrap="none" lIns="0" tIns="0" rIns="0" bIns="0" rtlCol="0" anchor="ctr" anchorCtr="0">
-            <a:normAutofit/>
-          </a:bodyPr>
-          <a:lstStyle/>
-          <a:p>
-            <a:pPr algn="ctr">
-              <a:lnSpc>
-                <a:spcPct val="120000"/>
-              </a:lnSpc>
-            </a:pPr>
-            <a:r>
-              <a:rPr lang="en-US" altLang="zh-CN" sz="2400" b="1" dirty="0">
-                <a:solidFill>
-                  <a:schemeClr val="bg2"/>
-                </a:solidFill>
-                <a:ea typeface="微软雅黑" panose="020B0503020204020204" pitchFamily="34" charset="-122"/>
-                <a:cs typeface="+mn-ea"/>
-                <a:sym typeface="+mn-lt"/>
-              </a:rPr>
-              <a:t>01</a:t>
-            </a:r>
-          </a:p>
-        </p:txBody>
-      </p:sp>
-      <p:sp>
-        <p:nvSpPr>
-          <p:cNvPr id="6" name="标题"/>
-          <p:cNvSpPr txBox="1"/>
-          <p:nvPr>
-            <p:custDataLst>
-              <p:tags r:id="rId3"/>
-            </p:custDataLst>
-          </p:nvPr>
-        </p:nvSpPr>
-        <p:spPr>
-          <a:xfrm>
-            <a:off x="1682860" y="2281397"/>
-            <a:ext cx="3804073" cy="715090"/>
-          </a:xfrm>
-          <a:prstGeom prst="rect">
-            <a:avLst/>
-          </a:prstGeom>
-          <a:noFill/>
-        </p:spPr>
-        <p:txBody>
-          <a:bodyPr wrap="square" lIns="91440" tIns="0" rIns="91440" bIns="0" rtlCol="0" anchor="ctr" anchorCtr="0">
-            <a:normAutofit/>
-          </a:bodyPr>
-          <a:lstStyle/>
-          <a:p>
-            <a:pPr lvl="0" algn="l">
-              <a:lnSpc>
-                <a:spcPct val="120000"/>
-              </a:lnSpc>
-              <a:buClrTx/>
-              <a:buSzTx/>
-              <a:buFontTx/>
-            </a:pPr>
-            <a:r>
-              <a:rPr lang="en-US" altLang="zh-CN" b="1" dirty="0" err="1">
-                <a:solidFill>
-                  <a:schemeClr val="tx1">
-                    <a:lumMod val="85000"/>
-                    <a:lumOff val="15000"/>
-                  </a:schemeClr>
-                </a:solidFill>
-                <a:ea typeface="微软雅黑" panose="020B0503020204020204" pitchFamily="34" charset="-122"/>
-                <a:cs typeface="+mn-ea"/>
-                <a:sym typeface="+mn-lt"/>
-              </a:rPr>
-              <a:t>Caratteristiche</a:t>
-            </a:r>
-            <a:r>
-              <a:rPr lang="en-US" altLang="zh-CN" b="1" dirty="0">
-                <a:solidFill>
-                  <a:schemeClr val="tx1">
-                    <a:lumMod val="85000"/>
-                    <a:lumOff val="15000"/>
-                  </a:schemeClr>
-                </a:solidFill>
-                <a:uFillTx/>
-                <a:ea typeface="微软雅黑" panose="020B0503020204020204" pitchFamily="34" charset="-122"/>
-                <a:cs typeface="+mn-ea"/>
-                <a:sym typeface="+mn-lt"/>
-              </a:rPr>
-              <a:t> Progetto</a:t>
-            </a:r>
-          </a:p>
-        </p:txBody>
-      </p:sp>
-      <p:sp>
-        <p:nvSpPr>
-          <p:cNvPr id="9" name="圆角矩形 8"/>
-          <p:cNvSpPr/>
-          <p:nvPr>
-            <p:custDataLst>
-              <p:tags r:id="rId4"/>
-            </p:custDataLst>
-          </p:nvPr>
-        </p:nvSpPr>
-        <p:spPr>
-          <a:xfrm>
-            <a:off x="5584099" y="2281714"/>
-            <a:ext cx="4888774" cy="737952"/>
-          </a:xfrm>
-          <a:prstGeom prst="roundRect">
-            <a:avLst>
-              <a:gd name="adj" fmla="val 50000"/>
-            </a:avLst>
-          </a:prstGeom>
-          <a:solidFill>
-            <a:schemeClr val="bg1"/>
-          </a:solidFill>
-          <a:ln>
-            <a:noFill/>
-          </a:ln>
-          <a:effectLst/>
-        </p:spPr>
-        <p:style>
-          <a:lnRef idx="2">
-            <a:schemeClr val="accent1">
-              <a:shade val="50000"/>
-            </a:schemeClr>
-          </a:lnRef>
-          <a:fillRef idx="1">
-            <a:schemeClr val="accent1"/>
-          </a:fillRef>
-          <a:effectRef idx="0">
-            <a:schemeClr val="accent1"/>
-          </a:effectRef>
-          <a:fontRef idx="minor">
-            <a:schemeClr val="lt1"/>
-          </a:fontRef>
-        </p:style>
-        <p:txBody>
-          <a:bodyPr tIns="0" bIns="0" rtlCol="0" anchor="ctr">
-            <a:normAutofit/>
-          </a:bodyPr>
-          <a:lstStyle/>
-          <a:p>
-            <a:pPr algn="ctr">
-              <a:lnSpc>
-                <a:spcPct val="120000"/>
-              </a:lnSpc>
-            </a:pPr>
-            <a:endParaRPr lang="zh-CN" altLang="en-US">
-              <a:ea typeface="微软雅黑" panose="020B0503020204020204" pitchFamily="34" charset="-122"/>
-              <a:cs typeface="+mn-ea"/>
-              <a:sym typeface="+mn-lt"/>
-            </a:endParaRPr>
-          </a:p>
-        </p:txBody>
-      </p:sp>
-      <p:sp>
-        <p:nvSpPr>
-          <p:cNvPr id="10" name="序号"/>
-          <p:cNvSpPr txBox="1"/>
-          <p:nvPr>
-            <p:custDataLst>
-              <p:tags r:id="rId5"/>
-            </p:custDataLst>
-          </p:nvPr>
-        </p:nvSpPr>
-        <p:spPr>
-          <a:xfrm>
-            <a:off x="5584099" y="2283619"/>
-            <a:ext cx="732236" cy="734142"/>
-          </a:xfrm>
-          <a:prstGeom prst="ellipse">
-            <a:avLst/>
-          </a:prstGeom>
-          <a:solidFill>
-            <a:schemeClr val="accent6">
-              <a:lumMod val="75000"/>
-            </a:schemeClr>
-          </a:solidFill>
-          <a:ln>
-            <a:noFill/>
-          </a:ln>
-          <a:effectLst/>
-        </p:spPr>
-        <p:txBody>
-          <a:bodyPr wrap="none" lIns="0" tIns="0" rIns="0" bIns="0" rtlCol="0" anchor="ctr" anchorCtr="0">
-            <a:normAutofit/>
-          </a:bodyPr>
-          <a:lstStyle>
-            <a:defPPr>
-              <a:defRPr lang="zh-CN"/>
-            </a:defPPr>
-            <a:lvl1pPr algn="ctr">
-              <a:lnSpc>
-                <a:spcPct val="120000"/>
-              </a:lnSpc>
-              <a:defRPr sz="2400" b="1">
-                <a:solidFill>
-                  <a:schemeClr val="tx2"/>
-                </a:solidFill>
-                <a:cs typeface="+mn-ea"/>
-              </a:defRPr>
-            </a:lvl1pPr>
-          </a:lstStyle>
-          <a:p>
-            <a:r>
-              <a:rPr lang="en-US" altLang="zh-CN" dirty="0">
-                <a:solidFill>
-                  <a:schemeClr val="bg2"/>
-                </a:solidFill>
-                <a:ea typeface="微软雅黑" panose="020B0503020204020204" pitchFamily="34" charset="-122"/>
-                <a:sym typeface="+mn-lt"/>
-              </a:rPr>
-              <a:t>02</a:t>
-            </a:r>
-          </a:p>
-        </p:txBody>
-      </p:sp>
-      <p:sp>
-        <p:nvSpPr>
-          <p:cNvPr id="11" name="标题"/>
-          <p:cNvSpPr txBox="1"/>
-          <p:nvPr>
-            <p:custDataLst>
-              <p:tags r:id="rId6"/>
-            </p:custDataLst>
-          </p:nvPr>
-        </p:nvSpPr>
-        <p:spPr>
-          <a:xfrm>
-            <a:off x="6571634" y="2281397"/>
-            <a:ext cx="3804073" cy="738587"/>
-          </a:xfrm>
-          <a:prstGeom prst="rect">
-            <a:avLst/>
-          </a:prstGeom>
-          <a:noFill/>
-        </p:spPr>
-        <p:txBody>
-          <a:bodyPr wrap="square" lIns="91440" tIns="0" rIns="91440" bIns="0" rtlCol="0" anchor="ctr" anchorCtr="0">
-            <a:normAutofit/>
-          </a:bodyPr>
-          <a:lstStyle/>
-          <a:p>
-            <a:pPr lvl="0" algn="l">
-              <a:lnSpc>
-                <a:spcPct val="120000"/>
-              </a:lnSpc>
-              <a:buClrTx/>
-              <a:buSzTx/>
-              <a:buFontTx/>
-            </a:pPr>
-            <a:r>
-              <a:rPr lang="en-US" altLang="zh-CN" b="1" dirty="0">
-                <a:solidFill>
-                  <a:schemeClr val="tx1">
-                    <a:lumMod val="85000"/>
-                    <a:lumOff val="15000"/>
-                  </a:schemeClr>
-                </a:solidFill>
-                <a:ea typeface="微软雅黑" panose="020B0503020204020204" pitchFamily="34" charset="-122"/>
-                <a:cs typeface="+mn-ea"/>
-                <a:sym typeface="+mn-lt"/>
-              </a:rPr>
-              <a:t>Pipeline del Progetto</a:t>
-            </a:r>
-          </a:p>
-        </p:txBody>
-      </p:sp>
-      <p:sp>
-        <p:nvSpPr>
-          <p:cNvPr id="12" name="圆角矩形 11"/>
-          <p:cNvSpPr/>
-          <p:nvPr>
-            <p:custDataLst>
-              <p:tags r:id="rId7"/>
-            </p:custDataLst>
-          </p:nvPr>
-        </p:nvSpPr>
-        <p:spPr>
-          <a:xfrm>
-            <a:off x="5584099" y="4340327"/>
-            <a:ext cx="4888774" cy="737952"/>
-          </a:xfrm>
-          <a:prstGeom prst="roundRect">
-            <a:avLst>
-              <a:gd name="adj" fmla="val 50000"/>
-            </a:avLst>
-          </a:prstGeom>
-          <a:solidFill>
-            <a:schemeClr val="bg1"/>
-          </a:solidFill>
-          <a:ln>
-            <a:noFill/>
-          </a:ln>
-          <a:effectLst/>
-        </p:spPr>
-        <p:style>
-          <a:lnRef idx="2">
-            <a:schemeClr val="accent1">
-              <a:shade val="50000"/>
-            </a:schemeClr>
-          </a:lnRef>
-          <a:fillRef idx="1">
-            <a:schemeClr val="accent1"/>
-          </a:fillRef>
-          <a:effectRef idx="0">
-            <a:schemeClr val="accent1"/>
-          </a:effectRef>
-          <a:fontRef idx="minor">
-            <a:schemeClr val="lt1"/>
-          </a:fontRef>
-        </p:style>
-        <p:txBody>
-          <a:bodyPr tIns="0" bIns="0" rtlCol="0" anchor="ctr">
-            <a:normAutofit/>
-          </a:bodyPr>
-          <a:lstStyle/>
-          <a:p>
-            <a:pPr algn="ctr">
-              <a:lnSpc>
-                <a:spcPct val="120000"/>
-              </a:lnSpc>
-            </a:pPr>
-            <a:endParaRPr lang="zh-CN" altLang="en-US">
-              <a:ea typeface="微软雅黑" panose="020B0503020204020204" pitchFamily="34" charset="-122"/>
-              <a:cs typeface="+mn-ea"/>
-              <a:sym typeface="+mn-lt"/>
-            </a:endParaRPr>
-          </a:p>
-        </p:txBody>
-      </p:sp>
-      <p:sp>
-        <p:nvSpPr>
-          <p:cNvPr id="15" name="序号"/>
-          <p:cNvSpPr txBox="1"/>
-          <p:nvPr>
-            <p:custDataLst>
-              <p:tags r:id="rId8"/>
-            </p:custDataLst>
-          </p:nvPr>
-        </p:nvSpPr>
-        <p:spPr>
-          <a:xfrm>
-            <a:off x="5584099" y="4342232"/>
-            <a:ext cx="732236" cy="734142"/>
-          </a:xfrm>
-          <a:prstGeom prst="ellipse">
-            <a:avLst/>
-          </a:prstGeom>
-          <a:solidFill>
-            <a:schemeClr val="accent6">
-              <a:lumMod val="75000"/>
-            </a:schemeClr>
-          </a:solidFill>
-          <a:ln>
-            <a:noFill/>
-          </a:ln>
-          <a:effectLst/>
-        </p:spPr>
-        <p:txBody>
-          <a:bodyPr wrap="none" lIns="0" tIns="0" rIns="0" bIns="0" rtlCol="0" anchor="ctr" anchorCtr="0">
-            <a:normAutofit/>
-          </a:bodyPr>
-          <a:lstStyle>
-            <a:defPPr>
-              <a:defRPr lang="zh-CN"/>
-            </a:defPPr>
-            <a:lvl1pPr algn="ctr">
-              <a:lnSpc>
-                <a:spcPct val="120000"/>
-              </a:lnSpc>
-              <a:defRPr sz="2400" b="1">
-                <a:solidFill>
-                  <a:schemeClr val="tx2"/>
-                </a:solidFill>
-                <a:cs typeface="+mn-ea"/>
-              </a:defRPr>
-            </a:lvl1pPr>
-          </a:lstStyle>
-          <a:p>
-            <a:r>
-              <a:rPr lang="en-US" altLang="zh-CN" dirty="0">
-                <a:solidFill>
-                  <a:schemeClr val="bg2"/>
-                </a:solidFill>
-                <a:ea typeface="微软雅黑" panose="020B0503020204020204" pitchFamily="34" charset="-122"/>
-                <a:sym typeface="+mn-lt"/>
-              </a:rPr>
-              <a:t>03</a:t>
-            </a:r>
-          </a:p>
-        </p:txBody>
-      </p:sp>
-      <p:sp>
-        <p:nvSpPr>
-          <p:cNvPr id="17" name="标题"/>
-          <p:cNvSpPr txBox="1"/>
-          <p:nvPr>
-            <p:custDataLst>
-              <p:tags r:id="rId9"/>
-            </p:custDataLst>
-          </p:nvPr>
-        </p:nvSpPr>
-        <p:spPr>
-          <a:xfrm>
-            <a:off x="6571634" y="4342550"/>
-            <a:ext cx="3804073" cy="733507"/>
-          </a:xfrm>
-          <a:prstGeom prst="rect">
-            <a:avLst/>
-          </a:prstGeom>
-          <a:noFill/>
-        </p:spPr>
-        <p:txBody>
-          <a:bodyPr wrap="square" lIns="91440" tIns="0" rIns="91440" bIns="0" rtlCol="0" anchor="ctr" anchorCtr="0">
-            <a:normAutofit/>
-          </a:bodyPr>
-          <a:lstStyle/>
-          <a:p>
-            <a:pPr lvl="0" algn="l">
-              <a:lnSpc>
-                <a:spcPct val="120000"/>
-              </a:lnSpc>
-              <a:buClrTx/>
-              <a:buSzTx/>
-              <a:buFontTx/>
-            </a:pPr>
-            <a:r>
-              <a:rPr lang="en-US" altLang="zh-CN" b="1" dirty="0" err="1">
-                <a:solidFill>
-                  <a:schemeClr val="tx1">
-                    <a:lumMod val="85000"/>
-                    <a:lumOff val="15000"/>
-                  </a:schemeClr>
-                </a:solidFill>
-                <a:ea typeface="微软雅黑" panose="020B0503020204020204" pitchFamily="34" charset="-122"/>
-                <a:cs typeface="+mn-ea"/>
-                <a:sym typeface="+mn-lt"/>
-              </a:rPr>
-              <a:t>Conclusioni</a:t>
-            </a:r>
-            <a:endParaRPr lang="en-US" altLang="zh-CN" b="1" dirty="0">
-              <a:solidFill>
-                <a:schemeClr val="tx1">
-                  <a:lumMod val="85000"/>
-                  <a:lumOff val="15000"/>
-                </a:schemeClr>
-              </a:solidFill>
-              <a:uFillTx/>
-              <a:ea typeface="微软雅黑" panose="020B0503020204020204" pitchFamily="34" charset="-122"/>
-              <a:cs typeface="+mn-ea"/>
-              <a:sym typeface="+mn-lt"/>
-            </a:endParaRPr>
-          </a:p>
-        </p:txBody>
-      </p:sp>
-      <p:sp>
-        <p:nvSpPr>
-          <p:cNvPr id="3" name="CasellaDiTesto 2">
-            <a:extLst>
-              <a:ext uri="{FF2B5EF4-FFF2-40B4-BE49-F238E27FC236}">
-                <a16:creationId xmlns:a16="http://schemas.microsoft.com/office/drawing/2014/main" id="{ED911E9F-B28A-1F99-013D-0583F13F4408}"/>
-              </a:ext>
-            </a:extLst>
-          </p:cNvPr>
-          <p:cNvSpPr txBox="1"/>
-          <p:nvPr/>
-        </p:nvSpPr>
-        <p:spPr>
-          <a:xfrm>
-            <a:off x="1427561" y="3106994"/>
-            <a:ext cx="3313471" cy="923330"/>
-          </a:xfrm>
-          <a:prstGeom prst="rect">
-            <a:avLst/>
-          </a:prstGeom>
-          <a:noFill/>
-        </p:spPr>
-        <p:txBody>
-          <a:bodyPr wrap="square" rtlCol="0">
-            <a:spAutoFit/>
-          </a:bodyPr>
-          <a:lstStyle/>
-          <a:p>
-            <a:r>
-              <a:rPr lang="it-IT" dirty="0"/>
-              <a:t>….Scopo del Progetto</a:t>
-            </a:r>
-          </a:p>
-          <a:p>
-            <a:r>
-              <a:rPr lang="it-IT" dirty="0"/>
-              <a:t>….Assunzioni e Disclaimer Vari</a:t>
-            </a:r>
-          </a:p>
-          <a:p>
-            <a:r>
-              <a:rPr lang="it-IT" dirty="0"/>
-              <a:t>….</a:t>
-            </a:r>
-            <a:r>
-              <a:rPr lang="it-IT" dirty="0" err="1"/>
-              <a:t>Caratterische</a:t>
-            </a:r>
-            <a:r>
-              <a:rPr lang="it-IT" dirty="0"/>
-              <a:t> del Dataset</a:t>
-            </a:r>
-          </a:p>
-        </p:txBody>
-      </p:sp>
-      <p:sp>
-        <p:nvSpPr>
-          <p:cNvPr id="13" name="CasellaDiTesto 12">
-            <a:extLst>
-              <a:ext uri="{FF2B5EF4-FFF2-40B4-BE49-F238E27FC236}">
-                <a16:creationId xmlns:a16="http://schemas.microsoft.com/office/drawing/2014/main" id="{E00C429D-B51D-567A-9650-3391B3467D1A}"/>
-              </a:ext>
-            </a:extLst>
-          </p:cNvPr>
-          <p:cNvSpPr txBox="1"/>
-          <p:nvPr/>
-        </p:nvSpPr>
-        <p:spPr>
-          <a:xfrm>
-            <a:off x="5486933" y="3106994"/>
-            <a:ext cx="3313471" cy="923330"/>
-          </a:xfrm>
-          <a:prstGeom prst="rect">
-            <a:avLst/>
-          </a:prstGeom>
-          <a:noFill/>
-        </p:spPr>
-        <p:txBody>
-          <a:bodyPr wrap="square" rtlCol="0">
-            <a:spAutoFit/>
-          </a:bodyPr>
-          <a:lstStyle/>
-          <a:p>
-            <a:r>
-              <a:rPr lang="it-IT" dirty="0"/>
-              <a:t>….Segmentazione</a:t>
-            </a:r>
-          </a:p>
-          <a:p>
-            <a:r>
-              <a:rPr lang="it-IT" dirty="0"/>
-              <a:t>….Classificazione</a:t>
-            </a:r>
-          </a:p>
-          <a:p>
-            <a:r>
-              <a:rPr lang="it-IT" dirty="0"/>
-              <a:t>….Gestione degli </a:t>
-            </a:r>
-            <a:r>
-              <a:rPr lang="it-IT" dirty="0" err="1"/>
-              <a:t>Unknown</a:t>
-            </a:r>
-            <a:endParaRPr lang="it-IT" dirty="0"/>
-          </a:p>
-        </p:txBody>
-      </p:sp>
-      <p:sp>
-        <p:nvSpPr>
-          <p:cNvPr id="14" name="CasellaDiTesto 13">
-            <a:extLst>
-              <a:ext uri="{FF2B5EF4-FFF2-40B4-BE49-F238E27FC236}">
-                <a16:creationId xmlns:a16="http://schemas.microsoft.com/office/drawing/2014/main" id="{A9B0F17C-B9B6-7458-7C5A-E2C49F8D96C6}"/>
-              </a:ext>
-            </a:extLst>
-          </p:cNvPr>
-          <p:cNvSpPr txBox="1"/>
-          <p:nvPr/>
-        </p:nvSpPr>
-        <p:spPr>
-          <a:xfrm>
-            <a:off x="5584099" y="5179610"/>
-            <a:ext cx="3313471" cy="923330"/>
-          </a:xfrm>
-          <a:prstGeom prst="rect">
-            <a:avLst/>
-          </a:prstGeom>
-          <a:noFill/>
-        </p:spPr>
-        <p:txBody>
-          <a:bodyPr wrap="square" rtlCol="0">
-            <a:spAutoFit/>
-          </a:bodyPr>
-          <a:lstStyle/>
-          <a:p>
-            <a:r>
-              <a:rPr lang="it-IT" dirty="0"/>
-              <a:t>….</a:t>
-            </a:r>
-          </a:p>
-          <a:p>
-            <a:r>
-              <a:rPr lang="it-IT" dirty="0"/>
-              <a:t>….</a:t>
-            </a:r>
-          </a:p>
-          <a:p>
-            <a:r>
-              <a:rPr lang="it-IT" dirty="0"/>
-              <a:t>….</a:t>
-            </a:r>
-          </a:p>
-        </p:txBody>
-      </p:sp>
-    </p:spTree>
-    <p:extLst>
-      <p:ext uri="{BB962C8B-B14F-4D97-AF65-F5344CB8AC3E}">
-        <p14:creationId xmlns:p14="http://schemas.microsoft.com/office/powerpoint/2010/main" val="923651621"/>
-      </p:ext>
-    </p:extLst>
-  </p:cSld>
-  <p:clrMapOvr>
-    <a:masterClrMapping/>
-  </p:clrMapOvr>
-</p:sld>
-</file>
-
-<file path=ppt/slides/slide20.xml><?xml version="1.0" encoding="utf-8"?>
+<file path=ppt/slides/slide21.xml><?xml version="1.0" encoding="utf-8"?>
 <p:sld xmlns:a="http://schemas.openxmlformats.org/drawingml/2006/main" xmlns:r="http://schemas.openxmlformats.org/officeDocument/2006/relationships" xmlns:p="http://schemas.openxmlformats.org/presentationml/2006/main">
   <p:cSld>
     <p:spTree>
@@ -19187,7 +19368,7 @@
 </p:sld>
 </file>
 
-<file path=ppt/slides/slide21.xml><?xml version="1.0" encoding="utf-8"?>
+<file path=ppt/slides/slide22.xml><?xml version="1.0" encoding="utf-8"?>
 <p:sld xmlns:a="http://schemas.openxmlformats.org/drawingml/2006/main" xmlns:r="http://schemas.openxmlformats.org/officeDocument/2006/relationships" xmlns:p="http://schemas.openxmlformats.org/presentationml/2006/main">
   <p:cSld>
     <p:spTree>
@@ -19229,7 +19410,7 @@
             <a:fld id="{49AE70B2-8BF9-45C0-BB95-33D1B9D3A854}" type="slidenum">
               <a:rPr lang="en-US" smtClean="0"/>
               <a:pPr algn="ctr"/>
-              <a:t>21</a:t>
+              <a:t>22</a:t>
             </a:fld>
             <a:endParaRPr lang="en-US" dirty="0"/>
           </a:p>
@@ -21796,20 +21977,6 @@
               <a:buChar char="•"/>
             </a:pPr>
             <a:r>
-              <a:rPr lang="en-IN" sz="1400" dirty="0">
-                <a:solidFill>
-                  <a:schemeClr val="tx1">
-                    <a:lumMod val="65000"/>
-                    <a:lumOff val="35000"/>
-                  </a:schemeClr>
-                </a:solidFill>
-                <a:ea typeface="微软雅黑" panose="020B0503020204020204" pitchFamily="34" charset="-122"/>
-                <a:cs typeface="+mn-ea"/>
-                <a:sym typeface="+mn-lt"/>
-              </a:rPr>
-              <a:t>.</a:t>
-            </a:r>
-            <a:r>
               <a:rPr lang="en-IN" sz="1400" dirty="0" err="1">
                 <a:solidFill>
                   <a:schemeClr val="tx1">
@@ -21988,20 +22155,6 @@
               <a:buFont typeface="Arial" panose="020B0604020202020204" pitchFamily="34" charset="0"/>
               <a:buChar char="•"/>
             </a:pPr>
-            <a:r>
-              <a:rPr lang="en-IN" sz="1400" dirty="0">
-                <a:solidFill>
-                  <a:schemeClr val="tx1">
-                    <a:lumMod val="65000"/>
-                    <a:lumOff val="35000"/>
-                  </a:schemeClr>
-                </a:solidFill>
-                <a:ea typeface="微软雅黑" panose="020B0503020204020204" pitchFamily="34" charset="-122"/>
-                <a:cs typeface="+mn-ea"/>
-                <a:sym typeface="+mn-lt"/>
-              </a:rPr>
-              <a:t>.</a:t>
-            </a:r>
             <a:r>
               <a:rPr lang="en-IN" sz="1400" dirty="0" err="1">
                 <a:solidFill>

--- a/presentazione/ProjectLeafWIP.pptx
+++ b/presentazione/ProjectLeafWIP.pptx
@@ -28079,6 +28079,111 @@
             <a:r>
               <a:rPr lang="it-IT" dirty="0"/>
               <a:t>)</a:t>
+            </a:r>
+          </a:p>
+        </p:txBody>
+      </p:sp>
+      <p:sp>
+        <p:nvSpPr>
+          <p:cNvPr id="3" name="CasellaDiTesto 2">
+            <a:extLst>
+              <a:ext uri="{FF2B5EF4-FFF2-40B4-BE49-F238E27FC236}">
+                <a16:creationId xmlns:a16="http://schemas.microsoft.com/office/drawing/2014/main" id="{AF25D643-9207-44A8-1986-C5F8B4AA0A54}"/>
+              </a:ext>
+            </a:extLst>
+          </p:cNvPr>
+          <p:cNvSpPr txBox="1"/>
+          <p:nvPr/>
+        </p:nvSpPr>
+        <p:spPr>
+          <a:xfrm>
+            <a:off x="845574" y="1279614"/>
+            <a:ext cx="7934632" cy="1754326"/>
+          </a:xfrm>
+          <a:prstGeom prst="rect">
+            <a:avLst/>
+          </a:prstGeom>
+          <a:noFill/>
+        </p:spPr>
+        <p:txBody>
+          <a:bodyPr wrap="square" rtlCol="0">
+            <a:spAutoFit/>
+          </a:bodyPr>
+          <a:lstStyle/>
+          <a:p>
+            <a:r>
+              <a:rPr lang="it-IT" dirty="0"/>
+              <a:t>Permette di stimare l’importanza delle variabili in modo affidabile nel modello Random </a:t>
+            </a:r>
+            <a:r>
+              <a:rPr lang="it-IT" dirty="0" err="1"/>
+              <a:t>Forest</a:t>
+            </a:r>
+            <a:r>
+              <a:rPr lang="it-IT" dirty="0"/>
+              <a:t>.</a:t>
+            </a:r>
+          </a:p>
+          <a:p>
+            <a:r>
+              <a:rPr lang="it-IT" dirty="0"/>
+              <a:t>Usa l’errore «Out-Of-</a:t>
+            </a:r>
+            <a:r>
+              <a:rPr lang="it-IT" dirty="0" err="1"/>
+              <a:t>bag</a:t>
+            </a:r>
+            <a:r>
+              <a:rPr lang="it-IT" dirty="0"/>
+              <a:t>» e permuta ogni variabile predittiva per misurarne l’impatto sull’errore.</a:t>
+            </a:r>
+          </a:p>
+          <a:p>
+            <a:r>
+              <a:rPr lang="it-IT" dirty="0"/>
+              <a:t>Di conseguenza più l’errore aumenta, più la variabile è importante.</a:t>
+            </a:r>
+          </a:p>
+          <a:p>
+            <a:endParaRPr lang="it-IT" dirty="0"/>
+          </a:p>
+        </p:txBody>
+      </p:sp>
+      <p:sp>
+        <p:nvSpPr>
+          <p:cNvPr id="5" name="CasellaDiTesto 4">
+            <a:extLst>
+              <a:ext uri="{FF2B5EF4-FFF2-40B4-BE49-F238E27FC236}">
+                <a16:creationId xmlns:a16="http://schemas.microsoft.com/office/drawing/2014/main" id="{11B1851E-FAF9-E34A-2261-5EB8D4F943BC}"/>
+              </a:ext>
+            </a:extLst>
+          </p:cNvPr>
+          <p:cNvSpPr txBox="1"/>
+          <p:nvPr/>
+        </p:nvSpPr>
+        <p:spPr>
+          <a:xfrm>
+            <a:off x="7364361" y="4935794"/>
+            <a:ext cx="4001729" cy="923330"/>
+          </a:xfrm>
+          <a:prstGeom prst="rect">
+            <a:avLst/>
+          </a:prstGeom>
+          <a:noFill/>
+        </p:spPr>
+        <p:txBody>
+          <a:bodyPr wrap="square" rtlCol="0">
+            <a:spAutoFit/>
+          </a:bodyPr>
+          <a:lstStyle/>
+          <a:p>
+            <a:r>
+              <a:rPr lang="it-IT" dirty="0">
+                <a:solidFill>
+                  <a:schemeClr val="bg1"/>
+                </a:solidFill>
+              </a:rPr>
+              <a:t>Questa misura è utile per identificare le feature più rilevanti nel modello e migliorarne l’interpretabilità</a:t>
             </a:r>
           </a:p>
         </p:txBody>

--- a/presentazione/ProjectLeafWIP.pptx
+++ b/presentazione/ProjectLeafWIP.pptx
@@ -207,7 +207,7 @@
 <file path=ppt/charts/chart1.xml><?xml version="1.0" encoding="utf-8"?>
 <c:chartSpace xmlns:c="http://schemas.openxmlformats.org/drawingml/2006/chart" xmlns:a="http://schemas.openxmlformats.org/drawingml/2006/main" xmlns:r="http://schemas.openxmlformats.org/officeDocument/2006/relationships" xmlns:c16r2="http://schemas.microsoft.com/office/drawing/2015/06/chart">
   <c:date1904 val="0"/>
-  <c:lang val="it-IT"/>
+  <c:lang val="en-US"/>
   <c:roundedCorners val="0"/>
   <mc:AlternateContent xmlns:mc="http://schemas.openxmlformats.org/markup-compatibility/2006">
     <mc:Choice xmlns:c14="http://schemas.microsoft.com/office/drawing/2007/8/2/chart" Requires="c14">
@@ -1057,7 +1057,7 @@
           <a:p>
             <a:fld id="{11719416-D8C1-4F08-A479-9883E2AA69D2}" type="datetimeFigureOut">
               <a:rPr lang="it-IT" smtClean="0"/>
-              <a:t>07/06/2025</a:t>
+              <a:t>08/06/25</a:t>
             </a:fld>
             <a:endParaRPr lang="it-IT"/>
           </a:p>
@@ -1215,7 +1215,7 @@
           <a:p>
             <a:fld id="{15B85411-92C6-4CA9-9909-BCA054C93C79}" type="slidenum">
               <a:rPr lang="it-IT" smtClean="0"/>
-              <a:t>‹N›</a:t>
+              <a:t>‹#›</a:t>
             </a:fld>
             <a:endParaRPr lang="it-IT"/>
           </a:p>
@@ -2011,7 +2011,7 @@
           <a:p>
             <a:fld id="{D27AEDA9-AD12-4ED2-8B98-33D70E99AD1A}" type="datetimeFigureOut">
               <a:rPr lang="it-IT" smtClean="0"/>
-              <a:t>07/06/2025</a:t>
+              <a:t>08/06/25</a:t>
             </a:fld>
             <a:endParaRPr lang="it-IT"/>
           </a:p>
@@ -2065,7 +2065,7 @@
           <a:p>
             <a:fld id="{709189E1-ABDC-46F1-A352-7E9D76200810}" type="slidenum">
               <a:rPr lang="it-IT" smtClean="0"/>
-              <a:t>‹N›</a:t>
+              <a:t>‹#›</a:t>
             </a:fld>
             <a:endParaRPr lang="it-IT"/>
           </a:p>
@@ -2209,7 +2209,7 @@
           <a:p>
             <a:fld id="{D27AEDA9-AD12-4ED2-8B98-33D70E99AD1A}" type="datetimeFigureOut">
               <a:rPr lang="it-IT" smtClean="0"/>
-              <a:t>07/06/2025</a:t>
+              <a:t>08/06/25</a:t>
             </a:fld>
             <a:endParaRPr lang="it-IT"/>
           </a:p>
@@ -2263,7 +2263,7 @@
           <a:p>
             <a:fld id="{709189E1-ABDC-46F1-A352-7E9D76200810}" type="slidenum">
               <a:rPr lang="it-IT" smtClean="0"/>
-              <a:t>‹N›</a:t>
+              <a:t>‹#›</a:t>
             </a:fld>
             <a:endParaRPr lang="it-IT"/>
           </a:p>
@@ -2417,7 +2417,7 @@
           <a:p>
             <a:fld id="{D27AEDA9-AD12-4ED2-8B98-33D70E99AD1A}" type="datetimeFigureOut">
               <a:rPr lang="it-IT" smtClean="0"/>
-              <a:t>07/06/2025</a:t>
+              <a:t>08/06/25</a:t>
             </a:fld>
             <a:endParaRPr lang="it-IT"/>
           </a:p>
@@ -2471,7 +2471,7 @@
           <a:p>
             <a:fld id="{709189E1-ABDC-46F1-A352-7E9D76200810}" type="slidenum">
               <a:rPr lang="it-IT" smtClean="0"/>
-              <a:t>‹N›</a:t>
+              <a:t>‹#›</a:t>
             </a:fld>
             <a:endParaRPr lang="it-IT"/>
           </a:p>
@@ -2738,7 +2738,7 @@
             <a:fld id="{49AE70B2-8BF9-45C0-BB95-33D1B9D3A854}" type="slidenum">
               <a:rPr lang="en-US" smtClean="0"/>
               <a:pPr algn="ctr"/>
-              <a:t>‹N›</a:t>
+              <a:t>‹#›</a:t>
             </a:fld>
             <a:endParaRPr lang="en-US" dirty="0"/>
           </a:p>
@@ -2980,7 +2980,7 @@
             <a:fld id="{49AE70B2-8BF9-45C0-BB95-33D1B9D3A854}" type="slidenum">
               <a:rPr lang="en-US" smtClean="0"/>
               <a:pPr algn="ctr"/>
-              <a:t>‹N›</a:t>
+              <a:t>‹#›</a:t>
             </a:fld>
             <a:endParaRPr lang="en-US" dirty="0"/>
           </a:p>
@@ -3166,7 +3166,7 @@
           <a:p>
             <a:fld id="{D27AEDA9-AD12-4ED2-8B98-33D70E99AD1A}" type="datetimeFigureOut">
               <a:rPr lang="it-IT" smtClean="0"/>
-              <a:t>07/06/2025</a:t>
+              <a:t>08/06/25</a:t>
             </a:fld>
             <a:endParaRPr lang="it-IT"/>
           </a:p>
@@ -3220,7 +3220,7 @@
           <a:p>
             <a:fld id="{709189E1-ABDC-46F1-A352-7E9D76200810}" type="slidenum">
               <a:rPr lang="it-IT" smtClean="0"/>
-              <a:t>‹N›</a:t>
+              <a:t>‹#›</a:t>
             </a:fld>
             <a:endParaRPr lang="it-IT"/>
           </a:p>
@@ -3441,7 +3441,7 @@
           <a:p>
             <a:fld id="{D27AEDA9-AD12-4ED2-8B98-33D70E99AD1A}" type="datetimeFigureOut">
               <a:rPr lang="it-IT" smtClean="0"/>
-              <a:t>07/06/2025</a:t>
+              <a:t>08/06/25</a:t>
             </a:fld>
             <a:endParaRPr lang="it-IT"/>
           </a:p>
@@ -3495,7 +3495,7 @@
           <a:p>
             <a:fld id="{709189E1-ABDC-46F1-A352-7E9D76200810}" type="slidenum">
               <a:rPr lang="it-IT" smtClean="0"/>
-              <a:t>‹N›</a:t>
+              <a:t>‹#›</a:t>
             </a:fld>
             <a:endParaRPr lang="it-IT"/>
           </a:p>
@@ -3706,7 +3706,7 @@
           <a:p>
             <a:fld id="{D27AEDA9-AD12-4ED2-8B98-33D70E99AD1A}" type="datetimeFigureOut">
               <a:rPr lang="it-IT" smtClean="0"/>
-              <a:t>07/06/2025</a:t>
+              <a:t>08/06/25</a:t>
             </a:fld>
             <a:endParaRPr lang="it-IT"/>
           </a:p>
@@ -3760,7 +3760,7 @@
           <a:p>
             <a:fld id="{709189E1-ABDC-46F1-A352-7E9D76200810}" type="slidenum">
               <a:rPr lang="it-IT" smtClean="0"/>
-              <a:t>‹N›</a:t>
+              <a:t>‹#›</a:t>
             </a:fld>
             <a:endParaRPr lang="it-IT"/>
           </a:p>
@@ -4118,7 +4118,7 @@
           <a:p>
             <a:fld id="{D27AEDA9-AD12-4ED2-8B98-33D70E99AD1A}" type="datetimeFigureOut">
               <a:rPr lang="it-IT" smtClean="0"/>
-              <a:t>07/06/2025</a:t>
+              <a:t>08/06/25</a:t>
             </a:fld>
             <a:endParaRPr lang="it-IT"/>
           </a:p>
@@ -4172,7 +4172,7 @@
           <a:p>
             <a:fld id="{709189E1-ABDC-46F1-A352-7E9D76200810}" type="slidenum">
               <a:rPr lang="it-IT" smtClean="0"/>
-              <a:t>‹N›</a:t>
+              <a:t>‹#›</a:t>
             </a:fld>
             <a:endParaRPr lang="it-IT"/>
           </a:p>
@@ -4259,7 +4259,7 @@
           <a:p>
             <a:fld id="{D27AEDA9-AD12-4ED2-8B98-33D70E99AD1A}" type="datetimeFigureOut">
               <a:rPr lang="it-IT" smtClean="0"/>
-              <a:t>07/06/2025</a:t>
+              <a:t>08/06/25</a:t>
             </a:fld>
             <a:endParaRPr lang="it-IT"/>
           </a:p>
@@ -4313,7 +4313,7 @@
           <a:p>
             <a:fld id="{709189E1-ABDC-46F1-A352-7E9D76200810}" type="slidenum">
               <a:rPr lang="it-IT" smtClean="0"/>
-              <a:t>‹N›</a:t>
+              <a:t>‹#›</a:t>
             </a:fld>
             <a:endParaRPr lang="it-IT"/>
           </a:p>
@@ -4372,7 +4372,7 @@
           <a:p>
             <a:fld id="{D27AEDA9-AD12-4ED2-8B98-33D70E99AD1A}" type="datetimeFigureOut">
               <a:rPr lang="it-IT" smtClean="0"/>
-              <a:t>07/06/2025</a:t>
+              <a:t>08/06/25</a:t>
             </a:fld>
             <a:endParaRPr lang="it-IT"/>
           </a:p>
@@ -4426,7 +4426,7 @@
           <a:p>
             <a:fld id="{709189E1-ABDC-46F1-A352-7E9D76200810}" type="slidenum">
               <a:rPr lang="it-IT" smtClean="0"/>
-              <a:t>‹N›</a:t>
+              <a:t>‹#›</a:t>
             </a:fld>
             <a:endParaRPr lang="it-IT"/>
           </a:p>
@@ -4683,7 +4683,7 @@
           <a:p>
             <a:fld id="{D27AEDA9-AD12-4ED2-8B98-33D70E99AD1A}" type="datetimeFigureOut">
               <a:rPr lang="it-IT" smtClean="0"/>
-              <a:t>07/06/2025</a:t>
+              <a:t>08/06/25</a:t>
             </a:fld>
             <a:endParaRPr lang="it-IT"/>
           </a:p>
@@ -4737,7 +4737,7 @@
           <a:p>
             <a:fld id="{709189E1-ABDC-46F1-A352-7E9D76200810}" type="slidenum">
               <a:rPr lang="it-IT" smtClean="0"/>
-              <a:t>‹N›</a:t>
+              <a:t>‹#›</a:t>
             </a:fld>
             <a:endParaRPr lang="it-IT"/>
           </a:p>
@@ -4971,7 +4971,7 @@
           <a:p>
             <a:fld id="{D27AEDA9-AD12-4ED2-8B98-33D70E99AD1A}" type="datetimeFigureOut">
               <a:rPr lang="it-IT" smtClean="0"/>
-              <a:t>07/06/2025</a:t>
+              <a:t>08/06/25</a:t>
             </a:fld>
             <a:endParaRPr lang="it-IT"/>
           </a:p>
@@ -5025,7 +5025,7 @@
           <a:p>
             <a:fld id="{709189E1-ABDC-46F1-A352-7E9D76200810}" type="slidenum">
               <a:rPr lang="it-IT" smtClean="0"/>
-              <a:t>‹N›</a:t>
+              <a:t>‹#›</a:t>
             </a:fld>
             <a:endParaRPr lang="it-IT"/>
           </a:p>
@@ -5212,7 +5212,7 @@
           <a:p>
             <a:fld id="{D27AEDA9-AD12-4ED2-8B98-33D70E99AD1A}" type="datetimeFigureOut">
               <a:rPr lang="it-IT" smtClean="0"/>
-              <a:t>07/06/2025</a:t>
+              <a:t>08/06/25</a:t>
             </a:fld>
             <a:endParaRPr lang="it-IT"/>
           </a:p>
@@ -5302,7 +5302,7 @@
           <a:p>
             <a:fld id="{709189E1-ABDC-46F1-A352-7E9D76200810}" type="slidenum">
               <a:rPr lang="it-IT" smtClean="0"/>
-              <a:t>‹N›</a:t>
+              <a:t>‹#›</a:t>
             </a:fld>
             <a:endParaRPr lang="it-IT"/>
           </a:p>
@@ -29776,7 +29776,7 @@
         </p:nvSpPr>
         <p:spPr>
           <a:xfrm>
-            <a:off x="1130101" y="3909108"/>
+            <a:off x="1130101" y="3761783"/>
             <a:ext cx="4229944" cy="307777"/>
           </a:xfrm>
           <a:prstGeom prst="rect">
@@ -29891,7 +29891,7 @@
         </p:nvSpPr>
         <p:spPr>
           <a:xfrm>
-            <a:off x="1130101" y="4503501"/>
+            <a:off x="1130101" y="4356176"/>
             <a:ext cx="4229944" cy="307777"/>
           </a:xfrm>
           <a:prstGeom prst="rect">
@@ -30034,7 +30034,7 @@
         </p:nvSpPr>
         <p:spPr>
           <a:xfrm>
-            <a:off x="1130101" y="5137853"/>
+            <a:off x="1130101" y="4990528"/>
             <a:ext cx="4229944" cy="307777"/>
           </a:xfrm>
           <a:prstGeom prst="rect">
@@ -30213,7 +30213,7 @@
         </p:nvSpPr>
         <p:spPr>
           <a:xfrm>
-            <a:off x="1130101" y="5811285"/>
+            <a:off x="1130101" y="5663960"/>
             <a:ext cx="4229944" cy="307777"/>
           </a:xfrm>
           <a:prstGeom prst="rect">
@@ -30392,8 +30392,8 @@
         </p:nvSpPr>
         <p:spPr>
           <a:xfrm>
-            <a:off x="6172200" y="1825625"/>
-            <a:ext cx="5181600" cy="4351338"/>
+            <a:off x="6172200" y="2128641"/>
+            <a:ext cx="5181600" cy="2600718"/>
           </a:xfrm>
           <a:prstGeom prst="rect">
             <a:avLst/>
@@ -30416,7 +30416,7 @@
               <a:buChar char="•"/>
             </a:pPr>
             <a:r>
-              <a:rPr lang="it-IT" sz="2800"/>
+              <a:rPr lang="it-IT" sz="2800" dirty="0"/>
               <a:t>Il progetto deve cercare di prendere meno calcolo computazionale possibile in modo da non pesare sul computer ed eseguirsi in tempi ritenuti non troppo lunghi.</a:t>
             </a:r>
           </a:p>

--- a/presentazione/ProjectLeafWIP.pptx
+++ b/presentazione/ProjectLeafWIP.pptx
@@ -7822,7 +7822,7 @@
                   <a:schemeClr val="tx2"/>
                 </a:solidFill>
               </a:rPr>
-              <a:t>Riconoscimento degli oggetti</a:t>
+              <a:t>Riconoscimento delle foglie</a:t>
             </a:r>
           </a:p>
         </p:txBody>
@@ -37755,7 +37755,7 @@
                   <a:schemeClr val="tx2"/>
                 </a:solidFill>
               </a:rPr>
-              <a:t>Riconoscimento degli oggetti</a:t>
+              <a:t>Riconoscimento delle foglie</a:t>
             </a:r>
           </a:p>
         </p:txBody>

--- a/presentazione/ProjectLeafWIP.pptx
+++ b/presentazione/ProjectLeafWIP.pptx
@@ -5454,7 +5454,7 @@
         </p:nvSpPr>
         <p:spPr>
           <a:xfrm>
-            <a:off x="509385" y="1279171"/>
+            <a:off x="1115026" y="1289929"/>
             <a:ext cx="3681270" cy="1484555"/>
           </a:xfrm>
         </p:spPr>
@@ -5465,7 +5465,7 @@
           <a:lstStyle/>
           <a:p>
             <a:r>
-              <a:rPr lang="en-US" sz="5400" dirty="0">
+              <a:rPr lang="en-US" sz="6600" b="1" dirty="0">
                 <a:solidFill>
                   <a:schemeClr val="tx2"/>
                 </a:solidFill>
@@ -5477,7 +5477,7 @@
               <a:t>Leaf-ID</a:t>
             </a:r>
             <a:br>
-              <a:rPr lang="en-US" sz="5400" dirty="0">
+              <a:rPr lang="en-US" sz="5400" b="1" dirty="0">
                 <a:solidFill>
                   <a:schemeClr val="tx2"/>
                 </a:solidFill>
@@ -5487,7 +5487,7 @@
                 <a:sym typeface="+mn-lt"/>
               </a:rPr>
             </a:br>
-            <a:endParaRPr lang="en-US" sz="5400" dirty="0">
+            <a:endParaRPr lang="en-US" sz="5400" b="1" dirty="0">
               <a:solidFill>
                 <a:schemeClr val="tx2"/>
               </a:solidFill>
@@ -5517,7 +5517,7 @@
         </p:nvSpPr>
         <p:spPr>
           <a:xfrm>
-            <a:off x="509385" y="2063134"/>
+            <a:off x="1115026" y="2073892"/>
             <a:ext cx="3807849" cy="614531"/>
           </a:xfrm>
         </p:spPr>
@@ -5536,7 +5536,8 @@
               <a:rPr lang="en-US" sz="1800" b="1" spc="0" dirty="0">
                 <a:solidFill>
                   <a:schemeClr val="tx2">
-                    <a:lumMod val="75000"/>
+                    <a:lumMod val="60000"/>
+                    <a:lumOff val="40000"/>
                   </a:schemeClr>
                 </a:solidFill>
                 <a:latin typeface="+mn-lt"/>
@@ -5550,7 +5551,8 @@
               <a:rPr lang="en-US" sz="1800" b="1" spc="0" dirty="0" err="1">
                 <a:solidFill>
                   <a:schemeClr val="tx2">
-                    <a:lumMod val="75000"/>
+                    <a:lumMod val="60000"/>
+                    <a:lumOff val="40000"/>
                   </a:schemeClr>
                 </a:solidFill>
                 <a:latin typeface="+mn-lt"/>
@@ -5564,7 +5566,8 @@
               <a:rPr lang="en-US" sz="1800" b="1" spc="0" dirty="0">
                 <a:solidFill>
                   <a:schemeClr val="tx2">
-                    <a:lumMod val="75000"/>
+                    <a:lumMod val="60000"/>
+                    <a:lumOff val="40000"/>
                   </a:schemeClr>
                 </a:solidFill>
                 <a:latin typeface="+mn-lt"/>
@@ -12488,9 +12491,18 @@
                 <a:ea typeface="微软雅黑" panose="020B0503020204020204" pitchFamily="34" charset="-122"/>
                 <a:cs typeface="+mn-ea"/>
                 <a:sym typeface="+mn-lt"/>
+                <a:hlinkClick r:id="rId19" action="ppaction://hlinksldjump"/>
               </a:rPr>
               <a:t>RILBP</a:t>
             </a:r>
+            <a:endParaRPr lang="it-IT" altLang="zh-CN" sz="1200" dirty="0">
+              <a:solidFill>
+                <a:schemeClr val="tx2"/>
+              </a:solidFill>
+              <a:ea typeface="微软雅黑" panose="020B0503020204020204" pitchFamily="34" charset="-122"/>
+              <a:cs typeface="+mn-ea"/>
+              <a:sym typeface="+mn-lt"/>
+            </a:endParaRPr>
           </a:p>
           <a:p>
             <a:pPr marL="171450" indent="-171450">
@@ -12584,6 +12596,7 @@
                 <a:ea typeface="微软雅黑" panose="020B0503020204020204" pitchFamily="34" charset="-122"/>
                 <a:cs typeface="+mn-ea"/>
                 <a:sym typeface="+mn-lt"/>
+                <a:hlinkClick r:id="rId20" action="ppaction://hlinksldjump"/>
               </a:rPr>
               <a:t>Momenti di </a:t>
             </a:r>
@@ -12595,6 +12608,7 @@
                 <a:ea typeface="微软雅黑" panose="020B0503020204020204" pitchFamily="34" charset="-122"/>
                 <a:cs typeface="+mn-ea"/>
                 <a:sym typeface="+mn-lt"/>
+                <a:hlinkClick r:id="rId20" action="ppaction://hlinksldjump"/>
               </a:rPr>
               <a:t>Zernike</a:t>
             </a:r>
@@ -13403,6 +13417,7 @@
                 <a:ea typeface="微软雅黑" panose="020B0503020204020204" pitchFamily="34" charset="-122"/>
                 <a:cs typeface="+mn-ea"/>
                 <a:sym typeface="+mn-lt"/>
+                <a:hlinkClick r:id="rId21" action="ppaction://hlinksldjump"/>
               </a:rPr>
               <a:t>Descrittori di Fourier</a:t>
             </a:r>
@@ -13541,10 +13556,10 @@
           <p:nvPr/>
         </p:nvPicPr>
         <p:blipFill>
-          <a:blip r:embed="rId19">
+          <a:blip r:embed="rId22">
             <a:extLst>
               <a:ext uri="{96DAC541-7B7A-43D3-8B79-37D633B846F1}">
-                <asvg:svgBlip xmlns:asvg="http://schemas.microsoft.com/office/drawing/2016/SVG/main" r:embed="rId20"/>
+                <asvg:svgBlip xmlns:asvg="http://schemas.microsoft.com/office/drawing/2016/SVG/main" r:embed="rId23"/>
               </a:ext>
             </a:extLst>
           </a:blip>
@@ -13577,10 +13592,10 @@
           <p:nvPr/>
         </p:nvPicPr>
         <p:blipFill>
-          <a:blip r:embed="rId21">
+          <a:blip r:embed="rId24">
             <a:extLst>
               <a:ext uri="{96DAC541-7B7A-43D3-8B79-37D633B846F1}">
-                <asvg:svgBlip xmlns:asvg="http://schemas.microsoft.com/office/drawing/2016/SVG/main" r:embed="rId22"/>
+                <asvg:svgBlip xmlns:asvg="http://schemas.microsoft.com/office/drawing/2016/SVG/main" r:embed="rId25"/>
               </a:ext>
             </a:extLst>
           </a:blip>
@@ -13613,10 +13628,10 @@
           <p:nvPr/>
         </p:nvPicPr>
         <p:blipFill>
-          <a:blip r:embed="rId23">
+          <a:blip r:embed="rId26">
             <a:extLst>
               <a:ext uri="{96DAC541-7B7A-43D3-8B79-37D633B846F1}">
-                <asvg:svgBlip xmlns:asvg="http://schemas.microsoft.com/office/drawing/2016/SVG/main" r:embed="rId24"/>
+                <asvg:svgBlip xmlns:asvg="http://schemas.microsoft.com/office/drawing/2016/SVG/main" r:embed="rId27"/>
               </a:ext>
             </a:extLst>
           </a:blip>
@@ -13649,10 +13664,10 @@
           <p:nvPr/>
         </p:nvPicPr>
         <p:blipFill>
-          <a:blip r:embed="rId25">
+          <a:blip r:embed="rId28">
             <a:extLst>
               <a:ext uri="{96DAC541-7B7A-43D3-8B79-37D633B846F1}">
-                <asvg:svgBlip xmlns:asvg="http://schemas.microsoft.com/office/drawing/2016/SVG/main" r:embed="rId26"/>
+                <asvg:svgBlip xmlns:asvg="http://schemas.microsoft.com/office/drawing/2016/SVG/main" r:embed="rId29"/>
               </a:ext>
             </a:extLst>
           </a:blip>
@@ -14011,12 +14026,249 @@
           </a:p>
         </p:txBody>
       </p:sp>
+      <p:sp>
+        <p:nvSpPr>
+          <p:cNvPr id="6" name="TextBox 5">
+            <a:extLst>
+              <a:ext uri="{FF2B5EF4-FFF2-40B4-BE49-F238E27FC236}">
+                <a16:creationId xmlns:a16="http://schemas.microsoft.com/office/drawing/2014/main" id="{AE94F4C3-3C9E-CBE5-0F4A-06E1A52C1A29}"/>
+              </a:ext>
+            </a:extLst>
+          </p:cNvPr>
+          <p:cNvSpPr txBox="1"/>
+          <p:nvPr/>
+        </p:nvSpPr>
+        <p:spPr>
+          <a:xfrm>
+            <a:off x="6096000" y="1565742"/>
+            <a:ext cx="4729716" cy="4351338"/>
+          </a:xfrm>
+          <a:prstGeom prst="rect">
+            <a:avLst/>
+          </a:prstGeom>
+        </p:spPr>
+        <p:txBody>
+          <a:bodyPr vert="horz" lIns="91440" tIns="45720" rIns="91440" bIns="45720" rtlCol="0">
+            <a:normAutofit/>
+          </a:bodyPr>
+          <a:lstStyle/>
+          <a:p>
+            <a:pPr defTabSz="914400">
+              <a:lnSpc>
+                <a:spcPct val="90000"/>
+              </a:lnSpc>
+              <a:spcBef>
+                <a:spcPts val="1000"/>
+              </a:spcBef>
+            </a:pPr>
+            <a:r>
+              <a:rPr lang="en-US" sz="2400" dirty="0">
+                <a:solidFill>
+                  <a:schemeClr val="tx2"/>
+                </a:solidFill>
+              </a:rPr>
+              <a:t>I </a:t>
+            </a:r>
+            <a:r>
+              <a:rPr lang="en-US" sz="2400" dirty="0" err="1">
+                <a:solidFill>
+                  <a:schemeClr val="tx2"/>
+                </a:solidFill>
+              </a:rPr>
+              <a:t>seguenti</a:t>
+            </a:r>
+            <a:r>
+              <a:rPr lang="en-US" sz="2400" dirty="0">
+                <a:solidFill>
+                  <a:schemeClr val="tx2"/>
+                </a:solidFill>
+              </a:rPr>
+              <a:t> tempi di </a:t>
+            </a:r>
+            <a:r>
+              <a:rPr lang="en-US" sz="2400" dirty="0" err="1">
+                <a:solidFill>
+                  <a:schemeClr val="tx2"/>
+                </a:solidFill>
+              </a:rPr>
+              <a:t>calcolo</a:t>
+            </a:r>
+            <a:r>
+              <a:rPr lang="en-US" sz="2400" dirty="0">
+                <a:solidFill>
+                  <a:schemeClr val="tx2"/>
+                </a:solidFill>
+              </a:rPr>
+              <a:t> </a:t>
+            </a:r>
+            <a:r>
+              <a:rPr lang="en-US" sz="2400" dirty="0" err="1">
+                <a:solidFill>
+                  <a:schemeClr val="tx2"/>
+                </a:solidFill>
+              </a:rPr>
+              <a:t>sono</a:t>
+            </a:r>
+            <a:r>
+              <a:rPr lang="en-US" sz="2400" dirty="0">
+                <a:solidFill>
+                  <a:schemeClr val="tx2"/>
+                </a:solidFill>
+              </a:rPr>
+              <a:t> </a:t>
+            </a:r>
+            <a:r>
+              <a:rPr lang="en-US" sz="2400" dirty="0" err="1">
+                <a:solidFill>
+                  <a:schemeClr val="tx2"/>
+                </a:solidFill>
+              </a:rPr>
+              <a:t>stati</a:t>
+            </a:r>
+            <a:r>
+              <a:rPr lang="en-US" sz="2400" dirty="0">
+                <a:solidFill>
+                  <a:schemeClr val="tx2"/>
+                </a:solidFill>
+              </a:rPr>
+              <a:t> </a:t>
+            </a:r>
+            <a:r>
+              <a:rPr lang="en-US" sz="2400" dirty="0" err="1">
+                <a:solidFill>
+                  <a:schemeClr val="tx2"/>
+                </a:solidFill>
+              </a:rPr>
+              <a:t>ricavati</a:t>
+            </a:r>
+            <a:r>
+              <a:rPr lang="en-US" sz="2400" dirty="0">
+                <a:solidFill>
+                  <a:schemeClr val="tx2"/>
+                </a:solidFill>
+              </a:rPr>
+              <a:t> da </a:t>
+            </a:r>
+            <a:r>
+              <a:rPr lang="en-US" sz="2400" dirty="0" err="1">
+                <a:solidFill>
+                  <a:schemeClr val="tx2"/>
+                </a:solidFill>
+              </a:rPr>
+              <a:t>un’analisi</a:t>
+            </a:r>
+            <a:r>
+              <a:rPr lang="en-US" sz="2400" dirty="0">
+                <a:solidFill>
+                  <a:schemeClr val="tx2"/>
+                </a:solidFill>
+              </a:rPr>
+              <a:t> </a:t>
+            </a:r>
+            <a:r>
+              <a:rPr lang="en-US" sz="2400" dirty="0" err="1">
+                <a:solidFill>
+                  <a:schemeClr val="tx2"/>
+                </a:solidFill>
+              </a:rPr>
+              <a:t>basata</a:t>
+            </a:r>
+            <a:r>
+              <a:rPr lang="en-US" sz="2400" dirty="0">
+                <a:solidFill>
+                  <a:schemeClr val="tx2"/>
+                </a:solidFill>
+              </a:rPr>
+              <a:t> sui </a:t>
+            </a:r>
+            <a:r>
+              <a:rPr lang="en-US" sz="2400" dirty="0" err="1">
+                <a:solidFill>
+                  <a:schemeClr val="tx2"/>
+                </a:solidFill>
+              </a:rPr>
+              <a:t>risultati</a:t>
+            </a:r>
+            <a:r>
+              <a:rPr lang="en-US" sz="2400" dirty="0">
+                <a:solidFill>
+                  <a:schemeClr val="tx2"/>
+                </a:solidFill>
+              </a:rPr>
+              <a:t> del profiler di MATLAB </a:t>
+            </a:r>
+            <a:r>
+              <a:rPr lang="en-US" sz="2400" dirty="0" err="1">
+                <a:solidFill>
+                  <a:schemeClr val="tx2"/>
+                </a:solidFill>
+              </a:rPr>
+              <a:t>sull’estrazione</a:t>
+            </a:r>
+            <a:r>
+              <a:rPr lang="en-US" sz="2400" dirty="0">
+                <a:solidFill>
+                  <a:schemeClr val="tx2"/>
+                </a:solidFill>
+              </a:rPr>
+              <a:t> </a:t>
+            </a:r>
+            <a:r>
+              <a:rPr lang="en-US" sz="2400" dirty="0" err="1">
+                <a:solidFill>
+                  <a:schemeClr val="tx2"/>
+                </a:solidFill>
+              </a:rPr>
+              <a:t>dei</a:t>
+            </a:r>
+            <a:r>
+              <a:rPr lang="en-US" sz="2400" dirty="0">
+                <a:solidFill>
+                  <a:schemeClr val="tx2"/>
+                </a:solidFill>
+              </a:rPr>
+              <a:t> </a:t>
+            </a:r>
+            <a:r>
+              <a:rPr lang="en-US" sz="2400" dirty="0" err="1">
+                <a:solidFill>
+                  <a:schemeClr val="tx2"/>
+                </a:solidFill>
+              </a:rPr>
+              <a:t>descrittori</a:t>
+            </a:r>
+            <a:r>
+              <a:rPr lang="en-US" sz="2400" dirty="0">
+                <a:solidFill>
+                  <a:schemeClr val="tx2"/>
+                </a:solidFill>
+              </a:rPr>
+              <a:t> sui set di training e testing</a:t>
+            </a:r>
+          </a:p>
+          <a:p>
+            <a:pPr defTabSz="914400">
+              <a:lnSpc>
+                <a:spcPct val="90000"/>
+              </a:lnSpc>
+              <a:spcBef>
+                <a:spcPts val="1000"/>
+              </a:spcBef>
+            </a:pPr>
+            <a:endParaRPr lang="en-US" sz="2400" dirty="0">
+              <a:solidFill>
+                <a:schemeClr val="tx2"/>
+              </a:solidFill>
+            </a:endParaRPr>
+          </a:p>
+        </p:txBody>
+      </p:sp>
       <p:pic>
         <p:nvPicPr>
-          <p:cNvPr id="3" name="Picture 2" descr="A graph with blue bars&#10;&#10;AI-generated content may be incorrect.">
+          <p:cNvPr id="8" name="Picture 7" descr="A graph with blue bars&#10;&#10;AI-generated content may be incorrect.">
             <a:extLst>
               <a:ext uri="{FF2B5EF4-FFF2-40B4-BE49-F238E27FC236}">
-                <a16:creationId xmlns:a16="http://schemas.microsoft.com/office/drawing/2014/main" id="{38C9B41D-6F72-8A84-B4CA-F988268A3F07}"/>
+                <a16:creationId xmlns:a16="http://schemas.microsoft.com/office/drawing/2014/main" id="{3A3B6332-F18C-1773-0140-AF8602C64BCB}"/>
               </a:ext>
             </a:extLst>
           </p:cNvPr>
@@ -14033,259 +14285,20 @@
               </a:ext>
             </a:extLst>
           </a:blip>
-          <a:srcRect t="16023"/>
           <a:stretch>
             <a:fillRect/>
           </a:stretch>
         </p:blipFill>
         <p:spPr>
           <a:xfrm>
-            <a:off x="462010" y="1630677"/>
-            <a:ext cx="5789934" cy="4862197"/>
-          </a:xfrm>
-          <a:prstGeom prst="rect">
-            <a:avLst/>
-          </a:prstGeom>
-          <a:noFill/>
-        </p:spPr>
-      </p:pic>
-      <p:sp>
-        <p:nvSpPr>
-          <p:cNvPr id="6" name="TextBox 5">
-            <a:extLst>
-              <a:ext uri="{FF2B5EF4-FFF2-40B4-BE49-F238E27FC236}">
-                <a16:creationId xmlns:a16="http://schemas.microsoft.com/office/drawing/2014/main" id="{AE94F4C3-3C9E-CBE5-0F4A-06E1A52C1A29}"/>
-              </a:ext>
-            </a:extLst>
-          </p:cNvPr>
-          <p:cNvSpPr txBox="1"/>
-          <p:nvPr/>
-        </p:nvSpPr>
-        <p:spPr>
-          <a:xfrm>
-            <a:off x="6624084" y="1825625"/>
-            <a:ext cx="4729716" cy="4351338"/>
+            <a:off x="424530" y="1433755"/>
+            <a:ext cx="5143387" cy="5135078"/>
           </a:xfrm>
           <a:prstGeom prst="rect">
             <a:avLst/>
           </a:prstGeom>
         </p:spPr>
-        <p:txBody>
-          <a:bodyPr vert="horz" lIns="91440" tIns="45720" rIns="91440" bIns="45720" rtlCol="0">
-            <a:normAutofit/>
-          </a:bodyPr>
-          <a:lstStyle/>
-          <a:p>
-            <a:pPr defTabSz="914400">
-              <a:lnSpc>
-                <a:spcPct val="90000"/>
-              </a:lnSpc>
-              <a:spcBef>
-                <a:spcPts val="1000"/>
-              </a:spcBef>
-            </a:pPr>
-            <a:r>
-              <a:rPr lang="en-US" sz="2800" dirty="0">
-                <a:solidFill>
-                  <a:schemeClr val="tx2"/>
-                </a:solidFill>
-              </a:rPr>
-              <a:t>I </a:t>
-            </a:r>
-            <a:r>
-              <a:rPr lang="en-US" sz="2800" dirty="0" err="1">
-                <a:solidFill>
-                  <a:schemeClr val="tx2"/>
-                </a:solidFill>
-              </a:rPr>
-              <a:t>seguenti</a:t>
-            </a:r>
-            <a:r>
-              <a:rPr lang="en-US" sz="2800" dirty="0">
-                <a:solidFill>
-                  <a:schemeClr val="tx2"/>
-                </a:solidFill>
-              </a:rPr>
-              <a:t> tempi di </a:t>
-            </a:r>
-            <a:r>
-              <a:rPr lang="en-US" sz="2800" dirty="0" err="1">
-                <a:solidFill>
-                  <a:schemeClr val="tx2"/>
-                </a:solidFill>
-              </a:rPr>
-              <a:t>calcolo</a:t>
-            </a:r>
-            <a:r>
-              <a:rPr lang="en-US" sz="2800" dirty="0">
-                <a:solidFill>
-                  <a:schemeClr val="tx2"/>
-                </a:solidFill>
-              </a:rPr>
-              <a:t> </a:t>
-            </a:r>
-            <a:r>
-              <a:rPr lang="en-US" sz="2800" dirty="0" err="1">
-                <a:solidFill>
-                  <a:schemeClr val="tx2"/>
-                </a:solidFill>
-              </a:rPr>
-              <a:t>sono</a:t>
-            </a:r>
-            <a:r>
-              <a:rPr lang="en-US" sz="2800" dirty="0">
-                <a:solidFill>
-                  <a:schemeClr val="tx2"/>
-                </a:solidFill>
-              </a:rPr>
-              <a:t> </a:t>
-            </a:r>
-            <a:r>
-              <a:rPr lang="en-US" sz="2800" dirty="0" err="1">
-                <a:solidFill>
-                  <a:schemeClr val="tx2"/>
-                </a:solidFill>
-              </a:rPr>
-              <a:t>stati</a:t>
-            </a:r>
-            <a:r>
-              <a:rPr lang="en-US" sz="2800" dirty="0">
-                <a:solidFill>
-                  <a:schemeClr val="tx2"/>
-                </a:solidFill>
-              </a:rPr>
-              <a:t> </a:t>
-            </a:r>
-            <a:r>
-              <a:rPr lang="en-US" sz="2800" dirty="0" err="1">
-                <a:solidFill>
-                  <a:schemeClr val="tx2"/>
-                </a:solidFill>
-              </a:rPr>
-              <a:t>ricavati</a:t>
-            </a:r>
-            <a:r>
-              <a:rPr lang="en-US" sz="2800" dirty="0">
-                <a:solidFill>
-                  <a:schemeClr val="tx2"/>
-                </a:solidFill>
-              </a:rPr>
-              <a:t> da </a:t>
-            </a:r>
-            <a:r>
-              <a:rPr lang="en-US" sz="2800" dirty="0" err="1">
-                <a:solidFill>
-                  <a:schemeClr val="tx2"/>
-                </a:solidFill>
-              </a:rPr>
-              <a:t>un’analisi</a:t>
-            </a:r>
-            <a:r>
-              <a:rPr lang="en-US" sz="2800" dirty="0">
-                <a:solidFill>
-                  <a:schemeClr val="tx2"/>
-                </a:solidFill>
-              </a:rPr>
-              <a:t> </a:t>
-            </a:r>
-            <a:r>
-              <a:rPr lang="en-US" sz="2800" dirty="0" err="1">
-                <a:solidFill>
-                  <a:schemeClr val="tx2"/>
-                </a:solidFill>
-              </a:rPr>
-              <a:t>basata</a:t>
-            </a:r>
-            <a:r>
-              <a:rPr lang="en-US" sz="2800" dirty="0">
-                <a:solidFill>
-                  <a:schemeClr val="tx2"/>
-                </a:solidFill>
-              </a:rPr>
-              <a:t> sui </a:t>
-            </a:r>
-            <a:r>
-              <a:rPr lang="en-US" sz="2800" dirty="0" err="1">
-                <a:solidFill>
-                  <a:schemeClr val="tx2"/>
-                </a:solidFill>
-              </a:rPr>
-              <a:t>risultati</a:t>
-            </a:r>
-            <a:r>
-              <a:rPr lang="en-US" sz="2800" dirty="0">
-                <a:solidFill>
-                  <a:schemeClr val="tx2"/>
-                </a:solidFill>
-              </a:rPr>
-              <a:t> del profiler di MATLAB </a:t>
-            </a:r>
-            <a:r>
-              <a:rPr lang="en-US" sz="2800" dirty="0" err="1">
-                <a:solidFill>
-                  <a:schemeClr val="tx2"/>
-                </a:solidFill>
-              </a:rPr>
-              <a:t>sull’estrazione</a:t>
-            </a:r>
-            <a:r>
-              <a:rPr lang="en-US" sz="2800" dirty="0">
-                <a:solidFill>
-                  <a:schemeClr val="tx2"/>
-                </a:solidFill>
-              </a:rPr>
-              <a:t> </a:t>
-            </a:r>
-            <a:r>
-              <a:rPr lang="en-US" sz="2800" dirty="0" err="1">
-                <a:solidFill>
-                  <a:schemeClr val="tx2"/>
-                </a:solidFill>
-              </a:rPr>
-              <a:t>dei</a:t>
-            </a:r>
-            <a:r>
-              <a:rPr lang="en-US" sz="2800" dirty="0">
-                <a:solidFill>
-                  <a:schemeClr val="tx2"/>
-                </a:solidFill>
-              </a:rPr>
-              <a:t> </a:t>
-            </a:r>
-            <a:r>
-              <a:rPr lang="en-US" sz="2800" dirty="0" err="1">
-                <a:solidFill>
-                  <a:schemeClr val="tx2"/>
-                </a:solidFill>
-              </a:rPr>
-              <a:t>descrittori</a:t>
-            </a:r>
-            <a:r>
-              <a:rPr lang="en-US" sz="2800" dirty="0">
-                <a:solidFill>
-                  <a:schemeClr val="tx2"/>
-                </a:solidFill>
-              </a:rPr>
-              <a:t> sui set di training e testing</a:t>
-            </a:r>
-          </a:p>
-          <a:p>
-            <a:pPr defTabSz="914400">
-              <a:lnSpc>
-                <a:spcPct val="90000"/>
-              </a:lnSpc>
-              <a:spcBef>
-                <a:spcPts val="1000"/>
-              </a:spcBef>
-            </a:pPr>
-            <a:endParaRPr lang="en-US" sz="2800" dirty="0">
-              <a:solidFill>
-                <a:schemeClr val="tx2"/>
-              </a:solidFill>
-            </a:endParaRPr>
-          </a:p>
-        </p:txBody>
-      </p:sp>
+      </p:pic>
     </p:spTree>
     <p:extLst>
       <p:ext uri="{BB962C8B-B14F-4D97-AF65-F5344CB8AC3E}">
@@ -14770,10 +14783,22 @@
           <a:p>
             <a:r>
               <a:rPr lang="it-IT" sz="1400" dirty="0"/>
-              <a:t>Ranking delle features basato su MRMR o </a:t>
-            </a:r>
-            <a:r>
-              <a:rPr lang="it-IT" sz="1400" dirty="0" err="1"/>
+              <a:t>Ranking delle features basato su </a:t>
+            </a:r>
+            <a:r>
+              <a:rPr lang="it-IT" sz="1400" dirty="0">
+                <a:hlinkClick r:id="rId12" action="ppaction://hlinksldjump"/>
+              </a:rPr>
+              <a:t>MRMR</a:t>
+            </a:r>
+            <a:r>
+              <a:rPr lang="it-IT" sz="1400" dirty="0"/>
+              <a:t> o </a:t>
+            </a:r>
+            <a:r>
+              <a:rPr lang="it-IT" sz="1400" dirty="0" err="1">
+                <a:hlinkClick r:id="rId13" action="ppaction://hlinksldjump"/>
+              </a:rPr>
               <a:t>oobPermutedImportance</a:t>
             </a:r>
             <a:endParaRPr lang="it-IT" sz="1400" dirty="0"/>
@@ -14844,8 +14869,14 @@
           <a:lstStyle/>
           <a:p>
             <a:r>
+              <a:rPr lang="it-IT" sz="1400" dirty="0">
+                <a:hlinkClick r:id="rId14" action="ppaction://hlinksldjump"/>
+              </a:rPr>
+              <a:t>RFE loop </a:t>
+            </a:r>
+            <a:r>
               <a:rPr lang="it-IT" sz="1400" dirty="0"/>
-              <a:t>RFE loop con modello a scelta (default ensemble)</a:t>
+              <a:t>con modello a scelta (default ensemble)</a:t>
             </a:r>
           </a:p>
         </p:txBody>
@@ -23998,7 +24029,7 @@
               <a:t> con </a:t>
             </a:r>
             <a:r>
-              <a:rPr lang="en-US" dirty="0" err="1">
+              <a:rPr lang="en-US" b="1" dirty="0" err="1">
                 <a:solidFill>
                   <a:schemeClr val="tx2"/>
                 </a:solidFill>
@@ -24006,7 +24037,7 @@
               <a:t>foglie</a:t>
             </a:r>
             <a:r>
-              <a:rPr lang="en-US" dirty="0">
+              <a:rPr lang="en-US" b="1" dirty="0">
                 <a:solidFill>
                   <a:schemeClr val="tx2"/>
                 </a:solidFill>
@@ -24014,7 +24045,7 @@
               <a:t> </a:t>
             </a:r>
             <a:r>
-              <a:rPr lang="en-US" dirty="0" err="1">
+              <a:rPr lang="en-US" b="1" dirty="0" err="1">
                 <a:solidFill>
                   <a:schemeClr val="tx2"/>
                 </a:solidFill>
@@ -24022,7 +24053,7 @@
               <a:t>miste</a:t>
             </a:r>
             <a:r>
-              <a:rPr lang="en-US" dirty="0">
+              <a:rPr lang="en-US" b="1" dirty="0">
                 <a:solidFill>
                   <a:schemeClr val="tx2"/>
                 </a:solidFill>
@@ -24030,7 +24061,7 @@
               <a:t> </a:t>
             </a:r>
             <a:r>
-              <a:rPr lang="en-US" dirty="0" err="1">
+              <a:rPr lang="en-US" b="1" dirty="0" err="1">
                 <a:solidFill>
                   <a:schemeClr val="tx2"/>
                 </a:solidFill>
@@ -24072,7 +24103,39 @@
                   <a:schemeClr val="tx2"/>
                 </a:solidFill>
               </a:rPr>
-              <a:t> GT, pixel based accuracy: </a:t>
+              <a:t> </a:t>
+            </a:r>
+            <a:r>
+              <a:rPr lang="en-US" b="1" dirty="0">
+                <a:solidFill>
+                  <a:schemeClr val="tx2"/>
+                </a:solidFill>
+              </a:rPr>
+              <a:t>GT</a:t>
+            </a:r>
+            <a:r>
+              <a:rPr lang="en-US" dirty="0">
+                <a:solidFill>
+                  <a:schemeClr val="tx2"/>
+                </a:solidFill>
+              </a:rPr>
+              <a:t>, </a:t>
+            </a:r>
+            <a:r>
+              <a:rPr lang="en-US" b="1" dirty="0">
+                <a:solidFill>
+                  <a:schemeClr val="tx2"/>
+                </a:solidFill>
+              </a:rPr>
+              <a:t>pixel</a:t>
+            </a:r>
+            <a:r>
+              <a:rPr lang="en-US" dirty="0">
+                <a:solidFill>
+                  <a:schemeClr val="tx2"/>
+                </a:solidFill>
+              </a:rPr>
+              <a:t> based accuracy: </a:t>
             </a:r>
             <a:r>
               <a:rPr lang="en-US" dirty="0">
@@ -24102,7 +24165,39 @@
                   <a:schemeClr val="tx2"/>
                 </a:solidFill>
               </a:rPr>
-              <a:t> GT, instance based accuracy: </a:t>
+              <a:t> </a:t>
+            </a:r>
+            <a:r>
+              <a:rPr lang="en-US" b="1" dirty="0">
+                <a:solidFill>
+                  <a:schemeClr val="tx2"/>
+                </a:solidFill>
+              </a:rPr>
+              <a:t>GT</a:t>
+            </a:r>
+            <a:r>
+              <a:rPr lang="en-US" dirty="0">
+                <a:solidFill>
+                  <a:schemeClr val="tx2"/>
+                </a:solidFill>
+              </a:rPr>
+              <a:t>, </a:t>
+            </a:r>
+            <a:r>
+              <a:rPr lang="en-US" b="1" dirty="0">
+                <a:solidFill>
+                  <a:schemeClr val="tx2"/>
+                </a:solidFill>
+              </a:rPr>
+              <a:t>instance</a:t>
+            </a:r>
+            <a:r>
+              <a:rPr lang="en-US" dirty="0">
+                <a:solidFill>
+                  <a:schemeClr val="tx2"/>
+                </a:solidFill>
+              </a:rPr>
+              <a:t> based accuracy: </a:t>
             </a:r>
             <a:r>
               <a:rPr lang="en-US" dirty="0">
@@ -24132,7 +24227,39 @@
                   <a:schemeClr val="tx2"/>
                 </a:solidFill>
               </a:rPr>
-              <a:t> region growing, pixel based accuracy: </a:t>
+              <a:t> </a:t>
+            </a:r>
+            <a:r>
+              <a:rPr lang="en-US" b="1" dirty="0">
+                <a:solidFill>
+                  <a:schemeClr val="tx2"/>
+                </a:solidFill>
+              </a:rPr>
+              <a:t>region growing</a:t>
+            </a:r>
+            <a:r>
+              <a:rPr lang="en-US" dirty="0">
+                <a:solidFill>
+                  <a:schemeClr val="tx2"/>
+                </a:solidFill>
+              </a:rPr>
+              <a:t>, </a:t>
+            </a:r>
+            <a:r>
+              <a:rPr lang="en-US" b="1" dirty="0">
+                <a:solidFill>
+                  <a:schemeClr val="tx2"/>
+                </a:solidFill>
+              </a:rPr>
+              <a:t>pixel</a:t>
+            </a:r>
+            <a:r>
+              <a:rPr lang="en-US" dirty="0">
+                <a:solidFill>
+                  <a:schemeClr val="tx2"/>
+                </a:solidFill>
+              </a:rPr>
+              <a:t> based accuracy: </a:t>
             </a:r>
             <a:r>
               <a:rPr lang="en-US" dirty="0">
@@ -24162,7 +24289,39 @@
                   <a:schemeClr val="tx2"/>
                 </a:solidFill>
               </a:rPr>
-              <a:t> region growing, instance based accuracy: </a:t>
+              <a:t> </a:t>
+            </a:r>
+            <a:r>
+              <a:rPr lang="en-US" b="1" dirty="0">
+                <a:solidFill>
+                  <a:schemeClr val="tx2"/>
+                </a:solidFill>
+              </a:rPr>
+              <a:t>region growing</a:t>
+            </a:r>
+            <a:r>
+              <a:rPr lang="en-US" dirty="0">
+                <a:solidFill>
+                  <a:schemeClr val="tx2"/>
+                </a:solidFill>
+              </a:rPr>
+              <a:t>, </a:t>
+            </a:r>
+            <a:r>
+              <a:rPr lang="en-US" b="1" dirty="0">
+                <a:solidFill>
+                  <a:schemeClr val="tx2"/>
+                </a:solidFill>
+              </a:rPr>
+              <a:t>instance</a:t>
+            </a:r>
+            <a:r>
+              <a:rPr lang="en-US" dirty="0">
+                <a:solidFill>
+                  <a:schemeClr val="tx2"/>
+                </a:solidFill>
+              </a:rPr>
+              <a:t> based accuracy: </a:t>
             </a:r>
             <a:r>
               <a:rPr lang="en-US" dirty="0">
@@ -24321,7 +24480,39 @@
                   <a:schemeClr val="tx2"/>
                 </a:solidFill>
               </a:rPr>
-              <a:t> GT, pixel based accuracy: </a:t>
+              <a:t> </a:t>
+            </a:r>
+            <a:r>
+              <a:rPr lang="en-US" b="1" dirty="0">
+                <a:solidFill>
+                  <a:schemeClr val="tx2"/>
+                </a:solidFill>
+              </a:rPr>
+              <a:t>GT</a:t>
+            </a:r>
+            <a:r>
+              <a:rPr lang="en-US" dirty="0">
+                <a:solidFill>
+                  <a:schemeClr val="tx2"/>
+                </a:solidFill>
+              </a:rPr>
+              <a:t>, </a:t>
+            </a:r>
+            <a:r>
+              <a:rPr lang="en-US" b="1" dirty="0">
+                <a:solidFill>
+                  <a:schemeClr val="tx2"/>
+                </a:solidFill>
+              </a:rPr>
+              <a:t>pixel</a:t>
+            </a:r>
+            <a:r>
+              <a:rPr lang="en-US" dirty="0">
+                <a:solidFill>
+                  <a:schemeClr val="tx2"/>
+                </a:solidFill>
+              </a:rPr>
+              <a:t> based accuracy: </a:t>
             </a:r>
             <a:r>
               <a:rPr lang="en-US" dirty="0">
@@ -24351,7 +24542,39 @@
                   <a:schemeClr val="tx2"/>
                 </a:solidFill>
               </a:rPr>
-              <a:t> GT, instance based accuracy: </a:t>
+              <a:t> </a:t>
+            </a:r>
+            <a:r>
+              <a:rPr lang="en-US" b="1" dirty="0">
+                <a:solidFill>
+                  <a:schemeClr val="tx2"/>
+                </a:solidFill>
+              </a:rPr>
+              <a:t>GT</a:t>
+            </a:r>
+            <a:r>
+              <a:rPr lang="en-US" dirty="0">
+                <a:solidFill>
+                  <a:schemeClr val="tx2"/>
+                </a:solidFill>
+              </a:rPr>
+              <a:t>, </a:t>
+            </a:r>
+            <a:r>
+              <a:rPr lang="en-US" b="1" dirty="0">
+                <a:solidFill>
+                  <a:schemeClr val="tx2"/>
+                </a:solidFill>
+              </a:rPr>
+              <a:t>instance</a:t>
+            </a:r>
+            <a:r>
+              <a:rPr lang="en-US" dirty="0">
+                <a:solidFill>
+                  <a:schemeClr val="tx2"/>
+                </a:solidFill>
+              </a:rPr>
+              <a:t> based accuracy: </a:t>
             </a:r>
             <a:r>
               <a:rPr lang="en-US" dirty="0">
@@ -24381,7 +24604,39 @@
                   <a:schemeClr val="tx2"/>
                 </a:solidFill>
               </a:rPr>
-              <a:t> region growing, pixel based accuracy: </a:t>
+              <a:t> </a:t>
+            </a:r>
+            <a:r>
+              <a:rPr lang="en-US" b="1" dirty="0">
+                <a:solidFill>
+                  <a:schemeClr val="tx2"/>
+                </a:solidFill>
+              </a:rPr>
+              <a:t>region growing</a:t>
+            </a:r>
+            <a:r>
+              <a:rPr lang="en-US" dirty="0">
+                <a:solidFill>
+                  <a:schemeClr val="tx2"/>
+                </a:solidFill>
+              </a:rPr>
+              <a:t>, </a:t>
+            </a:r>
+            <a:r>
+              <a:rPr lang="en-US" b="1" dirty="0">
+                <a:solidFill>
+                  <a:schemeClr val="tx2"/>
+                </a:solidFill>
+              </a:rPr>
+              <a:t>pixel</a:t>
+            </a:r>
+            <a:r>
+              <a:rPr lang="en-US" dirty="0">
+                <a:solidFill>
+                  <a:schemeClr val="tx2"/>
+                </a:solidFill>
+              </a:rPr>
+              <a:t> based accuracy: </a:t>
             </a:r>
             <a:r>
               <a:rPr lang="en-US" dirty="0">
@@ -24411,7 +24666,39 @@
                   <a:schemeClr val="tx2"/>
                 </a:solidFill>
               </a:rPr>
-              <a:t> region growing, instance based accuracy: </a:t>
+              <a:t> </a:t>
+            </a:r>
+            <a:r>
+              <a:rPr lang="en-US" b="1" dirty="0">
+                <a:solidFill>
+                  <a:schemeClr val="tx2"/>
+                </a:solidFill>
+              </a:rPr>
+              <a:t>region growing</a:t>
+            </a:r>
+            <a:r>
+              <a:rPr lang="en-US" dirty="0">
+                <a:solidFill>
+                  <a:schemeClr val="tx2"/>
+                </a:solidFill>
+              </a:rPr>
+              <a:t>, </a:t>
+            </a:r>
+            <a:r>
+              <a:rPr lang="en-US" b="1" dirty="0">
+                <a:solidFill>
+                  <a:schemeClr val="tx2"/>
+                </a:solidFill>
+              </a:rPr>
+              <a:t>instance</a:t>
+            </a:r>
+            <a:r>
+              <a:rPr lang="en-US" dirty="0">
+                <a:solidFill>
+                  <a:schemeClr val="tx2"/>
+                </a:solidFill>
+              </a:rPr>
+              <a:t> based accuracy: </a:t>
             </a:r>
             <a:r>
               <a:rPr lang="en-US" dirty="0">
@@ -31621,8 +31908,8 @@
         </p:blipFill>
         <p:spPr>
           <a:xfrm>
-            <a:off x="9110647" y="2113012"/>
-            <a:ext cx="567082" cy="567082"/>
+            <a:off x="9110647" y="2191806"/>
+            <a:ext cx="488288" cy="488288"/>
           </a:xfrm>
           <a:prstGeom prst="rect">
             <a:avLst/>
@@ -31657,8 +31944,8 @@
         </p:blipFill>
         <p:spPr>
           <a:xfrm>
-            <a:off x="6118946" y="4377674"/>
-            <a:ext cx="523717" cy="523717"/>
+            <a:off x="6118947" y="4450443"/>
+            <a:ext cx="450948" cy="450948"/>
           </a:xfrm>
           <a:prstGeom prst="rect">
             <a:avLst/>
@@ -31693,8 +31980,8 @@
         </p:blipFill>
         <p:spPr>
           <a:xfrm>
-            <a:off x="6109366" y="2072376"/>
-            <a:ext cx="567081" cy="567081"/>
+            <a:off x="6109366" y="2151170"/>
+            <a:ext cx="488287" cy="488287"/>
           </a:xfrm>
           <a:prstGeom prst="rect">
             <a:avLst/>
@@ -31729,8 +32016,8 @@
         </p:blipFill>
         <p:spPr>
           <a:xfrm>
-            <a:off x="3194893" y="4387983"/>
-            <a:ext cx="523717" cy="523717"/>
+            <a:off x="3194894" y="4460752"/>
+            <a:ext cx="450948" cy="450948"/>
           </a:xfrm>
           <a:prstGeom prst="rect">
             <a:avLst/>
@@ -31765,8 +32052,8 @@
         </p:blipFill>
         <p:spPr>
           <a:xfrm>
-            <a:off x="3173212" y="2072376"/>
-            <a:ext cx="567080" cy="567078"/>
+            <a:off x="3173212" y="2151170"/>
+            <a:ext cx="488286" cy="488284"/>
           </a:xfrm>
           <a:prstGeom prst="rect">
             <a:avLst/>
@@ -32082,6 +32369,7 @@
           </a:bodyPr>
           <a:lstStyle/>
           <a:p>
+            <a:pPr algn="ctr"/>
             <a:r>
               <a:rPr lang="en-US" sz="4400" dirty="0" err="1">
                 <a:solidFill>
@@ -32817,7 +33105,7 @@
                 <a:cs typeface="+mn-ea"/>
                 <a:sym typeface="+mn-lt"/>
               </a:rPr>
-              <a:t> con Forma Simile</a:t>
+              <a:t> con Forma e texture simile</a:t>
             </a:r>
           </a:p>
         </p:txBody>
